--- a/papers/Presentations/IVA17/IVA17.pptx
+++ b/papers/Presentations/IVA17/IVA17.pptx
@@ -139,7 +139,7 @@
   </p:defaultTextStyle>
   <p:extLst>
     <p:ext uri="{EFAFB233-063F-42B5-8137-9DF3F51BA10A}">
-      <p15:sldGuideLst xmlns:p15="http://schemas.microsoft.com/office/powerpoint/2012/main">
+      <p15:sldGuideLst xmlns:p15="http://schemas.microsoft.com/office/powerpoint/2012/main" xmlns="">
         <p15:guide id="1" orient="horz" pos="2160">
           <p15:clr>
             <a:srgbClr val="A4A3A4"/>
@@ -5897,7 +5897,7 @@
           <p:cNvPr id="9" name="ZoneTexte 8">
             <a:extLst>
               <a:ext uri="{FF2B5EF4-FFF2-40B4-BE49-F238E27FC236}">
-                <a16:creationId xmlns:a16="http://schemas.microsoft.com/office/drawing/2014/main" id="{E5C60904-3E43-4D00-A403-14829C9BA3A8}"/>
+                <a16:creationId xmlns:a16="http://schemas.microsoft.com/office/drawing/2014/main" xmlns="" id="{E5C60904-3E43-4D00-A403-14829C9BA3A8}"/>
               </a:ext>
             </a:extLst>
           </p:cNvPr>
@@ -5937,6 +5937,13 @@
   <p:clrMapOvr>
     <a:masterClrMapping/>
   </p:clrMapOvr>
+  <p:timing>
+    <p:tnLst>
+      <p:par>
+        <p:cTn id="1" dur="indefinite" restart="never" nodeType="tmRoot"/>
+      </p:par>
+    </p:tnLst>
+  </p:timing>
 </p:sld>
 </file>
 
@@ -6120,7 +6127,7 @@
           <p:cNvPr id="11" name="Rectangle 10">
             <a:extLst>
               <a:ext uri="{FF2B5EF4-FFF2-40B4-BE49-F238E27FC236}">
-                <a16:creationId xmlns:a16="http://schemas.microsoft.com/office/drawing/2014/main" id="{70948E37-83B5-46CC-BF55-AA82E7F50112}"/>
+                <a16:creationId xmlns:a16="http://schemas.microsoft.com/office/drawing/2014/main" xmlns="" id="{70948E37-83B5-46CC-BF55-AA82E7F50112}"/>
               </a:ext>
             </a:extLst>
           </p:cNvPr>
@@ -6201,7 +6208,7 @@
           <p:cNvPr id="14" name="Rectangle 13">
             <a:extLst>
               <a:ext uri="{FF2B5EF4-FFF2-40B4-BE49-F238E27FC236}">
-                <a16:creationId xmlns:a16="http://schemas.microsoft.com/office/drawing/2014/main" id="{8F3400E1-9791-4DCA-9FD2-7107CE873690}"/>
+                <a16:creationId xmlns:a16="http://schemas.microsoft.com/office/drawing/2014/main" xmlns="" id="{8F3400E1-9791-4DCA-9FD2-7107CE873690}"/>
               </a:ext>
             </a:extLst>
           </p:cNvPr>
@@ -6251,7 +6258,7 @@
           <p:cNvPr id="15" name="ZoneTexte 14">
             <a:extLst>
               <a:ext uri="{FF2B5EF4-FFF2-40B4-BE49-F238E27FC236}">
-                <a16:creationId xmlns:a16="http://schemas.microsoft.com/office/drawing/2014/main" id="{0686F85A-85EC-4FF7-80C4-F874B395ECED}"/>
+                <a16:creationId xmlns:a16="http://schemas.microsoft.com/office/drawing/2014/main" xmlns="" id="{0686F85A-85EC-4FF7-80C4-F874B395ECED}"/>
               </a:ext>
             </a:extLst>
           </p:cNvPr>
@@ -6352,7 +6359,7 @@
             <p:cNvPr id="5" name="Image 4">
               <a:extLst>
                 <a:ext uri="{FF2B5EF4-FFF2-40B4-BE49-F238E27FC236}">
-                  <a16:creationId xmlns:a16="http://schemas.microsoft.com/office/drawing/2014/main" id="{88531C78-1FC9-4FB2-8870-3BC7391B208D}"/>
+                  <a16:creationId xmlns:a16="http://schemas.microsoft.com/office/drawing/2014/main" xmlns="" id="{88531C78-1FC9-4FB2-8870-3BC7391B208D}"/>
                 </a:ext>
               </a:extLst>
             </p:cNvPr>
@@ -6386,7 +6393,7 @@
             <p:cNvPr id="24" name="Rectangle 23">
               <a:extLst>
                 <a:ext uri="{FF2B5EF4-FFF2-40B4-BE49-F238E27FC236}">
-                  <a16:creationId xmlns:a16="http://schemas.microsoft.com/office/drawing/2014/main" id="{D1E0FCD0-EEA8-4172-84A6-6BFEA120DCB4}"/>
+                  <a16:creationId xmlns:a16="http://schemas.microsoft.com/office/drawing/2014/main" xmlns="" id="{D1E0FCD0-EEA8-4172-84A6-6BFEA120DCB4}"/>
                 </a:ext>
               </a:extLst>
             </p:cNvPr>
@@ -6448,7 +6455,7 @@
             <p:cNvPr id="10" name="Image 9">
               <a:extLst>
                 <a:ext uri="{FF2B5EF4-FFF2-40B4-BE49-F238E27FC236}">
-                  <a16:creationId xmlns:a16="http://schemas.microsoft.com/office/drawing/2014/main" id="{1B33F8DA-1CDA-4BC2-BB68-60AE08CF161D}"/>
+                  <a16:creationId xmlns:a16="http://schemas.microsoft.com/office/drawing/2014/main" xmlns="" id="{1B33F8DA-1CDA-4BC2-BB68-60AE08CF161D}"/>
                 </a:ext>
               </a:extLst>
             </p:cNvPr>
@@ -6895,7 +6902,7 @@
           <p:cNvPr id="14" name="Rectangle 13">
             <a:extLst>
               <a:ext uri="{FF2B5EF4-FFF2-40B4-BE49-F238E27FC236}">
-                <a16:creationId xmlns:a16="http://schemas.microsoft.com/office/drawing/2014/main" id="{8F3400E1-9791-4DCA-9FD2-7107CE873690}"/>
+                <a16:creationId xmlns:a16="http://schemas.microsoft.com/office/drawing/2014/main" xmlns="" id="{8F3400E1-9791-4DCA-9FD2-7107CE873690}"/>
               </a:ext>
             </a:extLst>
           </p:cNvPr>
@@ -6945,7 +6952,7 @@
           <p:cNvPr id="19" name="Picture 2">
             <a:extLst>
               <a:ext uri="{FF2B5EF4-FFF2-40B4-BE49-F238E27FC236}">
-                <a16:creationId xmlns:a16="http://schemas.microsoft.com/office/drawing/2014/main" id="{1073412C-BD31-4FF8-81F8-7E47107A6CEC}"/>
+                <a16:creationId xmlns:a16="http://schemas.microsoft.com/office/drawing/2014/main" xmlns="" id="{1073412C-BD31-4FF8-81F8-7E47107A6CEC}"/>
               </a:ext>
             </a:extLst>
           </p:cNvPr>
@@ -7002,7 +7009,7 @@
           <p:cNvPr id="21" name="Picture 3">
             <a:extLst>
               <a:ext uri="{FF2B5EF4-FFF2-40B4-BE49-F238E27FC236}">
-                <a16:creationId xmlns:a16="http://schemas.microsoft.com/office/drawing/2014/main" id="{E5154CFA-10DE-4A93-A831-F79680320B89}"/>
+                <a16:creationId xmlns:a16="http://schemas.microsoft.com/office/drawing/2014/main" xmlns="" id="{E5154CFA-10DE-4A93-A831-F79680320B89}"/>
               </a:ext>
             </a:extLst>
           </p:cNvPr>
@@ -7071,7 +7078,7 @@
             <p:cNvPr id="13" name="Connecteur droit avec flèche 12">
               <a:extLst>
                 <a:ext uri="{FF2B5EF4-FFF2-40B4-BE49-F238E27FC236}">
-                  <a16:creationId xmlns:a16="http://schemas.microsoft.com/office/drawing/2014/main" id="{D65FFD6F-5568-45A2-9D5D-1CFEA9221BC5}"/>
+                  <a16:creationId xmlns:a16="http://schemas.microsoft.com/office/drawing/2014/main" xmlns="" id="{D65FFD6F-5568-45A2-9D5D-1CFEA9221BC5}"/>
                 </a:ext>
               </a:extLst>
             </p:cNvPr>
@@ -7118,7 +7125,7 @@
             <p:cNvPr id="18" name="Connecteur droit avec flèche 17">
               <a:extLst>
                 <a:ext uri="{FF2B5EF4-FFF2-40B4-BE49-F238E27FC236}">
-                  <a16:creationId xmlns:a16="http://schemas.microsoft.com/office/drawing/2014/main" id="{C79F3DD1-F6F3-49B9-BA90-7C1733880E4E}"/>
+                  <a16:creationId xmlns:a16="http://schemas.microsoft.com/office/drawing/2014/main" xmlns="" id="{C79F3DD1-F6F3-49B9-BA90-7C1733880E4E}"/>
                 </a:ext>
               </a:extLst>
             </p:cNvPr>
@@ -7166,7 +7173,7 @@
           <p:cNvPr id="27" name="Groupe 26">
             <a:extLst>
               <a:ext uri="{FF2B5EF4-FFF2-40B4-BE49-F238E27FC236}">
-                <a16:creationId xmlns:a16="http://schemas.microsoft.com/office/drawing/2014/main" id="{9FB81528-92BE-44B0-A33B-8DD173C643EF}"/>
+                <a16:creationId xmlns:a16="http://schemas.microsoft.com/office/drawing/2014/main" xmlns="" id="{9FB81528-92BE-44B0-A33B-8DD173C643EF}"/>
               </a:ext>
             </a:extLst>
           </p:cNvPr>
@@ -7186,7 +7193,7 @@
             <p:cNvPr id="25" name="Rectangle 24">
               <a:extLst>
                 <a:ext uri="{FF2B5EF4-FFF2-40B4-BE49-F238E27FC236}">
-                  <a16:creationId xmlns:a16="http://schemas.microsoft.com/office/drawing/2014/main" id="{B5B55A3B-4C34-4F54-AB3C-6C0AEB43B0A6}"/>
+                  <a16:creationId xmlns:a16="http://schemas.microsoft.com/office/drawing/2014/main" xmlns="" id="{B5B55A3B-4C34-4F54-AB3C-6C0AEB43B0A6}"/>
                 </a:ext>
               </a:extLst>
             </p:cNvPr>
@@ -7239,7 +7246,7 @@
             <p:cNvPr id="26" name="Rectangle 25">
               <a:extLst>
                 <a:ext uri="{FF2B5EF4-FFF2-40B4-BE49-F238E27FC236}">
-                  <a16:creationId xmlns:a16="http://schemas.microsoft.com/office/drawing/2014/main" id="{631F6DC2-FA6D-416F-9457-D644F2D3ED7E}"/>
+                  <a16:creationId xmlns:a16="http://schemas.microsoft.com/office/drawing/2014/main" xmlns="" id="{631F6DC2-FA6D-416F-9457-D644F2D3ED7E}"/>
                 </a:ext>
               </a:extLst>
             </p:cNvPr>
@@ -7288,7 +7295,7 @@
             <p:cNvPr id="22" name="Rectangle 21">
               <a:extLst>
                 <a:ext uri="{FF2B5EF4-FFF2-40B4-BE49-F238E27FC236}">
-                  <a16:creationId xmlns:a16="http://schemas.microsoft.com/office/drawing/2014/main" id="{7BCAE013-9CC5-4E12-8D7C-E20C0CA38EC7}"/>
+                  <a16:creationId xmlns:a16="http://schemas.microsoft.com/office/drawing/2014/main" xmlns="" id="{7BCAE013-9CC5-4E12-8D7C-E20C0CA38EC7}"/>
                 </a:ext>
               </a:extLst>
             </p:cNvPr>
@@ -7338,7 +7345,7 @@
             <p:cNvPr id="29" name="Rectangle 28">
               <a:extLst>
                 <a:ext uri="{FF2B5EF4-FFF2-40B4-BE49-F238E27FC236}">
-                  <a16:creationId xmlns:a16="http://schemas.microsoft.com/office/drawing/2014/main" id="{8AF8BB87-58CC-4C6C-AD11-5D8C87FEE763}"/>
+                  <a16:creationId xmlns:a16="http://schemas.microsoft.com/office/drawing/2014/main" xmlns="" id="{8AF8BB87-58CC-4C6C-AD11-5D8C87FEE763}"/>
                 </a:ext>
               </a:extLst>
             </p:cNvPr>
@@ -7537,6 +7544,13 @@
   <p:clrMapOvr>
     <a:masterClrMapping/>
   </p:clrMapOvr>
+  <p:timing>
+    <p:tnLst>
+      <p:par>
+        <p:cTn id="1" dur="indefinite" restart="never" nodeType="tmRoot"/>
+      </p:par>
+    </p:tnLst>
+  </p:timing>
 </p:sld>
 </file>
 
@@ -7664,7 +7678,7 @@
           <p:cNvPr id="14" name="Rectangle 13">
             <a:extLst>
               <a:ext uri="{FF2B5EF4-FFF2-40B4-BE49-F238E27FC236}">
-                <a16:creationId xmlns:a16="http://schemas.microsoft.com/office/drawing/2014/main" id="{8F3400E1-9791-4DCA-9FD2-7107CE873690}"/>
+                <a16:creationId xmlns:a16="http://schemas.microsoft.com/office/drawing/2014/main" xmlns="" id="{8F3400E1-9791-4DCA-9FD2-7107CE873690}"/>
               </a:ext>
             </a:extLst>
           </p:cNvPr>
@@ -7714,7 +7728,7 @@
           <p:cNvPr id="21" name="Picture 3">
             <a:extLst>
               <a:ext uri="{FF2B5EF4-FFF2-40B4-BE49-F238E27FC236}">
-                <a16:creationId xmlns:a16="http://schemas.microsoft.com/office/drawing/2014/main" id="{E5154CFA-10DE-4A93-A831-F79680320B89}"/>
+                <a16:creationId xmlns:a16="http://schemas.microsoft.com/office/drawing/2014/main" xmlns="" id="{E5154CFA-10DE-4A93-A831-F79680320B89}"/>
               </a:ext>
             </a:extLst>
           </p:cNvPr>
@@ -7788,7 +7802,7 @@
             <p:cNvPr id="13" name="Connecteur droit avec flèche 12">
               <a:extLst>
                 <a:ext uri="{FF2B5EF4-FFF2-40B4-BE49-F238E27FC236}">
-                  <a16:creationId xmlns:a16="http://schemas.microsoft.com/office/drawing/2014/main" id="{D65FFD6F-5568-45A2-9D5D-1CFEA9221BC5}"/>
+                  <a16:creationId xmlns:a16="http://schemas.microsoft.com/office/drawing/2014/main" xmlns="" id="{D65FFD6F-5568-45A2-9D5D-1CFEA9221BC5}"/>
                 </a:ext>
               </a:extLst>
             </p:cNvPr>
@@ -7835,7 +7849,7 @@
             <p:cNvPr id="18" name="Connecteur droit avec flèche 17">
               <a:extLst>
                 <a:ext uri="{FF2B5EF4-FFF2-40B4-BE49-F238E27FC236}">
-                  <a16:creationId xmlns:a16="http://schemas.microsoft.com/office/drawing/2014/main" id="{C79F3DD1-F6F3-49B9-BA90-7C1733880E4E}"/>
+                  <a16:creationId xmlns:a16="http://schemas.microsoft.com/office/drawing/2014/main" xmlns="" id="{C79F3DD1-F6F3-49B9-BA90-7C1733880E4E}"/>
                 </a:ext>
               </a:extLst>
             </p:cNvPr>
@@ -7926,7 +7940,7 @@
           <p:cNvPr id="23" name="Groupe 22">
             <a:extLst>
               <a:ext uri="{FF2B5EF4-FFF2-40B4-BE49-F238E27FC236}">
-                <a16:creationId xmlns:a16="http://schemas.microsoft.com/office/drawing/2014/main" id="{61C42AF2-A37B-4024-9CC7-BCA09014BEE4}"/>
+                <a16:creationId xmlns:a16="http://schemas.microsoft.com/office/drawing/2014/main" xmlns="" id="{61C42AF2-A37B-4024-9CC7-BCA09014BEE4}"/>
               </a:ext>
             </a:extLst>
           </p:cNvPr>
@@ -7946,7 +7960,7 @@
             <p:cNvPr id="24" name="Rectangle 23">
               <a:extLst>
                 <a:ext uri="{FF2B5EF4-FFF2-40B4-BE49-F238E27FC236}">
-                  <a16:creationId xmlns:a16="http://schemas.microsoft.com/office/drawing/2014/main" id="{C07CE433-4FF7-4ADB-BF26-D3C838D0ADCB}"/>
+                  <a16:creationId xmlns:a16="http://schemas.microsoft.com/office/drawing/2014/main" xmlns="" id="{C07CE433-4FF7-4ADB-BF26-D3C838D0ADCB}"/>
                 </a:ext>
               </a:extLst>
             </p:cNvPr>
@@ -8001,7 +8015,7 @@
             <p:cNvPr id="28" name="ZoneTexte 27">
               <a:extLst>
                 <a:ext uri="{FF2B5EF4-FFF2-40B4-BE49-F238E27FC236}">
-                  <a16:creationId xmlns:a16="http://schemas.microsoft.com/office/drawing/2014/main" id="{E46FE502-2DAF-4FD4-8D95-8472B9631A90}"/>
+                  <a16:creationId xmlns:a16="http://schemas.microsoft.com/office/drawing/2014/main" xmlns="" id="{E46FE502-2DAF-4FD4-8D95-8472B9631A90}"/>
                 </a:ext>
               </a:extLst>
             </p:cNvPr>
@@ -8099,7 +8113,7 @@
           <p:cNvPr id="30" name="Picture 2" descr="E:\presentation\satother.png">
             <a:extLst>
               <a:ext uri="{FF2B5EF4-FFF2-40B4-BE49-F238E27FC236}">
-                <a16:creationId xmlns:a16="http://schemas.microsoft.com/office/drawing/2014/main" id="{A8B3CF2C-3A89-4C25-B986-383723A4035F}"/>
+                <a16:creationId xmlns:a16="http://schemas.microsoft.com/office/drawing/2014/main" xmlns="" id="{A8B3CF2C-3A89-4C25-B986-383723A4035F}"/>
               </a:ext>
             </a:extLst>
           </p:cNvPr>
@@ -8146,7 +8160,7 @@
           <p:cNvPr id="31" name="ZoneTexte 30">
             <a:extLst>
               <a:ext uri="{FF2B5EF4-FFF2-40B4-BE49-F238E27FC236}">
-                <a16:creationId xmlns:a16="http://schemas.microsoft.com/office/drawing/2014/main" id="{94FA61C2-B84D-4556-BEC7-664B4B1053EB}"/>
+                <a16:creationId xmlns:a16="http://schemas.microsoft.com/office/drawing/2014/main" xmlns="" id="{94FA61C2-B84D-4556-BEC7-664B4B1053EB}"/>
               </a:ext>
             </a:extLst>
           </p:cNvPr>
@@ -8265,7 +8279,7 @@
           <p:cNvPr id="32" name="Rectangle 31">
             <a:extLst>
               <a:ext uri="{FF2B5EF4-FFF2-40B4-BE49-F238E27FC236}">
-                <a16:creationId xmlns:a16="http://schemas.microsoft.com/office/drawing/2014/main" id="{D1E0FCD0-EEA8-4172-84A6-6BFEA120DCB4}"/>
+                <a16:creationId xmlns:a16="http://schemas.microsoft.com/office/drawing/2014/main" xmlns="" id="{D1E0FCD0-EEA8-4172-84A6-6BFEA120DCB4}"/>
               </a:ext>
             </a:extLst>
           </p:cNvPr>
@@ -8457,7 +8471,7 @@
           <p:cNvPr id="25" name="Picture 2">
             <a:extLst>
               <a:ext uri="{FF2B5EF4-FFF2-40B4-BE49-F238E27FC236}">
-                <a16:creationId xmlns:a16="http://schemas.microsoft.com/office/drawing/2014/main" id="{1073412C-BD31-4FF8-81F8-7E47107A6CEC}"/>
+                <a16:creationId xmlns:a16="http://schemas.microsoft.com/office/drawing/2014/main" xmlns="" id="{1073412C-BD31-4FF8-81F8-7E47107A6CEC}"/>
               </a:ext>
             </a:extLst>
           </p:cNvPr>
@@ -8803,7 +8817,7 @@
           <p:cNvPr id="14" name="Rectangle 13">
             <a:extLst>
               <a:ext uri="{FF2B5EF4-FFF2-40B4-BE49-F238E27FC236}">
-                <a16:creationId xmlns:a16="http://schemas.microsoft.com/office/drawing/2014/main" id="{8F3400E1-9791-4DCA-9FD2-7107CE873690}"/>
+                <a16:creationId xmlns:a16="http://schemas.microsoft.com/office/drawing/2014/main" xmlns="" id="{8F3400E1-9791-4DCA-9FD2-7107CE873690}"/>
               </a:ext>
             </a:extLst>
           </p:cNvPr>
@@ -8853,7 +8867,7 @@
           <p:cNvPr id="21" name="Picture 3">
             <a:extLst>
               <a:ext uri="{FF2B5EF4-FFF2-40B4-BE49-F238E27FC236}">
-                <a16:creationId xmlns:a16="http://schemas.microsoft.com/office/drawing/2014/main" id="{E5154CFA-10DE-4A93-A831-F79680320B89}"/>
+                <a16:creationId xmlns:a16="http://schemas.microsoft.com/office/drawing/2014/main" xmlns="" id="{E5154CFA-10DE-4A93-A831-F79680320B89}"/>
               </a:ext>
             </a:extLst>
           </p:cNvPr>
@@ -8927,7 +8941,7 @@
             <p:cNvPr id="13" name="Connecteur droit avec flèche 12">
               <a:extLst>
                 <a:ext uri="{FF2B5EF4-FFF2-40B4-BE49-F238E27FC236}">
-                  <a16:creationId xmlns:a16="http://schemas.microsoft.com/office/drawing/2014/main" id="{D65FFD6F-5568-45A2-9D5D-1CFEA9221BC5}"/>
+                  <a16:creationId xmlns:a16="http://schemas.microsoft.com/office/drawing/2014/main" xmlns="" id="{D65FFD6F-5568-45A2-9D5D-1CFEA9221BC5}"/>
                 </a:ext>
               </a:extLst>
             </p:cNvPr>
@@ -8974,7 +8988,7 @@
             <p:cNvPr id="18" name="Connecteur droit avec flèche 17">
               <a:extLst>
                 <a:ext uri="{FF2B5EF4-FFF2-40B4-BE49-F238E27FC236}">
-                  <a16:creationId xmlns:a16="http://schemas.microsoft.com/office/drawing/2014/main" id="{C79F3DD1-F6F3-49B9-BA90-7C1733880E4E}"/>
+                  <a16:creationId xmlns:a16="http://schemas.microsoft.com/office/drawing/2014/main" xmlns="" id="{C79F3DD1-F6F3-49B9-BA90-7C1733880E4E}"/>
                 </a:ext>
               </a:extLst>
             </p:cNvPr>
@@ -9065,7 +9079,7 @@
           <p:cNvPr id="31" name="ZoneTexte 30">
             <a:extLst>
               <a:ext uri="{FF2B5EF4-FFF2-40B4-BE49-F238E27FC236}">
-                <a16:creationId xmlns:a16="http://schemas.microsoft.com/office/drawing/2014/main" id="{94FA61C2-B84D-4556-BEC7-664B4B1053EB}"/>
+                <a16:creationId xmlns:a16="http://schemas.microsoft.com/office/drawing/2014/main" xmlns="" id="{94FA61C2-B84D-4556-BEC7-664B4B1053EB}"/>
               </a:ext>
             </a:extLst>
           </p:cNvPr>
@@ -9184,7 +9198,7 @@
           <p:cNvPr id="22" name="ZoneTexte 21">
             <a:extLst>
               <a:ext uri="{FF2B5EF4-FFF2-40B4-BE49-F238E27FC236}">
-                <a16:creationId xmlns:a16="http://schemas.microsoft.com/office/drawing/2014/main" id="{94FA61C2-B84D-4556-BEC7-664B4B1053EB}"/>
+                <a16:creationId xmlns:a16="http://schemas.microsoft.com/office/drawing/2014/main" xmlns="" id="{94FA61C2-B84D-4556-BEC7-664B4B1053EB}"/>
               </a:ext>
             </a:extLst>
           </p:cNvPr>
@@ -9303,7 +9317,7 @@
           <p:cNvPr id="25" name="Groupe 24">
             <a:extLst>
               <a:ext uri="{FF2B5EF4-FFF2-40B4-BE49-F238E27FC236}">
-                <a16:creationId xmlns:a16="http://schemas.microsoft.com/office/drawing/2014/main" id="{61C42AF2-A37B-4024-9CC7-BCA09014BEE4}"/>
+                <a16:creationId xmlns:a16="http://schemas.microsoft.com/office/drawing/2014/main" xmlns="" id="{61C42AF2-A37B-4024-9CC7-BCA09014BEE4}"/>
               </a:ext>
             </a:extLst>
           </p:cNvPr>
@@ -9323,7 +9337,7 @@
             <p:cNvPr id="26" name="Rectangle 25">
               <a:extLst>
                 <a:ext uri="{FF2B5EF4-FFF2-40B4-BE49-F238E27FC236}">
-                  <a16:creationId xmlns:a16="http://schemas.microsoft.com/office/drawing/2014/main" id="{C07CE433-4FF7-4ADB-BF26-D3C838D0ADCB}"/>
+                  <a16:creationId xmlns:a16="http://schemas.microsoft.com/office/drawing/2014/main" xmlns="" id="{C07CE433-4FF7-4ADB-BF26-D3C838D0ADCB}"/>
                 </a:ext>
               </a:extLst>
             </p:cNvPr>
@@ -9374,7 +9388,7 @@
             <p:cNvPr id="27" name="ZoneTexte 26">
               <a:extLst>
                 <a:ext uri="{FF2B5EF4-FFF2-40B4-BE49-F238E27FC236}">
-                  <a16:creationId xmlns:a16="http://schemas.microsoft.com/office/drawing/2014/main" id="{E46FE502-2DAF-4FD4-8D95-8472B9631A90}"/>
+                  <a16:creationId xmlns:a16="http://schemas.microsoft.com/office/drawing/2014/main" xmlns="" id="{E46FE502-2DAF-4FD4-8D95-8472B9631A90}"/>
                 </a:ext>
               </a:extLst>
             </p:cNvPr>
@@ -9570,7 +9584,7 @@
           <p:cNvPr id="29" name="ZoneTexte 28">
             <a:extLst>
               <a:ext uri="{FF2B5EF4-FFF2-40B4-BE49-F238E27FC236}">
-                <a16:creationId xmlns:a16="http://schemas.microsoft.com/office/drawing/2014/main" id="{345CBD4C-02A4-49D0-A86D-41CBBF812EEF}"/>
+                <a16:creationId xmlns:a16="http://schemas.microsoft.com/office/drawing/2014/main" xmlns="" id="{345CBD4C-02A4-49D0-A86D-41CBBF812EEF}"/>
               </a:ext>
             </a:extLst>
           </p:cNvPr>
@@ -9637,7 +9651,7 @@
           <p:cNvPr id="33" name="Rectangle 32">
             <a:extLst>
               <a:ext uri="{FF2B5EF4-FFF2-40B4-BE49-F238E27FC236}">
-                <a16:creationId xmlns:a16="http://schemas.microsoft.com/office/drawing/2014/main" id="{09B04511-0B48-468D-8610-00249895752A}"/>
+                <a16:creationId xmlns:a16="http://schemas.microsoft.com/office/drawing/2014/main" xmlns="" id="{09B04511-0B48-468D-8610-00249895752A}"/>
               </a:ext>
             </a:extLst>
           </p:cNvPr>
@@ -9729,7 +9743,7 @@
           <p:cNvPr id="23" name="Picture 2">
             <a:extLst>
               <a:ext uri="{FF2B5EF4-FFF2-40B4-BE49-F238E27FC236}">
-                <a16:creationId xmlns:a16="http://schemas.microsoft.com/office/drawing/2014/main" id="{1073412C-BD31-4FF8-81F8-7E47107A6CEC}"/>
+                <a16:creationId xmlns:a16="http://schemas.microsoft.com/office/drawing/2014/main" xmlns="" id="{1073412C-BD31-4FF8-81F8-7E47107A6CEC}"/>
               </a:ext>
             </a:extLst>
           </p:cNvPr>
@@ -9926,6 +9940,13 @@
   <p:clrMapOvr>
     <a:masterClrMapping/>
   </p:clrMapOvr>
+  <p:timing>
+    <p:tnLst>
+      <p:par>
+        <p:cTn id="1" dur="indefinite" restart="never" nodeType="tmRoot"/>
+      </p:par>
+    </p:tnLst>
+  </p:timing>
 </p:sld>
 </file>
 
@@ -10148,6 +10169,13 @@
   <p:clrMapOvr>
     <a:masterClrMapping/>
   </p:clrMapOvr>
+  <p:timing>
+    <p:tnLst>
+      <p:par>
+        <p:cTn id="1" dur="indefinite" restart="never" nodeType="tmRoot"/>
+      </p:par>
+    </p:tnLst>
+  </p:timing>
 </p:sld>
 </file>
 
@@ -10637,6 +10665,13 @@
   <p:clrMapOvr>
     <a:masterClrMapping/>
   </p:clrMapOvr>
+  <p:timing>
+    <p:tnLst>
+      <p:par>
+        <p:cTn id="1" dur="indefinite" restart="never" nodeType="tmRoot"/>
+      </p:par>
+    </p:tnLst>
+  </p:timing>
 </p:sld>
 </file>
 
@@ -10685,7 +10720,7 @@
           <p:cNvPr id="16" name="Titre 1">
             <a:extLst>
               <a:ext uri="{FF2B5EF4-FFF2-40B4-BE49-F238E27FC236}">
-                <a16:creationId xmlns:a16="http://schemas.microsoft.com/office/drawing/2014/main" id="{6F7FC47C-E66C-4AF5-AA17-09356D3F5226}"/>
+                <a16:creationId xmlns:a16="http://schemas.microsoft.com/office/drawing/2014/main" xmlns="" id="{6F7FC47C-E66C-4AF5-AA17-09356D3F5226}"/>
               </a:ext>
             </a:extLst>
           </p:cNvPr>
@@ -10729,7 +10764,7 @@
           <p:cNvPr id="14" name="Image 13">
             <a:extLst>
               <a:ext uri="{FF2B5EF4-FFF2-40B4-BE49-F238E27FC236}">
-                <a16:creationId xmlns:a16="http://schemas.microsoft.com/office/drawing/2014/main" id="{1556E920-2D39-49D1-BF92-ED760E2E94D4}"/>
+                <a16:creationId xmlns:a16="http://schemas.microsoft.com/office/drawing/2014/main" xmlns="" id="{1556E920-2D39-49D1-BF92-ED760E2E94D4}"/>
               </a:ext>
             </a:extLst>
           </p:cNvPr>
@@ -10765,7 +10800,7 @@
           <p:cNvPr id="20" name="Rectangle 19">
             <a:extLst>
               <a:ext uri="{FF2B5EF4-FFF2-40B4-BE49-F238E27FC236}">
-                <a16:creationId xmlns:a16="http://schemas.microsoft.com/office/drawing/2014/main" id="{4FF44B8E-1846-45A9-B114-3098B6B8CB1C}"/>
+                <a16:creationId xmlns:a16="http://schemas.microsoft.com/office/drawing/2014/main" xmlns="" id="{4FF44B8E-1846-45A9-B114-3098B6B8CB1C}"/>
               </a:ext>
             </a:extLst>
           </p:cNvPr>
@@ -10826,7 +10861,7 @@
             <p:cNvPr id="26" name="Rectangle 25">
               <a:extLst>
                 <a:ext uri="{FF2B5EF4-FFF2-40B4-BE49-F238E27FC236}">
-                  <a16:creationId xmlns:a16="http://schemas.microsoft.com/office/drawing/2014/main" id="{C8E014B8-8F69-45D0-BC88-472428DD5014}"/>
+                  <a16:creationId xmlns:a16="http://schemas.microsoft.com/office/drawing/2014/main" xmlns="" id="{C8E014B8-8F69-45D0-BC88-472428DD5014}"/>
                 </a:ext>
               </a:extLst>
             </p:cNvPr>
@@ -10920,7 +10955,7 @@
             <p:cNvPr id="25" name="Rectangle 24">
               <a:extLst>
                 <a:ext uri="{FF2B5EF4-FFF2-40B4-BE49-F238E27FC236}">
-                  <a16:creationId xmlns:a16="http://schemas.microsoft.com/office/drawing/2014/main" id="{F8C44AB9-A5E4-4160-AE24-DA78158D6810}"/>
+                  <a16:creationId xmlns:a16="http://schemas.microsoft.com/office/drawing/2014/main" xmlns="" id="{F8C44AB9-A5E4-4160-AE24-DA78158D6810}"/>
                 </a:ext>
               </a:extLst>
             </p:cNvPr>
@@ -10974,7 +11009,7 @@
           <p:cNvPr id="4" name="ZoneTexte 3">
             <a:extLst>
               <a:ext uri="{FF2B5EF4-FFF2-40B4-BE49-F238E27FC236}">
-                <a16:creationId xmlns:a16="http://schemas.microsoft.com/office/drawing/2014/main" id="{23EB7785-DF90-40C0-8BD2-FD80B6A592B2}"/>
+                <a16:creationId xmlns:a16="http://schemas.microsoft.com/office/drawing/2014/main" xmlns="" id="{23EB7785-DF90-40C0-8BD2-FD80B6A592B2}"/>
               </a:ext>
             </a:extLst>
           </p:cNvPr>
@@ -11117,7 +11152,7 @@
             <p:cNvPr id="24" name="Rectangle 23">
               <a:extLst>
                 <a:ext uri="{FF2B5EF4-FFF2-40B4-BE49-F238E27FC236}">
-                  <a16:creationId xmlns:a16="http://schemas.microsoft.com/office/drawing/2014/main" id="{34E8D74E-F19B-4494-9DBD-DE8B735FB8C1}"/>
+                  <a16:creationId xmlns:a16="http://schemas.microsoft.com/office/drawing/2014/main" xmlns="" id="{34E8D74E-F19B-4494-9DBD-DE8B735FB8C1}"/>
                 </a:ext>
               </a:extLst>
             </p:cNvPr>
@@ -11167,7 +11202,7 @@
             <p:cNvPr id="19" name="Rectangle 18">
               <a:extLst>
                 <a:ext uri="{FF2B5EF4-FFF2-40B4-BE49-F238E27FC236}">
-                  <a16:creationId xmlns:a16="http://schemas.microsoft.com/office/drawing/2014/main" id="{C8E014B8-8F69-45D0-BC88-472428DD5014}"/>
+                  <a16:creationId xmlns:a16="http://schemas.microsoft.com/office/drawing/2014/main" xmlns="" id="{C8E014B8-8F69-45D0-BC88-472428DD5014}"/>
                 </a:ext>
               </a:extLst>
             </p:cNvPr>
@@ -11218,7 +11253,7 @@
             <p:cNvPr id="27" name="Rectangle 26">
               <a:extLst>
                 <a:ext uri="{FF2B5EF4-FFF2-40B4-BE49-F238E27FC236}">
-                  <a16:creationId xmlns:a16="http://schemas.microsoft.com/office/drawing/2014/main" id="{B5B55A3B-4C34-4F54-AB3C-6C0AEB43B0A6}"/>
+                  <a16:creationId xmlns:a16="http://schemas.microsoft.com/office/drawing/2014/main" xmlns="" id="{B5B55A3B-4C34-4F54-AB3C-6C0AEB43B0A6}"/>
                 </a:ext>
               </a:extLst>
             </p:cNvPr>
@@ -11275,7 +11310,7 @@
             <p:cNvPr id="28" name="Rectangle 27">
               <a:extLst>
                 <a:ext uri="{FF2B5EF4-FFF2-40B4-BE49-F238E27FC236}">
-                  <a16:creationId xmlns:a16="http://schemas.microsoft.com/office/drawing/2014/main" id="{631F6DC2-FA6D-416F-9457-D644F2D3ED7E}"/>
+                  <a16:creationId xmlns:a16="http://schemas.microsoft.com/office/drawing/2014/main" xmlns="" id="{631F6DC2-FA6D-416F-9457-D644F2D3ED7E}"/>
                 </a:ext>
               </a:extLst>
             </p:cNvPr>
@@ -11343,7 +11378,7 @@
             <p:cNvPr id="23" name="Rectangle 22">
               <a:extLst>
                 <a:ext uri="{FF2B5EF4-FFF2-40B4-BE49-F238E27FC236}">
-                  <a16:creationId xmlns:a16="http://schemas.microsoft.com/office/drawing/2014/main" id="{3E646E85-9F24-4829-9A4B-833B474F4994}"/>
+                  <a16:creationId xmlns:a16="http://schemas.microsoft.com/office/drawing/2014/main" xmlns="" id="{3E646E85-9F24-4829-9A4B-833B474F4994}"/>
                 </a:ext>
               </a:extLst>
             </p:cNvPr>
@@ -11436,7 +11471,7 @@
             <p:cNvPr id="31" name="ZoneTexte 30">
               <a:extLst>
                 <a:ext uri="{FF2B5EF4-FFF2-40B4-BE49-F238E27FC236}">
-                  <a16:creationId xmlns:a16="http://schemas.microsoft.com/office/drawing/2014/main" id="{94FA61C2-B84D-4556-BEC7-664B4B1053EB}"/>
+                  <a16:creationId xmlns:a16="http://schemas.microsoft.com/office/drawing/2014/main" xmlns="" id="{94FA61C2-B84D-4556-BEC7-664B4B1053EB}"/>
                 </a:ext>
               </a:extLst>
             </p:cNvPr>
@@ -11555,7 +11590,7 @@
             <p:cNvPr id="32" name="ZoneTexte 31">
               <a:extLst>
                 <a:ext uri="{FF2B5EF4-FFF2-40B4-BE49-F238E27FC236}">
-                  <a16:creationId xmlns:a16="http://schemas.microsoft.com/office/drawing/2014/main" id="{94FA61C2-B84D-4556-BEC7-664B4B1053EB}"/>
+                  <a16:creationId xmlns:a16="http://schemas.microsoft.com/office/drawing/2014/main" xmlns="" id="{94FA61C2-B84D-4556-BEC7-664B4B1053EB}"/>
                 </a:ext>
               </a:extLst>
             </p:cNvPr>
@@ -11674,7 +11709,7 @@
             <p:cNvPr id="33" name="Rectangle 32">
               <a:extLst>
                 <a:ext uri="{FF2B5EF4-FFF2-40B4-BE49-F238E27FC236}">
-                  <a16:creationId xmlns:a16="http://schemas.microsoft.com/office/drawing/2014/main" id="{C8E014B8-8F69-45D0-BC88-472428DD5014}"/>
+                  <a16:creationId xmlns:a16="http://schemas.microsoft.com/office/drawing/2014/main" xmlns="" id="{C8E014B8-8F69-45D0-BC88-472428DD5014}"/>
                 </a:ext>
               </a:extLst>
             </p:cNvPr>
@@ -11764,6 +11799,21 @@
   <p:clrMapOvr>
     <a:masterClrMapping/>
   </p:clrMapOvr>
+  <mc:AlternateContent xmlns:mc="http://schemas.openxmlformats.org/markup-compatibility/2006">
+    <mc:Choice xmlns:p14="http://schemas.microsoft.com/office/powerpoint/2010/main" Requires="p14">
+      <p:transition spd="slow" p14:dur="2000"/>
+    </mc:Choice>
+    <mc:Fallback>
+      <p:transition spd="slow"/>
+    </mc:Fallback>
+  </mc:AlternateContent>
+  <p:timing>
+    <p:tnLst>
+      <p:par>
+        <p:cTn id="1" dur="indefinite" restart="never" nodeType="tmRoot"/>
+      </p:par>
+    </p:tnLst>
+  </p:timing>
 </p:sld>
 </file>
 
@@ -11893,7 +11943,7 @@
           <p:cNvPr id="14" name="Titre 1">
             <a:extLst>
               <a:ext uri="{FF2B5EF4-FFF2-40B4-BE49-F238E27FC236}">
-                <a16:creationId xmlns:a16="http://schemas.microsoft.com/office/drawing/2014/main" id="{664C0ADC-F01C-469F-B67C-D594A1C8E5EC}"/>
+                <a16:creationId xmlns:a16="http://schemas.microsoft.com/office/drawing/2014/main" xmlns="" id="{664C0ADC-F01C-469F-B67C-D594A1C8E5EC}"/>
               </a:ext>
             </a:extLst>
           </p:cNvPr>
@@ -12519,6 +12569,13 @@
   <p:clrMapOvr>
     <a:masterClrMapping/>
   </p:clrMapOvr>
+  <p:timing>
+    <p:tnLst>
+      <p:par>
+        <p:cTn id="1" dur="indefinite" restart="never" nodeType="tmRoot"/>
+      </p:par>
+    </p:tnLst>
+  </p:timing>
 </p:sld>
 </file>
 
@@ -12653,7 +12710,7 @@
           <p:cNvPr id="14" name="Titre 1">
             <a:extLst>
               <a:ext uri="{FF2B5EF4-FFF2-40B4-BE49-F238E27FC236}">
-                <a16:creationId xmlns:a16="http://schemas.microsoft.com/office/drawing/2014/main" id="{664C0ADC-F01C-469F-B67C-D594A1C8E5EC}"/>
+                <a16:creationId xmlns:a16="http://schemas.microsoft.com/office/drawing/2014/main" xmlns="" id="{664C0ADC-F01C-469F-B67C-D594A1C8E5EC}"/>
               </a:ext>
             </a:extLst>
           </p:cNvPr>
@@ -12969,6 +13026,13 @@
   <p:clrMapOvr>
     <a:masterClrMapping/>
   </p:clrMapOvr>
+  <p:timing>
+    <p:tnLst>
+      <p:par>
+        <p:cTn id="1" dur="indefinite" restart="never" nodeType="tmRoot"/>
+      </p:par>
+    </p:tnLst>
+  </p:timing>
 </p:sld>
 </file>
 
@@ -13099,7 +13163,7 @@
           <p:cNvPr id="14" name="Titre 1">
             <a:extLst>
               <a:ext uri="{FF2B5EF4-FFF2-40B4-BE49-F238E27FC236}">
-                <a16:creationId xmlns:a16="http://schemas.microsoft.com/office/drawing/2014/main" id="{664C0ADC-F01C-469F-B67C-D594A1C8E5EC}"/>
+                <a16:creationId xmlns:a16="http://schemas.microsoft.com/office/drawing/2014/main" xmlns="" id="{664C0ADC-F01C-469F-B67C-D594A1C8E5EC}"/>
               </a:ext>
             </a:extLst>
           </p:cNvPr>
@@ -13414,6 +13478,13 @@
   <p:clrMapOvr>
     <a:masterClrMapping/>
   </p:clrMapOvr>
+  <p:timing>
+    <p:tnLst>
+      <p:par>
+        <p:cTn id="1" dur="indefinite" restart="never" nodeType="tmRoot"/>
+      </p:par>
+    </p:tnLst>
+  </p:timing>
 </p:sld>
 </file>
 
@@ -13590,6 +13661,13 @@
   <p:clrMapOvr>
     <a:masterClrMapping/>
   </p:clrMapOvr>
+  <p:timing>
+    <p:tnLst>
+      <p:par>
+        <p:cTn id="1" dur="indefinite" restart="never" nodeType="tmRoot"/>
+      </p:par>
+    </p:tnLst>
+  </p:timing>
 </p:sld>
 </file>
 
@@ -13647,6 +13725,10 @@
             <a:br>
               <a:rPr lang="en-US" sz="1600" dirty="0"/>
             </a:br>
+            <a:r>
+              <a:rPr lang="en-US" sz="1600" dirty="0"/>
+              <a:t/>
+            </a:r>
             <a:br>
               <a:rPr lang="en-US" sz="1600" dirty="0"/>
             </a:br>
@@ -13657,6 +13739,10 @@
             <a:br>
               <a:rPr lang="en-US" sz="1600" dirty="0"/>
             </a:br>
+            <a:r>
+              <a:rPr lang="en-US" sz="1600" dirty="0"/>
+              <a:t/>
+            </a:r>
             <a:br>
               <a:rPr lang="en-US" sz="1600" dirty="0"/>
             </a:br>
@@ -13667,6 +13753,10 @@
             <a:br>
               <a:rPr lang="en-US" sz="1600" dirty="0"/>
             </a:br>
+            <a:r>
+              <a:rPr lang="en-US" sz="1600" dirty="0"/>
+              <a:t/>
+            </a:r>
             <a:br>
               <a:rPr lang="en-US" sz="1600" dirty="0"/>
             </a:br>
@@ -13677,6 +13767,10 @@
             <a:br>
               <a:rPr lang="en-US" sz="1600" dirty="0"/>
             </a:br>
+            <a:r>
+              <a:rPr lang="en-US" sz="1600" dirty="0"/>
+              <a:t/>
+            </a:r>
             <a:br>
               <a:rPr lang="en-US" sz="1600" dirty="0"/>
             </a:br>
@@ -13687,6 +13781,10 @@
             <a:br>
               <a:rPr lang="en-US" sz="1600" dirty="0"/>
             </a:br>
+            <a:r>
+              <a:rPr lang="en-US" sz="1600" dirty="0"/>
+              <a:t/>
+            </a:r>
             <a:br>
               <a:rPr lang="en-US" sz="1600" dirty="0"/>
             </a:br>
@@ -13697,6 +13795,10 @@
             <a:br>
               <a:rPr lang="en-US" sz="1600" dirty="0"/>
             </a:br>
+            <a:r>
+              <a:rPr lang="en-US" sz="1600" dirty="0"/>
+              <a:t/>
+            </a:r>
             <a:br>
               <a:rPr lang="en-US" sz="1600" dirty="0"/>
             </a:br>
@@ -13713,6 +13815,10 @@
             <a:pPr marL="0" indent="0">
               <a:buNone/>
             </a:pPr>
+            <a:r>
+              <a:rPr lang="en-US" sz="1600" dirty="0"/>
+              <a:t/>
+            </a:r>
             <a:br>
               <a:rPr lang="en-US" sz="1600" dirty="0"/>
             </a:br>
@@ -13752,7 +13858,7 @@
           <p:cNvPr id="5" name="ZoneTexte 4">
             <a:extLst>
               <a:ext uri="{FF2B5EF4-FFF2-40B4-BE49-F238E27FC236}">
-                <a16:creationId xmlns:a16="http://schemas.microsoft.com/office/drawing/2014/main" id="{BFFBD950-ABAB-4227-8571-72DBFF533E40}"/>
+                <a16:creationId xmlns:a16="http://schemas.microsoft.com/office/drawing/2014/main" xmlns="" id="{BFFBD950-ABAB-4227-8571-72DBFF533E40}"/>
               </a:ext>
             </a:extLst>
           </p:cNvPr>
@@ -13797,6 +13903,10 @@
             <a:br>
               <a:rPr lang="en-US" sz="1600" dirty="0"/>
             </a:br>
+            <a:r>
+              <a:rPr lang="en-US" sz="1600" dirty="0"/>
+              <a:t/>
+            </a:r>
             <a:br>
               <a:rPr lang="en-US" sz="1600" dirty="0"/>
             </a:br>
@@ -13807,6 +13917,10 @@
             <a:br>
               <a:rPr lang="en-US" sz="1600" dirty="0"/>
             </a:br>
+            <a:r>
+              <a:rPr lang="en-US" sz="1600" dirty="0"/>
+              <a:t/>
+            </a:r>
             <a:br>
               <a:rPr lang="en-US" sz="1600" dirty="0"/>
             </a:br>
@@ -13817,6 +13931,10 @@
             <a:br>
               <a:rPr lang="en-US" sz="1600" dirty="0"/>
             </a:br>
+            <a:r>
+              <a:rPr lang="en-US" sz="1600" dirty="0"/>
+              <a:t/>
+            </a:r>
             <a:br>
               <a:rPr lang="en-US" sz="1600" dirty="0"/>
             </a:br>
@@ -13827,6 +13945,10 @@
             <a:br>
               <a:rPr lang="en-US" sz="1600" dirty="0"/>
             </a:br>
+            <a:r>
+              <a:rPr lang="en-US" sz="1600" dirty="0"/>
+              <a:t/>
+            </a:r>
             <a:br>
               <a:rPr lang="en-US" sz="1600" dirty="0"/>
             </a:br>
@@ -13837,6 +13959,10 @@
             <a:br>
               <a:rPr lang="en-US" sz="1600" dirty="0"/>
             </a:br>
+            <a:r>
+              <a:rPr lang="en-US" sz="1600" dirty="0"/>
+              <a:t/>
+            </a:r>
             <a:br>
               <a:rPr lang="en-US" sz="1600" dirty="0"/>
             </a:br>
@@ -13847,6 +13973,10 @@
             <a:br>
               <a:rPr lang="en-US" sz="1600" dirty="0"/>
             </a:br>
+            <a:r>
+              <a:rPr lang="en-US" sz="1600" dirty="0"/>
+              <a:t/>
+            </a:r>
             <a:br>
               <a:rPr lang="en-US" sz="1600" dirty="0"/>
             </a:br>
@@ -13857,6 +13987,10 @@
             <a:br>
               <a:rPr lang="en-US" sz="1600" dirty="0"/>
             </a:br>
+            <a:r>
+              <a:rPr lang="en-US" sz="1600" dirty="0"/>
+              <a:t/>
+            </a:r>
             <a:br>
               <a:rPr lang="en-US" sz="1600" dirty="0"/>
             </a:br>
@@ -13872,7 +14006,7 @@
           <p:cNvPr id="6" name="Rectangle 5">
             <a:extLst>
               <a:ext uri="{FF2B5EF4-FFF2-40B4-BE49-F238E27FC236}">
-                <a16:creationId xmlns:a16="http://schemas.microsoft.com/office/drawing/2014/main" id="{1ABAD7AF-155F-4D00-992B-CFFD4B852FF8}"/>
+                <a16:creationId xmlns:a16="http://schemas.microsoft.com/office/drawing/2014/main" xmlns="" id="{1ABAD7AF-155F-4D00-992B-CFFD4B852FF8}"/>
               </a:ext>
             </a:extLst>
           </p:cNvPr>
@@ -14034,6 +14168,13 @@
   <p:clrMapOvr>
     <a:masterClrMapping/>
   </p:clrMapOvr>
+  <p:timing>
+    <p:tnLst>
+      <p:par>
+        <p:cTn id="1" dur="indefinite" restart="never" nodeType="tmRoot"/>
+      </p:par>
+    </p:tnLst>
+  </p:timing>
 </p:sld>
 </file>
 
@@ -14091,6 +14232,10 @@
             <a:br>
               <a:rPr lang="en-US" sz="1600" dirty="0"/>
             </a:br>
+            <a:r>
+              <a:rPr lang="en-US" sz="1600" dirty="0"/>
+              <a:t/>
+            </a:r>
             <a:br>
               <a:rPr lang="en-US" sz="1600" dirty="0"/>
             </a:br>
@@ -14101,6 +14246,10 @@
             <a:br>
               <a:rPr lang="en-US" sz="1600" dirty="0"/>
             </a:br>
+            <a:r>
+              <a:rPr lang="en-US" sz="1600" dirty="0"/>
+              <a:t/>
+            </a:r>
             <a:br>
               <a:rPr lang="en-US" sz="1600" dirty="0"/>
             </a:br>
@@ -14119,6 +14268,14 @@
                 </a:solidFill>
               </a:rPr>
             </a:br>
+            <a:r>
+              <a:rPr lang="en-US" sz="1600" b="1" dirty="0">
+                <a:solidFill>
+                  <a:srgbClr val="19A95A"/>
+                </a:solidFill>
+              </a:rPr>
+              <a:t/>
+            </a:r>
             <a:br>
               <a:rPr lang="en-US" sz="1600" b="1" dirty="0">
                 <a:solidFill>
@@ -14133,10 +14290,18 @@
                 </a:solidFill>
               </a:rPr>
               <a:t>    B: "Do you like Italian restaurants?"</a:t>
+            </a:r>
+            <a:r>
+              <a:rPr lang="en-US" sz="1600" dirty="0"/>
+              <a:t/>
             </a:r>
             <a:br>
               <a:rPr lang="en-US" sz="1600" dirty="0"/>
             </a:br>
+            <a:r>
+              <a:rPr lang="en-US" sz="1600" dirty="0"/>
+              <a:t/>
+            </a:r>
             <a:br>
               <a:rPr lang="en-US" sz="1600" dirty="0"/>
             </a:br>
@@ -14147,6 +14312,10 @@
             <a:br>
               <a:rPr lang="en-US" sz="1600" dirty="0"/>
             </a:br>
+            <a:r>
+              <a:rPr lang="en-US" sz="1600" dirty="0"/>
+              <a:t/>
+            </a:r>
             <a:br>
               <a:rPr lang="en-US" sz="1600" dirty="0"/>
             </a:br>
@@ -14157,6 +14326,10 @@
             <a:br>
               <a:rPr lang="en-US" sz="1600" dirty="0"/>
             </a:br>
+            <a:r>
+              <a:rPr lang="en-US" sz="1600" dirty="0"/>
+              <a:t/>
+            </a:r>
             <a:br>
               <a:rPr lang="en-US" sz="1600" dirty="0"/>
             </a:br>
@@ -14173,6 +14346,10 @@
             <a:pPr marL="0" indent="0">
               <a:buNone/>
             </a:pPr>
+            <a:r>
+              <a:rPr lang="en-US" sz="1600" dirty="0"/>
+              <a:t/>
+            </a:r>
             <a:br>
               <a:rPr lang="en-US" sz="1600" dirty="0"/>
             </a:br>
@@ -14212,7 +14389,7 @@
           <p:cNvPr id="5" name="ZoneTexte 4">
             <a:extLst>
               <a:ext uri="{FF2B5EF4-FFF2-40B4-BE49-F238E27FC236}">
-                <a16:creationId xmlns:a16="http://schemas.microsoft.com/office/drawing/2014/main" id="{BFFBD950-ABAB-4227-8571-72DBFF533E40}"/>
+                <a16:creationId xmlns:a16="http://schemas.microsoft.com/office/drawing/2014/main" xmlns="" id="{BFFBD950-ABAB-4227-8571-72DBFF533E40}"/>
               </a:ext>
             </a:extLst>
           </p:cNvPr>
@@ -14257,6 +14434,10 @@
             <a:br>
               <a:rPr lang="en-US" sz="1600" dirty="0"/>
             </a:br>
+            <a:r>
+              <a:rPr lang="en-US" sz="1600" dirty="0"/>
+              <a:t/>
+            </a:r>
             <a:br>
               <a:rPr lang="en-US" sz="1600" dirty="0"/>
             </a:br>
@@ -14267,6 +14448,10 @@
             <a:br>
               <a:rPr lang="en-US" sz="1600" dirty="0"/>
             </a:br>
+            <a:r>
+              <a:rPr lang="en-US" sz="1600" dirty="0"/>
+              <a:t/>
+            </a:r>
             <a:br>
               <a:rPr lang="en-US" sz="1600" dirty="0"/>
             </a:br>
@@ -14277,6 +14462,10 @@
             <a:br>
               <a:rPr lang="en-US" sz="1600" dirty="0"/>
             </a:br>
+            <a:r>
+              <a:rPr lang="en-US" sz="1600" dirty="0"/>
+              <a:t/>
+            </a:r>
             <a:br>
               <a:rPr lang="en-US" sz="1600" dirty="0"/>
             </a:br>
@@ -14287,6 +14476,10 @@
             <a:br>
               <a:rPr lang="en-US" sz="1600" dirty="0"/>
             </a:br>
+            <a:r>
+              <a:rPr lang="en-US" sz="1600" dirty="0"/>
+              <a:t/>
+            </a:r>
             <a:br>
               <a:rPr lang="en-US" sz="1600" dirty="0"/>
             </a:br>
@@ -14297,6 +14490,10 @@
             <a:br>
               <a:rPr lang="en-US" sz="1600" dirty="0"/>
             </a:br>
+            <a:r>
+              <a:rPr lang="en-US" sz="1600" dirty="0"/>
+              <a:t/>
+            </a:r>
             <a:br>
               <a:rPr lang="en-US" sz="1600" dirty="0"/>
             </a:br>
@@ -14307,6 +14504,10 @@
             <a:br>
               <a:rPr lang="en-US" sz="1600" dirty="0"/>
             </a:br>
+            <a:r>
+              <a:rPr lang="en-US" sz="1600" dirty="0"/>
+              <a:t/>
+            </a:r>
             <a:br>
               <a:rPr lang="en-US" sz="1600" dirty="0"/>
             </a:br>
@@ -14325,6 +14526,14 @@
                 </a:solidFill>
               </a:rPr>
             </a:br>
+            <a:r>
+              <a:rPr lang="en-US" sz="1600" b="1" dirty="0">
+                <a:solidFill>
+                  <a:srgbClr val="19A95A"/>
+                </a:solidFill>
+              </a:rPr>
+              <a:t/>
+            </a:r>
             <a:br>
               <a:rPr lang="en-US" sz="1600" b="1" dirty="0">
                 <a:solidFill>
@@ -14348,7 +14557,7 @@
           <p:cNvPr id="6" name="Rectangle 5">
             <a:extLst>
               <a:ext uri="{FF2B5EF4-FFF2-40B4-BE49-F238E27FC236}">
-                <a16:creationId xmlns:a16="http://schemas.microsoft.com/office/drawing/2014/main" id="{1ABAD7AF-155F-4D00-992B-CFFD4B852FF8}"/>
+                <a16:creationId xmlns:a16="http://schemas.microsoft.com/office/drawing/2014/main" xmlns="" id="{1ABAD7AF-155F-4D00-992B-CFFD4B852FF8}"/>
               </a:ext>
             </a:extLst>
           </p:cNvPr>
@@ -14431,7 +14640,7 @@
           <p:cNvPr id="10" name="ZoneTexte 9">
             <a:extLst>
               <a:ext uri="{FF2B5EF4-FFF2-40B4-BE49-F238E27FC236}">
-                <a16:creationId xmlns:a16="http://schemas.microsoft.com/office/drawing/2014/main" id="{4DA97B8E-52E8-4E09-951C-B73407A35AAD}"/>
+                <a16:creationId xmlns:a16="http://schemas.microsoft.com/office/drawing/2014/main" xmlns="" id="{4DA97B8E-52E8-4E09-951C-B73407A35AAD}"/>
               </a:ext>
             </a:extLst>
           </p:cNvPr>
@@ -14478,7 +14687,7 @@
           <p:cNvPr id="11" name="Titre 1">
             <a:extLst>
               <a:ext uri="{FF2B5EF4-FFF2-40B4-BE49-F238E27FC236}">
-                <a16:creationId xmlns:a16="http://schemas.microsoft.com/office/drawing/2014/main" id="{E2BCD793-A108-4B0C-AFD6-572492896B53}"/>
+                <a16:creationId xmlns:a16="http://schemas.microsoft.com/office/drawing/2014/main" xmlns="" id="{E2BCD793-A108-4B0C-AFD6-572492896B53}"/>
               </a:ext>
             </a:extLst>
           </p:cNvPr>
@@ -14522,6 +14731,13 @@
   <p:clrMapOvr>
     <a:masterClrMapping/>
   </p:clrMapOvr>
+  <p:timing>
+    <p:tnLst>
+      <p:par>
+        <p:cTn id="1" dur="indefinite" restart="never" nodeType="tmRoot"/>
+      </p:par>
+    </p:tnLst>
+  </p:timing>
 </p:sld>
 </file>
 
@@ -14579,6 +14795,10 @@
             <a:br>
               <a:rPr lang="en-US" sz="1600" dirty="0"/>
             </a:br>
+            <a:r>
+              <a:rPr lang="en-US" sz="1600" dirty="0"/>
+              <a:t/>
+            </a:r>
             <a:br>
               <a:rPr lang="en-US" sz="1600" dirty="0"/>
             </a:br>
@@ -14589,6 +14809,10 @@
             <a:br>
               <a:rPr lang="en-US" sz="1600" dirty="0"/>
             </a:br>
+            <a:r>
+              <a:rPr lang="en-US" sz="1600" dirty="0"/>
+              <a:t/>
+            </a:r>
             <a:br>
               <a:rPr lang="en-US" sz="1600" dirty="0"/>
             </a:br>
@@ -14599,6 +14823,10 @@
             <a:br>
               <a:rPr lang="en-US" sz="1600" dirty="0"/>
             </a:br>
+            <a:r>
+              <a:rPr lang="en-US" sz="1600" dirty="0"/>
+              <a:t/>
+            </a:r>
             <a:br>
               <a:rPr lang="en-US" sz="1600" dirty="0"/>
             </a:br>
@@ -14609,6 +14837,10 @@
             <a:br>
               <a:rPr lang="en-US" sz="1600" dirty="0"/>
             </a:br>
+            <a:r>
+              <a:rPr lang="en-US" sz="1600" dirty="0"/>
+              <a:t/>
+            </a:r>
             <a:br>
               <a:rPr lang="en-US" sz="1600" dirty="0"/>
             </a:br>
@@ -14619,6 +14851,10 @@
             <a:br>
               <a:rPr lang="en-US" sz="1600" dirty="0"/>
             </a:br>
+            <a:r>
+              <a:rPr lang="en-US" sz="1600" dirty="0"/>
+              <a:t/>
+            </a:r>
             <a:br>
               <a:rPr lang="en-US" sz="1600" dirty="0"/>
             </a:br>
@@ -14629,6 +14865,10 @@
             <a:br>
               <a:rPr lang="en-US" sz="1600" dirty="0"/>
             </a:br>
+            <a:r>
+              <a:rPr lang="en-US" sz="1600" dirty="0"/>
+              <a:t/>
+            </a:r>
             <a:br>
               <a:rPr lang="en-US" sz="1600" dirty="0"/>
             </a:br>
@@ -14645,6 +14885,10 @@
             <a:pPr marL="0" indent="0">
               <a:buNone/>
             </a:pPr>
+            <a:r>
+              <a:rPr lang="en-US" sz="1600" dirty="0"/>
+              <a:t/>
+            </a:r>
             <a:br>
               <a:rPr lang="en-US" sz="1600" dirty="0"/>
             </a:br>
@@ -14684,7 +14928,7 @@
           <p:cNvPr id="5" name="ZoneTexte 4">
             <a:extLst>
               <a:ext uri="{FF2B5EF4-FFF2-40B4-BE49-F238E27FC236}">
-                <a16:creationId xmlns:a16="http://schemas.microsoft.com/office/drawing/2014/main" id="{BFFBD950-ABAB-4227-8571-72DBFF533E40}"/>
+                <a16:creationId xmlns:a16="http://schemas.microsoft.com/office/drawing/2014/main" xmlns="" id="{BFFBD950-ABAB-4227-8571-72DBFF533E40}"/>
               </a:ext>
             </a:extLst>
           </p:cNvPr>
@@ -14729,6 +14973,10 @@
             <a:br>
               <a:rPr lang="en-US" sz="1600" dirty="0"/>
             </a:br>
+            <a:r>
+              <a:rPr lang="en-US" sz="1600" dirty="0"/>
+              <a:t/>
+            </a:r>
             <a:br>
               <a:rPr lang="en-US" sz="1600" dirty="0"/>
             </a:br>
@@ -14739,6 +14987,10 @@
             <a:br>
               <a:rPr lang="en-US" sz="1600" dirty="0"/>
             </a:br>
+            <a:r>
+              <a:rPr lang="en-US" sz="1600" dirty="0"/>
+              <a:t/>
+            </a:r>
             <a:br>
               <a:rPr lang="en-US" sz="1600" dirty="0"/>
             </a:br>
@@ -14749,6 +15001,10 @@
             <a:br>
               <a:rPr lang="en-US" sz="1600" dirty="0"/>
             </a:br>
+            <a:r>
+              <a:rPr lang="en-US" sz="1600" dirty="0"/>
+              <a:t/>
+            </a:r>
             <a:br>
               <a:rPr lang="en-US" sz="1600" dirty="0"/>
             </a:br>
@@ -14759,6 +15015,10 @@
             <a:br>
               <a:rPr lang="en-US" sz="1600" dirty="0"/>
             </a:br>
+            <a:r>
+              <a:rPr lang="en-US" sz="1600" dirty="0"/>
+              <a:t/>
+            </a:r>
             <a:br>
               <a:rPr lang="en-US" sz="1600" dirty="0"/>
             </a:br>
@@ -14769,6 +15029,10 @@
             <a:br>
               <a:rPr lang="en-US" sz="1600" dirty="0"/>
             </a:br>
+            <a:r>
+              <a:rPr lang="en-US" sz="1600" dirty="0"/>
+              <a:t/>
+            </a:r>
             <a:br>
               <a:rPr lang="en-US" sz="1600" dirty="0"/>
             </a:br>
@@ -14779,6 +15043,10 @@
             <a:br>
               <a:rPr lang="en-US" sz="1600" dirty="0"/>
             </a:br>
+            <a:r>
+              <a:rPr lang="en-US" sz="1600" dirty="0"/>
+              <a:t/>
+            </a:r>
             <a:br>
               <a:rPr lang="en-US" sz="1600" dirty="0"/>
             </a:br>
@@ -14789,6 +15057,10 @@
             <a:br>
               <a:rPr lang="en-US" sz="1600" dirty="0"/>
             </a:br>
+            <a:r>
+              <a:rPr lang="en-US" sz="1600" dirty="0"/>
+              <a:t/>
+            </a:r>
             <a:br>
               <a:rPr lang="en-US" sz="1600" dirty="0"/>
             </a:br>
@@ -14804,7 +15076,7 @@
           <p:cNvPr id="6" name="Rectangle 5">
             <a:extLst>
               <a:ext uri="{FF2B5EF4-FFF2-40B4-BE49-F238E27FC236}">
-                <a16:creationId xmlns:a16="http://schemas.microsoft.com/office/drawing/2014/main" id="{1ABAD7AF-155F-4D00-992B-CFFD4B852FF8}"/>
+                <a16:creationId xmlns:a16="http://schemas.microsoft.com/office/drawing/2014/main" xmlns="" id="{1ABAD7AF-155F-4D00-992B-CFFD4B852FF8}"/>
               </a:ext>
             </a:extLst>
           </p:cNvPr>
@@ -15163,7 +15435,7 @@
           <p:cNvPr id="18" name="ZoneTexte 17">
             <a:extLst>
               <a:ext uri="{FF2B5EF4-FFF2-40B4-BE49-F238E27FC236}">
-                <a16:creationId xmlns:a16="http://schemas.microsoft.com/office/drawing/2014/main" id="{C3B3ABE3-9EC2-469E-873C-A5C62C684DF1}"/>
+                <a16:creationId xmlns:a16="http://schemas.microsoft.com/office/drawing/2014/main" xmlns="" id="{C3B3ABE3-9EC2-469E-873C-A5C62C684DF1}"/>
               </a:ext>
             </a:extLst>
           </p:cNvPr>
@@ -15210,7 +15482,7 @@
           <p:cNvPr id="19" name="Titre 1">
             <a:extLst>
               <a:ext uri="{FF2B5EF4-FFF2-40B4-BE49-F238E27FC236}">
-                <a16:creationId xmlns:a16="http://schemas.microsoft.com/office/drawing/2014/main" id="{12BDFC3C-1C01-4160-B20B-AB98DD070716}"/>
+                <a16:creationId xmlns:a16="http://schemas.microsoft.com/office/drawing/2014/main" xmlns="" id="{12BDFC3C-1C01-4160-B20B-AB98DD070716}"/>
               </a:ext>
             </a:extLst>
           </p:cNvPr>
@@ -15254,6 +15526,13 @@
   <p:clrMapOvr>
     <a:masterClrMapping/>
   </p:clrMapOvr>
+  <p:timing>
+    <p:tnLst>
+      <p:par>
+        <p:cTn id="1" dur="indefinite" restart="never" nodeType="tmRoot"/>
+      </p:par>
+    </p:tnLst>
+  </p:timing>
 </p:sld>
 </file>
 
@@ -15311,6 +15590,10 @@
             <a:br>
               <a:rPr lang="en-US" sz="1600" dirty="0"/>
             </a:br>
+            <a:r>
+              <a:rPr lang="en-US" sz="1600" dirty="0"/>
+              <a:t/>
+            </a:r>
             <a:br>
               <a:rPr lang="en-US" sz="1600" dirty="0"/>
             </a:br>
@@ -15321,6 +15604,10 @@
             <a:br>
               <a:rPr lang="en-US" sz="1600" dirty="0"/>
             </a:br>
+            <a:r>
+              <a:rPr lang="en-US" sz="1600" dirty="0"/>
+              <a:t/>
+            </a:r>
             <a:br>
               <a:rPr lang="en-US" sz="1600" dirty="0"/>
             </a:br>
@@ -15331,6 +15618,10 @@
             <a:br>
               <a:rPr lang="en-US" sz="1600" dirty="0"/>
             </a:br>
+            <a:r>
+              <a:rPr lang="en-US" sz="1600" dirty="0"/>
+              <a:t/>
+            </a:r>
             <a:br>
               <a:rPr lang="en-US" sz="1600" dirty="0"/>
             </a:br>
@@ -15341,6 +15632,10 @@
             <a:br>
               <a:rPr lang="en-US" sz="1600" dirty="0"/>
             </a:br>
+            <a:r>
+              <a:rPr lang="en-US" sz="1600" dirty="0"/>
+              <a:t/>
+            </a:r>
             <a:br>
               <a:rPr lang="en-US" sz="1600" dirty="0"/>
             </a:br>
@@ -15351,6 +15646,10 @@
             <a:br>
               <a:rPr lang="en-US" sz="1600" dirty="0"/>
             </a:br>
+            <a:r>
+              <a:rPr lang="en-US" sz="1600" dirty="0"/>
+              <a:t/>
+            </a:r>
             <a:br>
               <a:rPr lang="en-US" sz="1600" dirty="0"/>
             </a:br>
@@ -15361,6 +15660,10 @@
             <a:br>
               <a:rPr lang="en-US" sz="1600" dirty="0"/>
             </a:br>
+            <a:r>
+              <a:rPr lang="en-US" sz="1600" dirty="0"/>
+              <a:t/>
+            </a:r>
             <a:br>
               <a:rPr lang="en-US" sz="1600" dirty="0"/>
             </a:br>
@@ -15377,6 +15680,10 @@
             <a:pPr marL="0" indent="0">
               <a:buNone/>
             </a:pPr>
+            <a:r>
+              <a:rPr lang="en-US" sz="1600" dirty="0"/>
+              <a:t/>
+            </a:r>
             <a:br>
               <a:rPr lang="en-US" sz="1600" dirty="0"/>
             </a:br>
@@ -15416,7 +15723,7 @@
           <p:cNvPr id="5" name="ZoneTexte 4">
             <a:extLst>
               <a:ext uri="{FF2B5EF4-FFF2-40B4-BE49-F238E27FC236}">
-                <a16:creationId xmlns:a16="http://schemas.microsoft.com/office/drawing/2014/main" id="{BFFBD950-ABAB-4227-8571-72DBFF533E40}"/>
+                <a16:creationId xmlns:a16="http://schemas.microsoft.com/office/drawing/2014/main" xmlns="" id="{BFFBD950-ABAB-4227-8571-72DBFF533E40}"/>
               </a:ext>
             </a:extLst>
           </p:cNvPr>
@@ -15461,6 +15768,10 @@
             <a:br>
               <a:rPr lang="en-US" sz="1600" dirty="0"/>
             </a:br>
+            <a:r>
+              <a:rPr lang="en-US" sz="1600" dirty="0"/>
+              <a:t/>
+            </a:r>
             <a:br>
               <a:rPr lang="en-US" sz="1600" dirty="0"/>
             </a:br>
@@ -15471,6 +15782,10 @@
             <a:br>
               <a:rPr lang="en-US" sz="1600" dirty="0"/>
             </a:br>
+            <a:r>
+              <a:rPr lang="en-US" sz="1600" dirty="0"/>
+              <a:t/>
+            </a:r>
             <a:br>
               <a:rPr lang="en-US" sz="1600" dirty="0"/>
             </a:br>
@@ -15481,6 +15796,10 @@
             <a:br>
               <a:rPr lang="en-US" sz="1600" dirty="0"/>
             </a:br>
+            <a:r>
+              <a:rPr lang="en-US" sz="1600" dirty="0"/>
+              <a:t/>
+            </a:r>
             <a:br>
               <a:rPr lang="en-US" sz="1600" dirty="0"/>
             </a:br>
@@ -15491,6 +15810,10 @@
             <a:br>
               <a:rPr lang="en-US" sz="1600" dirty="0"/>
             </a:br>
+            <a:r>
+              <a:rPr lang="en-US" sz="1600" dirty="0"/>
+              <a:t/>
+            </a:r>
             <a:br>
               <a:rPr lang="en-US" sz="1600" dirty="0"/>
             </a:br>
@@ -15501,6 +15824,10 @@
             <a:br>
               <a:rPr lang="en-US" sz="1600" dirty="0"/>
             </a:br>
+            <a:r>
+              <a:rPr lang="en-US" sz="1600" dirty="0"/>
+              <a:t/>
+            </a:r>
             <a:br>
               <a:rPr lang="en-US" sz="1600" dirty="0"/>
             </a:br>
@@ -15511,6 +15838,10 @@
             <a:br>
               <a:rPr lang="en-US" sz="1600" dirty="0"/>
             </a:br>
+            <a:r>
+              <a:rPr lang="en-US" sz="1600" dirty="0"/>
+              <a:t/>
+            </a:r>
             <a:br>
               <a:rPr lang="en-US" sz="1600" dirty="0"/>
             </a:br>
@@ -15521,6 +15852,10 @@
             <a:br>
               <a:rPr lang="en-US" sz="1600" dirty="0"/>
             </a:br>
+            <a:r>
+              <a:rPr lang="en-US" sz="1600" dirty="0"/>
+              <a:t/>
+            </a:r>
             <a:br>
               <a:rPr lang="en-US" sz="1600" dirty="0"/>
             </a:br>
@@ -15536,7 +15871,7 @@
           <p:cNvPr id="6" name="Rectangle 5">
             <a:extLst>
               <a:ext uri="{FF2B5EF4-FFF2-40B4-BE49-F238E27FC236}">
-                <a16:creationId xmlns:a16="http://schemas.microsoft.com/office/drawing/2014/main" id="{1ABAD7AF-155F-4D00-992B-CFFD4B852FF8}"/>
+                <a16:creationId xmlns:a16="http://schemas.microsoft.com/office/drawing/2014/main" xmlns="" id="{1ABAD7AF-155F-4D00-992B-CFFD4B852FF8}"/>
               </a:ext>
             </a:extLst>
           </p:cNvPr>
@@ -15803,7 +16138,7 @@
           <p:cNvPr id="15" name="ZoneTexte 14">
             <a:extLst>
               <a:ext uri="{FF2B5EF4-FFF2-40B4-BE49-F238E27FC236}">
-                <a16:creationId xmlns:a16="http://schemas.microsoft.com/office/drawing/2014/main" id="{2A3FAC5F-7CCF-4FA4-911D-8A5574188D63}"/>
+                <a16:creationId xmlns:a16="http://schemas.microsoft.com/office/drawing/2014/main" xmlns="" id="{2A3FAC5F-7CCF-4FA4-911D-8A5574188D63}"/>
               </a:ext>
             </a:extLst>
           </p:cNvPr>
@@ -15850,7 +16185,7 @@
           <p:cNvPr id="17" name="Titre 1">
             <a:extLst>
               <a:ext uri="{FF2B5EF4-FFF2-40B4-BE49-F238E27FC236}">
-                <a16:creationId xmlns:a16="http://schemas.microsoft.com/office/drawing/2014/main" id="{74C4F468-574E-4102-B88C-E9B4EBDA6580}"/>
+                <a16:creationId xmlns:a16="http://schemas.microsoft.com/office/drawing/2014/main" xmlns="" id="{74C4F468-574E-4102-B88C-E9B4EBDA6580}"/>
               </a:ext>
             </a:extLst>
           </p:cNvPr>
@@ -15894,6 +16229,13 @@
   <p:clrMapOvr>
     <a:masterClrMapping/>
   </p:clrMapOvr>
+  <p:timing>
+    <p:tnLst>
+      <p:par>
+        <p:cTn id="1" dur="indefinite" restart="never" nodeType="tmRoot"/>
+      </p:par>
+    </p:tnLst>
+  </p:timing>
 </p:sld>
 </file>
 
@@ -16152,6 +16494,13 @@
   <p:clrMapOvr>
     <a:masterClrMapping/>
   </p:clrMapOvr>
+  <p:timing>
+    <p:tnLst>
+      <p:par>
+        <p:cTn id="1" dur="indefinite" restart="never" nodeType="tmRoot"/>
+      </p:par>
+    </p:tnLst>
+  </p:timing>
 </p:sld>
 </file>
 
@@ -16194,9 +16543,24 @@
           </a:bodyPr>
           <a:lstStyle/>
           <a:p>
+            <a:pPr marL="0" indent="0">
+              <a:buNone/>
+            </a:pPr>
             <a:r>
               <a:rPr lang="en-US" dirty="0"/>
-              <a:t>Evaluate the perception of behaviors related of power.</a:t>
+              <a:t> </a:t>
+            </a:r>
+            <a:r>
+              <a:rPr lang="en-US" dirty="0" smtClean="0"/>
+              <a:t> </a:t>
+            </a:r>
+            <a:r>
+              <a:rPr lang="en-US" dirty="0" smtClean="0"/>
+              <a:t>Evaluate </a:t>
+            </a:r>
+            <a:r>
+              <a:rPr lang="en-US" dirty="0"/>
+              <a:t>the perception of behaviors related of power.</a:t>
             </a:r>
             <a:endParaRPr lang="en-US" dirty="0">
               <a:solidFill>
@@ -16628,7 +16992,7 @@
             <p:cNvPr id="13" name="Picture 2">
               <a:extLst>
                 <a:ext uri="{FF2B5EF4-FFF2-40B4-BE49-F238E27FC236}">
-                  <a16:creationId xmlns:a16="http://schemas.microsoft.com/office/drawing/2014/main" id="{1073412C-BD31-4FF8-81F8-7E47107A6CEC}"/>
+                  <a16:creationId xmlns:a16="http://schemas.microsoft.com/office/drawing/2014/main" xmlns="" id="{1073412C-BD31-4FF8-81F8-7E47107A6CEC}"/>
                 </a:ext>
               </a:extLst>
             </p:cNvPr>
@@ -16683,7 +17047,7 @@
             <p:cNvPr id="14" name="Picture 2">
               <a:extLst>
                 <a:ext uri="{FF2B5EF4-FFF2-40B4-BE49-F238E27FC236}">
-                  <a16:creationId xmlns:a16="http://schemas.microsoft.com/office/drawing/2014/main" id="{1073412C-BD31-4FF8-81F8-7E47107A6CEC}"/>
+                  <a16:creationId xmlns:a16="http://schemas.microsoft.com/office/drawing/2014/main" xmlns="" id="{1073412C-BD31-4FF8-81F8-7E47107A6CEC}"/>
                 </a:ext>
               </a:extLst>
             </p:cNvPr>
@@ -16811,7 +17175,7 @@
         </p:nvSpPr>
         <p:spPr>
           <a:xfrm>
-            <a:off x="3508408" y="2459907"/>
+            <a:off x="307975" y="2617266"/>
             <a:ext cx="3518912" cy="1231106"/>
           </a:xfrm>
           <a:prstGeom prst="rect">
@@ -16871,8 +17235,13 @@
             </a:pPr>
             <a:r>
               <a:rPr lang="en-US" dirty="0"/>
-              <a:t>Pow(A) = 0.7,  Pow(B) = 0.4</a:t>
-            </a:r>
+              <a:t>Pow(A) = 0.7,  Pow(B) = </a:t>
+            </a:r>
+            <a:r>
+              <a:rPr lang="en-US" dirty="0" smtClean="0"/>
+              <a:t>0.2</a:t>
+            </a:r>
+            <a:endParaRPr lang="en-US" dirty="0"/>
           </a:p>
         </p:txBody>
       </p:sp>
@@ -16884,7 +17253,7 @@
         </p:nvSpPr>
         <p:spPr>
           <a:xfrm>
-            <a:off x="423435" y="2459907"/>
+            <a:off x="4067944" y="2626648"/>
             <a:ext cx="2877711" cy="1231106"/>
           </a:xfrm>
           <a:prstGeom prst="rect">
@@ -16959,6 +17328,13 @@
   <p:clrMapOvr>
     <a:masterClrMapping/>
   </p:clrMapOvr>
+  <p:timing>
+    <p:tnLst>
+      <p:par>
+        <p:cTn id="1" dur="indefinite" restart="never" nodeType="tmRoot"/>
+      </p:par>
+    </p:tnLst>
+  </p:timing>
 </p:sld>
 </file>
 
@@ -17116,8 +17492,16 @@
               <a:t> </a:t>
             </a:r>
             <a:r>
+              <a:rPr lang="en-US" sz="2200" dirty="0" smtClean="0"/>
+              <a:t>Th</a:t>
+            </a:r>
+            <a:r>
+              <a:rPr lang="en-US" sz="2200" dirty="0" smtClean="0"/>
+              <a:t>e </a:t>
+            </a:r>
+            <a:r>
               <a:rPr lang="en-US" sz="2200" dirty="0"/>
-              <a:t>he higher-power agent will more strongly be perceived as taking the lead in the negotiation than the lower-power agent</a:t>
+              <a:t>higher-power agent will more strongly be perceived as taking the lead in the negotiation than the lower-power agent</a:t>
             </a:r>
             <a:endParaRPr lang="en-US" sz="2400" dirty="0">
               <a:solidFill>
@@ -17155,7 +17539,7 @@
           <p:cNvPr id="9" name="ZoneTexte 8">
             <a:extLst>
               <a:ext uri="{FF2B5EF4-FFF2-40B4-BE49-F238E27FC236}">
-                <a16:creationId xmlns:a16="http://schemas.microsoft.com/office/drawing/2014/main" id="{1AB175FA-037C-4BE2-A9EF-E9F07923A9FF}"/>
+                <a16:creationId xmlns:a16="http://schemas.microsoft.com/office/drawing/2014/main" xmlns="" id="{1AB175FA-037C-4BE2-A9EF-E9F07923A9FF}"/>
               </a:ext>
             </a:extLst>
           </p:cNvPr>
@@ -17194,7 +17578,7 @@
           <p:cNvPr id="10" name="Titre 1">
             <a:extLst>
               <a:ext uri="{FF2B5EF4-FFF2-40B4-BE49-F238E27FC236}">
-                <a16:creationId xmlns:a16="http://schemas.microsoft.com/office/drawing/2014/main" id="{1DF4CD20-F84B-4D07-BAE8-6A1045430AD7}"/>
+                <a16:creationId xmlns:a16="http://schemas.microsoft.com/office/drawing/2014/main" xmlns="" id="{1DF4CD20-F84B-4D07-BAE8-6A1045430AD7}"/>
               </a:ext>
             </a:extLst>
           </p:cNvPr>
@@ -17238,6 +17622,13 @@
   <p:clrMapOvr>
     <a:masterClrMapping/>
   </p:clrMapOvr>
+  <p:timing>
+    <p:tnLst>
+      <p:par>
+        <p:cTn id="1" dur="indefinite" restart="never" nodeType="tmRoot"/>
+      </p:par>
+    </p:tnLst>
+  </p:timing>
 </p:sld>
 </file>
 
@@ -17420,7 +17811,7 @@
           <p:cNvPr id="21" name="Titre 1">
             <a:extLst>
               <a:ext uri="{FF2B5EF4-FFF2-40B4-BE49-F238E27FC236}">
-                <a16:creationId xmlns:a16="http://schemas.microsoft.com/office/drawing/2014/main" id="{E55D5E34-0B49-4B7D-9777-837B855953CF}"/>
+                <a16:creationId xmlns:a16="http://schemas.microsoft.com/office/drawing/2014/main" xmlns="" id="{E55D5E34-0B49-4B7D-9777-837B855953CF}"/>
               </a:ext>
             </a:extLst>
           </p:cNvPr>
@@ -17487,7 +17878,7 @@
           <p:cNvPr id="23" name="Image 22">
             <a:extLst>
               <a:ext uri="{FF2B5EF4-FFF2-40B4-BE49-F238E27FC236}">
-                <a16:creationId xmlns:a16="http://schemas.microsoft.com/office/drawing/2014/main" id="{D53D89F2-AE8A-477A-A2F9-C334D7FE89CE}"/>
+                <a16:creationId xmlns:a16="http://schemas.microsoft.com/office/drawing/2014/main" xmlns="" id="{D53D89F2-AE8A-477A-A2F9-C334D7FE89CE}"/>
               </a:ext>
             </a:extLst>
           </p:cNvPr>
@@ -17528,7 +17919,7 @@
           <p:cNvPr id="25" name="Image 24">
             <a:extLst>
               <a:ext uri="{FF2B5EF4-FFF2-40B4-BE49-F238E27FC236}">
-                <a16:creationId xmlns:a16="http://schemas.microsoft.com/office/drawing/2014/main" id="{28731151-DA40-43DD-B470-598CF86726A8}"/>
+                <a16:creationId xmlns:a16="http://schemas.microsoft.com/office/drawing/2014/main" xmlns="" id="{28731151-DA40-43DD-B470-598CF86726A8}"/>
               </a:ext>
             </a:extLst>
           </p:cNvPr>
@@ -17574,6 +17965,13 @@
   <p:clrMapOvr>
     <a:masterClrMapping/>
   </p:clrMapOvr>
+  <p:timing>
+    <p:tnLst>
+      <p:par>
+        <p:cTn id="1" dur="indefinite" restart="never" nodeType="tmRoot"/>
+      </p:par>
+    </p:tnLst>
+  </p:timing>
 </p:sld>
 </file>
 
@@ -17746,7 +18144,7 @@
           <p:cNvPr id="24" name="ZoneTexte 23">
             <a:extLst>
               <a:ext uri="{FF2B5EF4-FFF2-40B4-BE49-F238E27FC236}">
-                <a16:creationId xmlns:a16="http://schemas.microsoft.com/office/drawing/2014/main" id="{96C63FE5-CD8F-440F-B2CB-101C2D901C66}"/>
+                <a16:creationId xmlns:a16="http://schemas.microsoft.com/office/drawing/2014/main" xmlns="" id="{96C63FE5-CD8F-440F-B2CB-101C2D901C66}"/>
               </a:ext>
             </a:extLst>
           </p:cNvPr>
@@ -17781,7 +18179,7 @@
           <p:cNvPr id="25" name="ZoneTexte 24">
             <a:extLst>
               <a:ext uri="{FF2B5EF4-FFF2-40B4-BE49-F238E27FC236}">
-                <a16:creationId xmlns:a16="http://schemas.microsoft.com/office/drawing/2014/main" id="{AAE40979-FF86-497A-AF1B-F1BBA2073296}"/>
+                <a16:creationId xmlns:a16="http://schemas.microsoft.com/office/drawing/2014/main" xmlns="" id="{AAE40979-FF86-497A-AF1B-F1BBA2073296}"/>
               </a:ext>
             </a:extLst>
           </p:cNvPr>
@@ -17816,7 +18214,7 @@
           <p:cNvPr id="32" name="Image 31">
             <a:extLst>
               <a:ext uri="{FF2B5EF4-FFF2-40B4-BE49-F238E27FC236}">
-                <a16:creationId xmlns:a16="http://schemas.microsoft.com/office/drawing/2014/main" id="{B8A974C1-7045-429E-9D7C-82B146B3CF72}"/>
+                <a16:creationId xmlns:a16="http://schemas.microsoft.com/office/drawing/2014/main" xmlns="" id="{B8A974C1-7045-429E-9D7C-82B146B3CF72}"/>
               </a:ext>
             </a:extLst>
           </p:cNvPr>
@@ -17857,7 +18255,7 @@
           <p:cNvPr id="34" name="Image 33">
             <a:extLst>
               <a:ext uri="{FF2B5EF4-FFF2-40B4-BE49-F238E27FC236}">
-                <a16:creationId xmlns:a16="http://schemas.microsoft.com/office/drawing/2014/main" id="{24B0011C-3FE1-48A9-8B0A-9BDF277EDAB6}"/>
+                <a16:creationId xmlns:a16="http://schemas.microsoft.com/office/drawing/2014/main" xmlns="" id="{24B0011C-3FE1-48A9-8B0A-9BDF277EDAB6}"/>
               </a:ext>
             </a:extLst>
           </p:cNvPr>
@@ -17903,6 +18301,13 @@
   <p:clrMapOvr>
     <a:masterClrMapping/>
   </p:clrMapOvr>
+  <p:timing>
+    <p:tnLst>
+      <p:par>
+        <p:cTn id="1" dur="indefinite" restart="never" nodeType="tmRoot"/>
+      </p:par>
+    </p:tnLst>
+  </p:timing>
 </p:sld>
 </file>
 
@@ -18019,6 +18424,21 @@
   <p:clrMapOvr>
     <a:masterClrMapping/>
   </p:clrMapOvr>
+  <mc:AlternateContent xmlns:mc="http://schemas.openxmlformats.org/markup-compatibility/2006">
+    <mc:Choice xmlns:p14="http://schemas.microsoft.com/office/powerpoint/2010/main" Requires="p14">
+      <p:transition spd="slow" p14:dur="2000"/>
+    </mc:Choice>
+    <mc:Fallback>
+      <p:transition spd="slow"/>
+    </mc:Fallback>
+  </mc:AlternateContent>
+  <p:timing>
+    <p:tnLst>
+      <p:par>
+        <p:cTn id="1" dur="indefinite" restart="never" nodeType="tmRoot"/>
+      </p:par>
+    </p:tnLst>
+  </p:timing>
 </p:sld>
 </file>
 
@@ -18785,7 +19205,7 @@
           <p:cNvPr id="28" name="Image 27">
             <a:extLst>
               <a:ext uri="{FF2B5EF4-FFF2-40B4-BE49-F238E27FC236}">
-                <a16:creationId xmlns:a16="http://schemas.microsoft.com/office/drawing/2014/main" id="{99BDECA0-3950-4C91-975C-5B29FE64CC39}"/>
+                <a16:creationId xmlns:a16="http://schemas.microsoft.com/office/drawing/2014/main" xmlns="" id="{99BDECA0-3950-4C91-975C-5B29FE64CC39}"/>
               </a:ext>
             </a:extLst>
           </p:cNvPr>
@@ -18957,6 +19377,13 @@
   <p:clrMapOvr>
     <a:masterClrMapping/>
   </p:clrMapOvr>
+  <p:timing>
+    <p:tnLst>
+      <p:par>
+        <p:cTn id="1" dur="indefinite" restart="never" nodeType="tmRoot"/>
+      </p:par>
+    </p:tnLst>
+  </p:timing>
 </p:sld>
 </file>
 
@@ -19218,7 +19645,7 @@
           <p:cNvPr id="2" name="Rectangle 1">
             <a:extLst>
               <a:ext uri="{FF2B5EF4-FFF2-40B4-BE49-F238E27FC236}">
-                <a16:creationId xmlns:a16="http://schemas.microsoft.com/office/drawing/2014/main" id="{F27C5ECE-A7E9-4F97-8CFC-2D1207980563}"/>
+                <a16:creationId xmlns:a16="http://schemas.microsoft.com/office/drawing/2014/main" xmlns="" id="{F27C5ECE-A7E9-4F97-8CFC-2D1207980563}"/>
               </a:ext>
             </a:extLst>
           </p:cNvPr>
@@ -19291,6 +19718,13 @@
   <p:clrMapOvr>
     <a:masterClrMapping/>
   </p:clrMapOvr>
+  <p:timing>
+    <p:tnLst>
+      <p:par>
+        <p:cTn id="1" dur="indefinite" restart="never" nodeType="tmRoot"/>
+      </p:par>
+    </p:tnLst>
+  </p:timing>
 </p:sld>
 </file>
 
@@ -19376,6 +19810,13 @@
   <p:clrMapOvr>
     <a:masterClrMapping/>
   </p:clrMapOvr>
+  <p:timing>
+    <p:tnLst>
+      <p:par>
+        <p:cTn id="1" dur="indefinite" restart="never" nodeType="tmRoot"/>
+      </p:par>
+    </p:tnLst>
+  </p:timing>
 </p:sld>
 </file>
 
@@ -20012,6 +20453,13 @@
   <p:clrMapOvr>
     <a:masterClrMapping/>
   </p:clrMapOvr>
+  <p:timing>
+    <p:tnLst>
+      <p:par>
+        <p:cTn id="1" dur="indefinite" restart="never" nodeType="tmRoot"/>
+      </p:par>
+    </p:tnLst>
+  </p:timing>
 </p:sld>
 </file>
 
@@ -20338,7 +20786,7 @@
           <p:cNvPr id="17" name="Picture 2">
             <a:extLst>
               <a:ext uri="{FF2B5EF4-FFF2-40B4-BE49-F238E27FC236}">
-                <a16:creationId xmlns:a16="http://schemas.microsoft.com/office/drawing/2014/main" id="{CFF8B845-5BF8-4A0C-98F6-B619715AAEA2}"/>
+                <a16:creationId xmlns:a16="http://schemas.microsoft.com/office/drawing/2014/main" xmlns="" id="{CFF8B845-5BF8-4A0C-98F6-B619715AAEA2}"/>
               </a:ext>
             </a:extLst>
           </p:cNvPr>
@@ -20400,7 +20848,7 @@
           <p:cNvPr id="18" name="Picture 3">
             <a:extLst>
               <a:ext uri="{FF2B5EF4-FFF2-40B4-BE49-F238E27FC236}">
-                <a16:creationId xmlns:a16="http://schemas.microsoft.com/office/drawing/2014/main" id="{EF2EBBBE-8593-44B1-A72D-A22E9C08FFE7}"/>
+                <a16:creationId xmlns:a16="http://schemas.microsoft.com/office/drawing/2014/main" xmlns="" id="{EF2EBBBE-8593-44B1-A72D-A22E9C08FFE7}"/>
               </a:ext>
             </a:extLst>
           </p:cNvPr>
@@ -20460,7 +20908,7 @@
           <p:cNvPr id="19" name="Rectangle 18">
             <a:extLst>
               <a:ext uri="{FF2B5EF4-FFF2-40B4-BE49-F238E27FC236}">
-                <a16:creationId xmlns:a16="http://schemas.microsoft.com/office/drawing/2014/main" id="{038F1302-F2F7-4CF9-9C4C-50FE7FDCDB4F}"/>
+                <a16:creationId xmlns:a16="http://schemas.microsoft.com/office/drawing/2014/main" xmlns="" id="{038F1302-F2F7-4CF9-9C4C-50FE7FDCDB4F}"/>
               </a:ext>
             </a:extLst>
           </p:cNvPr>
@@ -20519,7 +20967,7 @@
           <p:cNvPr id="20" name="Rectangle 19">
             <a:extLst>
               <a:ext uri="{FF2B5EF4-FFF2-40B4-BE49-F238E27FC236}">
-                <a16:creationId xmlns:a16="http://schemas.microsoft.com/office/drawing/2014/main" id="{3C1AA41B-074B-4F7A-861E-89735F345CF0}"/>
+                <a16:creationId xmlns:a16="http://schemas.microsoft.com/office/drawing/2014/main" xmlns="" id="{3C1AA41B-074B-4F7A-861E-89735F345CF0}"/>
               </a:ext>
             </a:extLst>
           </p:cNvPr>
@@ -20583,7 +21031,7 @@
           <p:cNvPr id="21" name="Rectangle 20">
             <a:extLst>
               <a:ext uri="{FF2B5EF4-FFF2-40B4-BE49-F238E27FC236}">
-                <a16:creationId xmlns:a16="http://schemas.microsoft.com/office/drawing/2014/main" id="{2A756D34-B002-4AB4-AC49-78249344A7BE}"/>
+                <a16:creationId xmlns:a16="http://schemas.microsoft.com/office/drawing/2014/main" xmlns="" id="{2A756D34-B002-4AB4-AC49-78249344A7BE}"/>
               </a:ext>
             </a:extLst>
           </p:cNvPr>
@@ -20642,7 +21090,7 @@
           <p:cNvPr id="22" name="Rectangle 21">
             <a:extLst>
               <a:ext uri="{FF2B5EF4-FFF2-40B4-BE49-F238E27FC236}">
-                <a16:creationId xmlns:a16="http://schemas.microsoft.com/office/drawing/2014/main" id="{9D26596C-72BB-42BF-B369-6121898FA7F5}"/>
+                <a16:creationId xmlns:a16="http://schemas.microsoft.com/office/drawing/2014/main" xmlns="" id="{9D26596C-72BB-42BF-B369-6121898FA7F5}"/>
               </a:ext>
             </a:extLst>
           </p:cNvPr>
@@ -20706,7 +21154,7 @@
           <p:cNvPr id="23" name="Double flèche horizontale 6">
             <a:extLst>
               <a:ext uri="{FF2B5EF4-FFF2-40B4-BE49-F238E27FC236}">
-                <a16:creationId xmlns:a16="http://schemas.microsoft.com/office/drawing/2014/main" id="{AF2A9A22-A058-4C7A-BC4B-F53D47BCE5B2}"/>
+                <a16:creationId xmlns:a16="http://schemas.microsoft.com/office/drawing/2014/main" xmlns="" id="{AF2A9A22-A058-4C7A-BC4B-F53D47BCE5B2}"/>
               </a:ext>
             </a:extLst>
           </p:cNvPr>
@@ -20781,6 +21229,13 @@
   <p:clrMapOvr>
     <a:masterClrMapping/>
   </p:clrMapOvr>
+  <p:timing>
+    <p:tnLst>
+      <p:par>
+        <p:cTn id="1" dur="indefinite" restart="never" nodeType="tmRoot"/>
+      </p:par>
+    </p:tnLst>
+  </p:timing>
 </p:sld>
 </file>
 
@@ -21084,7 +21539,7 @@
           <p:cNvPr id="1026" name="Picture 2" descr="Image associée">
             <a:extLst>
               <a:ext uri="{FF2B5EF4-FFF2-40B4-BE49-F238E27FC236}">
-                <a16:creationId xmlns:a16="http://schemas.microsoft.com/office/drawing/2014/main" id="{856E596A-F57F-4174-BE45-CD01C6C9D5BE}"/>
+                <a16:creationId xmlns:a16="http://schemas.microsoft.com/office/drawing/2014/main" xmlns="" id="{856E596A-F57F-4174-BE45-CD01C6C9D5BE}"/>
               </a:ext>
             </a:extLst>
           </p:cNvPr>
@@ -21131,7 +21586,7 @@
           <p:cNvPr id="11" name="Rectangle 10">
             <a:extLst>
               <a:ext uri="{FF2B5EF4-FFF2-40B4-BE49-F238E27FC236}">
-                <a16:creationId xmlns:a16="http://schemas.microsoft.com/office/drawing/2014/main" id="{C5E605CE-174C-4F70-A314-BBB4436AE533}"/>
+                <a16:creationId xmlns:a16="http://schemas.microsoft.com/office/drawing/2014/main" xmlns="" id="{C5E605CE-174C-4F70-A314-BBB4436AE533}"/>
               </a:ext>
             </a:extLst>
           </p:cNvPr>
@@ -21183,7 +21638,7 @@
           <p:cNvPr id="10" name="ZoneTexte 9">
             <a:extLst>
               <a:ext uri="{FF2B5EF4-FFF2-40B4-BE49-F238E27FC236}">
-                <a16:creationId xmlns:a16="http://schemas.microsoft.com/office/drawing/2014/main" id="{218F05D1-768A-4986-80EB-6525FB3CC5A0}"/>
+                <a16:creationId xmlns:a16="http://schemas.microsoft.com/office/drawing/2014/main" xmlns="" id="{218F05D1-768A-4986-80EB-6525FB3CC5A0}"/>
               </a:ext>
             </a:extLst>
           </p:cNvPr>
@@ -21260,6 +21715,13 @@
   <p:clrMapOvr>
     <a:masterClrMapping/>
   </p:clrMapOvr>
+  <p:timing>
+    <p:tnLst>
+      <p:par>
+        <p:cTn id="1" dur="indefinite" restart="never" nodeType="tmRoot"/>
+      </p:par>
+    </p:tnLst>
+  </p:timing>
 </p:sld>
 </file>
 
@@ -21429,7 +21891,7 @@
           <p:cNvPr id="2050" name="Picture 2" descr="Résultat de recherche d'images pour &quot;Bossy or wimpy: expressing social dominance by combining gaze and linguistic behaviors&quot;">
             <a:extLst>
               <a:ext uri="{FF2B5EF4-FFF2-40B4-BE49-F238E27FC236}">
-                <a16:creationId xmlns:a16="http://schemas.microsoft.com/office/drawing/2014/main" id="{24C18FCD-700E-4908-A15A-C1A7C0543531}"/>
+                <a16:creationId xmlns:a16="http://schemas.microsoft.com/office/drawing/2014/main" xmlns="" id="{24C18FCD-700E-4908-A15A-C1A7C0543531}"/>
               </a:ext>
             </a:extLst>
           </p:cNvPr>
@@ -21476,7 +21938,7 @@
           <p:cNvPr id="7" name="Image 6">
             <a:extLst>
               <a:ext uri="{FF2B5EF4-FFF2-40B4-BE49-F238E27FC236}">
-                <a16:creationId xmlns:a16="http://schemas.microsoft.com/office/drawing/2014/main" id="{FAD6EF74-380B-4967-9F00-E19943025F33}"/>
+                <a16:creationId xmlns:a16="http://schemas.microsoft.com/office/drawing/2014/main" xmlns="" id="{FAD6EF74-380B-4967-9F00-E19943025F33}"/>
               </a:ext>
             </a:extLst>
           </p:cNvPr>
@@ -21506,7 +21968,7 @@
           <p:cNvPr id="8" name="ZoneTexte 7">
             <a:extLst>
               <a:ext uri="{FF2B5EF4-FFF2-40B4-BE49-F238E27FC236}">
-                <a16:creationId xmlns:a16="http://schemas.microsoft.com/office/drawing/2014/main" id="{BF819231-86B9-48FA-88B5-2863AF1A57A7}"/>
+                <a16:creationId xmlns:a16="http://schemas.microsoft.com/office/drawing/2014/main" xmlns="" id="{BF819231-86B9-48FA-88B5-2863AF1A57A7}"/>
               </a:ext>
             </a:extLst>
           </p:cNvPr>
@@ -21566,7 +22028,7 @@
           <p:cNvPr id="9" name="ZoneTexte 8">
             <a:extLst>
               <a:ext uri="{FF2B5EF4-FFF2-40B4-BE49-F238E27FC236}">
-                <a16:creationId xmlns:a16="http://schemas.microsoft.com/office/drawing/2014/main" id="{9D386948-6BD8-4636-95D6-1291621D7625}"/>
+                <a16:creationId xmlns:a16="http://schemas.microsoft.com/office/drawing/2014/main" xmlns="" id="{9D386948-6BD8-4636-95D6-1291621D7625}"/>
               </a:ext>
             </a:extLst>
           </p:cNvPr>
@@ -21628,6 +22090,13 @@
   <p:clrMapOvr>
     <a:masterClrMapping/>
   </p:clrMapOvr>
+  <p:timing>
+    <p:tnLst>
+      <p:par>
+        <p:cTn id="1" dur="indefinite" restart="never" nodeType="tmRoot"/>
+      </p:par>
+    </p:tnLst>
+  </p:timing>
 </p:sld>
 </file>
 
@@ -21975,6 +22444,13 @@
   <p:clrMapOvr>
     <a:masterClrMapping/>
   </p:clrMapOvr>
+  <p:timing>
+    <p:tnLst>
+      <p:par>
+        <p:cTn id="1" dur="indefinite" restart="never" nodeType="tmRoot"/>
+      </p:par>
+    </p:tnLst>
+  </p:timing>
 </p:sld>
 </file>
 
@@ -22188,6 +22664,13 @@
   <p:clrMapOvr>
     <a:masterClrMapping/>
   </p:clrMapOvr>
+  <p:timing>
+    <p:tnLst>
+      <p:par>
+        <p:cTn id="1" dur="indefinite" restart="never" nodeType="tmRoot"/>
+      </p:par>
+    </p:tnLst>
+  </p:timing>
 </p:sld>
 </file>
 

--- a/papers/Presentations/IVA17/IVA17.pptx
+++ b/papers/Presentations/IVA17/IVA17.pptx
@@ -5,7 +5,7 @@
     <p:sldMasterId id="2147483684" r:id="rId1"/>
   </p:sldMasterIdLst>
   <p:notesMasterIdLst>
-    <p:notesMasterId r:id="rId33"/>
+    <p:notesMasterId r:id="rId34"/>
   </p:notesMasterIdLst>
   <p:sldIdLst>
     <p:sldId id="256" r:id="rId2"/>
@@ -38,7 +38,8 @@
     <p:sldId id="288" r:id="rId29"/>
     <p:sldId id="317" r:id="rId30"/>
     <p:sldId id="286" r:id="rId31"/>
-    <p:sldId id="300" r:id="rId32"/>
+    <p:sldId id="326" r:id="rId32"/>
+    <p:sldId id="300" r:id="rId33"/>
   </p:sldIdLst>
   <p:sldSz cx="9144000" cy="6858000" type="screen4x3"/>
   <p:notesSz cx="6858000" cy="9144000"/>
@@ -139,7 +140,7 @@
   </p:defaultTextStyle>
   <p:extLst>
     <p:ext uri="{EFAFB233-063F-42B5-8137-9DF3F51BA10A}">
-      <p15:sldGuideLst xmlns:p15="http://schemas.microsoft.com/office/powerpoint/2012/main" xmlns="">
+      <p15:sldGuideLst xmlns="" xmlns:p15="http://schemas.microsoft.com/office/powerpoint/2012/main">
         <p15:guide id="1" orient="horz" pos="2160">
           <p15:clr>
             <a:srgbClr val="A4A3A4"/>
@@ -242,7 +243,7 @@
           <a:p>
             <a:fld id="{7CA15D1E-F8CA-4023-9949-2D4C6A51095A}" type="datetimeFigureOut">
               <a:rPr lang="fr-FR" smtClean="0"/>
-              <a:t>25/08/2017</a:t>
+              <a:t>26/08/2017</a:t>
             </a:fld>
             <a:endParaRPr lang="fr-FR"/>
           </a:p>
@@ -1094,10 +1095,85 @@
               <a:t> d’un ensemble de </a:t>
             </a:r>
             <a:r>
-              <a:rPr lang="fr-FR" baseline="0"/>
+              <a:rPr lang="fr-FR" baseline="0" dirty="0" err="1" smtClean="0"/>
               <a:t>criteres</a:t>
             </a:r>
-            <a:endParaRPr lang="fr-FR"/>
+            <a:endParaRPr lang="fr-FR" baseline="0" dirty="0" smtClean="0"/>
+          </a:p>
+          <a:p>
+            <a:pPr marL="0" marR="0" lvl="0" indent="0" algn="l" defTabSz="914400" rtl="0" eaLnBrk="1" fontAlgn="auto" latinLnBrk="0" hangingPunct="1">
+              <a:lnSpc>
+                <a:spcPct val="100000"/>
+              </a:lnSpc>
+              <a:spcBef>
+                <a:spcPts val="0"/>
+              </a:spcBef>
+              <a:spcAft>
+                <a:spcPts val="0"/>
+              </a:spcAft>
+              <a:buClrTx/>
+              <a:buSzTx/>
+              <a:buFontTx/>
+              <a:buNone/>
+              <a:tabLst/>
+              <a:defRPr/>
+            </a:pPr>
+            <a:r>
+              <a:rPr lang="en-US" b="1" dirty="0" smtClean="0">
+                <a:solidFill>
+                  <a:prstClr val="black"/>
+                </a:solidFill>
+              </a:rPr>
+              <a:t>+ </a:t>
+            </a:r>
+            <a:r>
+              <a:rPr lang="en-US" dirty="0" smtClean="0">
+                <a:solidFill>
+                  <a:prstClr val="black"/>
+                </a:solidFill>
+              </a:rPr>
+              <a:t>The higher </a:t>
+            </a:r>
+            <a:r>
+              <a:rPr lang="en-US" b="1" i="1" dirty="0" smtClean="0">
+                <a:solidFill>
+                  <a:prstClr val="black"/>
+                </a:solidFill>
+              </a:rPr>
+              <a:t>self(t)</a:t>
+            </a:r>
+            <a:r>
+              <a:rPr lang="en-US" dirty="0" smtClean="0">
+                <a:solidFill>
+                  <a:prstClr val="black"/>
+                </a:solidFill>
+              </a:rPr>
+              <a:t> is, the more an agent gives </a:t>
+            </a:r>
+            <a:r>
+              <a:rPr lang="en-US" b="1" dirty="0" smtClean="0">
+                <a:solidFill>
+                  <a:prstClr val="black"/>
+                </a:solidFill>
+              </a:rPr>
+              <a:t>weight</a:t>
+            </a:r>
+            <a:r>
+              <a:rPr lang="en-US" dirty="0" smtClean="0">
+                <a:solidFill>
+                  <a:prstClr val="black"/>
+                </a:solidFill>
+              </a:rPr>
+              <a:t> to its preferences</a:t>
+            </a:r>
+            <a:endParaRPr lang="en-US" b="1" dirty="0" smtClean="0">
+              <a:solidFill>
+                <a:prstClr val="black"/>
+              </a:solidFill>
+            </a:endParaRPr>
+          </a:p>
+          <a:p>
+            <a:endParaRPr lang="fr-FR" dirty="0"/>
           </a:p>
         </p:txBody>
       </p:sp>
@@ -2500,7 +2576,7 @@
           <a:p>
             <a:fld id="{10CDB08B-0089-4E7F-B400-581C2EE3916C}" type="datetime1">
               <a:rPr lang="fr-FR" smtClean="0"/>
-              <a:t>25/08/2017</a:t>
+              <a:t>26/08/2017</a:t>
             </a:fld>
             <a:endParaRPr lang="fr-FR"/>
           </a:p>
@@ -2700,7 +2776,7 @@
           <a:p>
             <a:fld id="{CEC7C56E-8B56-474B-BD68-A3D364922B40}" type="datetime1">
               <a:rPr lang="fr-FR" smtClean="0"/>
-              <a:t>25/08/2017</a:t>
+              <a:t>26/08/2017</a:t>
             </a:fld>
             <a:endParaRPr lang="fr-FR"/>
           </a:p>
@@ -2875,7 +2951,7 @@
           <a:p>
             <a:fld id="{237C33EB-0831-4CC9-AEB5-C54A8074CF4D}" type="datetime1">
               <a:rPr lang="fr-FR" smtClean="0"/>
-              <a:t>25/08/2017</a:t>
+              <a:t>26/08/2017</a:t>
             </a:fld>
             <a:endParaRPr lang="fr-FR"/>
           </a:p>
@@ -3040,7 +3116,7 @@
           <a:p>
             <a:fld id="{7AC38F4A-7EBB-4BFD-B222-2B382A47E1A5}" type="datetime1">
               <a:rPr lang="fr-FR" smtClean="0"/>
-              <a:t>25/08/2017</a:t>
+              <a:t>26/08/2017</a:t>
             </a:fld>
             <a:endParaRPr lang="fr-FR"/>
           </a:p>
@@ -3288,7 +3364,7 @@
           <a:p>
             <a:fld id="{E2F1485B-12A4-4219-BBD4-409F2A40DFE9}" type="datetime1">
               <a:rPr lang="fr-FR" smtClean="0"/>
-              <a:t>25/08/2017</a:t>
+              <a:t>26/08/2017</a:t>
             </a:fld>
             <a:endParaRPr lang="fr-FR"/>
           </a:p>
@@ -3606,7 +3682,7 @@
           <a:p>
             <a:fld id="{85EC6057-47EF-4892-9044-35CD0C157512}" type="datetime1">
               <a:rPr lang="fr-FR" smtClean="0"/>
-              <a:t>25/08/2017</a:t>
+              <a:t>26/08/2017</a:t>
             </a:fld>
             <a:endParaRPr lang="fr-FR"/>
           </a:p>
@@ -4072,7 +4148,7 @@
           <a:p>
             <a:fld id="{2DC96FE8-86AA-4A30-AD07-990FE096A799}" type="datetime1">
               <a:rPr lang="fr-FR" smtClean="0"/>
-              <a:t>25/08/2017</a:t>
+              <a:t>26/08/2017</a:t>
             </a:fld>
             <a:endParaRPr lang="fr-FR"/>
           </a:p>
@@ -4220,7 +4296,7 @@
           <a:p>
             <a:fld id="{98CB78E2-FFBF-4935-9DE3-E22F83194624}" type="datetime1">
               <a:rPr lang="fr-FR" smtClean="0"/>
-              <a:t>25/08/2017</a:t>
+              <a:t>26/08/2017</a:t>
             </a:fld>
             <a:endParaRPr lang="fr-FR"/>
           </a:p>
@@ -4310,7 +4386,7 @@
           <a:p>
             <a:fld id="{E27929DD-537A-4B7A-9962-124B4A8D5AC9}" type="datetime1">
               <a:rPr lang="fr-FR" smtClean="0"/>
-              <a:t>25/08/2017</a:t>
+              <a:t>26/08/2017</a:t>
             </a:fld>
             <a:endParaRPr lang="fr-FR"/>
           </a:p>
@@ -4584,7 +4660,7 @@
           <a:p>
             <a:fld id="{43A6FCE3-03B5-41B8-9DDB-A993F0F1C558}" type="datetime1">
               <a:rPr lang="fr-FR" smtClean="0"/>
-              <a:t>25/08/2017</a:t>
+              <a:t>26/08/2017</a:t>
             </a:fld>
             <a:endParaRPr lang="fr-FR"/>
           </a:p>
@@ -4889,7 +4965,7 @@
           <a:p>
             <a:fld id="{464FB5C7-6D65-4434-B147-0884C7EDD003}" type="datetime1">
               <a:rPr lang="fr-FR" smtClean="0"/>
-              <a:t>25/08/2017</a:t>
+              <a:t>26/08/2017</a:t>
             </a:fld>
             <a:endParaRPr lang="fr-FR"/>
           </a:p>
@@ -5187,7 +5263,7 @@
           <a:p>
             <a:fld id="{4E27EA50-175F-4B0D-BD80-BE2203C73A9E}" type="datetime1">
               <a:rPr lang="fr-FR" smtClean="0"/>
-              <a:t>25/08/2017</a:t>
+              <a:t>26/08/2017</a:t>
             </a:fld>
             <a:endParaRPr lang="fr-FR"/>
           </a:p>
@@ -5897,7 +5973,7 @@
           <p:cNvPr id="9" name="ZoneTexte 8">
             <a:extLst>
               <a:ext uri="{FF2B5EF4-FFF2-40B4-BE49-F238E27FC236}">
-                <a16:creationId xmlns:a16="http://schemas.microsoft.com/office/drawing/2014/main" xmlns="" id="{E5C60904-3E43-4D00-A403-14829C9BA3A8}"/>
+                <a16:creationId xmlns="" xmlns:a16="http://schemas.microsoft.com/office/drawing/2014/main" id="{E5C60904-3E43-4D00-A403-14829C9BA3A8}"/>
               </a:ext>
             </a:extLst>
           </p:cNvPr>
@@ -6127,7 +6203,7 @@
           <p:cNvPr id="11" name="Rectangle 10">
             <a:extLst>
               <a:ext uri="{FF2B5EF4-FFF2-40B4-BE49-F238E27FC236}">
-                <a16:creationId xmlns:a16="http://schemas.microsoft.com/office/drawing/2014/main" xmlns="" id="{70948E37-83B5-46CC-BF55-AA82E7F50112}"/>
+                <a16:creationId xmlns="" xmlns:a16="http://schemas.microsoft.com/office/drawing/2014/main" id="{70948E37-83B5-46CC-BF55-AA82E7F50112}"/>
               </a:ext>
             </a:extLst>
           </p:cNvPr>
@@ -6208,7 +6284,7 @@
           <p:cNvPr id="14" name="Rectangle 13">
             <a:extLst>
               <a:ext uri="{FF2B5EF4-FFF2-40B4-BE49-F238E27FC236}">
-                <a16:creationId xmlns:a16="http://schemas.microsoft.com/office/drawing/2014/main" xmlns="" id="{8F3400E1-9791-4DCA-9FD2-7107CE873690}"/>
+                <a16:creationId xmlns="" xmlns:a16="http://schemas.microsoft.com/office/drawing/2014/main" id="{8F3400E1-9791-4DCA-9FD2-7107CE873690}"/>
               </a:ext>
             </a:extLst>
           </p:cNvPr>
@@ -6258,7 +6334,7 @@
           <p:cNvPr id="15" name="ZoneTexte 14">
             <a:extLst>
               <a:ext uri="{FF2B5EF4-FFF2-40B4-BE49-F238E27FC236}">
-                <a16:creationId xmlns:a16="http://schemas.microsoft.com/office/drawing/2014/main" xmlns="" id="{0686F85A-85EC-4FF7-80C4-F874B395ECED}"/>
+                <a16:creationId xmlns="" xmlns:a16="http://schemas.microsoft.com/office/drawing/2014/main" id="{0686F85A-85EC-4FF7-80C4-F874B395ECED}"/>
               </a:ext>
             </a:extLst>
           </p:cNvPr>
@@ -6359,7 +6435,7 @@
             <p:cNvPr id="5" name="Image 4">
               <a:extLst>
                 <a:ext uri="{FF2B5EF4-FFF2-40B4-BE49-F238E27FC236}">
-                  <a16:creationId xmlns:a16="http://schemas.microsoft.com/office/drawing/2014/main" xmlns="" id="{88531C78-1FC9-4FB2-8870-3BC7391B208D}"/>
+                  <a16:creationId xmlns="" xmlns:a16="http://schemas.microsoft.com/office/drawing/2014/main" id="{88531C78-1FC9-4FB2-8870-3BC7391B208D}"/>
                 </a:ext>
               </a:extLst>
             </p:cNvPr>
@@ -6393,7 +6469,7 @@
             <p:cNvPr id="24" name="Rectangle 23">
               <a:extLst>
                 <a:ext uri="{FF2B5EF4-FFF2-40B4-BE49-F238E27FC236}">
-                  <a16:creationId xmlns:a16="http://schemas.microsoft.com/office/drawing/2014/main" xmlns="" id="{D1E0FCD0-EEA8-4172-84A6-6BFEA120DCB4}"/>
+                  <a16:creationId xmlns="" xmlns:a16="http://schemas.microsoft.com/office/drawing/2014/main" id="{D1E0FCD0-EEA8-4172-84A6-6BFEA120DCB4}"/>
                 </a:ext>
               </a:extLst>
             </p:cNvPr>
@@ -6455,7 +6531,7 @@
             <p:cNvPr id="10" name="Image 9">
               <a:extLst>
                 <a:ext uri="{FF2B5EF4-FFF2-40B4-BE49-F238E27FC236}">
-                  <a16:creationId xmlns:a16="http://schemas.microsoft.com/office/drawing/2014/main" xmlns="" id="{1B33F8DA-1CDA-4BC2-BB68-60AE08CF161D}"/>
+                  <a16:creationId xmlns="" xmlns:a16="http://schemas.microsoft.com/office/drawing/2014/main" id="{1B33F8DA-1CDA-4BC2-BB68-60AE08CF161D}"/>
                 </a:ext>
               </a:extLst>
             </p:cNvPr>
@@ -6902,7 +6978,7 @@
           <p:cNvPr id="14" name="Rectangle 13">
             <a:extLst>
               <a:ext uri="{FF2B5EF4-FFF2-40B4-BE49-F238E27FC236}">
-                <a16:creationId xmlns:a16="http://schemas.microsoft.com/office/drawing/2014/main" xmlns="" id="{8F3400E1-9791-4DCA-9FD2-7107CE873690}"/>
+                <a16:creationId xmlns="" xmlns:a16="http://schemas.microsoft.com/office/drawing/2014/main" id="{8F3400E1-9791-4DCA-9FD2-7107CE873690}"/>
               </a:ext>
             </a:extLst>
           </p:cNvPr>
@@ -6952,7 +7028,7 @@
           <p:cNvPr id="19" name="Picture 2">
             <a:extLst>
               <a:ext uri="{FF2B5EF4-FFF2-40B4-BE49-F238E27FC236}">
-                <a16:creationId xmlns:a16="http://schemas.microsoft.com/office/drawing/2014/main" xmlns="" id="{1073412C-BD31-4FF8-81F8-7E47107A6CEC}"/>
+                <a16:creationId xmlns="" xmlns:a16="http://schemas.microsoft.com/office/drawing/2014/main" id="{1073412C-BD31-4FF8-81F8-7E47107A6CEC}"/>
               </a:ext>
             </a:extLst>
           </p:cNvPr>
@@ -7009,7 +7085,7 @@
           <p:cNvPr id="21" name="Picture 3">
             <a:extLst>
               <a:ext uri="{FF2B5EF4-FFF2-40B4-BE49-F238E27FC236}">
-                <a16:creationId xmlns:a16="http://schemas.microsoft.com/office/drawing/2014/main" xmlns="" id="{E5154CFA-10DE-4A93-A831-F79680320B89}"/>
+                <a16:creationId xmlns="" xmlns:a16="http://schemas.microsoft.com/office/drawing/2014/main" id="{E5154CFA-10DE-4A93-A831-F79680320B89}"/>
               </a:ext>
             </a:extLst>
           </p:cNvPr>
@@ -7078,7 +7154,7 @@
             <p:cNvPr id="13" name="Connecteur droit avec flèche 12">
               <a:extLst>
                 <a:ext uri="{FF2B5EF4-FFF2-40B4-BE49-F238E27FC236}">
-                  <a16:creationId xmlns:a16="http://schemas.microsoft.com/office/drawing/2014/main" xmlns="" id="{D65FFD6F-5568-45A2-9D5D-1CFEA9221BC5}"/>
+                  <a16:creationId xmlns="" xmlns:a16="http://schemas.microsoft.com/office/drawing/2014/main" id="{D65FFD6F-5568-45A2-9D5D-1CFEA9221BC5}"/>
                 </a:ext>
               </a:extLst>
             </p:cNvPr>
@@ -7125,7 +7201,7 @@
             <p:cNvPr id="18" name="Connecteur droit avec flèche 17">
               <a:extLst>
                 <a:ext uri="{FF2B5EF4-FFF2-40B4-BE49-F238E27FC236}">
-                  <a16:creationId xmlns:a16="http://schemas.microsoft.com/office/drawing/2014/main" xmlns="" id="{C79F3DD1-F6F3-49B9-BA90-7C1733880E4E}"/>
+                  <a16:creationId xmlns="" xmlns:a16="http://schemas.microsoft.com/office/drawing/2014/main" id="{C79F3DD1-F6F3-49B9-BA90-7C1733880E4E}"/>
                 </a:ext>
               </a:extLst>
             </p:cNvPr>
@@ -7173,7 +7249,7 @@
           <p:cNvPr id="27" name="Groupe 26">
             <a:extLst>
               <a:ext uri="{FF2B5EF4-FFF2-40B4-BE49-F238E27FC236}">
-                <a16:creationId xmlns:a16="http://schemas.microsoft.com/office/drawing/2014/main" xmlns="" id="{9FB81528-92BE-44B0-A33B-8DD173C643EF}"/>
+                <a16:creationId xmlns="" xmlns:a16="http://schemas.microsoft.com/office/drawing/2014/main" id="{9FB81528-92BE-44B0-A33B-8DD173C643EF}"/>
               </a:ext>
             </a:extLst>
           </p:cNvPr>
@@ -7193,7 +7269,7 @@
             <p:cNvPr id="25" name="Rectangle 24">
               <a:extLst>
                 <a:ext uri="{FF2B5EF4-FFF2-40B4-BE49-F238E27FC236}">
-                  <a16:creationId xmlns:a16="http://schemas.microsoft.com/office/drawing/2014/main" xmlns="" id="{B5B55A3B-4C34-4F54-AB3C-6C0AEB43B0A6}"/>
+                  <a16:creationId xmlns="" xmlns:a16="http://schemas.microsoft.com/office/drawing/2014/main" id="{B5B55A3B-4C34-4F54-AB3C-6C0AEB43B0A6}"/>
                 </a:ext>
               </a:extLst>
             </p:cNvPr>
@@ -7246,7 +7322,7 @@
             <p:cNvPr id="26" name="Rectangle 25">
               <a:extLst>
                 <a:ext uri="{FF2B5EF4-FFF2-40B4-BE49-F238E27FC236}">
-                  <a16:creationId xmlns:a16="http://schemas.microsoft.com/office/drawing/2014/main" xmlns="" id="{631F6DC2-FA6D-416F-9457-D644F2D3ED7E}"/>
+                  <a16:creationId xmlns="" xmlns:a16="http://schemas.microsoft.com/office/drawing/2014/main" id="{631F6DC2-FA6D-416F-9457-D644F2D3ED7E}"/>
                 </a:ext>
               </a:extLst>
             </p:cNvPr>
@@ -7295,7 +7371,7 @@
             <p:cNvPr id="22" name="Rectangle 21">
               <a:extLst>
                 <a:ext uri="{FF2B5EF4-FFF2-40B4-BE49-F238E27FC236}">
-                  <a16:creationId xmlns:a16="http://schemas.microsoft.com/office/drawing/2014/main" xmlns="" id="{7BCAE013-9CC5-4E12-8D7C-E20C0CA38EC7}"/>
+                  <a16:creationId xmlns="" xmlns:a16="http://schemas.microsoft.com/office/drawing/2014/main" id="{7BCAE013-9CC5-4E12-8D7C-E20C0CA38EC7}"/>
                 </a:ext>
               </a:extLst>
             </p:cNvPr>
@@ -7345,7 +7421,7 @@
             <p:cNvPr id="29" name="Rectangle 28">
               <a:extLst>
                 <a:ext uri="{FF2B5EF4-FFF2-40B4-BE49-F238E27FC236}">
-                  <a16:creationId xmlns:a16="http://schemas.microsoft.com/office/drawing/2014/main" xmlns="" id="{8AF8BB87-58CC-4C6C-AD11-5D8C87FEE763}"/>
+                  <a16:creationId xmlns="" xmlns:a16="http://schemas.microsoft.com/office/drawing/2014/main" id="{8AF8BB87-58CC-4C6C-AD11-5D8C87FEE763}"/>
                 </a:ext>
               </a:extLst>
             </p:cNvPr>
@@ -7678,7 +7754,7 @@
           <p:cNvPr id="14" name="Rectangle 13">
             <a:extLst>
               <a:ext uri="{FF2B5EF4-FFF2-40B4-BE49-F238E27FC236}">
-                <a16:creationId xmlns:a16="http://schemas.microsoft.com/office/drawing/2014/main" xmlns="" id="{8F3400E1-9791-4DCA-9FD2-7107CE873690}"/>
+                <a16:creationId xmlns="" xmlns:a16="http://schemas.microsoft.com/office/drawing/2014/main" id="{8F3400E1-9791-4DCA-9FD2-7107CE873690}"/>
               </a:ext>
             </a:extLst>
           </p:cNvPr>
@@ -7728,7 +7804,7 @@
           <p:cNvPr id="21" name="Picture 3">
             <a:extLst>
               <a:ext uri="{FF2B5EF4-FFF2-40B4-BE49-F238E27FC236}">
-                <a16:creationId xmlns:a16="http://schemas.microsoft.com/office/drawing/2014/main" xmlns="" id="{E5154CFA-10DE-4A93-A831-F79680320B89}"/>
+                <a16:creationId xmlns="" xmlns:a16="http://schemas.microsoft.com/office/drawing/2014/main" id="{E5154CFA-10DE-4A93-A831-F79680320B89}"/>
               </a:ext>
             </a:extLst>
           </p:cNvPr>
@@ -7802,7 +7878,7 @@
             <p:cNvPr id="13" name="Connecteur droit avec flèche 12">
               <a:extLst>
                 <a:ext uri="{FF2B5EF4-FFF2-40B4-BE49-F238E27FC236}">
-                  <a16:creationId xmlns:a16="http://schemas.microsoft.com/office/drawing/2014/main" xmlns="" id="{D65FFD6F-5568-45A2-9D5D-1CFEA9221BC5}"/>
+                  <a16:creationId xmlns="" xmlns:a16="http://schemas.microsoft.com/office/drawing/2014/main" id="{D65FFD6F-5568-45A2-9D5D-1CFEA9221BC5}"/>
                 </a:ext>
               </a:extLst>
             </p:cNvPr>
@@ -7849,7 +7925,7 @@
             <p:cNvPr id="18" name="Connecteur droit avec flèche 17">
               <a:extLst>
                 <a:ext uri="{FF2B5EF4-FFF2-40B4-BE49-F238E27FC236}">
-                  <a16:creationId xmlns:a16="http://schemas.microsoft.com/office/drawing/2014/main" xmlns="" id="{C79F3DD1-F6F3-49B9-BA90-7C1733880E4E}"/>
+                  <a16:creationId xmlns="" xmlns:a16="http://schemas.microsoft.com/office/drawing/2014/main" id="{C79F3DD1-F6F3-49B9-BA90-7C1733880E4E}"/>
                 </a:ext>
               </a:extLst>
             </p:cNvPr>
@@ -7940,7 +8016,7 @@
           <p:cNvPr id="23" name="Groupe 22">
             <a:extLst>
               <a:ext uri="{FF2B5EF4-FFF2-40B4-BE49-F238E27FC236}">
-                <a16:creationId xmlns:a16="http://schemas.microsoft.com/office/drawing/2014/main" xmlns="" id="{61C42AF2-A37B-4024-9CC7-BCA09014BEE4}"/>
+                <a16:creationId xmlns="" xmlns:a16="http://schemas.microsoft.com/office/drawing/2014/main" id="{61C42AF2-A37B-4024-9CC7-BCA09014BEE4}"/>
               </a:ext>
             </a:extLst>
           </p:cNvPr>
@@ -7960,7 +8036,7 @@
             <p:cNvPr id="24" name="Rectangle 23">
               <a:extLst>
                 <a:ext uri="{FF2B5EF4-FFF2-40B4-BE49-F238E27FC236}">
-                  <a16:creationId xmlns:a16="http://schemas.microsoft.com/office/drawing/2014/main" xmlns="" id="{C07CE433-4FF7-4ADB-BF26-D3C838D0ADCB}"/>
+                  <a16:creationId xmlns="" xmlns:a16="http://schemas.microsoft.com/office/drawing/2014/main" id="{C07CE433-4FF7-4ADB-BF26-D3C838D0ADCB}"/>
                 </a:ext>
               </a:extLst>
             </p:cNvPr>
@@ -8015,7 +8091,7 @@
             <p:cNvPr id="28" name="ZoneTexte 27">
               <a:extLst>
                 <a:ext uri="{FF2B5EF4-FFF2-40B4-BE49-F238E27FC236}">
-                  <a16:creationId xmlns:a16="http://schemas.microsoft.com/office/drawing/2014/main" xmlns="" id="{E46FE502-2DAF-4FD4-8D95-8472B9631A90}"/>
+                  <a16:creationId xmlns="" xmlns:a16="http://schemas.microsoft.com/office/drawing/2014/main" id="{E46FE502-2DAF-4FD4-8D95-8472B9631A90}"/>
                 </a:ext>
               </a:extLst>
             </p:cNvPr>
@@ -8113,7 +8189,7 @@
           <p:cNvPr id="30" name="Picture 2" descr="E:\presentation\satother.png">
             <a:extLst>
               <a:ext uri="{FF2B5EF4-FFF2-40B4-BE49-F238E27FC236}">
-                <a16:creationId xmlns:a16="http://schemas.microsoft.com/office/drawing/2014/main" xmlns="" id="{A8B3CF2C-3A89-4C25-B986-383723A4035F}"/>
+                <a16:creationId xmlns="" xmlns:a16="http://schemas.microsoft.com/office/drawing/2014/main" id="{A8B3CF2C-3A89-4C25-B986-383723A4035F}"/>
               </a:ext>
             </a:extLst>
           </p:cNvPr>
@@ -8160,7 +8236,7 @@
           <p:cNvPr id="31" name="ZoneTexte 30">
             <a:extLst>
               <a:ext uri="{FF2B5EF4-FFF2-40B4-BE49-F238E27FC236}">
-                <a16:creationId xmlns:a16="http://schemas.microsoft.com/office/drawing/2014/main" xmlns="" id="{94FA61C2-B84D-4556-BEC7-664B4B1053EB}"/>
+                <a16:creationId xmlns="" xmlns:a16="http://schemas.microsoft.com/office/drawing/2014/main" id="{94FA61C2-B84D-4556-BEC7-664B4B1053EB}"/>
               </a:ext>
             </a:extLst>
           </p:cNvPr>
@@ -8279,7 +8355,7 @@
           <p:cNvPr id="32" name="Rectangle 31">
             <a:extLst>
               <a:ext uri="{FF2B5EF4-FFF2-40B4-BE49-F238E27FC236}">
-                <a16:creationId xmlns:a16="http://schemas.microsoft.com/office/drawing/2014/main" xmlns="" id="{D1E0FCD0-EEA8-4172-84A6-6BFEA120DCB4}"/>
+                <a16:creationId xmlns="" xmlns:a16="http://schemas.microsoft.com/office/drawing/2014/main" id="{D1E0FCD0-EEA8-4172-84A6-6BFEA120DCB4}"/>
               </a:ext>
             </a:extLst>
           </p:cNvPr>
@@ -8471,7 +8547,7 @@
           <p:cNvPr id="25" name="Picture 2">
             <a:extLst>
               <a:ext uri="{FF2B5EF4-FFF2-40B4-BE49-F238E27FC236}">
-                <a16:creationId xmlns:a16="http://schemas.microsoft.com/office/drawing/2014/main" xmlns="" id="{1073412C-BD31-4FF8-81F8-7E47107A6CEC}"/>
+                <a16:creationId xmlns="" xmlns:a16="http://schemas.microsoft.com/office/drawing/2014/main" id="{1073412C-BD31-4FF8-81F8-7E47107A6CEC}"/>
               </a:ext>
             </a:extLst>
           </p:cNvPr>
@@ -8817,7 +8893,7 @@
           <p:cNvPr id="14" name="Rectangle 13">
             <a:extLst>
               <a:ext uri="{FF2B5EF4-FFF2-40B4-BE49-F238E27FC236}">
-                <a16:creationId xmlns:a16="http://schemas.microsoft.com/office/drawing/2014/main" xmlns="" id="{8F3400E1-9791-4DCA-9FD2-7107CE873690}"/>
+                <a16:creationId xmlns="" xmlns:a16="http://schemas.microsoft.com/office/drawing/2014/main" id="{8F3400E1-9791-4DCA-9FD2-7107CE873690}"/>
               </a:ext>
             </a:extLst>
           </p:cNvPr>
@@ -8867,7 +8943,7 @@
           <p:cNvPr id="21" name="Picture 3">
             <a:extLst>
               <a:ext uri="{FF2B5EF4-FFF2-40B4-BE49-F238E27FC236}">
-                <a16:creationId xmlns:a16="http://schemas.microsoft.com/office/drawing/2014/main" xmlns="" id="{E5154CFA-10DE-4A93-A831-F79680320B89}"/>
+                <a16:creationId xmlns="" xmlns:a16="http://schemas.microsoft.com/office/drawing/2014/main" id="{E5154CFA-10DE-4A93-A831-F79680320B89}"/>
               </a:ext>
             </a:extLst>
           </p:cNvPr>
@@ -8941,7 +9017,7 @@
             <p:cNvPr id="13" name="Connecteur droit avec flèche 12">
               <a:extLst>
                 <a:ext uri="{FF2B5EF4-FFF2-40B4-BE49-F238E27FC236}">
-                  <a16:creationId xmlns:a16="http://schemas.microsoft.com/office/drawing/2014/main" xmlns="" id="{D65FFD6F-5568-45A2-9D5D-1CFEA9221BC5}"/>
+                  <a16:creationId xmlns="" xmlns:a16="http://schemas.microsoft.com/office/drawing/2014/main" id="{D65FFD6F-5568-45A2-9D5D-1CFEA9221BC5}"/>
                 </a:ext>
               </a:extLst>
             </p:cNvPr>
@@ -8988,7 +9064,7 @@
             <p:cNvPr id="18" name="Connecteur droit avec flèche 17">
               <a:extLst>
                 <a:ext uri="{FF2B5EF4-FFF2-40B4-BE49-F238E27FC236}">
-                  <a16:creationId xmlns:a16="http://schemas.microsoft.com/office/drawing/2014/main" xmlns="" id="{C79F3DD1-F6F3-49B9-BA90-7C1733880E4E}"/>
+                  <a16:creationId xmlns="" xmlns:a16="http://schemas.microsoft.com/office/drawing/2014/main" id="{C79F3DD1-F6F3-49B9-BA90-7C1733880E4E}"/>
                 </a:ext>
               </a:extLst>
             </p:cNvPr>
@@ -9079,7 +9155,7 @@
           <p:cNvPr id="31" name="ZoneTexte 30">
             <a:extLst>
               <a:ext uri="{FF2B5EF4-FFF2-40B4-BE49-F238E27FC236}">
-                <a16:creationId xmlns:a16="http://schemas.microsoft.com/office/drawing/2014/main" xmlns="" id="{94FA61C2-B84D-4556-BEC7-664B4B1053EB}"/>
+                <a16:creationId xmlns="" xmlns:a16="http://schemas.microsoft.com/office/drawing/2014/main" id="{94FA61C2-B84D-4556-BEC7-664B4B1053EB}"/>
               </a:ext>
             </a:extLst>
           </p:cNvPr>
@@ -9198,7 +9274,7 @@
           <p:cNvPr id="22" name="ZoneTexte 21">
             <a:extLst>
               <a:ext uri="{FF2B5EF4-FFF2-40B4-BE49-F238E27FC236}">
-                <a16:creationId xmlns:a16="http://schemas.microsoft.com/office/drawing/2014/main" xmlns="" id="{94FA61C2-B84D-4556-BEC7-664B4B1053EB}"/>
+                <a16:creationId xmlns="" xmlns:a16="http://schemas.microsoft.com/office/drawing/2014/main" id="{94FA61C2-B84D-4556-BEC7-664B4B1053EB}"/>
               </a:ext>
             </a:extLst>
           </p:cNvPr>
@@ -9317,7 +9393,7 @@
           <p:cNvPr id="25" name="Groupe 24">
             <a:extLst>
               <a:ext uri="{FF2B5EF4-FFF2-40B4-BE49-F238E27FC236}">
-                <a16:creationId xmlns:a16="http://schemas.microsoft.com/office/drawing/2014/main" xmlns="" id="{61C42AF2-A37B-4024-9CC7-BCA09014BEE4}"/>
+                <a16:creationId xmlns="" xmlns:a16="http://schemas.microsoft.com/office/drawing/2014/main" id="{61C42AF2-A37B-4024-9CC7-BCA09014BEE4}"/>
               </a:ext>
             </a:extLst>
           </p:cNvPr>
@@ -9337,7 +9413,7 @@
             <p:cNvPr id="26" name="Rectangle 25">
               <a:extLst>
                 <a:ext uri="{FF2B5EF4-FFF2-40B4-BE49-F238E27FC236}">
-                  <a16:creationId xmlns:a16="http://schemas.microsoft.com/office/drawing/2014/main" xmlns="" id="{C07CE433-4FF7-4ADB-BF26-D3C838D0ADCB}"/>
+                  <a16:creationId xmlns="" xmlns:a16="http://schemas.microsoft.com/office/drawing/2014/main" id="{C07CE433-4FF7-4ADB-BF26-D3C838D0ADCB}"/>
                 </a:ext>
               </a:extLst>
             </p:cNvPr>
@@ -9388,7 +9464,7 @@
             <p:cNvPr id="27" name="ZoneTexte 26">
               <a:extLst>
                 <a:ext uri="{FF2B5EF4-FFF2-40B4-BE49-F238E27FC236}">
-                  <a16:creationId xmlns:a16="http://schemas.microsoft.com/office/drawing/2014/main" xmlns="" id="{E46FE502-2DAF-4FD4-8D95-8472B9631A90}"/>
+                  <a16:creationId xmlns="" xmlns:a16="http://schemas.microsoft.com/office/drawing/2014/main" id="{E46FE502-2DAF-4FD4-8D95-8472B9631A90}"/>
                 </a:ext>
               </a:extLst>
             </p:cNvPr>
@@ -9584,7 +9660,7 @@
           <p:cNvPr id="29" name="ZoneTexte 28">
             <a:extLst>
               <a:ext uri="{FF2B5EF4-FFF2-40B4-BE49-F238E27FC236}">
-                <a16:creationId xmlns:a16="http://schemas.microsoft.com/office/drawing/2014/main" xmlns="" id="{345CBD4C-02A4-49D0-A86D-41CBBF812EEF}"/>
+                <a16:creationId xmlns="" xmlns:a16="http://schemas.microsoft.com/office/drawing/2014/main" id="{345CBD4C-02A4-49D0-A86D-41CBBF812EEF}"/>
               </a:ext>
             </a:extLst>
           </p:cNvPr>
@@ -9651,7 +9727,7 @@
           <p:cNvPr id="33" name="Rectangle 32">
             <a:extLst>
               <a:ext uri="{FF2B5EF4-FFF2-40B4-BE49-F238E27FC236}">
-                <a16:creationId xmlns:a16="http://schemas.microsoft.com/office/drawing/2014/main" xmlns="" id="{09B04511-0B48-468D-8610-00249895752A}"/>
+                <a16:creationId xmlns="" xmlns:a16="http://schemas.microsoft.com/office/drawing/2014/main" id="{09B04511-0B48-468D-8610-00249895752A}"/>
               </a:ext>
             </a:extLst>
           </p:cNvPr>
@@ -9743,7 +9819,7 @@
           <p:cNvPr id="23" name="Picture 2">
             <a:extLst>
               <a:ext uri="{FF2B5EF4-FFF2-40B4-BE49-F238E27FC236}">
-                <a16:creationId xmlns:a16="http://schemas.microsoft.com/office/drawing/2014/main" xmlns="" id="{1073412C-BD31-4FF8-81F8-7E47107A6CEC}"/>
+                <a16:creationId xmlns="" xmlns:a16="http://schemas.microsoft.com/office/drawing/2014/main" id="{1073412C-BD31-4FF8-81F8-7E47107A6CEC}"/>
               </a:ext>
             </a:extLst>
           </p:cNvPr>
@@ -10720,7 +10796,7 @@
           <p:cNvPr id="16" name="Titre 1">
             <a:extLst>
               <a:ext uri="{FF2B5EF4-FFF2-40B4-BE49-F238E27FC236}">
-                <a16:creationId xmlns:a16="http://schemas.microsoft.com/office/drawing/2014/main" xmlns="" id="{6F7FC47C-E66C-4AF5-AA17-09356D3F5226}"/>
+                <a16:creationId xmlns="" xmlns:a16="http://schemas.microsoft.com/office/drawing/2014/main" id="{6F7FC47C-E66C-4AF5-AA17-09356D3F5226}"/>
               </a:ext>
             </a:extLst>
           </p:cNvPr>
@@ -10764,7 +10840,7 @@
           <p:cNvPr id="14" name="Image 13">
             <a:extLst>
               <a:ext uri="{FF2B5EF4-FFF2-40B4-BE49-F238E27FC236}">
-                <a16:creationId xmlns:a16="http://schemas.microsoft.com/office/drawing/2014/main" xmlns="" id="{1556E920-2D39-49D1-BF92-ED760E2E94D4}"/>
+                <a16:creationId xmlns="" xmlns:a16="http://schemas.microsoft.com/office/drawing/2014/main" id="{1556E920-2D39-49D1-BF92-ED760E2E94D4}"/>
               </a:ext>
             </a:extLst>
           </p:cNvPr>
@@ -10800,7 +10876,7 @@
           <p:cNvPr id="20" name="Rectangle 19">
             <a:extLst>
               <a:ext uri="{FF2B5EF4-FFF2-40B4-BE49-F238E27FC236}">
-                <a16:creationId xmlns:a16="http://schemas.microsoft.com/office/drawing/2014/main" xmlns="" id="{4FF44B8E-1846-45A9-B114-3098B6B8CB1C}"/>
+                <a16:creationId xmlns="" xmlns:a16="http://schemas.microsoft.com/office/drawing/2014/main" id="{4FF44B8E-1846-45A9-B114-3098B6B8CB1C}"/>
               </a:ext>
             </a:extLst>
           </p:cNvPr>
@@ -10861,7 +10937,7 @@
             <p:cNvPr id="26" name="Rectangle 25">
               <a:extLst>
                 <a:ext uri="{FF2B5EF4-FFF2-40B4-BE49-F238E27FC236}">
-                  <a16:creationId xmlns:a16="http://schemas.microsoft.com/office/drawing/2014/main" xmlns="" id="{C8E014B8-8F69-45D0-BC88-472428DD5014}"/>
+                  <a16:creationId xmlns="" xmlns:a16="http://schemas.microsoft.com/office/drawing/2014/main" id="{C8E014B8-8F69-45D0-BC88-472428DD5014}"/>
                 </a:ext>
               </a:extLst>
             </p:cNvPr>
@@ -10955,7 +11031,7 @@
             <p:cNvPr id="25" name="Rectangle 24">
               <a:extLst>
                 <a:ext uri="{FF2B5EF4-FFF2-40B4-BE49-F238E27FC236}">
-                  <a16:creationId xmlns:a16="http://schemas.microsoft.com/office/drawing/2014/main" xmlns="" id="{F8C44AB9-A5E4-4160-AE24-DA78158D6810}"/>
+                  <a16:creationId xmlns="" xmlns:a16="http://schemas.microsoft.com/office/drawing/2014/main" id="{F8C44AB9-A5E4-4160-AE24-DA78158D6810}"/>
                 </a:ext>
               </a:extLst>
             </p:cNvPr>
@@ -11009,7 +11085,7 @@
           <p:cNvPr id="4" name="ZoneTexte 3">
             <a:extLst>
               <a:ext uri="{FF2B5EF4-FFF2-40B4-BE49-F238E27FC236}">
-                <a16:creationId xmlns:a16="http://schemas.microsoft.com/office/drawing/2014/main" xmlns="" id="{23EB7785-DF90-40C0-8BD2-FD80B6A592B2}"/>
+                <a16:creationId xmlns="" xmlns:a16="http://schemas.microsoft.com/office/drawing/2014/main" id="{23EB7785-DF90-40C0-8BD2-FD80B6A592B2}"/>
               </a:ext>
             </a:extLst>
           </p:cNvPr>
@@ -11152,7 +11228,7 @@
             <p:cNvPr id="24" name="Rectangle 23">
               <a:extLst>
                 <a:ext uri="{FF2B5EF4-FFF2-40B4-BE49-F238E27FC236}">
-                  <a16:creationId xmlns:a16="http://schemas.microsoft.com/office/drawing/2014/main" xmlns="" id="{34E8D74E-F19B-4494-9DBD-DE8B735FB8C1}"/>
+                  <a16:creationId xmlns="" xmlns:a16="http://schemas.microsoft.com/office/drawing/2014/main" id="{34E8D74E-F19B-4494-9DBD-DE8B735FB8C1}"/>
                 </a:ext>
               </a:extLst>
             </p:cNvPr>
@@ -11202,7 +11278,7 @@
             <p:cNvPr id="19" name="Rectangle 18">
               <a:extLst>
                 <a:ext uri="{FF2B5EF4-FFF2-40B4-BE49-F238E27FC236}">
-                  <a16:creationId xmlns:a16="http://schemas.microsoft.com/office/drawing/2014/main" xmlns="" id="{C8E014B8-8F69-45D0-BC88-472428DD5014}"/>
+                  <a16:creationId xmlns="" xmlns:a16="http://schemas.microsoft.com/office/drawing/2014/main" id="{C8E014B8-8F69-45D0-BC88-472428DD5014}"/>
                 </a:ext>
               </a:extLst>
             </p:cNvPr>
@@ -11253,7 +11329,7 @@
             <p:cNvPr id="27" name="Rectangle 26">
               <a:extLst>
                 <a:ext uri="{FF2B5EF4-FFF2-40B4-BE49-F238E27FC236}">
-                  <a16:creationId xmlns:a16="http://schemas.microsoft.com/office/drawing/2014/main" xmlns="" id="{B5B55A3B-4C34-4F54-AB3C-6C0AEB43B0A6}"/>
+                  <a16:creationId xmlns="" xmlns:a16="http://schemas.microsoft.com/office/drawing/2014/main" id="{B5B55A3B-4C34-4F54-AB3C-6C0AEB43B0A6}"/>
                 </a:ext>
               </a:extLst>
             </p:cNvPr>
@@ -11310,7 +11386,7 @@
             <p:cNvPr id="28" name="Rectangle 27">
               <a:extLst>
                 <a:ext uri="{FF2B5EF4-FFF2-40B4-BE49-F238E27FC236}">
-                  <a16:creationId xmlns:a16="http://schemas.microsoft.com/office/drawing/2014/main" xmlns="" id="{631F6DC2-FA6D-416F-9457-D644F2D3ED7E}"/>
+                  <a16:creationId xmlns="" xmlns:a16="http://schemas.microsoft.com/office/drawing/2014/main" id="{631F6DC2-FA6D-416F-9457-D644F2D3ED7E}"/>
                 </a:ext>
               </a:extLst>
             </p:cNvPr>
@@ -11378,7 +11454,7 @@
             <p:cNvPr id="23" name="Rectangle 22">
               <a:extLst>
                 <a:ext uri="{FF2B5EF4-FFF2-40B4-BE49-F238E27FC236}">
-                  <a16:creationId xmlns:a16="http://schemas.microsoft.com/office/drawing/2014/main" xmlns="" id="{3E646E85-9F24-4829-9A4B-833B474F4994}"/>
+                  <a16:creationId xmlns="" xmlns:a16="http://schemas.microsoft.com/office/drawing/2014/main" id="{3E646E85-9F24-4829-9A4B-833B474F4994}"/>
                 </a:ext>
               </a:extLst>
             </p:cNvPr>
@@ -11471,7 +11547,7 @@
             <p:cNvPr id="31" name="ZoneTexte 30">
               <a:extLst>
                 <a:ext uri="{FF2B5EF4-FFF2-40B4-BE49-F238E27FC236}">
-                  <a16:creationId xmlns:a16="http://schemas.microsoft.com/office/drawing/2014/main" xmlns="" id="{94FA61C2-B84D-4556-BEC7-664B4B1053EB}"/>
+                  <a16:creationId xmlns="" xmlns:a16="http://schemas.microsoft.com/office/drawing/2014/main" id="{94FA61C2-B84D-4556-BEC7-664B4B1053EB}"/>
                 </a:ext>
               </a:extLst>
             </p:cNvPr>
@@ -11590,7 +11666,7 @@
             <p:cNvPr id="32" name="ZoneTexte 31">
               <a:extLst>
                 <a:ext uri="{FF2B5EF4-FFF2-40B4-BE49-F238E27FC236}">
-                  <a16:creationId xmlns:a16="http://schemas.microsoft.com/office/drawing/2014/main" xmlns="" id="{94FA61C2-B84D-4556-BEC7-664B4B1053EB}"/>
+                  <a16:creationId xmlns="" xmlns:a16="http://schemas.microsoft.com/office/drawing/2014/main" id="{94FA61C2-B84D-4556-BEC7-664B4B1053EB}"/>
                 </a:ext>
               </a:extLst>
             </p:cNvPr>
@@ -11709,7 +11785,7 @@
             <p:cNvPr id="33" name="Rectangle 32">
               <a:extLst>
                 <a:ext uri="{FF2B5EF4-FFF2-40B4-BE49-F238E27FC236}">
-                  <a16:creationId xmlns:a16="http://schemas.microsoft.com/office/drawing/2014/main" xmlns="" id="{C8E014B8-8F69-45D0-BC88-472428DD5014}"/>
+                  <a16:creationId xmlns="" xmlns:a16="http://schemas.microsoft.com/office/drawing/2014/main" id="{C8E014B8-8F69-45D0-BC88-472428DD5014}"/>
                 </a:ext>
               </a:extLst>
             </p:cNvPr>
@@ -11799,11 +11875,11 @@
   <p:clrMapOvr>
     <a:masterClrMapping/>
   </p:clrMapOvr>
-  <mc:AlternateContent xmlns:mc="http://schemas.openxmlformats.org/markup-compatibility/2006">
-    <mc:Choice xmlns:p14="http://schemas.microsoft.com/office/powerpoint/2010/main" Requires="p14">
+  <mc:AlternateContent xmlns:mc="http://schemas.openxmlformats.org/markup-compatibility/2006" xmlns:p14="http://schemas.microsoft.com/office/powerpoint/2010/main">
+    <mc:Choice Requires="p14">
       <p:transition spd="slow" p14:dur="2000"/>
     </mc:Choice>
-    <mc:Fallback>
+    <mc:Fallback xmlns="">
       <p:transition spd="slow"/>
     </mc:Fallback>
   </mc:AlternateContent>
@@ -11943,7 +12019,7 @@
           <p:cNvPr id="14" name="Titre 1">
             <a:extLst>
               <a:ext uri="{FF2B5EF4-FFF2-40B4-BE49-F238E27FC236}">
-                <a16:creationId xmlns:a16="http://schemas.microsoft.com/office/drawing/2014/main" xmlns="" id="{664C0ADC-F01C-469F-B67C-D594A1C8E5EC}"/>
+                <a16:creationId xmlns="" xmlns:a16="http://schemas.microsoft.com/office/drawing/2014/main" id="{664C0ADC-F01C-469F-B67C-D594A1C8E5EC}"/>
               </a:ext>
             </a:extLst>
           </p:cNvPr>
@@ -11982,62 +12058,54 @@
           </a:p>
         </p:txBody>
       </p:sp>
-      <p:pic>
-        <p:nvPicPr>
-          <p:cNvPr id="10" name="Picture 3" descr="E:\presentation\sv3.png"/>
-          <p:cNvPicPr>
-            <a:picLocks noChangeAspect="1" noChangeArrowheads="1"/>
-          </p:cNvPicPr>
+      <p:sp>
+        <p:nvSpPr>
+          <p:cNvPr id="9" name="ZoneTexte 8"/>
+          <p:cNvSpPr txBox="1"/>
           <p:nvPr/>
-        </p:nvPicPr>
-        <p:blipFill>
-          <a:blip r:embed="rId3" cstate="print">
-            <a:extLst>
-              <a:ext uri="{28A0092B-C50C-407E-A947-70E740481C1C}">
-                <a14:useLocalDpi xmlns:a14="http://schemas.microsoft.com/office/drawing/2010/main" val="0"/>
-              </a:ext>
-            </a:extLst>
-          </a:blip>
-          <a:srcRect/>
-          <a:stretch>
-            <a:fillRect/>
-          </a:stretch>
-        </p:blipFill>
-        <p:spPr bwMode="auto">
-          <a:xfrm>
-            <a:off x="5067977" y="4546416"/>
-            <a:ext cx="3859254" cy="2238915"/>
+        </p:nvSpPr>
+        <p:spPr>
+          <a:xfrm>
+            <a:off x="162891" y="2596842"/>
+            <a:ext cx="8496944" cy="461665"/>
           </a:xfrm>
           <a:prstGeom prst="rect">
             <a:avLst/>
           </a:prstGeom>
           <a:noFill/>
-          <a:ln>
-            <a:solidFill>
-              <a:schemeClr val="accent1"/>
-            </a:solidFill>
-          </a:ln>
-          <a:extLst>
-            <a:ext uri="{909E8E84-426E-40DD-AFC4-6F175D3DCCD1}">
-              <a14:hiddenFill xmlns:a14="http://schemas.microsoft.com/office/drawing/2010/main">
-                <a:solidFill>
-                  <a:srgbClr val="FFFFFF"/>
-                </a:solidFill>
-              </a14:hiddenFill>
-            </a:ext>
-          </a:extLst>
         </p:spPr>
-      </p:pic>
-      <p:sp>
-        <p:nvSpPr>
-          <p:cNvPr id="2" name="Rectangle 1"/>
+        <p:txBody>
+          <a:bodyPr wrap="square" rtlCol="0">
+            <a:spAutoFit/>
+          </a:bodyPr>
+          <a:lstStyle/>
+          <a:p>
+            <a:pPr marL="342900" indent="-342900">
+              <a:buFont typeface="Wingdings" panose="05000000000000000000" pitchFamily="2" charset="2"/>
+              <a:buChar char="Ø"/>
+            </a:pPr>
+            <a:r>
+              <a:rPr lang="en-US" sz="2400" b="1" dirty="0"/>
+              <a:t>Implementation: </a:t>
+            </a:r>
+            <a:r>
+              <a:rPr lang="en-US" sz="2400" dirty="0"/>
+              <a:t> Conditions to accept a proposal</a:t>
+            </a:r>
+            <a:endParaRPr lang="en-US" sz="2400" b="1" dirty="0"/>
+          </a:p>
+        </p:txBody>
+      </p:sp>
+      <p:sp>
+        <p:nvSpPr>
+          <p:cNvPr id="18" name="Rectangle 17"/>
           <p:cNvSpPr/>
           <p:nvPr/>
         </p:nvSpPr>
         <p:spPr>
           <a:xfrm>
-            <a:off x="162891" y="3113650"/>
-            <a:ext cx="4686513" cy="2026182"/>
+            <a:off x="389454" y="5622685"/>
+            <a:ext cx="4270684" cy="1118683"/>
           </a:xfrm>
           <a:prstGeom prst="rect">
             <a:avLst/>
@@ -12078,114 +12146,228 @@
           <a:bodyPr rtlCol="0" anchor="ctr"/>
           <a:lstStyle/>
           <a:p>
-            <a:pPr lvl="0"/>
-            <a:r>
-              <a:rPr lang="fr-FR" b="1">
-                <a:solidFill>
-                  <a:prstClr val="black"/>
-                </a:solidFill>
-              </a:rPr>
-              <a:t>Level of demand</a:t>
-            </a:r>
-          </a:p>
-          <a:p>
-            <a:pPr lvl="0"/>
-            <a:endParaRPr lang="fr-FR" b="1">
+            <a:r>
+              <a:rPr lang="fr-FR" sz="2000" b="1" dirty="0" smtClean="0">
+                <a:solidFill>
+                  <a:schemeClr val="tx1"/>
+                </a:solidFill>
+              </a:rPr>
+              <a:t>Concessions</a:t>
+            </a:r>
+            <a:endParaRPr lang="fr-FR" sz="2000" b="1" dirty="0">
               <a:solidFill>
-                <a:prstClr val="black"/>
+                <a:schemeClr val="tx1"/>
               </a:solidFill>
             </a:endParaRPr>
           </a:p>
           <a:p>
-            <a:pPr lvl="1"/>
-            <a:r>
-              <a:rPr lang="en-US" b="1">
-                <a:solidFill>
-                  <a:prstClr val="black"/>
-                </a:solidFill>
-              </a:rPr>
-              <a:t>Acc:  </a:t>
-            </a:r>
-            <a:r>
-              <a:rPr lang="en-US">
-                <a:solidFill>
-                  <a:prstClr val="black"/>
-                </a:solidFill>
-              </a:rPr>
-              <a:t>Define if a value is acceptable</a:t>
-            </a:r>
-          </a:p>
-          <a:p>
-            <a:pPr lvl="0"/>
-            <a:r>
-              <a:rPr lang="en-US" sz="1400" i="1">
-                <a:solidFill>
-                  <a:prstClr val="black"/>
-                </a:solidFill>
-              </a:rPr>
-              <a:t>Ex: Accept(Chinese) /  Condition : acc(Chinese) = True</a:t>
-            </a:r>
-          </a:p>
-          <a:p>
-            <a:pPr lvl="1"/>
-            <a:endParaRPr lang="en-US" b="1">
+            <a:r>
+              <a:rPr lang="fr-FR" sz="2000" dirty="0">
+                <a:solidFill>
+                  <a:schemeClr val="tx1"/>
+                </a:solidFill>
+              </a:rPr>
+              <a:t>        - </a:t>
+            </a:r>
+            <a:r>
+              <a:rPr lang="fr-FR" sz="2000" dirty="0" err="1" smtClean="0">
+                <a:solidFill>
+                  <a:schemeClr val="tx1"/>
+                </a:solidFill>
+              </a:rPr>
+              <a:t>pow</a:t>
+            </a:r>
+            <a:r>
+              <a:rPr lang="fr-FR" sz="2000" dirty="0" smtClean="0">
+                <a:solidFill>
+                  <a:schemeClr val="tx1"/>
+                </a:solidFill>
+              </a:rPr>
+              <a:t> </a:t>
+            </a:r>
+            <a:r>
+              <a:rPr lang="fr-FR" sz="2400" dirty="0">
+                <a:solidFill>
+                  <a:schemeClr val="tx1"/>
+                </a:solidFill>
+              </a:rPr>
+              <a:t>⇾ </a:t>
+            </a:r>
+            <a:r>
+              <a:rPr lang="fr-FR" sz="2000" dirty="0">
+                <a:solidFill>
+                  <a:schemeClr val="tx1"/>
+                </a:solidFill>
+              </a:rPr>
+              <a:t>self(t</a:t>
+            </a:r>
+            <a:r>
+              <a:rPr lang="fr-FR" sz="2000" dirty="0" smtClean="0">
+                <a:solidFill>
+                  <a:schemeClr val="tx1"/>
+                </a:solidFill>
+              </a:rPr>
+              <a:t>)</a:t>
+            </a:r>
+            <a:endParaRPr lang="fr-FR" sz="2000" dirty="0">
               <a:solidFill>
-                <a:prstClr val="black"/>
+                <a:schemeClr val="tx1"/>
               </a:solidFill>
             </a:endParaRPr>
           </a:p>
           <a:p>
-            <a:pPr lvl="1"/>
-            <a:r>
-              <a:rPr lang="en-US" b="1">
-                <a:solidFill>
-                  <a:prstClr val="black"/>
-                </a:solidFill>
-              </a:rPr>
-              <a:t>Self : </a:t>
-            </a:r>
-            <a:r>
-              <a:rPr lang="en-US">
-                <a:solidFill>
-                  <a:prstClr val="black"/>
-                </a:solidFill>
-              </a:rPr>
-              <a:t>Function representing the value of </a:t>
-            </a:r>
-            <a:r>
-              <a:rPr lang="en-US" b="1">
-                <a:solidFill>
-                  <a:prstClr val="black"/>
-                </a:solidFill>
-              </a:rPr>
-              <a:t>pow </a:t>
-            </a:r>
-            <a:r>
-              <a:rPr lang="en-US">
-                <a:solidFill>
-                  <a:prstClr val="black"/>
-                </a:solidFill>
-              </a:rPr>
-              <a:t>over time</a:t>
-            </a:r>
-            <a:endParaRPr lang="en-US" dirty="0">
+            <a:r>
+              <a:rPr lang="fr-FR" sz="2000" dirty="0" smtClean="0">
+                <a:solidFill>
+                  <a:schemeClr val="tx1"/>
+                </a:solidFill>
+              </a:rPr>
+              <a:t>        - Self </a:t>
+            </a:r>
+            <a:r>
+              <a:rPr lang="fr-FR" sz="2000" dirty="0" err="1" smtClean="0">
+                <a:solidFill>
+                  <a:schemeClr val="tx1"/>
+                </a:solidFill>
+              </a:rPr>
+              <a:t>decreases</a:t>
+            </a:r>
+            <a:r>
+              <a:rPr lang="fr-FR" sz="2000" dirty="0" smtClean="0">
+                <a:solidFill>
+                  <a:schemeClr val="tx1"/>
+                </a:solidFill>
+              </a:rPr>
+              <a:t> over time</a:t>
+            </a:r>
+            <a:endParaRPr lang="fr-FR" sz="2000" dirty="0">
               <a:solidFill>
-                <a:prstClr val="black"/>
+                <a:schemeClr val="tx1"/>
               </a:solidFill>
             </a:endParaRPr>
           </a:p>
         </p:txBody>
       </p:sp>
-      <p:sp>
-        <p:nvSpPr>
-          <p:cNvPr id="9" name="ZoneTexte 8"/>
+      <p:grpSp>
+        <p:nvGrpSpPr>
+          <p:cNvPr id="6" name="Groupe 5"/>
+          <p:cNvGrpSpPr/>
+          <p:nvPr/>
+        </p:nvGrpSpPr>
+        <p:grpSpPr>
+          <a:xfrm>
+            <a:off x="4961218" y="3688568"/>
+            <a:ext cx="3868857" cy="2238915"/>
+            <a:chOff x="4961218" y="3688568"/>
+            <a:chExt cx="3868857" cy="2238915"/>
+          </a:xfrm>
+        </p:grpSpPr>
+        <p:pic>
+          <p:nvPicPr>
+            <p:cNvPr id="10" name="Picture 3" descr="E:\presentation\sv3.png"/>
+            <p:cNvPicPr>
+              <a:picLocks noChangeAspect="1" noChangeArrowheads="1"/>
+            </p:cNvPicPr>
+            <p:nvPr/>
+          </p:nvPicPr>
+          <p:blipFill>
+            <a:blip r:embed="rId3" cstate="print">
+              <a:extLst>
+                <a:ext uri="{28A0092B-C50C-407E-A947-70E740481C1C}">
+                  <a14:useLocalDpi xmlns:a14="http://schemas.microsoft.com/office/drawing/2010/main" val="0"/>
+                </a:ext>
+              </a:extLst>
+            </a:blip>
+            <a:srcRect/>
+            <a:stretch>
+              <a:fillRect/>
+            </a:stretch>
+          </p:blipFill>
+          <p:spPr bwMode="auto">
+            <a:xfrm>
+              <a:off x="4961218" y="3688568"/>
+              <a:ext cx="3859254" cy="2238915"/>
+            </a:xfrm>
+            <a:prstGeom prst="rect">
+              <a:avLst/>
+            </a:prstGeom>
+            <a:noFill/>
+            <a:ln>
+              <a:solidFill>
+                <a:schemeClr val="accent1"/>
+              </a:solidFill>
+            </a:ln>
+            <a:extLst>
+              <a:ext uri="{909E8E84-426E-40DD-AFC4-6F175D3DCCD1}">
+                <a14:hiddenFill xmlns:a14="http://schemas.microsoft.com/office/drawing/2010/main">
+                  <a:solidFill>
+                    <a:srgbClr val="FFFFFF"/>
+                  </a:solidFill>
+                </a14:hiddenFill>
+              </a:ext>
+            </a:extLst>
+          </p:spPr>
+        </p:pic>
+        <p:sp>
+          <p:nvSpPr>
+            <p:cNvPr id="12" name="ZoneTexte 11"/>
+            <p:cNvSpPr txBox="1"/>
+            <p:nvPr/>
+          </p:nvSpPr>
+          <p:spPr>
+            <a:xfrm>
+              <a:off x="7748430" y="3688568"/>
+              <a:ext cx="1081645" cy="523220"/>
+            </a:xfrm>
+            <a:prstGeom prst="rect">
+              <a:avLst/>
+            </a:prstGeom>
+            <a:noFill/>
+          </p:spPr>
+          <p:txBody>
+            <a:bodyPr wrap="square" rtlCol="0">
+              <a:spAutoFit/>
+            </a:bodyPr>
+            <a:lstStyle/>
+            <a:p>
+              <a:r>
+                <a:rPr lang="fr-FR" sz="1400" dirty="0" err="1"/>
+                <a:t>pow</a:t>
+              </a:r>
+              <a:r>
+                <a:rPr lang="fr-FR" sz="1400" baseline="-25000" dirty="0" err="1"/>
+                <a:t>A</a:t>
+              </a:r>
+              <a:r>
+                <a:rPr lang="fr-FR" sz="1400" dirty="0"/>
+                <a:t>=0.7  </a:t>
+              </a:r>
+              <a:r>
+                <a:rPr lang="fr-FR" sz="1400" dirty="0" err="1"/>
+                <a:t>pow</a:t>
+              </a:r>
+              <a:r>
+                <a:rPr lang="fr-FR" sz="1400" baseline="-25000" dirty="0" err="1"/>
+                <a:t>B</a:t>
+              </a:r>
+              <a:r>
+                <a:rPr lang="fr-FR" sz="1400" dirty="0"/>
+                <a:t>=0.4</a:t>
+              </a:r>
+            </a:p>
+          </p:txBody>
+        </p:sp>
+      </p:grpSp>
+      <p:sp>
+        <p:nvSpPr>
+          <p:cNvPr id="19" name="ZoneTexte 18"/>
           <p:cNvSpPr txBox="1"/>
           <p:nvPr/>
         </p:nvSpPr>
         <p:spPr>
           <a:xfrm>
-            <a:off x="162891" y="2500078"/>
-            <a:ext cx="8496944" cy="400110"/>
+            <a:off x="91386" y="0"/>
+            <a:ext cx="3276859" cy="400110"/>
           </a:xfrm>
           <a:prstGeom prst="rect">
             <a:avLst/>
@@ -12193,280 +12375,6 @@
           <a:noFill/>
         </p:spPr>
         <p:txBody>
-          <a:bodyPr wrap="square" rtlCol="0">
-            <a:spAutoFit/>
-          </a:bodyPr>
-          <a:lstStyle/>
-          <a:p>
-            <a:pPr marL="342900" indent="-342900">
-              <a:buFont typeface="Wingdings" panose="05000000000000000000" pitchFamily="2" charset="2"/>
-              <a:buChar char="Ø"/>
-            </a:pPr>
-            <a:r>
-              <a:rPr lang="en-US" sz="2000" b="1" dirty="0"/>
-              <a:t>Implementation: </a:t>
-            </a:r>
-            <a:r>
-              <a:rPr lang="en-US" sz="2000" dirty="0"/>
-              <a:t> Conditions to accept a proposal</a:t>
-            </a:r>
-            <a:endParaRPr lang="en-US" sz="2000" b="1" dirty="0"/>
-          </a:p>
-        </p:txBody>
-      </p:sp>
-      <p:sp>
-        <p:nvSpPr>
-          <p:cNvPr id="18" name="Rectangle 17"/>
-          <p:cNvSpPr/>
-          <p:nvPr/>
-        </p:nvSpPr>
-        <p:spPr>
-          <a:xfrm>
-            <a:off x="5067977" y="3102405"/>
-            <a:ext cx="3826027" cy="1262699"/>
-          </a:xfrm>
-          <a:prstGeom prst="rect">
-            <a:avLst/>
-          </a:prstGeom>
-          <a:noFill/>
-          <a:ln>
-            <a:solidFill>
-              <a:schemeClr val="accent1"/>
-            </a:solidFill>
-          </a:ln>
-          <a:extLst>
-            <a:ext uri="{909E8E84-426E-40DD-AFC4-6F175D3DCCD1}">
-              <a14:hiddenFill xmlns:a14="http://schemas.microsoft.com/office/drawing/2010/main">
-                <a:solidFill>
-                  <a:srgbClr val="FFFFFF"/>
-                </a:solidFill>
-              </a14:hiddenFill>
-            </a:ext>
-          </a:extLst>
-        </p:spPr>
-        <p:style>
-          <a:lnRef idx="2">
-            <a:schemeClr val="accent1">
-              <a:shade val="50000"/>
-            </a:schemeClr>
-          </a:lnRef>
-          <a:fillRef idx="1">
-            <a:schemeClr val="accent1"/>
-          </a:fillRef>
-          <a:effectRef idx="0">
-            <a:schemeClr val="accent1"/>
-          </a:effectRef>
-          <a:fontRef idx="minor">
-            <a:schemeClr val="lt1"/>
-          </a:fontRef>
-        </p:style>
-        <p:txBody>
-          <a:bodyPr rtlCol="0" anchor="ctr"/>
-          <a:lstStyle/>
-          <a:p>
-            <a:r>
-              <a:rPr lang="fr-FR" b="1" dirty="0">
-                <a:solidFill>
-                  <a:schemeClr val="tx1"/>
-                </a:solidFill>
-              </a:rPr>
-              <a:t>Concessions</a:t>
-            </a:r>
-          </a:p>
-          <a:p>
-            <a:r>
-              <a:rPr lang="fr-FR" dirty="0">
-                <a:solidFill>
-                  <a:schemeClr val="tx1"/>
-                </a:solidFill>
-              </a:rPr>
-              <a:t>        - </a:t>
-            </a:r>
-            <a:r>
-              <a:rPr lang="fr-FR" dirty="0" err="1">
-                <a:solidFill>
-                  <a:schemeClr val="tx1"/>
-                </a:solidFill>
-              </a:rPr>
-              <a:t>Lower</a:t>
-            </a:r>
-            <a:r>
-              <a:rPr lang="fr-FR" dirty="0">
-                <a:solidFill>
-                  <a:schemeClr val="tx1"/>
-                </a:solidFill>
-              </a:rPr>
-              <a:t> the </a:t>
-            </a:r>
-            <a:r>
-              <a:rPr lang="fr-FR" dirty="0" err="1">
-                <a:solidFill>
-                  <a:schemeClr val="tx1"/>
-                </a:solidFill>
-              </a:rPr>
-              <a:t>level</a:t>
-            </a:r>
-            <a:r>
-              <a:rPr lang="fr-FR" dirty="0">
-                <a:solidFill>
-                  <a:schemeClr val="tx1"/>
-                </a:solidFill>
-              </a:rPr>
-              <a:t> of </a:t>
-            </a:r>
-            <a:r>
-              <a:rPr lang="fr-FR" dirty="0" err="1">
-                <a:solidFill>
-                  <a:schemeClr val="tx1"/>
-                </a:solidFill>
-              </a:rPr>
-              <a:t>demand</a:t>
-            </a:r>
-            <a:r>
-              <a:rPr lang="fr-FR" dirty="0">
-                <a:solidFill>
-                  <a:schemeClr val="tx1"/>
-                </a:solidFill>
-              </a:rPr>
-              <a:t>.</a:t>
-            </a:r>
-          </a:p>
-          <a:p>
-            <a:r>
-              <a:rPr lang="fr-FR" dirty="0">
-                <a:solidFill>
-                  <a:schemeClr val="tx1"/>
-                </a:solidFill>
-              </a:rPr>
-              <a:t>        - Self </a:t>
-            </a:r>
-            <a:r>
-              <a:rPr lang="fr-FR" dirty="0" err="1">
-                <a:solidFill>
-                  <a:schemeClr val="tx1"/>
-                </a:solidFill>
-              </a:rPr>
-              <a:t>decreases</a:t>
-            </a:r>
-            <a:r>
-              <a:rPr lang="fr-FR" dirty="0">
-                <a:solidFill>
-                  <a:schemeClr val="tx1"/>
-                </a:solidFill>
-              </a:rPr>
-              <a:t> over time.</a:t>
-            </a:r>
-          </a:p>
-          <a:p>
-            <a:r>
-              <a:rPr lang="fr-FR" dirty="0">
-                <a:solidFill>
-                  <a:schemeClr val="tx1"/>
-                </a:solidFill>
-              </a:rPr>
-              <a:t>        - t = nb of non </a:t>
-            </a:r>
-            <a:r>
-              <a:rPr lang="fr-FR" dirty="0" err="1">
-                <a:solidFill>
-                  <a:schemeClr val="tx1"/>
-                </a:solidFill>
-              </a:rPr>
-              <a:t>accepted</a:t>
-            </a:r>
-            <a:r>
-              <a:rPr lang="fr-FR" dirty="0">
-                <a:solidFill>
-                  <a:schemeClr val="tx1"/>
-                </a:solidFill>
-              </a:rPr>
-              <a:t> </a:t>
-            </a:r>
-            <a:r>
-              <a:rPr lang="fr-FR" dirty="0" err="1">
-                <a:solidFill>
-                  <a:schemeClr val="tx1"/>
-                </a:solidFill>
-              </a:rPr>
-              <a:t>prop</a:t>
-            </a:r>
-            <a:r>
-              <a:rPr lang="fr-FR" dirty="0">
-                <a:solidFill>
-                  <a:schemeClr val="tx1"/>
-                </a:solidFill>
-              </a:rPr>
-              <a:t> </a:t>
-            </a:r>
-          </a:p>
-        </p:txBody>
-      </p:sp>
-      <p:sp>
-        <p:nvSpPr>
-          <p:cNvPr id="12" name="ZoneTexte 11"/>
-          <p:cNvSpPr txBox="1"/>
-          <p:nvPr/>
-        </p:nvSpPr>
-        <p:spPr>
-          <a:xfrm>
-            <a:off x="7956376" y="4546416"/>
-            <a:ext cx="1081645" cy="523220"/>
-          </a:xfrm>
-          <a:prstGeom prst="rect">
-            <a:avLst/>
-          </a:prstGeom>
-          <a:noFill/>
-        </p:spPr>
-        <p:txBody>
-          <a:bodyPr wrap="square" rtlCol="0">
-            <a:spAutoFit/>
-          </a:bodyPr>
-          <a:lstStyle/>
-          <a:p>
-            <a:r>
-              <a:rPr lang="fr-FR" sz="1400" dirty="0" err="1"/>
-              <a:t>pow</a:t>
-            </a:r>
-            <a:r>
-              <a:rPr lang="fr-FR" sz="1400" baseline="-25000" dirty="0" err="1"/>
-              <a:t>A</a:t>
-            </a:r>
-            <a:r>
-              <a:rPr lang="fr-FR" sz="1400" dirty="0"/>
-              <a:t>=0.7  </a:t>
-            </a:r>
-            <a:r>
-              <a:rPr lang="fr-FR" sz="1400" dirty="0" err="1"/>
-              <a:t>pow</a:t>
-            </a:r>
-            <a:r>
-              <a:rPr lang="fr-FR" sz="1400" baseline="-25000" dirty="0" err="1"/>
-              <a:t>B</a:t>
-            </a:r>
-            <a:r>
-              <a:rPr lang="fr-FR" sz="1400" dirty="0"/>
-              <a:t>=0.4</a:t>
-            </a:r>
-          </a:p>
-        </p:txBody>
-      </p:sp>
-      <p:sp>
-        <p:nvSpPr>
-          <p:cNvPr id="19" name="ZoneTexte 18"/>
-          <p:cNvSpPr txBox="1"/>
-          <p:nvPr/>
-        </p:nvSpPr>
-        <p:spPr>
-          <a:xfrm>
-            <a:off x="91386" y="0"/>
-            <a:ext cx="3276859" cy="400110"/>
-          </a:xfrm>
-          <a:prstGeom prst="rect">
-            <a:avLst/>
-          </a:prstGeom>
-          <a:noFill/>
-        </p:spPr>
-        <p:txBody>
           <a:bodyPr wrap="none" rtlCol="0">
             <a:spAutoFit/>
           </a:bodyPr>
@@ -12483,82 +12391,229 @@
           </a:p>
         </p:txBody>
       </p:sp>
-      <p:pic>
-        <p:nvPicPr>
-          <p:cNvPr id="13" name="Image 12"/>
-          <p:cNvPicPr>
-            <a:picLocks noChangeAspect="1"/>
-          </p:cNvPicPr>
+      <p:grpSp>
+        <p:nvGrpSpPr>
+          <p:cNvPr id="5" name="Groupe 4"/>
+          <p:cNvGrpSpPr/>
           <p:nvPr/>
-        </p:nvPicPr>
-        <p:blipFill>
-          <a:blip r:embed="rId4">
+        </p:nvGrpSpPr>
+        <p:grpSpPr>
+          <a:xfrm>
+            <a:off x="344447" y="3212976"/>
+            <a:ext cx="4597884" cy="2214240"/>
+            <a:chOff x="162891" y="3113650"/>
+            <a:chExt cx="4686513" cy="2214240"/>
+          </a:xfrm>
+        </p:grpSpPr>
+        <p:sp>
+          <p:nvSpPr>
+            <p:cNvPr id="2" name="Rectangle 1"/>
+            <p:cNvSpPr/>
+            <p:nvPr/>
+          </p:nvSpPr>
+          <p:spPr>
+            <a:xfrm>
+              <a:off x="162891" y="3183198"/>
+              <a:ext cx="4398880" cy="2144692"/>
+            </a:xfrm>
+            <a:prstGeom prst="rect">
+              <a:avLst/>
+            </a:prstGeom>
+            <a:noFill/>
+            <a:ln>
+              <a:solidFill>
+                <a:schemeClr val="accent1"/>
+              </a:solidFill>
+            </a:ln>
             <a:extLst>
-              <a:ext uri="{28A0092B-C50C-407E-A947-70E740481C1C}">
-                <a14:useLocalDpi xmlns:a14="http://schemas.microsoft.com/office/drawing/2010/main" val="0"/>
+              <a:ext uri="{909E8E84-426E-40DD-AFC4-6F175D3DCCD1}">
+                <a14:hiddenFill xmlns:a14="http://schemas.microsoft.com/office/drawing/2010/main">
+                  <a:solidFill>
+                    <a:srgbClr val="FFFFFF"/>
+                  </a:solidFill>
+                </a14:hiddenFill>
               </a:ext>
             </a:extLst>
-          </a:blip>
-          <a:stretch>
-            <a:fillRect/>
-          </a:stretch>
-        </p:blipFill>
-        <p:spPr>
-          <a:xfrm>
-            <a:off x="467544" y="5439629"/>
-            <a:ext cx="4050104" cy="324613"/>
-          </a:xfrm>
-          <a:prstGeom prst="rect">
-            <a:avLst/>
-          </a:prstGeom>
-          <a:ln>
-            <a:solidFill>
-              <a:schemeClr val="tx2">
-                <a:lumMod val="60000"/>
-                <a:lumOff val="40000"/>
+          </p:spPr>
+          <p:style>
+            <a:lnRef idx="2">
+              <a:schemeClr val="accent1">
+                <a:shade val="50000"/>
               </a:schemeClr>
-            </a:solidFill>
-          </a:ln>
-        </p:spPr>
-      </p:pic>
-      <p:pic>
-        <p:nvPicPr>
-          <p:cNvPr id="20" name="Image 19"/>
-          <p:cNvPicPr>
-            <a:picLocks noChangeAspect="1"/>
-          </p:cNvPicPr>
-          <p:nvPr/>
-        </p:nvPicPr>
-        <p:blipFill>
-          <a:blip r:embed="rId5">
-            <a:extLst>
-              <a:ext uri="{28A0092B-C50C-407E-A947-70E740481C1C}">
-                <a14:useLocalDpi xmlns:a14="http://schemas.microsoft.com/office/drawing/2010/main" val="0"/>
-              </a:ext>
-            </a:extLst>
-          </a:blip>
-          <a:stretch>
-            <a:fillRect/>
-          </a:stretch>
-        </p:blipFill>
-        <p:spPr>
-          <a:xfrm>
-            <a:off x="91386" y="6059428"/>
-            <a:ext cx="4845918" cy="643815"/>
-          </a:xfrm>
-          <a:prstGeom prst="rect">
-            <a:avLst/>
-          </a:prstGeom>
-          <a:ln>
-            <a:solidFill>
-              <a:schemeClr val="tx2">
-                <a:lumMod val="60000"/>
-                <a:lumOff val="40000"/>
-              </a:schemeClr>
-            </a:solidFill>
-          </a:ln>
-        </p:spPr>
-      </p:pic>
+            </a:lnRef>
+            <a:fillRef idx="1">
+              <a:schemeClr val="accent1"/>
+            </a:fillRef>
+            <a:effectRef idx="0">
+              <a:schemeClr val="accent1"/>
+            </a:effectRef>
+            <a:fontRef idx="minor">
+              <a:schemeClr val="lt1"/>
+            </a:fontRef>
+          </p:style>
+          <p:txBody>
+            <a:bodyPr rtlCol="0" anchor="ctr"/>
+            <a:lstStyle/>
+            <a:p>
+              <a:pPr lvl="0"/>
+              <a:endParaRPr lang="en-US" dirty="0">
+                <a:solidFill>
+                  <a:prstClr val="black"/>
+                </a:solidFill>
+              </a:endParaRPr>
+            </a:p>
+          </p:txBody>
+        </p:sp>
+        <p:pic>
+          <p:nvPicPr>
+            <p:cNvPr id="13" name="Image 12"/>
+            <p:cNvPicPr>
+              <a:picLocks noChangeAspect="1"/>
+            </p:cNvPicPr>
+            <p:nvPr/>
+          </p:nvPicPr>
+          <p:blipFill>
+            <a:blip r:embed="rId4">
+              <a:extLst>
+                <a:ext uri="{28A0092B-C50C-407E-A947-70E740481C1C}">
+                  <a14:useLocalDpi xmlns:a14="http://schemas.microsoft.com/office/drawing/2010/main" val="0"/>
+                </a:ext>
+              </a:extLst>
+            </a:blip>
+            <a:stretch>
+              <a:fillRect/>
+            </a:stretch>
+          </p:blipFill>
+          <p:spPr>
+            <a:xfrm>
+              <a:off x="427367" y="4707957"/>
+              <a:ext cx="4050104" cy="397517"/>
+            </a:xfrm>
+            <a:prstGeom prst="rect">
+              <a:avLst/>
+            </a:prstGeom>
+            <a:ln>
+              <a:solidFill>
+                <a:schemeClr val="tx2">
+                  <a:lumMod val="60000"/>
+                  <a:lumOff val="40000"/>
+                </a:schemeClr>
+              </a:solidFill>
+            </a:ln>
+          </p:spPr>
+        </p:pic>
+        <p:sp>
+          <p:nvSpPr>
+            <p:cNvPr id="3" name="ZoneTexte 2"/>
+            <p:cNvSpPr txBox="1"/>
+            <p:nvPr/>
+          </p:nvSpPr>
+          <p:spPr>
+            <a:xfrm>
+              <a:off x="162891" y="3113650"/>
+              <a:ext cx="4686513" cy="1477328"/>
+            </a:xfrm>
+            <a:prstGeom prst="rect">
+              <a:avLst/>
+            </a:prstGeom>
+            <a:noFill/>
+          </p:spPr>
+          <p:txBody>
+            <a:bodyPr wrap="square" rtlCol="0">
+              <a:spAutoFit/>
+            </a:bodyPr>
+            <a:lstStyle/>
+            <a:p>
+              <a:pPr lvl="0">
+                <a:lnSpc>
+                  <a:spcPct val="150000"/>
+                </a:lnSpc>
+              </a:pPr>
+              <a:r>
+                <a:rPr lang="fr-FR" sz="2000" b="1" dirty="0" err="1">
+                  <a:solidFill>
+                    <a:prstClr val="black"/>
+                  </a:solidFill>
+                </a:rPr>
+                <a:t>Level</a:t>
+              </a:r>
+              <a:r>
+                <a:rPr lang="fr-FR" sz="2000" b="1" dirty="0">
+                  <a:solidFill>
+                    <a:prstClr val="black"/>
+                  </a:solidFill>
+                </a:rPr>
+                <a:t> of </a:t>
+              </a:r>
+              <a:r>
+                <a:rPr lang="fr-FR" sz="2000" b="1" dirty="0" err="1" smtClean="0">
+                  <a:solidFill>
+                    <a:prstClr val="black"/>
+                  </a:solidFill>
+                </a:rPr>
+                <a:t>demand</a:t>
+              </a:r>
+              <a:endParaRPr lang="fr-FR" sz="2000" b="1" dirty="0">
+                <a:solidFill>
+                  <a:prstClr val="black"/>
+                </a:solidFill>
+              </a:endParaRPr>
+            </a:p>
+            <a:p>
+              <a:pPr lvl="1"/>
+              <a:endParaRPr lang="en-US" sz="2000" b="1" dirty="0" smtClean="0">
+                <a:solidFill>
+                  <a:prstClr val="black"/>
+                </a:solidFill>
+              </a:endParaRPr>
+            </a:p>
+            <a:p>
+              <a:pPr lvl="1"/>
+              <a:r>
+                <a:rPr lang="en-US" sz="2000" b="1" dirty="0" smtClean="0">
+                  <a:solidFill>
+                    <a:prstClr val="black"/>
+                  </a:solidFill>
+                </a:rPr>
+                <a:t>Self </a:t>
+              </a:r>
+              <a:r>
+                <a:rPr lang="en-US" sz="2000" b="1" dirty="0">
+                  <a:solidFill>
+                    <a:prstClr val="black"/>
+                  </a:solidFill>
+                </a:rPr>
+                <a:t>: </a:t>
+              </a:r>
+              <a:r>
+                <a:rPr lang="en-US" sz="2000" dirty="0">
+                  <a:solidFill>
+                    <a:prstClr val="black"/>
+                  </a:solidFill>
+                </a:rPr>
+                <a:t>Function representing the value of </a:t>
+              </a:r>
+              <a:r>
+                <a:rPr lang="en-US" sz="2000" b="1" dirty="0">
+                  <a:solidFill>
+                    <a:prstClr val="black"/>
+                  </a:solidFill>
+                </a:rPr>
+                <a:t>pow </a:t>
+              </a:r>
+              <a:r>
+                <a:rPr lang="en-US" sz="2000" dirty="0">
+                  <a:solidFill>
+                    <a:prstClr val="black"/>
+                  </a:solidFill>
+                </a:rPr>
+                <a:t>over time</a:t>
+              </a:r>
+              <a:endParaRPr lang="fr-FR" sz="2000" dirty="0"/>
+            </a:p>
+          </p:txBody>
+        </p:sp>
+      </p:grpSp>
     </p:spTree>
     <p:extLst>
       <p:ext uri="{BB962C8B-B14F-4D97-AF65-F5344CB8AC3E}">
@@ -12710,7 +12765,7 @@
           <p:cNvPr id="14" name="Titre 1">
             <a:extLst>
               <a:ext uri="{FF2B5EF4-FFF2-40B4-BE49-F238E27FC236}">
-                <a16:creationId xmlns:a16="http://schemas.microsoft.com/office/drawing/2014/main" xmlns="" id="{664C0ADC-F01C-469F-B67C-D594A1C8E5EC}"/>
+                <a16:creationId xmlns="" xmlns:a16="http://schemas.microsoft.com/office/drawing/2014/main" id="{664C0ADC-F01C-469F-B67C-D594A1C8E5EC}"/>
               </a:ext>
             </a:extLst>
           </p:cNvPr>
@@ -12757,8 +12812,8 @@
         </p:nvSpPr>
         <p:spPr>
           <a:xfrm>
-            <a:off x="162891" y="2500078"/>
-            <a:ext cx="8496944" cy="400110"/>
+            <a:off x="162891" y="2607295"/>
+            <a:ext cx="8496944" cy="461665"/>
           </a:xfrm>
           <a:prstGeom prst="rect">
             <a:avLst/>
@@ -12776,14 +12831,14 @@
               <a:buChar char="Ø"/>
             </a:pPr>
             <a:r>
-              <a:rPr lang="en-US" sz="2000" b="1" dirty="0"/>
+              <a:rPr lang="en-US" sz="2400" b="1" dirty="0"/>
               <a:t>Implementation: </a:t>
             </a:r>
             <a:r>
-              <a:rPr lang="en-US" sz="2000" dirty="0"/>
+              <a:rPr lang="en-US" sz="2400" dirty="0"/>
               <a:t> Choose the value of a proposal </a:t>
             </a:r>
-            <a:endParaRPr lang="en-US" sz="2000" b="1" dirty="0"/>
+            <a:endParaRPr lang="en-US" sz="2400" b="1" dirty="0"/>
           </a:p>
         </p:txBody>
       </p:sp>
@@ -12828,8 +12883,8 @@
         </p:nvSpPr>
         <p:spPr>
           <a:xfrm>
-            <a:off x="252137" y="3296906"/>
-            <a:ext cx="8577937" cy="1716270"/>
+            <a:off x="467544" y="3573016"/>
+            <a:ext cx="8362530" cy="936104"/>
           </a:xfrm>
           <a:prstGeom prst="rect">
             <a:avLst/>
@@ -12870,9 +12925,9 @@
           <a:bodyPr rtlCol="0" anchor="ctr"/>
           <a:lstStyle/>
           <a:p>
-            <a:pPr lvl="0"/>
-            <a:r>
-              <a:rPr lang="en-US" b="1" dirty="0">
+            <a:pPr lvl="0" algn="ctr"/>
+            <a:r>
+              <a:rPr lang="en-US" sz="2200" b="1" dirty="0">
                 <a:solidFill>
                   <a:prstClr val="black"/>
                 </a:solidFill>
@@ -12880,23 +12935,39 @@
               <a:t>+</a:t>
             </a:r>
             <a:r>
-              <a:rPr lang="en-US" dirty="0">
+              <a:rPr lang="en-US" sz="2200" dirty="0">
                 <a:solidFill>
                   <a:prstClr val="black"/>
                 </a:solidFill>
               </a:rPr>
-              <a:t> Choose a proposal by taking into account </a:t>
-            </a:r>
-            <a:r>
-              <a:rPr lang="en-US" b="1" dirty="0">
+              <a:t> </a:t>
+            </a:r>
+            <a:r>
+              <a:rPr lang="en-US" sz="2200" dirty="0" smtClean="0">
                 <a:solidFill>
                   <a:prstClr val="black"/>
                 </a:solidFill>
               </a:rPr>
+              <a:t>Take into </a:t>
+            </a:r>
+            <a:r>
+              <a:rPr lang="en-US" sz="2200" dirty="0">
+                <a:solidFill>
+                  <a:prstClr val="black"/>
+                </a:solidFill>
+              </a:rPr>
+              <a:t>account </a:t>
+            </a:r>
+            <a:r>
+              <a:rPr lang="en-US" sz="2200" b="1" dirty="0">
+                <a:solidFill>
+                  <a:prstClr val="black"/>
+                </a:solidFill>
+              </a:rPr>
               <a:t>self preferences </a:t>
             </a:r>
             <a:r>
-              <a:rPr lang="en-US" dirty="0">
+              <a:rPr lang="en-US" sz="2200" dirty="0">
                 <a:solidFill>
                   <a:prstClr val="black"/>
                 </a:solidFill>
@@ -12904,73 +12975,22 @@
               <a:t>and </a:t>
             </a:r>
             <a:r>
-              <a:rPr lang="en-US" b="1" dirty="0">
+              <a:rPr lang="en-US" sz="2200" b="1" dirty="0">
                 <a:solidFill>
                   <a:prstClr val="black"/>
                 </a:solidFill>
               </a:rPr>
-              <a:t>other preferences</a:t>
-            </a:r>
-          </a:p>
-          <a:p>
-            <a:pPr lvl="0"/>
-            <a:endParaRPr lang="en-US" b="1" dirty="0">
-              <a:solidFill>
-                <a:prstClr val="black"/>
-              </a:solidFill>
-            </a:endParaRPr>
-          </a:p>
-          <a:p>
-            <a:pPr lvl="0"/>
-            <a:r>
-              <a:rPr lang="en-US" b="1" dirty="0">
+              <a:t>other </a:t>
+            </a:r>
+            <a:r>
+              <a:rPr lang="en-US" sz="2200" b="1" dirty="0" smtClean="0">
                 <a:solidFill>
                   <a:prstClr val="black"/>
                 </a:solidFill>
               </a:rPr>
-              <a:t>+ </a:t>
-            </a:r>
-            <a:r>
-              <a:rPr lang="en-US" dirty="0">
-                <a:solidFill>
-                  <a:prstClr val="black"/>
-                </a:solidFill>
-              </a:rPr>
-              <a:t>The higher </a:t>
-            </a:r>
-            <a:r>
-              <a:rPr lang="en-US" b="1" i="1" dirty="0">
-                <a:solidFill>
-                  <a:prstClr val="black"/>
-                </a:solidFill>
-              </a:rPr>
-              <a:t>self(t)</a:t>
-            </a:r>
-            <a:r>
-              <a:rPr lang="en-US" dirty="0">
-                <a:solidFill>
-                  <a:prstClr val="black"/>
-                </a:solidFill>
-              </a:rPr>
-              <a:t> is, the more an agent gives </a:t>
-            </a:r>
-            <a:r>
-              <a:rPr lang="en-US" b="1" dirty="0">
-                <a:solidFill>
-                  <a:prstClr val="black"/>
-                </a:solidFill>
-              </a:rPr>
-              <a:t>weight</a:t>
-            </a:r>
-            <a:r>
-              <a:rPr lang="en-US" dirty="0">
-                <a:solidFill>
-                  <a:prstClr val="black"/>
-                </a:solidFill>
-              </a:rPr>
-              <a:t> to its preferences</a:t>
-            </a:r>
-            <a:endParaRPr lang="en-US" b="1" dirty="0">
+              <a:t>preferences</a:t>
+            </a:r>
+            <a:endParaRPr lang="en-US" sz="2200" b="1" dirty="0">
               <a:solidFill>
                 <a:prstClr val="black"/>
               </a:solidFill>
@@ -13000,8 +13020,8 @@
         </p:blipFill>
         <p:spPr>
           <a:xfrm>
-            <a:off x="815675" y="5445224"/>
-            <a:ext cx="7191375" cy="523875"/>
+            <a:off x="467544" y="5183286"/>
+            <a:ext cx="8362530" cy="621978"/>
           </a:xfrm>
           <a:prstGeom prst="rect">
             <a:avLst/>
@@ -13163,7 +13183,7 @@
           <p:cNvPr id="14" name="Titre 1">
             <a:extLst>
               <a:ext uri="{FF2B5EF4-FFF2-40B4-BE49-F238E27FC236}">
-                <a16:creationId xmlns:a16="http://schemas.microsoft.com/office/drawing/2014/main" xmlns="" id="{664C0ADC-F01C-469F-B67C-D594A1C8E5EC}"/>
+                <a16:creationId xmlns="" xmlns:a16="http://schemas.microsoft.com/office/drawing/2014/main" id="{664C0ADC-F01C-469F-B67C-D594A1C8E5EC}"/>
               </a:ext>
             </a:extLst>
           </p:cNvPr>
@@ -13210,8 +13230,8 @@
         </p:nvSpPr>
         <p:spPr>
           <a:xfrm>
-            <a:off x="162891" y="2500078"/>
-            <a:ext cx="8496944" cy="400110"/>
+            <a:off x="162891" y="2596842"/>
+            <a:ext cx="8496944" cy="461665"/>
           </a:xfrm>
           <a:prstGeom prst="rect">
             <a:avLst/>
@@ -13229,14 +13249,14 @@
               <a:buChar char="Ø"/>
             </a:pPr>
             <a:r>
-              <a:rPr lang="en-US" sz="2000" b="1" dirty="0"/>
+              <a:rPr lang="en-US" sz="2400" b="1" dirty="0"/>
               <a:t>Implementation: </a:t>
             </a:r>
             <a:r>
-              <a:rPr lang="en-US" sz="2000" dirty="0"/>
+              <a:rPr lang="en-US" sz="2400" dirty="0"/>
               <a:t> Choose the next utterance</a:t>
             </a:r>
-            <a:endParaRPr lang="en-US" sz="2000" b="1" dirty="0"/>
+            <a:endParaRPr lang="en-US" sz="2400" b="1" dirty="0"/>
           </a:p>
         </p:txBody>
       </p:sp>
@@ -13324,21 +13344,36 @@
           <a:lstStyle/>
           <a:p>
             <a:pPr marL="342900" lvl="0" indent="-342900">
+              <a:buClr>
+                <a:srgbClr val="FFC000"/>
+              </a:buClr>
               <a:buFont typeface="Wingdings" panose="05000000000000000000" pitchFamily="2" charset="2"/>
-              <a:buChar char="Ø"/>
+              <a:buChar char="ü"/>
             </a:pPr>
             <a:r>
-              <a:rPr lang="en-US" sz="2200" dirty="0">
+              <a:rPr lang="en-US" sz="2400" dirty="0">
                 <a:solidFill>
                   <a:prstClr val="black"/>
                 </a:solidFill>
               </a:rPr>
-              <a:t>Decision rules</a:t>
-            </a:r>
-          </a:p>
-          <a:p>
-            <a:pPr lvl="0"/>
-            <a:endParaRPr lang="en-US" sz="2200" dirty="0">
+              <a:t>Decision </a:t>
+            </a:r>
+            <a:r>
+              <a:rPr lang="en-US" sz="2400" dirty="0" smtClean="0">
+                <a:solidFill>
+                  <a:prstClr val="black"/>
+                </a:solidFill>
+              </a:rPr>
+              <a:t>rules</a:t>
+            </a:r>
+          </a:p>
+          <a:p>
+            <a:pPr lvl="0">
+              <a:buClr>
+                <a:srgbClr val="FFC000"/>
+              </a:buClr>
+            </a:pPr>
+            <a:endParaRPr lang="en-US" sz="2400" dirty="0" smtClean="0">
               <a:solidFill>
                 <a:prstClr val="black"/>
               </a:solidFill>
@@ -13346,21 +13381,46 @@
           </a:p>
           <a:p>
             <a:pPr marL="342900" lvl="0" indent="-342900">
+              <a:buClr>
+                <a:srgbClr val="FFC000"/>
+              </a:buClr>
               <a:buFont typeface="Wingdings" panose="05000000000000000000" pitchFamily="2" charset="2"/>
-              <a:buChar char="Ø"/>
+              <a:buChar char="ü"/>
             </a:pPr>
             <a:r>
-              <a:rPr lang="en-US" sz="2200" dirty="0">
+              <a:rPr lang="en-US" sz="2400" dirty="0" smtClean="0">
                 <a:solidFill>
                   <a:prstClr val="black"/>
                 </a:solidFill>
               </a:rPr>
-              <a:t>Define a priority in the choice of the utterance</a:t>
-            </a:r>
-          </a:p>
-          <a:p>
-            <a:pPr lvl="0"/>
-            <a:endParaRPr lang="en-US" sz="2200" dirty="0">
+              <a:t>Define </a:t>
+            </a:r>
+            <a:r>
+              <a:rPr lang="en-US" sz="2400" dirty="0">
+                <a:solidFill>
+                  <a:prstClr val="black"/>
+                </a:solidFill>
+              </a:rPr>
+              <a:t>a priority in the choice of the </a:t>
+            </a:r>
+            <a:r>
+              <a:rPr lang="en-US" sz="2400" dirty="0" smtClean="0">
+                <a:solidFill>
+                  <a:prstClr val="black"/>
+                </a:solidFill>
+              </a:rPr>
+              <a:t>utterance</a:t>
+            </a:r>
+          </a:p>
+          <a:p>
+            <a:pPr marL="800100" lvl="1" indent="-342900">
+              <a:buClr>
+                <a:srgbClr val="FFC000"/>
+              </a:buClr>
+              <a:buFont typeface="Wingdings" panose="05000000000000000000" pitchFamily="2" charset="2"/>
+              <a:buChar char="ü"/>
+            </a:pPr>
+            <a:endParaRPr lang="en-US" sz="2400" b="1" dirty="0">
               <a:solidFill>
                 <a:prstClr val="black"/>
               </a:solidFill>
@@ -13368,37 +13428,76 @@
           </a:p>
           <a:p>
             <a:pPr marL="800100" lvl="1" indent="-342900">
+              <a:buClr>
+                <a:srgbClr val="FFC000"/>
+              </a:buClr>
               <a:buFont typeface="Wingdings" panose="05000000000000000000" pitchFamily="2" charset="2"/>
-              <a:buChar char="Ø"/>
+              <a:buChar char="ü"/>
             </a:pPr>
             <a:r>
-              <a:rPr lang="en-US" sz="2200" b="1" dirty="0">
+              <a:rPr lang="en-US" sz="2400" b="1" dirty="0" smtClean="0">
                 <a:solidFill>
                   <a:prstClr val="black"/>
                 </a:solidFill>
               </a:rPr>
-              <a:t>High-power: </a:t>
-            </a:r>
-            <a:r>
-              <a:rPr lang="en-US" sz="2200" dirty="0">
+              <a:t>High-power</a:t>
+            </a:r>
+            <a:r>
+              <a:rPr lang="en-US" sz="2400" b="1" dirty="0">
                 <a:solidFill>
                   <a:prstClr val="black"/>
                 </a:solidFill>
               </a:rPr>
-              <a:t>Negotiation acts</a:t>
-            </a:r>
-          </a:p>
-          <a:p>
-            <a:pPr lvl="2"/>
-            <a:r>
-              <a:rPr lang="en-US" sz="2000" dirty="0">
+              <a:t>: </a:t>
+            </a:r>
+            <a:r>
+              <a:rPr lang="en-US" sz="2400" dirty="0">
                 <a:solidFill>
                   <a:prstClr val="black"/>
                 </a:solidFill>
               </a:rPr>
-              <a:t>(Propose, Reject, Accept).</a:t>
-            </a:r>
-            <a:endParaRPr lang="en-US" sz="2200" dirty="0">
+              <a:t>Negotiation </a:t>
+            </a:r>
+            <a:r>
+              <a:rPr lang="en-US" sz="2400" dirty="0" smtClean="0">
+                <a:solidFill>
+                  <a:prstClr val="black"/>
+                </a:solidFill>
+              </a:rPr>
+              <a:t>acts </a:t>
+            </a:r>
+            <a:r>
+              <a:rPr lang="en-US" sz="1900" dirty="0" smtClean="0">
+                <a:solidFill>
+                  <a:prstClr val="black"/>
+                </a:solidFill>
+              </a:rPr>
+              <a:t>(Propose</a:t>
+            </a:r>
+            <a:r>
+              <a:rPr lang="en-US" sz="1900" dirty="0">
+                <a:solidFill>
+                  <a:prstClr val="black"/>
+                </a:solidFill>
+              </a:rPr>
+              <a:t>, Reject, </a:t>
+            </a:r>
+            <a:r>
+              <a:rPr lang="en-US" sz="1900" dirty="0" smtClean="0">
+                <a:solidFill>
+                  <a:prstClr val="black"/>
+                </a:solidFill>
+              </a:rPr>
+              <a:t>Accept)</a:t>
+            </a:r>
+          </a:p>
+          <a:p>
+            <a:pPr lvl="1">
+              <a:buClr>
+                <a:srgbClr val="FFC000"/>
+              </a:buClr>
+            </a:pPr>
+            <a:endParaRPr lang="en-US" sz="1900" dirty="0" smtClean="0">
               <a:solidFill>
                 <a:prstClr val="black"/>
               </a:solidFill>
@@ -13406,61 +13505,69 @@
           </a:p>
           <a:p>
             <a:pPr marL="800100" lvl="1" indent="-342900">
+              <a:buClr>
+                <a:srgbClr val="FFC000"/>
+              </a:buClr>
               <a:buFont typeface="Wingdings" panose="05000000000000000000" pitchFamily="2" charset="2"/>
-              <a:buChar char="Ø"/>
+              <a:buChar char="ü"/>
             </a:pPr>
             <a:r>
-              <a:rPr lang="en-US" sz="2200" b="1" dirty="0">
+              <a:rPr lang="en-US" sz="2400" b="1" dirty="0" smtClean="0">
                 <a:solidFill>
                   <a:prstClr val="black"/>
                 </a:solidFill>
               </a:rPr>
-              <a:t>Low-power: </a:t>
-            </a:r>
-            <a:r>
-              <a:rPr lang="en-US" sz="2200" dirty="0">
+              <a:t>Low-power</a:t>
+            </a:r>
+            <a:r>
+              <a:rPr lang="en-US" sz="2400" b="1" dirty="0">
                 <a:solidFill>
                   <a:prstClr val="black"/>
                 </a:solidFill>
               </a:rPr>
-              <a:t>Statement acts</a:t>
-            </a:r>
-          </a:p>
-          <a:p>
-            <a:pPr lvl="2"/>
-            <a:r>
-              <a:rPr lang="en-US" sz="2000" dirty="0">
+              <a:t>: </a:t>
+            </a:r>
+            <a:r>
+              <a:rPr lang="en-US" sz="2400" dirty="0">
                 <a:solidFill>
                   <a:prstClr val="black"/>
                 </a:solidFill>
               </a:rPr>
-              <a:t>  (</a:t>
-            </a:r>
-            <a:r>
-              <a:rPr lang="en-US" sz="2000" dirty="0" err="1">
+              <a:t>Statement </a:t>
+            </a:r>
+            <a:r>
+              <a:rPr lang="en-US" sz="2400" dirty="0" smtClean="0">
                 <a:solidFill>
                   <a:prstClr val="black"/>
                 </a:solidFill>
               </a:rPr>
-              <a:t>StatePreference</a:t>
-            </a:r>
-            <a:r>
-              <a:rPr lang="en-US" sz="2000" dirty="0">
+              <a:t>acts </a:t>
+            </a:r>
+            <a:r>
+              <a:rPr lang="en-US" sz="1900" dirty="0">
                 <a:solidFill>
                   <a:prstClr val="black"/>
                 </a:solidFill>
               </a:rPr>
-              <a:t>, </a:t>
-            </a:r>
-            <a:r>
-              <a:rPr lang="en-US" sz="2000" dirty="0" err="1">
+              <a:t>(</a:t>
+            </a:r>
+            <a:r>
+              <a:rPr lang="en-US" sz="1900" dirty="0" err="1">
                 <a:solidFill>
                   <a:prstClr val="black"/>
                 </a:solidFill>
               </a:rPr>
-              <a:t>AskPreference</a:t>
-            </a:r>
-            <a:endParaRPr lang="en-US" sz="2000" dirty="0">
+              <a:t>StatePreference,AskPreference</a:t>
+            </a:r>
+            <a:r>
+              <a:rPr lang="en-US" sz="1900" dirty="0">
+                <a:solidFill>
+                  <a:prstClr val="black"/>
+                </a:solidFill>
+              </a:rPr>
+              <a:t>)</a:t>
+            </a:r>
+            <a:endParaRPr lang="en-US" sz="1900" dirty="0">
               <a:solidFill>
                 <a:prstClr val="black"/>
               </a:solidFill>
@@ -13858,7 +13965,7 @@
           <p:cNvPr id="5" name="ZoneTexte 4">
             <a:extLst>
               <a:ext uri="{FF2B5EF4-FFF2-40B4-BE49-F238E27FC236}">
-                <a16:creationId xmlns:a16="http://schemas.microsoft.com/office/drawing/2014/main" xmlns="" id="{BFFBD950-ABAB-4227-8571-72DBFF533E40}"/>
+                <a16:creationId xmlns="" xmlns:a16="http://schemas.microsoft.com/office/drawing/2014/main" id="{BFFBD950-ABAB-4227-8571-72DBFF533E40}"/>
               </a:ext>
             </a:extLst>
           </p:cNvPr>
@@ -14003,10 +14110,84 @@
       </p:sp>
       <p:sp>
         <p:nvSpPr>
-          <p:cNvPr id="6" name="Rectangle 5">
+          <p:cNvPr id="14" name="ZoneTexte 13"/>
+          <p:cNvSpPr txBox="1"/>
+          <p:nvPr/>
+        </p:nvSpPr>
+        <p:spPr>
+          <a:xfrm>
+            <a:off x="91386" y="0"/>
+            <a:ext cx="2194832" cy="400110"/>
+          </a:xfrm>
+          <a:prstGeom prst="rect">
+            <a:avLst/>
+          </a:prstGeom>
+          <a:noFill/>
+        </p:spPr>
+        <p:txBody>
+          <a:bodyPr wrap="none" rtlCol="0">
+            <a:spAutoFit/>
+          </a:bodyPr>
+          <a:lstStyle/>
+          <a:p>
+            <a:r>
+              <a:rPr lang="fr-FR" sz="2000" b="1" dirty="0" err="1">
+                <a:solidFill>
+                  <a:schemeClr val="bg1"/>
+                </a:solidFill>
+              </a:rPr>
+              <a:t>Proposed</a:t>
+            </a:r>
+            <a:r>
+              <a:rPr lang="fr-FR" sz="2000" b="1" dirty="0">
+                <a:solidFill>
+                  <a:schemeClr val="bg1"/>
+                </a:solidFill>
+              </a:rPr>
+              <a:t> model</a:t>
+            </a:r>
+          </a:p>
+        </p:txBody>
+      </p:sp>
+      <p:sp>
+        <p:nvSpPr>
+          <p:cNvPr id="16" name="Titre 1"/>
+          <p:cNvSpPr>
+            <a:spLocks noGrp="1"/>
+          </p:cNvSpPr>
+          <p:nvPr>
+            <p:ph type="title"/>
+          </p:nvPr>
+        </p:nvSpPr>
+        <p:spPr>
+          <a:xfrm>
+            <a:off x="0" y="369278"/>
+            <a:ext cx="8964488" cy="1143000"/>
+          </a:xfrm>
+        </p:spPr>
+        <p:txBody>
+          <a:bodyPr>
+            <a:noAutofit/>
+          </a:bodyPr>
+          <a:lstStyle/>
+          <a:p>
+            <a:r>
+              <a:rPr lang="fr-FR" sz="3600" dirty="0">
+                <a:solidFill>
+                  <a:srgbClr val="FFC000"/>
+                </a:solidFill>
+              </a:rPr>
+              <a:t>Example of dialogue</a:t>
+            </a:r>
+          </a:p>
+        </p:txBody>
+      </p:sp>
+      <p:sp>
+        <p:nvSpPr>
+          <p:cNvPr id="8" name="Rectangle 7">
             <a:extLst>
               <a:ext uri="{FF2B5EF4-FFF2-40B4-BE49-F238E27FC236}">
-                <a16:creationId xmlns:a16="http://schemas.microsoft.com/office/drawing/2014/main" xmlns="" id="{1ABAD7AF-155F-4D00-992B-CFFD4B852FF8}"/>
+                <a16:creationId xmlns="" xmlns:a16="http://schemas.microsoft.com/office/drawing/2014/main" id="{1ABAD7AF-155F-4D00-992B-CFFD4B852FF8}"/>
               </a:ext>
             </a:extLst>
           </p:cNvPr>
@@ -14016,7 +14197,7 @@
         <p:spPr>
           <a:xfrm>
             <a:off x="251520" y="1340768"/>
-            <a:ext cx="5040560" cy="504056"/>
+            <a:ext cx="4464496" cy="504056"/>
           </a:xfrm>
           <a:prstGeom prst="rect">
             <a:avLst/>
@@ -14080,80 +14261,6 @@
                 </a:solidFill>
               </a:rPr>
               <a:t>(B) = 0.4</a:t>
-            </a:r>
-          </a:p>
-        </p:txBody>
-      </p:sp>
-      <p:sp>
-        <p:nvSpPr>
-          <p:cNvPr id="14" name="ZoneTexte 13"/>
-          <p:cNvSpPr txBox="1"/>
-          <p:nvPr/>
-        </p:nvSpPr>
-        <p:spPr>
-          <a:xfrm>
-            <a:off x="91386" y="0"/>
-            <a:ext cx="2194832" cy="400110"/>
-          </a:xfrm>
-          <a:prstGeom prst="rect">
-            <a:avLst/>
-          </a:prstGeom>
-          <a:noFill/>
-        </p:spPr>
-        <p:txBody>
-          <a:bodyPr wrap="none" rtlCol="0">
-            <a:spAutoFit/>
-          </a:bodyPr>
-          <a:lstStyle/>
-          <a:p>
-            <a:r>
-              <a:rPr lang="fr-FR" sz="2000" b="1" dirty="0" err="1">
-                <a:solidFill>
-                  <a:schemeClr val="bg1"/>
-                </a:solidFill>
-              </a:rPr>
-              <a:t>Proposed</a:t>
-            </a:r>
-            <a:r>
-              <a:rPr lang="fr-FR" sz="2000" b="1" dirty="0">
-                <a:solidFill>
-                  <a:schemeClr val="bg1"/>
-                </a:solidFill>
-              </a:rPr>
-              <a:t> model</a:t>
-            </a:r>
-          </a:p>
-        </p:txBody>
-      </p:sp>
-      <p:sp>
-        <p:nvSpPr>
-          <p:cNvPr id="16" name="Titre 1"/>
-          <p:cNvSpPr>
-            <a:spLocks noGrp="1"/>
-          </p:cNvSpPr>
-          <p:nvPr>
-            <p:ph type="title"/>
-          </p:nvPr>
-        </p:nvSpPr>
-        <p:spPr>
-          <a:xfrm>
-            <a:off x="0" y="369278"/>
-            <a:ext cx="8964488" cy="1143000"/>
-          </a:xfrm>
-        </p:spPr>
-        <p:txBody>
-          <a:bodyPr>
-            <a:noAutofit/>
-          </a:bodyPr>
-          <a:lstStyle/>
-          <a:p>
-            <a:r>
-              <a:rPr lang="fr-FR" sz="3600" dirty="0">
-                <a:solidFill>
-                  <a:srgbClr val="FFC000"/>
-                </a:solidFill>
-              </a:rPr>
-              <a:t>Example of dialogue</a:t>
             </a:r>
           </a:p>
         </p:txBody>
@@ -14389,7 +14496,7 @@
           <p:cNvPr id="5" name="ZoneTexte 4">
             <a:extLst>
               <a:ext uri="{FF2B5EF4-FFF2-40B4-BE49-F238E27FC236}">
-                <a16:creationId xmlns:a16="http://schemas.microsoft.com/office/drawing/2014/main" xmlns="" id="{BFFBD950-ABAB-4227-8571-72DBFF533E40}"/>
+                <a16:creationId xmlns="" xmlns:a16="http://schemas.microsoft.com/office/drawing/2014/main" id="{BFFBD950-ABAB-4227-8571-72DBFF533E40}"/>
               </a:ext>
             </a:extLst>
           </p:cNvPr>
@@ -14557,7 +14664,7 @@
           <p:cNvPr id="6" name="Rectangle 5">
             <a:extLst>
               <a:ext uri="{FF2B5EF4-FFF2-40B4-BE49-F238E27FC236}">
-                <a16:creationId xmlns:a16="http://schemas.microsoft.com/office/drawing/2014/main" xmlns="" id="{1ABAD7AF-155F-4D00-992B-CFFD4B852FF8}"/>
+                <a16:creationId xmlns="" xmlns:a16="http://schemas.microsoft.com/office/drawing/2014/main" id="{1ABAD7AF-155F-4D00-992B-CFFD4B852FF8}"/>
               </a:ext>
             </a:extLst>
           </p:cNvPr>
@@ -14567,7 +14674,7 @@
         <p:spPr>
           <a:xfrm>
             <a:off x="251520" y="1340768"/>
-            <a:ext cx="5040560" cy="504056"/>
+            <a:ext cx="4464496" cy="504056"/>
           </a:xfrm>
           <a:prstGeom prst="rect">
             <a:avLst/>
@@ -14640,7 +14747,7 @@
           <p:cNvPr id="10" name="ZoneTexte 9">
             <a:extLst>
               <a:ext uri="{FF2B5EF4-FFF2-40B4-BE49-F238E27FC236}">
-                <a16:creationId xmlns:a16="http://schemas.microsoft.com/office/drawing/2014/main" xmlns="" id="{4DA97B8E-52E8-4E09-951C-B73407A35AAD}"/>
+                <a16:creationId xmlns="" xmlns:a16="http://schemas.microsoft.com/office/drawing/2014/main" id="{4DA97B8E-52E8-4E09-951C-B73407A35AAD}"/>
               </a:ext>
             </a:extLst>
           </p:cNvPr>
@@ -14687,7 +14794,7 @@
           <p:cNvPr id="11" name="Titre 1">
             <a:extLst>
               <a:ext uri="{FF2B5EF4-FFF2-40B4-BE49-F238E27FC236}">
-                <a16:creationId xmlns:a16="http://schemas.microsoft.com/office/drawing/2014/main" xmlns="" id="{E2BCD793-A108-4B0C-AFD6-572492896B53}"/>
+                <a16:creationId xmlns="" xmlns:a16="http://schemas.microsoft.com/office/drawing/2014/main" id="{E2BCD793-A108-4B0C-AFD6-572492896B53}"/>
               </a:ext>
             </a:extLst>
           </p:cNvPr>
@@ -14718,6 +14825,56 @@
               </a:rPr>
               <a:t>Example of dialogue</a:t>
             </a:r>
+          </a:p>
+        </p:txBody>
+      </p:sp>
+      <p:sp>
+        <p:nvSpPr>
+          <p:cNvPr id="2" name="Rectangle 1"/>
+          <p:cNvSpPr/>
+          <p:nvPr/>
+        </p:nvSpPr>
+        <p:spPr>
+          <a:xfrm>
+            <a:off x="5364088" y="1268760"/>
+            <a:ext cx="3672408" cy="576064"/>
+          </a:xfrm>
+          <a:prstGeom prst="rect">
+            <a:avLst/>
+          </a:prstGeom>
+          <a:solidFill>
+            <a:srgbClr val="00B050"/>
+          </a:solidFill>
+          <a:ln>
+            <a:noFill/>
+          </a:ln>
+        </p:spPr>
+        <p:style>
+          <a:lnRef idx="2">
+            <a:schemeClr val="accent1">
+              <a:shade val="50000"/>
+            </a:schemeClr>
+          </a:lnRef>
+          <a:fillRef idx="1">
+            <a:schemeClr val="accent1"/>
+          </a:fillRef>
+          <a:effectRef idx="0">
+            <a:schemeClr val="accent1"/>
+          </a:effectRef>
+          <a:fontRef idx="minor">
+            <a:schemeClr val="lt1"/>
+          </a:fontRef>
+        </p:style>
+        <p:txBody>
+          <a:bodyPr rtlCol="0" anchor="ctr"/>
+          <a:lstStyle/>
+          <a:p>
+            <a:pPr algn="ctr"/>
+            <a:r>
+              <a:rPr lang="en-US" sz="2000" dirty="0" smtClean="0"/>
+              <a:t>Principle 1:Level of demand &amp; concessions</a:t>
+            </a:r>
+            <a:endParaRPr lang="en-US" sz="2000" dirty="0"/>
           </a:p>
         </p:txBody>
       </p:sp>
@@ -14928,7 +15085,7 @@
           <p:cNvPr id="5" name="ZoneTexte 4">
             <a:extLst>
               <a:ext uri="{FF2B5EF4-FFF2-40B4-BE49-F238E27FC236}">
-                <a16:creationId xmlns:a16="http://schemas.microsoft.com/office/drawing/2014/main" xmlns="" id="{BFFBD950-ABAB-4227-8571-72DBFF533E40}"/>
+                <a16:creationId xmlns="" xmlns:a16="http://schemas.microsoft.com/office/drawing/2014/main" id="{BFFBD950-ABAB-4227-8571-72DBFF533E40}"/>
               </a:ext>
             </a:extLst>
           </p:cNvPr>
@@ -15073,10 +15230,372 @@
       </p:sp>
       <p:sp>
         <p:nvSpPr>
-          <p:cNvPr id="6" name="Rectangle 5">
+          <p:cNvPr id="8" name="Rectangle 7"/>
+          <p:cNvSpPr/>
+          <p:nvPr/>
+        </p:nvSpPr>
+        <p:spPr>
+          <a:xfrm>
+            <a:off x="244027" y="2019316"/>
+            <a:ext cx="3456384" cy="528386"/>
+          </a:xfrm>
+          <a:prstGeom prst="rect">
+            <a:avLst/>
+          </a:prstGeom>
+          <a:noFill/>
+          <a:ln>
+            <a:solidFill>
+              <a:srgbClr val="FFC000"/>
+            </a:solidFill>
+          </a:ln>
+        </p:spPr>
+        <p:style>
+          <a:lnRef idx="2">
+            <a:schemeClr val="accent1">
+              <a:shade val="50000"/>
+            </a:schemeClr>
+          </a:lnRef>
+          <a:fillRef idx="1">
+            <a:schemeClr val="accent1"/>
+          </a:fillRef>
+          <a:effectRef idx="0">
+            <a:schemeClr val="accent1"/>
+          </a:effectRef>
+          <a:fontRef idx="minor">
+            <a:schemeClr val="lt1"/>
+          </a:fontRef>
+        </p:style>
+        <p:txBody>
+          <a:bodyPr rtlCol="0" anchor="ctr"/>
+          <a:lstStyle/>
+          <a:p>
+            <a:pPr algn="ctr"/>
+            <a:endParaRPr lang="fr-FR"/>
+          </a:p>
+        </p:txBody>
+      </p:sp>
+      <p:sp>
+        <p:nvSpPr>
+          <p:cNvPr id="9" name="Rectangle 8"/>
+          <p:cNvSpPr/>
+          <p:nvPr/>
+        </p:nvSpPr>
+        <p:spPr>
+          <a:xfrm>
+            <a:off x="251520" y="3140968"/>
+            <a:ext cx="3940402" cy="864096"/>
+          </a:xfrm>
+          <a:prstGeom prst="rect">
+            <a:avLst/>
+          </a:prstGeom>
+          <a:noFill/>
+          <a:ln>
+            <a:solidFill>
+              <a:srgbClr val="FFC000"/>
+            </a:solidFill>
+          </a:ln>
+        </p:spPr>
+        <p:style>
+          <a:lnRef idx="2">
+            <a:schemeClr val="accent1">
+              <a:shade val="50000"/>
+            </a:schemeClr>
+          </a:lnRef>
+          <a:fillRef idx="1">
+            <a:schemeClr val="accent1"/>
+          </a:fillRef>
+          <a:effectRef idx="0">
+            <a:schemeClr val="accent1"/>
+          </a:effectRef>
+          <a:fontRef idx="minor">
+            <a:schemeClr val="lt1"/>
+          </a:fontRef>
+        </p:style>
+        <p:txBody>
+          <a:bodyPr rtlCol="0" anchor="ctr"/>
+          <a:lstStyle/>
+          <a:p>
+            <a:pPr algn="ctr"/>
+            <a:endParaRPr lang="fr-FR"/>
+          </a:p>
+        </p:txBody>
+      </p:sp>
+      <p:sp>
+        <p:nvSpPr>
+          <p:cNvPr id="10" name="Rectangle 9"/>
+          <p:cNvSpPr/>
+          <p:nvPr/>
+        </p:nvSpPr>
+        <p:spPr>
+          <a:xfrm>
+            <a:off x="242717" y="5752034"/>
+            <a:ext cx="3940402" cy="701302"/>
+          </a:xfrm>
+          <a:prstGeom prst="rect">
+            <a:avLst/>
+          </a:prstGeom>
+          <a:noFill/>
+          <a:ln>
+            <a:solidFill>
+              <a:srgbClr val="FFC000"/>
+            </a:solidFill>
+          </a:ln>
+        </p:spPr>
+        <p:style>
+          <a:lnRef idx="2">
+            <a:schemeClr val="accent1">
+              <a:shade val="50000"/>
+            </a:schemeClr>
+          </a:lnRef>
+          <a:fillRef idx="1">
+            <a:schemeClr val="accent1"/>
+          </a:fillRef>
+          <a:effectRef idx="0">
+            <a:schemeClr val="accent1"/>
+          </a:effectRef>
+          <a:fontRef idx="minor">
+            <a:schemeClr val="lt1"/>
+          </a:fontRef>
+        </p:style>
+        <p:txBody>
+          <a:bodyPr rtlCol="0" anchor="ctr"/>
+          <a:lstStyle/>
+          <a:p>
+            <a:pPr algn="ctr"/>
+            <a:endParaRPr lang="fr-FR"/>
+          </a:p>
+        </p:txBody>
+      </p:sp>
+      <p:sp>
+        <p:nvSpPr>
+          <p:cNvPr id="11" name="Rectangle 10"/>
+          <p:cNvSpPr/>
+          <p:nvPr/>
+        </p:nvSpPr>
+        <p:spPr>
+          <a:xfrm>
+            <a:off x="4427984" y="3375770"/>
+            <a:ext cx="3248031" cy="557286"/>
+          </a:xfrm>
+          <a:prstGeom prst="rect">
+            <a:avLst/>
+          </a:prstGeom>
+          <a:noFill/>
+          <a:ln>
+            <a:solidFill>
+              <a:srgbClr val="FFC000"/>
+            </a:solidFill>
+          </a:ln>
+        </p:spPr>
+        <p:style>
+          <a:lnRef idx="2">
+            <a:schemeClr val="accent1">
+              <a:shade val="50000"/>
+            </a:schemeClr>
+          </a:lnRef>
+          <a:fillRef idx="1">
+            <a:schemeClr val="accent1"/>
+          </a:fillRef>
+          <a:effectRef idx="0">
+            <a:schemeClr val="accent1"/>
+          </a:effectRef>
+          <a:fontRef idx="minor">
+            <a:schemeClr val="lt1"/>
+          </a:fontRef>
+        </p:style>
+        <p:txBody>
+          <a:bodyPr rtlCol="0" anchor="ctr"/>
+          <a:lstStyle/>
+          <a:p>
+            <a:pPr algn="ctr"/>
+            <a:endParaRPr lang="fr-FR"/>
+          </a:p>
+        </p:txBody>
+      </p:sp>
+      <p:sp>
+        <p:nvSpPr>
+          <p:cNvPr id="12" name="Rectangle 11"/>
+          <p:cNvSpPr/>
+          <p:nvPr/>
+        </p:nvSpPr>
+        <p:spPr>
+          <a:xfrm>
+            <a:off x="4448022" y="4383882"/>
+            <a:ext cx="4238778" cy="557286"/>
+          </a:xfrm>
+          <a:prstGeom prst="rect">
+            <a:avLst/>
+          </a:prstGeom>
+          <a:noFill/>
+          <a:ln>
+            <a:solidFill>
+              <a:srgbClr val="FFC000"/>
+            </a:solidFill>
+          </a:ln>
+        </p:spPr>
+        <p:style>
+          <a:lnRef idx="2">
+            <a:schemeClr val="accent1">
+              <a:shade val="50000"/>
+            </a:schemeClr>
+          </a:lnRef>
+          <a:fillRef idx="1">
+            <a:schemeClr val="accent1"/>
+          </a:fillRef>
+          <a:effectRef idx="0">
+            <a:schemeClr val="accent1"/>
+          </a:effectRef>
+          <a:fontRef idx="minor">
+            <a:schemeClr val="lt1"/>
+          </a:fontRef>
+        </p:style>
+        <p:txBody>
+          <a:bodyPr rtlCol="0" anchor="ctr"/>
+          <a:lstStyle/>
+          <a:p>
+            <a:pPr algn="ctr"/>
+            <a:endParaRPr lang="fr-FR"/>
+          </a:p>
+        </p:txBody>
+      </p:sp>
+      <p:sp>
+        <p:nvSpPr>
+          <p:cNvPr id="13" name="Rectangle 12"/>
+          <p:cNvSpPr/>
+          <p:nvPr/>
+        </p:nvSpPr>
+        <p:spPr>
+          <a:xfrm>
+            <a:off x="4448022" y="5605492"/>
+            <a:ext cx="4377322" cy="701302"/>
+          </a:xfrm>
+          <a:prstGeom prst="rect">
+            <a:avLst/>
+          </a:prstGeom>
+          <a:noFill/>
+          <a:ln>
+            <a:solidFill>
+              <a:srgbClr val="FFC000"/>
+            </a:solidFill>
+          </a:ln>
+        </p:spPr>
+        <p:style>
+          <a:lnRef idx="2">
+            <a:schemeClr val="accent1">
+              <a:shade val="50000"/>
+            </a:schemeClr>
+          </a:lnRef>
+          <a:fillRef idx="1">
+            <a:schemeClr val="accent1"/>
+          </a:fillRef>
+          <a:effectRef idx="0">
+            <a:schemeClr val="accent1"/>
+          </a:effectRef>
+          <a:fontRef idx="minor">
+            <a:schemeClr val="lt1"/>
+          </a:fontRef>
+        </p:style>
+        <p:txBody>
+          <a:bodyPr rtlCol="0" anchor="ctr"/>
+          <a:lstStyle/>
+          <a:p>
+            <a:pPr algn="ctr"/>
+            <a:endParaRPr lang="fr-FR"/>
+          </a:p>
+        </p:txBody>
+      </p:sp>
+      <p:sp>
+        <p:nvSpPr>
+          <p:cNvPr id="18" name="ZoneTexte 17">
             <a:extLst>
               <a:ext uri="{FF2B5EF4-FFF2-40B4-BE49-F238E27FC236}">
-                <a16:creationId xmlns:a16="http://schemas.microsoft.com/office/drawing/2014/main" xmlns="" id="{1ABAD7AF-155F-4D00-992B-CFFD4B852FF8}"/>
+                <a16:creationId xmlns="" xmlns:a16="http://schemas.microsoft.com/office/drawing/2014/main" id="{C3B3ABE3-9EC2-469E-873C-A5C62C684DF1}"/>
+              </a:ext>
+            </a:extLst>
+          </p:cNvPr>
+          <p:cNvSpPr txBox="1"/>
+          <p:nvPr/>
+        </p:nvSpPr>
+        <p:spPr>
+          <a:xfrm>
+            <a:off x="91386" y="0"/>
+            <a:ext cx="2194832" cy="400110"/>
+          </a:xfrm>
+          <a:prstGeom prst="rect">
+            <a:avLst/>
+          </a:prstGeom>
+          <a:noFill/>
+        </p:spPr>
+        <p:txBody>
+          <a:bodyPr wrap="none" rtlCol="0">
+            <a:spAutoFit/>
+          </a:bodyPr>
+          <a:lstStyle/>
+          <a:p>
+            <a:r>
+              <a:rPr lang="fr-FR" sz="2000" b="1" dirty="0" err="1">
+                <a:solidFill>
+                  <a:schemeClr val="bg1"/>
+                </a:solidFill>
+              </a:rPr>
+              <a:t>Proposed</a:t>
+            </a:r>
+            <a:r>
+              <a:rPr lang="fr-FR" sz="2000" b="1" dirty="0">
+                <a:solidFill>
+                  <a:schemeClr val="bg1"/>
+                </a:solidFill>
+              </a:rPr>
+              <a:t> model</a:t>
+            </a:r>
+          </a:p>
+        </p:txBody>
+      </p:sp>
+      <p:sp>
+        <p:nvSpPr>
+          <p:cNvPr id="19" name="Titre 1">
+            <a:extLst>
+              <a:ext uri="{FF2B5EF4-FFF2-40B4-BE49-F238E27FC236}">
+                <a16:creationId xmlns="" xmlns:a16="http://schemas.microsoft.com/office/drawing/2014/main" id="{12BDFC3C-1C01-4160-B20B-AB98DD070716}"/>
+              </a:ext>
+            </a:extLst>
+          </p:cNvPr>
+          <p:cNvSpPr>
+            <a:spLocks noGrp="1"/>
+          </p:cNvSpPr>
+          <p:nvPr>
+            <p:ph type="title"/>
+          </p:nvPr>
+        </p:nvSpPr>
+        <p:spPr>
+          <a:xfrm>
+            <a:off x="0" y="369238"/>
+            <a:ext cx="8964488" cy="1143000"/>
+          </a:xfrm>
+        </p:spPr>
+        <p:txBody>
+          <a:bodyPr>
+            <a:noAutofit/>
+          </a:bodyPr>
+          <a:lstStyle/>
+          <a:p>
+            <a:r>
+              <a:rPr lang="fr-FR" sz="3600" dirty="0">
+                <a:solidFill>
+                  <a:srgbClr val="FFC000"/>
+                </a:solidFill>
+              </a:rPr>
+              <a:t>Example of dialogue</a:t>
+            </a:r>
+          </a:p>
+        </p:txBody>
+      </p:sp>
+      <p:sp>
+        <p:nvSpPr>
+          <p:cNvPr id="14" name="Rectangle 13">
+            <a:extLst>
+              <a:ext uri="{FF2B5EF4-FFF2-40B4-BE49-F238E27FC236}">
+                <a16:creationId xmlns="" xmlns:a16="http://schemas.microsoft.com/office/drawing/2014/main" id="{1ABAD7AF-155F-4D00-992B-CFFD4B852FF8}"/>
               </a:ext>
             </a:extLst>
           </p:cNvPr>
@@ -15086,7 +15605,7 @@
         <p:spPr>
           <a:xfrm>
             <a:off x="251520" y="1340768"/>
-            <a:ext cx="5040560" cy="504056"/>
+            <a:ext cx="4464496" cy="504056"/>
           </a:xfrm>
           <a:prstGeom prst="rect">
             <a:avLst/>
@@ -15156,23 +15675,23 @@
       </p:sp>
       <p:sp>
         <p:nvSpPr>
-          <p:cNvPr id="8" name="Rectangle 7"/>
+          <p:cNvPr id="15" name="Rectangle 14"/>
           <p:cNvSpPr/>
           <p:nvPr/>
         </p:nvSpPr>
         <p:spPr>
           <a:xfrm>
-            <a:off x="244027" y="2019316"/>
-            <a:ext cx="3456384" cy="528386"/>
+            <a:off x="5940152" y="1268760"/>
+            <a:ext cx="2984497" cy="576064"/>
           </a:xfrm>
           <a:prstGeom prst="rect">
             <a:avLst/>
           </a:prstGeom>
-          <a:noFill/>
+          <a:solidFill>
+            <a:srgbClr val="FFC000"/>
+          </a:solidFill>
           <a:ln>
-            <a:solidFill>
-              <a:srgbClr val="00B050"/>
-            </a:solidFill>
+            <a:noFill/>
           </a:ln>
         </p:spPr>
         <p:style>
@@ -15196,323 +15715,18 @@
           <a:lstStyle/>
           <a:p>
             <a:pPr algn="ctr"/>
-            <a:endParaRPr lang="fr-FR"/>
-          </a:p>
-        </p:txBody>
-      </p:sp>
-      <p:sp>
-        <p:nvSpPr>
-          <p:cNvPr id="9" name="Rectangle 8"/>
-          <p:cNvSpPr/>
-          <p:nvPr/>
-        </p:nvSpPr>
-        <p:spPr>
-          <a:xfrm>
-            <a:off x="251520" y="3140968"/>
-            <a:ext cx="3940402" cy="864096"/>
-          </a:xfrm>
-          <a:prstGeom prst="rect">
-            <a:avLst/>
-          </a:prstGeom>
-          <a:noFill/>
-          <a:ln>
-            <a:solidFill>
-              <a:srgbClr val="00B050"/>
-            </a:solidFill>
-          </a:ln>
-        </p:spPr>
-        <p:style>
-          <a:lnRef idx="2">
-            <a:schemeClr val="accent1">
-              <a:shade val="50000"/>
-            </a:schemeClr>
-          </a:lnRef>
-          <a:fillRef idx="1">
-            <a:schemeClr val="accent1"/>
-          </a:fillRef>
-          <a:effectRef idx="0">
-            <a:schemeClr val="accent1"/>
-          </a:effectRef>
-          <a:fontRef idx="minor">
-            <a:schemeClr val="lt1"/>
-          </a:fontRef>
-        </p:style>
-        <p:txBody>
-          <a:bodyPr rtlCol="0" anchor="ctr"/>
-          <a:lstStyle/>
+            <a:r>
+              <a:rPr lang="en-US" sz="2000" dirty="0" smtClean="0"/>
+              <a:t>Principle 3: </a:t>
+            </a:r>
+          </a:p>
           <a:p>
             <a:pPr algn="ctr"/>
-            <a:endParaRPr lang="fr-FR"/>
-          </a:p>
-        </p:txBody>
-      </p:sp>
-      <p:sp>
-        <p:nvSpPr>
-          <p:cNvPr id="10" name="Rectangle 9"/>
-          <p:cNvSpPr/>
-          <p:nvPr/>
-        </p:nvSpPr>
-        <p:spPr>
-          <a:xfrm>
-            <a:off x="242717" y="5752034"/>
-            <a:ext cx="3940402" cy="701302"/>
-          </a:xfrm>
-          <a:prstGeom prst="rect">
-            <a:avLst/>
-          </a:prstGeom>
-          <a:noFill/>
-          <a:ln>
-            <a:solidFill>
-              <a:srgbClr val="00B050"/>
-            </a:solidFill>
-          </a:ln>
-        </p:spPr>
-        <p:style>
-          <a:lnRef idx="2">
-            <a:schemeClr val="accent1">
-              <a:shade val="50000"/>
-            </a:schemeClr>
-          </a:lnRef>
-          <a:fillRef idx="1">
-            <a:schemeClr val="accent1"/>
-          </a:fillRef>
-          <a:effectRef idx="0">
-            <a:schemeClr val="accent1"/>
-          </a:effectRef>
-          <a:fontRef idx="minor">
-            <a:schemeClr val="lt1"/>
-          </a:fontRef>
-        </p:style>
-        <p:txBody>
-          <a:bodyPr rtlCol="0" anchor="ctr"/>
-          <a:lstStyle/>
-          <a:p>
-            <a:pPr algn="ctr"/>
-            <a:endParaRPr lang="fr-FR"/>
-          </a:p>
-        </p:txBody>
-      </p:sp>
-      <p:sp>
-        <p:nvSpPr>
-          <p:cNvPr id="11" name="Rectangle 10"/>
-          <p:cNvSpPr/>
-          <p:nvPr/>
-        </p:nvSpPr>
-        <p:spPr>
-          <a:xfrm>
-            <a:off x="4427984" y="3375770"/>
-            <a:ext cx="3248031" cy="557286"/>
-          </a:xfrm>
-          <a:prstGeom prst="rect">
-            <a:avLst/>
-          </a:prstGeom>
-          <a:noFill/>
-          <a:ln>
-            <a:solidFill>
-              <a:srgbClr val="00B050"/>
-            </a:solidFill>
-          </a:ln>
-        </p:spPr>
-        <p:style>
-          <a:lnRef idx="2">
-            <a:schemeClr val="accent1">
-              <a:shade val="50000"/>
-            </a:schemeClr>
-          </a:lnRef>
-          <a:fillRef idx="1">
-            <a:schemeClr val="accent1"/>
-          </a:fillRef>
-          <a:effectRef idx="0">
-            <a:schemeClr val="accent1"/>
-          </a:effectRef>
-          <a:fontRef idx="minor">
-            <a:schemeClr val="lt1"/>
-          </a:fontRef>
-        </p:style>
-        <p:txBody>
-          <a:bodyPr rtlCol="0" anchor="ctr"/>
-          <a:lstStyle/>
-          <a:p>
-            <a:pPr algn="ctr"/>
-            <a:endParaRPr lang="fr-FR"/>
-          </a:p>
-        </p:txBody>
-      </p:sp>
-      <p:sp>
-        <p:nvSpPr>
-          <p:cNvPr id="12" name="Rectangle 11"/>
-          <p:cNvSpPr/>
-          <p:nvPr/>
-        </p:nvSpPr>
-        <p:spPr>
-          <a:xfrm>
-            <a:off x="4448022" y="4383882"/>
-            <a:ext cx="4238778" cy="557286"/>
-          </a:xfrm>
-          <a:prstGeom prst="rect">
-            <a:avLst/>
-          </a:prstGeom>
-          <a:noFill/>
-          <a:ln>
-            <a:solidFill>
-              <a:srgbClr val="00B050"/>
-            </a:solidFill>
-          </a:ln>
-        </p:spPr>
-        <p:style>
-          <a:lnRef idx="2">
-            <a:schemeClr val="accent1">
-              <a:shade val="50000"/>
-            </a:schemeClr>
-          </a:lnRef>
-          <a:fillRef idx="1">
-            <a:schemeClr val="accent1"/>
-          </a:fillRef>
-          <a:effectRef idx="0">
-            <a:schemeClr val="accent1"/>
-          </a:effectRef>
-          <a:fontRef idx="minor">
-            <a:schemeClr val="lt1"/>
-          </a:fontRef>
-        </p:style>
-        <p:txBody>
-          <a:bodyPr rtlCol="0" anchor="ctr"/>
-          <a:lstStyle/>
-          <a:p>
-            <a:pPr algn="ctr"/>
-            <a:endParaRPr lang="fr-FR"/>
-          </a:p>
-        </p:txBody>
-      </p:sp>
-      <p:sp>
-        <p:nvSpPr>
-          <p:cNvPr id="13" name="Rectangle 12"/>
-          <p:cNvSpPr/>
-          <p:nvPr/>
-        </p:nvSpPr>
-        <p:spPr>
-          <a:xfrm>
-            <a:off x="4448022" y="5605492"/>
-            <a:ext cx="4377322" cy="701302"/>
-          </a:xfrm>
-          <a:prstGeom prst="rect">
-            <a:avLst/>
-          </a:prstGeom>
-          <a:noFill/>
-          <a:ln>
-            <a:solidFill>
-              <a:srgbClr val="00B050"/>
-            </a:solidFill>
-          </a:ln>
-        </p:spPr>
-        <p:style>
-          <a:lnRef idx="2">
-            <a:schemeClr val="accent1">
-              <a:shade val="50000"/>
-            </a:schemeClr>
-          </a:lnRef>
-          <a:fillRef idx="1">
-            <a:schemeClr val="accent1"/>
-          </a:fillRef>
-          <a:effectRef idx="0">
-            <a:schemeClr val="accent1"/>
-          </a:effectRef>
-          <a:fontRef idx="minor">
-            <a:schemeClr val="lt1"/>
-          </a:fontRef>
-        </p:style>
-        <p:txBody>
-          <a:bodyPr rtlCol="0" anchor="ctr"/>
-          <a:lstStyle/>
-          <a:p>
-            <a:pPr algn="ctr"/>
-            <a:endParaRPr lang="fr-FR"/>
-          </a:p>
-        </p:txBody>
-      </p:sp>
-      <p:sp>
-        <p:nvSpPr>
-          <p:cNvPr id="18" name="ZoneTexte 17">
-            <a:extLst>
-              <a:ext uri="{FF2B5EF4-FFF2-40B4-BE49-F238E27FC236}">
-                <a16:creationId xmlns:a16="http://schemas.microsoft.com/office/drawing/2014/main" xmlns="" id="{C3B3ABE3-9EC2-469E-873C-A5C62C684DF1}"/>
-              </a:ext>
-            </a:extLst>
-          </p:cNvPr>
-          <p:cNvSpPr txBox="1"/>
-          <p:nvPr/>
-        </p:nvSpPr>
-        <p:spPr>
-          <a:xfrm>
-            <a:off x="91386" y="0"/>
-            <a:ext cx="2194832" cy="400110"/>
-          </a:xfrm>
-          <a:prstGeom prst="rect">
-            <a:avLst/>
-          </a:prstGeom>
-          <a:noFill/>
-        </p:spPr>
-        <p:txBody>
-          <a:bodyPr wrap="none" rtlCol="0">
-            <a:spAutoFit/>
-          </a:bodyPr>
-          <a:lstStyle/>
-          <a:p>
-            <a:r>
-              <a:rPr lang="fr-FR" sz="2000" b="1" dirty="0" err="1">
-                <a:solidFill>
-                  <a:schemeClr val="bg1"/>
-                </a:solidFill>
-              </a:rPr>
-              <a:t>Proposed</a:t>
-            </a:r>
-            <a:r>
-              <a:rPr lang="fr-FR" sz="2000" b="1" dirty="0">
-                <a:solidFill>
-                  <a:schemeClr val="bg1"/>
-                </a:solidFill>
-              </a:rPr>
-              <a:t> model</a:t>
-            </a:r>
-          </a:p>
-        </p:txBody>
-      </p:sp>
-      <p:sp>
-        <p:nvSpPr>
-          <p:cNvPr id="19" name="Titre 1">
-            <a:extLst>
-              <a:ext uri="{FF2B5EF4-FFF2-40B4-BE49-F238E27FC236}">
-                <a16:creationId xmlns:a16="http://schemas.microsoft.com/office/drawing/2014/main" xmlns="" id="{12BDFC3C-1C01-4160-B20B-AB98DD070716}"/>
-              </a:ext>
-            </a:extLst>
-          </p:cNvPr>
-          <p:cNvSpPr>
-            <a:spLocks noGrp="1"/>
-          </p:cNvSpPr>
-          <p:nvPr>
-            <p:ph type="title"/>
-          </p:nvPr>
-        </p:nvSpPr>
-        <p:spPr>
-          <a:xfrm>
-            <a:off x="0" y="369238"/>
-            <a:ext cx="8964488" cy="1143000"/>
-          </a:xfrm>
-        </p:spPr>
-        <p:txBody>
-          <a:bodyPr>
-            <a:noAutofit/>
-          </a:bodyPr>
-          <a:lstStyle/>
-          <a:p>
-            <a:r>
-              <a:rPr lang="fr-FR" sz="3600" dirty="0">
-                <a:solidFill>
-                  <a:srgbClr val="FFC000"/>
-                </a:solidFill>
-              </a:rPr>
-              <a:t>Example of dialogue</a:t>
-            </a:r>
+            <a:r>
+              <a:rPr lang="en-US" sz="2000" dirty="0" smtClean="0"/>
+              <a:t>Lead of the dialogue</a:t>
+            </a:r>
+            <a:endParaRPr lang="en-US" sz="2000" dirty="0"/>
           </a:p>
         </p:txBody>
       </p:sp>
@@ -15723,7 +15937,7 @@
           <p:cNvPr id="5" name="ZoneTexte 4">
             <a:extLst>
               <a:ext uri="{FF2B5EF4-FFF2-40B4-BE49-F238E27FC236}">
-                <a16:creationId xmlns:a16="http://schemas.microsoft.com/office/drawing/2014/main" xmlns="" id="{BFFBD950-ABAB-4227-8571-72DBFF533E40}"/>
+                <a16:creationId xmlns="" xmlns:a16="http://schemas.microsoft.com/office/drawing/2014/main" id="{BFFBD950-ABAB-4227-8571-72DBFF533E40}"/>
               </a:ext>
             </a:extLst>
           </p:cNvPr>
@@ -15868,10 +16082,280 @@
       </p:sp>
       <p:sp>
         <p:nvSpPr>
-          <p:cNvPr id="6" name="Rectangle 5">
+          <p:cNvPr id="8" name="Rectangle 7"/>
+          <p:cNvSpPr/>
+          <p:nvPr/>
+        </p:nvSpPr>
+        <p:spPr>
+          <a:xfrm>
+            <a:off x="395536" y="4054759"/>
+            <a:ext cx="3456384" cy="576064"/>
+          </a:xfrm>
+          <a:prstGeom prst="rect">
+            <a:avLst/>
+          </a:prstGeom>
+          <a:noFill/>
+          <a:ln>
+            <a:solidFill>
+              <a:srgbClr val="7030A0"/>
+            </a:solidFill>
+          </a:ln>
+        </p:spPr>
+        <p:style>
+          <a:lnRef idx="2">
+            <a:schemeClr val="accent1">
+              <a:shade val="50000"/>
+            </a:schemeClr>
+          </a:lnRef>
+          <a:fillRef idx="1">
+            <a:schemeClr val="accent1"/>
+          </a:fillRef>
+          <a:effectRef idx="0">
+            <a:schemeClr val="accent1"/>
+          </a:effectRef>
+          <a:fontRef idx="minor">
+            <a:schemeClr val="lt1"/>
+          </a:fontRef>
+        </p:style>
+        <p:txBody>
+          <a:bodyPr rtlCol="0" anchor="ctr"/>
+          <a:lstStyle/>
+          <a:p>
+            <a:pPr algn="ctr"/>
+            <a:endParaRPr lang="fr-FR"/>
+          </a:p>
+        </p:txBody>
+      </p:sp>
+      <p:sp>
+        <p:nvSpPr>
+          <p:cNvPr id="9" name="Rectangle 8"/>
+          <p:cNvSpPr/>
+          <p:nvPr/>
+        </p:nvSpPr>
+        <p:spPr>
+          <a:xfrm>
+            <a:off x="390600" y="4990863"/>
+            <a:ext cx="3456384" cy="576064"/>
+          </a:xfrm>
+          <a:prstGeom prst="rect">
+            <a:avLst/>
+          </a:prstGeom>
+          <a:noFill/>
+          <a:ln>
+            <a:solidFill>
+              <a:srgbClr val="7030A0"/>
+            </a:solidFill>
+          </a:ln>
+        </p:spPr>
+        <p:style>
+          <a:lnRef idx="2">
+            <a:schemeClr val="accent1">
+              <a:shade val="50000"/>
+            </a:schemeClr>
+          </a:lnRef>
+          <a:fillRef idx="1">
+            <a:schemeClr val="accent1"/>
+          </a:fillRef>
+          <a:effectRef idx="0">
+            <a:schemeClr val="accent1"/>
+          </a:effectRef>
+          <a:fontRef idx="minor">
+            <a:schemeClr val="lt1"/>
+          </a:fontRef>
+        </p:style>
+        <p:txBody>
+          <a:bodyPr rtlCol="0" anchor="ctr"/>
+          <a:lstStyle/>
+          <a:p>
+            <a:pPr algn="ctr"/>
+            <a:endParaRPr lang="fr-FR"/>
+          </a:p>
+        </p:txBody>
+      </p:sp>
+      <p:sp>
+        <p:nvSpPr>
+          <p:cNvPr id="11" name="Rectangle 10"/>
+          <p:cNvSpPr/>
+          <p:nvPr/>
+        </p:nvSpPr>
+        <p:spPr>
+          <a:xfrm>
+            <a:off x="4572000" y="2902631"/>
+            <a:ext cx="3456384" cy="576064"/>
+          </a:xfrm>
+          <a:prstGeom prst="rect">
+            <a:avLst/>
+          </a:prstGeom>
+          <a:noFill/>
+          <a:ln>
+            <a:solidFill>
+              <a:srgbClr val="7030A0"/>
+            </a:solidFill>
+          </a:ln>
+        </p:spPr>
+        <p:style>
+          <a:lnRef idx="2">
+            <a:schemeClr val="accent1">
+              <a:shade val="50000"/>
+            </a:schemeClr>
+          </a:lnRef>
+          <a:fillRef idx="1">
+            <a:schemeClr val="accent1"/>
+          </a:fillRef>
+          <a:effectRef idx="0">
+            <a:schemeClr val="accent1"/>
+          </a:effectRef>
+          <a:fontRef idx="minor">
+            <a:schemeClr val="lt1"/>
+          </a:fontRef>
+        </p:style>
+        <p:txBody>
+          <a:bodyPr rtlCol="0" anchor="ctr"/>
+          <a:lstStyle/>
+          <a:p>
+            <a:pPr algn="ctr"/>
+            <a:endParaRPr lang="fr-FR"/>
+          </a:p>
+        </p:txBody>
+      </p:sp>
+      <p:sp>
+        <p:nvSpPr>
+          <p:cNvPr id="12" name="Rectangle 11"/>
+          <p:cNvSpPr/>
+          <p:nvPr/>
+        </p:nvSpPr>
+        <p:spPr>
+          <a:xfrm>
+            <a:off x="4427984" y="1987206"/>
+            <a:ext cx="3456384" cy="576064"/>
+          </a:xfrm>
+          <a:prstGeom prst="rect">
+            <a:avLst/>
+          </a:prstGeom>
+          <a:noFill/>
+          <a:ln>
+            <a:solidFill>
+              <a:srgbClr val="7030A0"/>
+            </a:solidFill>
+          </a:ln>
+        </p:spPr>
+        <p:style>
+          <a:lnRef idx="2">
+            <a:schemeClr val="accent1">
+              <a:shade val="50000"/>
+            </a:schemeClr>
+          </a:lnRef>
+          <a:fillRef idx="1">
+            <a:schemeClr val="accent1"/>
+          </a:fillRef>
+          <a:effectRef idx="0">
+            <a:schemeClr val="accent1"/>
+          </a:effectRef>
+          <a:fontRef idx="minor">
+            <a:schemeClr val="lt1"/>
+          </a:fontRef>
+        </p:style>
+        <p:txBody>
+          <a:bodyPr rtlCol="0" anchor="ctr"/>
+          <a:lstStyle/>
+          <a:p>
+            <a:pPr algn="ctr"/>
+            <a:endParaRPr lang="fr-FR"/>
+          </a:p>
+        </p:txBody>
+      </p:sp>
+      <p:sp>
+        <p:nvSpPr>
+          <p:cNvPr id="15" name="ZoneTexte 14">
             <a:extLst>
               <a:ext uri="{FF2B5EF4-FFF2-40B4-BE49-F238E27FC236}">
-                <a16:creationId xmlns:a16="http://schemas.microsoft.com/office/drawing/2014/main" xmlns="" id="{1ABAD7AF-155F-4D00-992B-CFFD4B852FF8}"/>
+                <a16:creationId xmlns="" xmlns:a16="http://schemas.microsoft.com/office/drawing/2014/main" id="{2A3FAC5F-7CCF-4FA4-911D-8A5574188D63}"/>
+              </a:ext>
+            </a:extLst>
+          </p:cNvPr>
+          <p:cNvSpPr txBox="1"/>
+          <p:nvPr/>
+        </p:nvSpPr>
+        <p:spPr>
+          <a:xfrm>
+            <a:off x="91386" y="0"/>
+            <a:ext cx="2194832" cy="400110"/>
+          </a:xfrm>
+          <a:prstGeom prst="rect">
+            <a:avLst/>
+          </a:prstGeom>
+          <a:noFill/>
+        </p:spPr>
+        <p:txBody>
+          <a:bodyPr wrap="none" rtlCol="0">
+            <a:spAutoFit/>
+          </a:bodyPr>
+          <a:lstStyle/>
+          <a:p>
+            <a:r>
+              <a:rPr lang="fr-FR" sz="2000" b="1" dirty="0" err="1">
+                <a:solidFill>
+                  <a:schemeClr val="bg1"/>
+                </a:solidFill>
+              </a:rPr>
+              <a:t>Proposed</a:t>
+            </a:r>
+            <a:r>
+              <a:rPr lang="fr-FR" sz="2000" b="1" dirty="0">
+                <a:solidFill>
+                  <a:schemeClr val="bg1"/>
+                </a:solidFill>
+              </a:rPr>
+              <a:t> model</a:t>
+            </a:r>
+          </a:p>
+        </p:txBody>
+      </p:sp>
+      <p:sp>
+        <p:nvSpPr>
+          <p:cNvPr id="17" name="Titre 1">
+            <a:extLst>
+              <a:ext uri="{FF2B5EF4-FFF2-40B4-BE49-F238E27FC236}">
+                <a16:creationId xmlns="" xmlns:a16="http://schemas.microsoft.com/office/drawing/2014/main" id="{74C4F468-574E-4102-B88C-E9B4EBDA6580}"/>
+              </a:ext>
+            </a:extLst>
+          </p:cNvPr>
+          <p:cNvSpPr>
+            <a:spLocks noGrp="1"/>
+          </p:cNvSpPr>
+          <p:nvPr>
+            <p:ph type="title"/>
+          </p:nvPr>
+        </p:nvSpPr>
+        <p:spPr>
+          <a:xfrm>
+            <a:off x="0" y="369278"/>
+            <a:ext cx="8964488" cy="1143000"/>
+          </a:xfrm>
+        </p:spPr>
+        <p:txBody>
+          <a:bodyPr>
+            <a:noAutofit/>
+          </a:bodyPr>
+          <a:lstStyle/>
+          <a:p>
+            <a:r>
+              <a:rPr lang="fr-FR" sz="3600" dirty="0">
+                <a:solidFill>
+                  <a:srgbClr val="FFC000"/>
+                </a:solidFill>
+              </a:rPr>
+              <a:t>Example of dialogue</a:t>
+            </a:r>
+          </a:p>
+        </p:txBody>
+      </p:sp>
+      <p:sp>
+        <p:nvSpPr>
+          <p:cNvPr id="14" name="Rectangle 13">
+            <a:extLst>
+              <a:ext uri="{FF2B5EF4-FFF2-40B4-BE49-F238E27FC236}">
+                <a16:creationId xmlns="" xmlns:a16="http://schemas.microsoft.com/office/drawing/2014/main" id="{1ABAD7AF-155F-4D00-992B-CFFD4B852FF8}"/>
               </a:ext>
             </a:extLst>
           </p:cNvPr>
@@ -15881,7 +16365,7 @@
         <p:spPr>
           <a:xfrm>
             <a:off x="251520" y="1340768"/>
-            <a:ext cx="5040560" cy="504056"/>
+            <a:ext cx="4464496" cy="504056"/>
           </a:xfrm>
           <a:prstGeom prst="rect">
             <a:avLst/>
@@ -15951,23 +16435,23 @@
       </p:sp>
       <p:sp>
         <p:nvSpPr>
-          <p:cNvPr id="8" name="Rectangle 7"/>
+          <p:cNvPr id="16" name="Rectangle 15"/>
           <p:cNvSpPr/>
           <p:nvPr/>
         </p:nvSpPr>
         <p:spPr>
           <a:xfrm>
-            <a:off x="395536" y="4054759"/>
-            <a:ext cx="3456384" cy="576064"/>
+            <a:off x="5940152" y="1268760"/>
+            <a:ext cx="2984497" cy="576064"/>
           </a:xfrm>
           <a:prstGeom prst="rect">
             <a:avLst/>
           </a:prstGeom>
-          <a:noFill/>
+          <a:solidFill>
+            <a:srgbClr val="7030A0"/>
+          </a:solidFill>
           <a:ln>
-            <a:solidFill>
-              <a:srgbClr val="7030A0"/>
-            </a:solidFill>
+            <a:noFill/>
           </a:ln>
         </p:spPr>
         <p:style>
@@ -15991,231 +16475,18 @@
           <a:lstStyle/>
           <a:p>
             <a:pPr algn="ctr"/>
-            <a:endParaRPr lang="fr-FR"/>
-          </a:p>
-        </p:txBody>
-      </p:sp>
-      <p:sp>
-        <p:nvSpPr>
-          <p:cNvPr id="9" name="Rectangle 8"/>
-          <p:cNvSpPr/>
-          <p:nvPr/>
-        </p:nvSpPr>
-        <p:spPr>
-          <a:xfrm>
-            <a:off x="390600" y="4990863"/>
-            <a:ext cx="3456384" cy="576064"/>
-          </a:xfrm>
-          <a:prstGeom prst="rect">
-            <a:avLst/>
-          </a:prstGeom>
-          <a:noFill/>
-          <a:ln>
-            <a:solidFill>
-              <a:srgbClr val="7030A0"/>
-            </a:solidFill>
-          </a:ln>
-        </p:spPr>
-        <p:style>
-          <a:lnRef idx="2">
-            <a:schemeClr val="accent1">
-              <a:shade val="50000"/>
-            </a:schemeClr>
-          </a:lnRef>
-          <a:fillRef idx="1">
-            <a:schemeClr val="accent1"/>
-          </a:fillRef>
-          <a:effectRef idx="0">
-            <a:schemeClr val="accent1"/>
-          </a:effectRef>
-          <a:fontRef idx="minor">
-            <a:schemeClr val="lt1"/>
-          </a:fontRef>
-        </p:style>
-        <p:txBody>
-          <a:bodyPr rtlCol="0" anchor="ctr"/>
-          <a:lstStyle/>
+            <a:r>
+              <a:rPr lang="en-US" sz="2000" dirty="0" smtClean="0"/>
+              <a:t>Principle 3: </a:t>
+            </a:r>
+          </a:p>
           <a:p>
             <a:pPr algn="ctr"/>
-            <a:endParaRPr lang="fr-FR"/>
-          </a:p>
-        </p:txBody>
-      </p:sp>
-      <p:sp>
-        <p:nvSpPr>
-          <p:cNvPr id="11" name="Rectangle 10"/>
-          <p:cNvSpPr/>
-          <p:nvPr/>
-        </p:nvSpPr>
-        <p:spPr>
-          <a:xfrm>
-            <a:off x="4572000" y="2902631"/>
-            <a:ext cx="3456384" cy="576064"/>
-          </a:xfrm>
-          <a:prstGeom prst="rect">
-            <a:avLst/>
-          </a:prstGeom>
-          <a:noFill/>
-          <a:ln>
-            <a:solidFill>
-              <a:srgbClr val="7030A0"/>
-            </a:solidFill>
-          </a:ln>
-        </p:spPr>
-        <p:style>
-          <a:lnRef idx="2">
-            <a:schemeClr val="accent1">
-              <a:shade val="50000"/>
-            </a:schemeClr>
-          </a:lnRef>
-          <a:fillRef idx="1">
-            <a:schemeClr val="accent1"/>
-          </a:fillRef>
-          <a:effectRef idx="0">
-            <a:schemeClr val="accent1"/>
-          </a:effectRef>
-          <a:fontRef idx="minor">
-            <a:schemeClr val="lt1"/>
-          </a:fontRef>
-        </p:style>
-        <p:txBody>
-          <a:bodyPr rtlCol="0" anchor="ctr"/>
-          <a:lstStyle/>
-          <a:p>
-            <a:pPr algn="ctr"/>
-            <a:endParaRPr lang="fr-FR"/>
-          </a:p>
-        </p:txBody>
-      </p:sp>
-      <p:sp>
-        <p:nvSpPr>
-          <p:cNvPr id="12" name="Rectangle 11"/>
-          <p:cNvSpPr/>
-          <p:nvPr/>
-        </p:nvSpPr>
-        <p:spPr>
-          <a:xfrm>
-            <a:off x="4427984" y="1987206"/>
-            <a:ext cx="3456384" cy="576064"/>
-          </a:xfrm>
-          <a:prstGeom prst="rect">
-            <a:avLst/>
-          </a:prstGeom>
-          <a:noFill/>
-          <a:ln>
-            <a:solidFill>
-              <a:srgbClr val="7030A0"/>
-            </a:solidFill>
-          </a:ln>
-        </p:spPr>
-        <p:style>
-          <a:lnRef idx="2">
-            <a:schemeClr val="accent1">
-              <a:shade val="50000"/>
-            </a:schemeClr>
-          </a:lnRef>
-          <a:fillRef idx="1">
-            <a:schemeClr val="accent1"/>
-          </a:fillRef>
-          <a:effectRef idx="0">
-            <a:schemeClr val="accent1"/>
-          </a:effectRef>
-          <a:fontRef idx="minor">
-            <a:schemeClr val="lt1"/>
-          </a:fontRef>
-        </p:style>
-        <p:txBody>
-          <a:bodyPr rtlCol="0" anchor="ctr"/>
-          <a:lstStyle/>
-          <a:p>
-            <a:pPr algn="ctr"/>
-            <a:endParaRPr lang="fr-FR"/>
-          </a:p>
-        </p:txBody>
-      </p:sp>
-      <p:sp>
-        <p:nvSpPr>
-          <p:cNvPr id="15" name="ZoneTexte 14">
-            <a:extLst>
-              <a:ext uri="{FF2B5EF4-FFF2-40B4-BE49-F238E27FC236}">
-                <a16:creationId xmlns:a16="http://schemas.microsoft.com/office/drawing/2014/main" xmlns="" id="{2A3FAC5F-7CCF-4FA4-911D-8A5574188D63}"/>
-              </a:ext>
-            </a:extLst>
-          </p:cNvPr>
-          <p:cNvSpPr txBox="1"/>
-          <p:nvPr/>
-        </p:nvSpPr>
-        <p:spPr>
-          <a:xfrm>
-            <a:off x="91386" y="0"/>
-            <a:ext cx="2194832" cy="400110"/>
-          </a:xfrm>
-          <a:prstGeom prst="rect">
-            <a:avLst/>
-          </a:prstGeom>
-          <a:noFill/>
-        </p:spPr>
-        <p:txBody>
-          <a:bodyPr wrap="none" rtlCol="0">
-            <a:spAutoFit/>
-          </a:bodyPr>
-          <a:lstStyle/>
-          <a:p>
-            <a:r>
-              <a:rPr lang="fr-FR" sz="2000" b="1" dirty="0" err="1">
-                <a:solidFill>
-                  <a:schemeClr val="bg1"/>
-                </a:solidFill>
-              </a:rPr>
-              <a:t>Proposed</a:t>
-            </a:r>
-            <a:r>
-              <a:rPr lang="fr-FR" sz="2000" b="1" dirty="0">
-                <a:solidFill>
-                  <a:schemeClr val="bg1"/>
-                </a:solidFill>
-              </a:rPr>
-              <a:t> model</a:t>
-            </a:r>
-          </a:p>
-        </p:txBody>
-      </p:sp>
-      <p:sp>
-        <p:nvSpPr>
-          <p:cNvPr id="17" name="Titre 1">
-            <a:extLst>
-              <a:ext uri="{FF2B5EF4-FFF2-40B4-BE49-F238E27FC236}">
-                <a16:creationId xmlns:a16="http://schemas.microsoft.com/office/drawing/2014/main" xmlns="" id="{74C4F468-574E-4102-B88C-E9B4EBDA6580}"/>
-              </a:ext>
-            </a:extLst>
-          </p:cNvPr>
-          <p:cNvSpPr>
-            <a:spLocks noGrp="1"/>
-          </p:cNvSpPr>
-          <p:nvPr>
-            <p:ph type="title"/>
-          </p:nvPr>
-        </p:nvSpPr>
-        <p:spPr>
-          <a:xfrm>
-            <a:off x="0" y="369278"/>
-            <a:ext cx="8964488" cy="1143000"/>
-          </a:xfrm>
-        </p:spPr>
-        <p:txBody>
-          <a:bodyPr>
-            <a:noAutofit/>
-          </a:bodyPr>
-          <a:lstStyle/>
-          <a:p>
-            <a:r>
-              <a:rPr lang="fr-FR" sz="3600" dirty="0">
-                <a:solidFill>
-                  <a:srgbClr val="FFC000"/>
-                </a:solidFill>
-              </a:rPr>
-              <a:t>Example of dialogue</a:t>
-            </a:r>
+            <a:r>
+              <a:rPr lang="en-US" sz="2000" dirty="0" smtClean="0"/>
+              <a:t>Lead of the dialogue</a:t>
+            </a:r>
+            <a:endParaRPr lang="en-US" sz="2000" dirty="0"/>
           </a:p>
         </p:txBody>
       </p:sp>
@@ -16552,11 +16823,7 @@
             </a:r>
             <a:r>
               <a:rPr lang="en-US" dirty="0" smtClean="0"/>
-              <a:t> </a:t>
-            </a:r>
-            <a:r>
-              <a:rPr lang="en-US" dirty="0" smtClean="0"/>
-              <a:t>Evaluate </a:t>
+              <a:t> Evaluate </a:t>
             </a:r>
             <a:r>
               <a:rPr lang="en-US" dirty="0"/>
@@ -16899,7 +17166,7 @@
         </p:nvGrpSpPr>
         <p:grpSpPr>
           <a:xfrm>
-            <a:off x="7209377" y="2636912"/>
+            <a:off x="7209377" y="2348880"/>
             <a:ext cx="1755111" cy="2088231"/>
             <a:chOff x="6505417" y="2352364"/>
             <a:chExt cx="2470312" cy="3291174"/>
@@ -16992,7 +17259,7 @@
             <p:cNvPr id="13" name="Picture 2">
               <a:extLst>
                 <a:ext uri="{FF2B5EF4-FFF2-40B4-BE49-F238E27FC236}">
-                  <a16:creationId xmlns:a16="http://schemas.microsoft.com/office/drawing/2014/main" xmlns="" id="{1073412C-BD31-4FF8-81F8-7E47107A6CEC}"/>
+                  <a16:creationId xmlns="" xmlns:a16="http://schemas.microsoft.com/office/drawing/2014/main" id="{1073412C-BD31-4FF8-81F8-7E47107A6CEC}"/>
                 </a:ext>
               </a:extLst>
             </p:cNvPr>
@@ -17047,7 +17314,7 @@
             <p:cNvPr id="14" name="Picture 2">
               <a:extLst>
                 <a:ext uri="{FF2B5EF4-FFF2-40B4-BE49-F238E27FC236}">
-                  <a16:creationId xmlns:a16="http://schemas.microsoft.com/office/drawing/2014/main" xmlns="" id="{1073412C-BD31-4FF8-81F8-7E47107A6CEC}"/>
+                  <a16:creationId xmlns="" xmlns:a16="http://schemas.microsoft.com/office/drawing/2014/main" id="{1073412C-BD31-4FF8-81F8-7E47107A6CEC}"/>
                 </a:ext>
               </a:extLst>
             </p:cNvPr>
@@ -17493,11 +17760,7 @@
             </a:r>
             <a:r>
               <a:rPr lang="en-US" sz="2200" dirty="0" smtClean="0"/>
-              <a:t>Th</a:t>
-            </a:r>
-            <a:r>
-              <a:rPr lang="en-US" sz="2200" dirty="0" smtClean="0"/>
-              <a:t>e </a:t>
+              <a:t>The </a:t>
             </a:r>
             <a:r>
               <a:rPr lang="en-US" sz="2200" dirty="0"/>
@@ -17539,7 +17802,7 @@
           <p:cNvPr id="9" name="ZoneTexte 8">
             <a:extLst>
               <a:ext uri="{FF2B5EF4-FFF2-40B4-BE49-F238E27FC236}">
-                <a16:creationId xmlns:a16="http://schemas.microsoft.com/office/drawing/2014/main" xmlns="" id="{1AB175FA-037C-4BE2-A9EF-E9F07923A9FF}"/>
+                <a16:creationId xmlns="" xmlns:a16="http://schemas.microsoft.com/office/drawing/2014/main" id="{1AB175FA-037C-4BE2-A9EF-E9F07923A9FF}"/>
               </a:ext>
             </a:extLst>
           </p:cNvPr>
@@ -17578,7 +17841,7 @@
           <p:cNvPr id="10" name="Titre 1">
             <a:extLst>
               <a:ext uri="{FF2B5EF4-FFF2-40B4-BE49-F238E27FC236}">
-                <a16:creationId xmlns:a16="http://schemas.microsoft.com/office/drawing/2014/main" xmlns="" id="{1DF4CD20-F84B-4D07-BAE8-6A1045430AD7}"/>
+                <a16:creationId xmlns="" xmlns:a16="http://schemas.microsoft.com/office/drawing/2014/main" id="{1DF4CD20-F84B-4D07-BAE8-6A1045430AD7}"/>
               </a:ext>
             </a:extLst>
           </p:cNvPr>
@@ -17811,7 +18074,7 @@
           <p:cNvPr id="21" name="Titre 1">
             <a:extLst>
               <a:ext uri="{FF2B5EF4-FFF2-40B4-BE49-F238E27FC236}">
-                <a16:creationId xmlns:a16="http://schemas.microsoft.com/office/drawing/2014/main" xmlns="" id="{E55D5E34-0B49-4B7D-9777-837B855953CF}"/>
+                <a16:creationId xmlns="" xmlns:a16="http://schemas.microsoft.com/office/drawing/2014/main" id="{E55D5E34-0B49-4B7D-9777-837B855953CF}"/>
               </a:ext>
             </a:extLst>
           </p:cNvPr>
@@ -17878,7 +18141,7 @@
           <p:cNvPr id="23" name="Image 22">
             <a:extLst>
               <a:ext uri="{FF2B5EF4-FFF2-40B4-BE49-F238E27FC236}">
-                <a16:creationId xmlns:a16="http://schemas.microsoft.com/office/drawing/2014/main" xmlns="" id="{D53D89F2-AE8A-477A-A2F9-C334D7FE89CE}"/>
+                <a16:creationId xmlns="" xmlns:a16="http://schemas.microsoft.com/office/drawing/2014/main" id="{D53D89F2-AE8A-477A-A2F9-C334D7FE89CE}"/>
               </a:ext>
             </a:extLst>
           </p:cNvPr>
@@ -17919,7 +18182,7 @@
           <p:cNvPr id="25" name="Image 24">
             <a:extLst>
               <a:ext uri="{FF2B5EF4-FFF2-40B4-BE49-F238E27FC236}">
-                <a16:creationId xmlns:a16="http://schemas.microsoft.com/office/drawing/2014/main" xmlns="" id="{28731151-DA40-43DD-B470-598CF86726A8}"/>
+                <a16:creationId xmlns="" xmlns:a16="http://schemas.microsoft.com/office/drawing/2014/main" id="{28731151-DA40-43DD-B470-598CF86726A8}"/>
               </a:ext>
             </a:extLst>
           </p:cNvPr>
@@ -18144,7 +18407,7 @@
           <p:cNvPr id="24" name="ZoneTexte 23">
             <a:extLst>
               <a:ext uri="{FF2B5EF4-FFF2-40B4-BE49-F238E27FC236}">
-                <a16:creationId xmlns:a16="http://schemas.microsoft.com/office/drawing/2014/main" xmlns="" id="{96C63FE5-CD8F-440F-B2CB-101C2D901C66}"/>
+                <a16:creationId xmlns="" xmlns:a16="http://schemas.microsoft.com/office/drawing/2014/main" id="{96C63FE5-CD8F-440F-B2CB-101C2D901C66}"/>
               </a:ext>
             </a:extLst>
           </p:cNvPr>
@@ -18179,7 +18442,7 @@
           <p:cNvPr id="25" name="ZoneTexte 24">
             <a:extLst>
               <a:ext uri="{FF2B5EF4-FFF2-40B4-BE49-F238E27FC236}">
-                <a16:creationId xmlns:a16="http://schemas.microsoft.com/office/drawing/2014/main" xmlns="" id="{AAE40979-FF86-497A-AF1B-F1BBA2073296}"/>
+                <a16:creationId xmlns="" xmlns:a16="http://schemas.microsoft.com/office/drawing/2014/main" id="{AAE40979-FF86-497A-AF1B-F1BBA2073296}"/>
               </a:ext>
             </a:extLst>
           </p:cNvPr>
@@ -18214,7 +18477,7 @@
           <p:cNvPr id="32" name="Image 31">
             <a:extLst>
               <a:ext uri="{FF2B5EF4-FFF2-40B4-BE49-F238E27FC236}">
-                <a16:creationId xmlns:a16="http://schemas.microsoft.com/office/drawing/2014/main" xmlns="" id="{B8A974C1-7045-429E-9D7C-82B146B3CF72}"/>
+                <a16:creationId xmlns="" xmlns:a16="http://schemas.microsoft.com/office/drawing/2014/main" id="{B8A974C1-7045-429E-9D7C-82B146B3CF72}"/>
               </a:ext>
             </a:extLst>
           </p:cNvPr>
@@ -18255,7 +18518,7 @@
           <p:cNvPr id="34" name="Image 33">
             <a:extLst>
               <a:ext uri="{FF2B5EF4-FFF2-40B4-BE49-F238E27FC236}">
-                <a16:creationId xmlns:a16="http://schemas.microsoft.com/office/drawing/2014/main" xmlns="" id="{24B0011C-3FE1-48A9-8B0A-9BDF277EDAB6}"/>
+                <a16:creationId xmlns="" xmlns:a16="http://schemas.microsoft.com/office/drawing/2014/main" id="{24B0011C-3FE1-48A9-8B0A-9BDF277EDAB6}"/>
               </a:ext>
             </a:extLst>
           </p:cNvPr>
@@ -18424,11 +18687,11 @@
   <p:clrMapOvr>
     <a:masterClrMapping/>
   </p:clrMapOvr>
-  <mc:AlternateContent xmlns:mc="http://schemas.openxmlformats.org/markup-compatibility/2006">
-    <mc:Choice xmlns:p14="http://schemas.microsoft.com/office/powerpoint/2010/main" Requires="p14">
+  <mc:AlternateContent xmlns:mc="http://schemas.openxmlformats.org/markup-compatibility/2006" xmlns:p14="http://schemas.microsoft.com/office/powerpoint/2010/main">
+    <mc:Choice Requires="p14">
       <p:transition spd="slow" p14:dur="2000"/>
     </mc:Choice>
-    <mc:Fallback>
+    <mc:Fallback xmlns="">
       <p:transition spd="slow"/>
     </mc:Fallback>
   </mc:AlternateContent>
@@ -19205,7 +19468,7 @@
           <p:cNvPr id="28" name="Image 27">
             <a:extLst>
               <a:ext uri="{FF2B5EF4-FFF2-40B4-BE49-F238E27FC236}">
-                <a16:creationId xmlns:a16="http://schemas.microsoft.com/office/drawing/2014/main" xmlns="" id="{99BDECA0-3950-4C91-975C-5B29FE64CC39}"/>
+                <a16:creationId xmlns="" xmlns:a16="http://schemas.microsoft.com/office/drawing/2014/main" id="{99BDECA0-3950-4C91-975C-5B29FE64CC39}"/>
               </a:ext>
             </a:extLst>
           </p:cNvPr>
@@ -19472,8 +19735,8 @@
         </p:nvSpPr>
         <p:spPr>
           <a:xfrm>
-            <a:off x="0" y="369278"/>
-            <a:ext cx="8964488" cy="1143000"/>
+            <a:off x="269776" y="369278"/>
+            <a:ext cx="8694712" cy="1143000"/>
           </a:xfrm>
         </p:spPr>
         <p:txBody>
@@ -19505,99 +19768,15 @@
         </p:nvSpPr>
         <p:spPr>
           <a:xfrm>
-            <a:off x="457200" y="2555776"/>
-            <a:ext cx="8507288" cy="3993232"/>
+            <a:off x="269776" y="2708920"/>
+            <a:ext cx="8507288" cy="3849216"/>
           </a:xfrm>
         </p:spPr>
         <p:txBody>
           <a:bodyPr>
-            <a:normAutofit fontScale="92500" lnSpcReduction="10000"/>
+            <a:normAutofit lnSpcReduction="10000"/>
           </a:bodyPr>
           <a:lstStyle/>
-          <a:p>
-            <a:pPr marL="514350" indent="-514350">
-              <a:buClr>
-                <a:schemeClr val="bg1">
-                  <a:lumMod val="50000"/>
-                </a:schemeClr>
-              </a:buClr>
-              <a:buFont typeface="+mj-lt"/>
-              <a:buAutoNum type="arabicPeriod"/>
-            </a:pPr>
-            <a:r>
-              <a:rPr lang="en-US" sz="2800" dirty="0">
-                <a:solidFill>
-                  <a:schemeClr val="accent6">
-                    <a:lumMod val="75000"/>
-                  </a:schemeClr>
-                </a:solidFill>
-              </a:rPr>
-              <a:t>Identify 3 principles of behaviors related to power</a:t>
-            </a:r>
-          </a:p>
-          <a:p>
-            <a:pPr marL="514350" indent="-514350">
-              <a:buClr>
-                <a:schemeClr val="bg1">
-                  <a:lumMod val="50000"/>
-                </a:schemeClr>
-              </a:buClr>
-              <a:buFont typeface="+mj-lt"/>
-              <a:buAutoNum type="arabicPeriod"/>
-            </a:pPr>
-            <a:r>
-              <a:rPr lang="en-US" sz="2800" dirty="0">
-                <a:solidFill>
-                  <a:schemeClr val="accent6">
-                    <a:lumMod val="75000"/>
-                  </a:schemeClr>
-                </a:solidFill>
-              </a:rPr>
-              <a:t>Computational model of collaborative negotiation</a:t>
-            </a:r>
-          </a:p>
-          <a:p>
-            <a:pPr marL="514350" indent="-514350">
-              <a:buClr>
-                <a:schemeClr val="bg1">
-                  <a:lumMod val="50000"/>
-                </a:schemeClr>
-              </a:buClr>
-              <a:buFont typeface="+mj-lt"/>
-              <a:buAutoNum type="arabicPeriod"/>
-            </a:pPr>
-            <a:r>
-              <a:rPr lang="en-US" sz="2800" dirty="0">
-                <a:solidFill>
-                  <a:schemeClr val="accent6">
-                    <a:lumMod val="75000"/>
-                  </a:schemeClr>
-                </a:solidFill>
-              </a:rPr>
-              <a:t>Decision model based on power</a:t>
-            </a:r>
-          </a:p>
-          <a:p>
-            <a:pPr marL="514350" indent="-514350">
-              <a:buClr>
-                <a:schemeClr val="bg1">
-                  <a:lumMod val="50000"/>
-                </a:schemeClr>
-              </a:buClr>
-              <a:buFont typeface="+mj-lt"/>
-              <a:buAutoNum type="arabicPeriod"/>
-            </a:pPr>
-            <a:r>
-              <a:rPr lang="en-US" sz="2800" dirty="0">
-                <a:solidFill>
-                  <a:schemeClr val="accent6">
-                    <a:lumMod val="75000"/>
-                  </a:schemeClr>
-                </a:solidFill>
-              </a:rPr>
-              <a:t>Validation of behaviors of power by external judges</a:t>
-            </a:r>
-          </a:p>
           <a:p>
             <a:pPr marL="514350" indent="-514350">
               <a:buFont typeface="+mj-lt"/>
@@ -19605,7 +19784,11 @@
             </a:pPr>
             <a:r>
               <a:rPr lang="en-US" sz="2800" dirty="0"/>
-              <a:t>Validation of the model in HMI</a:t>
+              <a:t>Identify 3 principles of behaviors related to </a:t>
+            </a:r>
+            <a:r>
+              <a:rPr lang="en-US" sz="2800" dirty="0" smtClean="0"/>
+              <a:t>power</a:t>
             </a:r>
           </a:p>
           <a:p>
@@ -19613,20 +19796,7 @@
               <a:buFont typeface="+mj-lt"/>
               <a:buAutoNum type="arabicPeriod"/>
             </a:pPr>
-            <a:r>
-              <a:rPr lang="en-US" sz="2800" dirty="0"/>
-              <a:t>Build the relation of dominance during the negotiation</a:t>
-            </a:r>
-          </a:p>
-          <a:p>
-            <a:pPr marL="788670" lvl="1" indent="-514350">
-              <a:buFont typeface="+mj-lt"/>
-              <a:buAutoNum type="romanLcPeriod"/>
-            </a:pPr>
-            <a:r>
-              <a:rPr lang="en-US" sz="2400" dirty="0"/>
-              <a:t>Adapt the agent to the user behavior</a:t>
-            </a:r>
+            <a:endParaRPr lang="en-US" sz="2800" dirty="0"/>
           </a:p>
           <a:p>
             <a:pPr marL="514350" indent="-514350">
@@ -19634,9 +19804,68 @@
               <a:buAutoNum type="arabicPeriod"/>
             </a:pPr>
             <a:r>
+              <a:rPr lang="en-US" sz="2800" dirty="0" smtClean="0"/>
+              <a:t>Computational </a:t>
+            </a:r>
+            <a:r>
               <a:rPr lang="en-US" sz="2800" dirty="0"/>
-              <a:t>Validate the model in the context of HMI</a:t>
-            </a:r>
+              <a:t>model of collaborative </a:t>
+            </a:r>
+            <a:r>
+              <a:rPr lang="en-US" sz="2800" dirty="0" smtClean="0"/>
+              <a:t>negotiation</a:t>
+            </a:r>
+          </a:p>
+          <a:p>
+            <a:pPr marL="514350" indent="-514350">
+              <a:buFont typeface="+mj-lt"/>
+              <a:buAutoNum type="arabicPeriod"/>
+            </a:pPr>
+            <a:endParaRPr lang="en-US" sz="2800" dirty="0"/>
+          </a:p>
+          <a:p>
+            <a:pPr marL="514350" indent="-514350">
+              <a:buFont typeface="+mj-lt"/>
+              <a:buAutoNum type="arabicPeriod"/>
+            </a:pPr>
+            <a:r>
+              <a:rPr lang="en-US" sz="2800" dirty="0" smtClean="0"/>
+              <a:t>Decision </a:t>
+            </a:r>
+            <a:r>
+              <a:rPr lang="en-US" sz="2800" dirty="0"/>
+              <a:t>model based on </a:t>
+            </a:r>
+            <a:r>
+              <a:rPr lang="en-US" sz="2800" dirty="0" smtClean="0"/>
+              <a:t>power</a:t>
+            </a:r>
+          </a:p>
+          <a:p>
+            <a:pPr marL="514350" indent="-514350">
+              <a:buFont typeface="+mj-lt"/>
+              <a:buAutoNum type="arabicPeriod"/>
+            </a:pPr>
+            <a:endParaRPr lang="en-US" sz="2800" dirty="0"/>
+          </a:p>
+          <a:p>
+            <a:pPr marL="514350" indent="-514350">
+              <a:buFont typeface="+mj-lt"/>
+              <a:buAutoNum type="arabicPeriod"/>
+            </a:pPr>
+            <a:r>
+              <a:rPr lang="en-US" sz="2800" dirty="0" smtClean="0"/>
+              <a:t>Validation </a:t>
+            </a:r>
+            <a:r>
+              <a:rPr lang="en-US" sz="2800" dirty="0"/>
+              <a:t>of behaviors of power by external </a:t>
+            </a:r>
+            <a:r>
+              <a:rPr lang="en-US" sz="2800" dirty="0" smtClean="0"/>
+              <a:t>judges</a:t>
+            </a:r>
+            <a:endParaRPr lang="en-US" sz="2800" dirty="0"/>
           </a:p>
         </p:txBody>
       </p:sp>
@@ -19645,7 +19874,7 @@
           <p:cNvPr id="2" name="Rectangle 1">
             <a:extLst>
               <a:ext uri="{FF2B5EF4-FFF2-40B4-BE49-F238E27FC236}">
-                <a16:creationId xmlns:a16="http://schemas.microsoft.com/office/drawing/2014/main" xmlns="" id="{F27C5ECE-A7E9-4F97-8CFC-2D1207980563}"/>
+                <a16:creationId xmlns="" xmlns:a16="http://schemas.microsoft.com/office/drawing/2014/main" id="{F27C5ECE-A7E9-4F97-8CFC-2D1207980563}"/>
               </a:ext>
             </a:extLst>
           </p:cNvPr>
@@ -19770,6 +19999,314 @@
       </p:sp>
       <p:sp>
         <p:nvSpPr>
+          <p:cNvPr id="7" name="ZoneTexte 6"/>
+          <p:cNvSpPr txBox="1"/>
+          <p:nvPr/>
+        </p:nvSpPr>
+        <p:spPr>
+          <a:xfrm>
+            <a:off x="91386" y="0"/>
+            <a:ext cx="3304110" cy="400110"/>
+          </a:xfrm>
+          <a:prstGeom prst="rect">
+            <a:avLst/>
+          </a:prstGeom>
+          <a:noFill/>
+        </p:spPr>
+        <p:txBody>
+          <a:bodyPr wrap="none" rtlCol="0">
+            <a:spAutoFit/>
+          </a:bodyPr>
+          <a:lstStyle/>
+          <a:p>
+            <a:r>
+              <a:rPr lang="en-US" sz="2000" b="1" dirty="0">
+                <a:solidFill>
+                  <a:schemeClr val="bg1"/>
+                </a:solidFill>
+              </a:rPr>
+              <a:t>Conclusion &amp; future work</a:t>
+            </a:r>
+          </a:p>
+        </p:txBody>
+      </p:sp>
+      <p:sp>
+        <p:nvSpPr>
+          <p:cNvPr id="8" name="Titre 1"/>
+          <p:cNvSpPr>
+            <a:spLocks noGrp="1"/>
+          </p:cNvSpPr>
+          <p:nvPr>
+            <p:ph type="title"/>
+          </p:nvPr>
+        </p:nvSpPr>
+        <p:spPr>
+          <a:xfrm>
+            <a:off x="269776" y="369278"/>
+            <a:ext cx="8694712" cy="1143000"/>
+          </a:xfrm>
+        </p:spPr>
+        <p:txBody>
+          <a:bodyPr>
+            <a:noAutofit/>
+          </a:bodyPr>
+          <a:lstStyle/>
+          <a:p>
+            <a:r>
+              <a:rPr lang="fr-FR" sz="3600" dirty="0" smtClean="0">
+                <a:solidFill>
+                  <a:srgbClr val="FFC000"/>
+                </a:solidFill>
+              </a:rPr>
+              <a:t>Future </a:t>
+            </a:r>
+            <a:r>
+              <a:rPr lang="fr-FR" sz="3600" dirty="0" err="1" smtClean="0">
+                <a:solidFill>
+                  <a:srgbClr val="FFC000"/>
+                </a:solidFill>
+              </a:rPr>
+              <a:t>work</a:t>
+            </a:r>
+            <a:endParaRPr lang="fr-FR" sz="3600" dirty="0">
+              <a:solidFill>
+                <a:srgbClr val="FFC000"/>
+              </a:solidFill>
+            </a:endParaRPr>
+          </a:p>
+        </p:txBody>
+      </p:sp>
+      <p:sp>
+        <p:nvSpPr>
+          <p:cNvPr id="9" name="Espace réservé du contenu 8"/>
+          <p:cNvSpPr>
+            <a:spLocks noGrp="1"/>
+          </p:cNvSpPr>
+          <p:nvPr>
+            <p:ph idx="1"/>
+          </p:nvPr>
+        </p:nvSpPr>
+        <p:spPr>
+          <a:xfrm>
+            <a:off x="269776" y="2636912"/>
+            <a:ext cx="8507288" cy="3912096"/>
+          </a:xfrm>
+        </p:spPr>
+        <p:txBody>
+          <a:bodyPr>
+            <a:normAutofit/>
+          </a:bodyPr>
+          <a:lstStyle/>
+          <a:p>
+            <a:pPr marL="514350" indent="-514350">
+              <a:buFont typeface="+mj-lt"/>
+              <a:buAutoNum type="arabicPeriod"/>
+            </a:pPr>
+            <a:r>
+              <a:rPr lang="en-US" sz="2800" dirty="0" smtClean="0"/>
+              <a:t>Validation </a:t>
+            </a:r>
+            <a:r>
+              <a:rPr lang="en-US" sz="2800" dirty="0"/>
+              <a:t>of the model in </a:t>
+            </a:r>
+            <a:r>
+              <a:rPr lang="en-US" sz="2800" dirty="0" smtClean="0"/>
+              <a:t>HMI</a:t>
+            </a:r>
+          </a:p>
+          <a:p>
+            <a:pPr marL="514350" indent="-514350">
+              <a:buFont typeface="+mj-lt"/>
+              <a:buAutoNum type="arabicPeriod"/>
+            </a:pPr>
+            <a:endParaRPr lang="en-US" sz="2800" dirty="0" smtClean="0"/>
+          </a:p>
+          <a:p>
+            <a:pPr marL="514350" indent="-514350">
+              <a:buFont typeface="+mj-lt"/>
+              <a:buAutoNum type="arabicPeriod"/>
+            </a:pPr>
+            <a:r>
+              <a:rPr lang="en-US" sz="2800" dirty="0" smtClean="0"/>
+              <a:t>Build </a:t>
+            </a:r>
+            <a:r>
+              <a:rPr lang="en-US" sz="2800" dirty="0"/>
+              <a:t>the relation of dominance during the negotiation</a:t>
+            </a:r>
+          </a:p>
+          <a:p>
+            <a:pPr marL="788670" lvl="1" indent="-514350">
+              <a:buFont typeface="+mj-lt"/>
+              <a:buAutoNum type="romanLcPeriod"/>
+            </a:pPr>
+            <a:r>
+              <a:rPr lang="en-US" sz="2400" dirty="0"/>
+              <a:t>Adapt the agent to the user </a:t>
+            </a:r>
+            <a:r>
+              <a:rPr lang="en-US" sz="2400" dirty="0" smtClean="0"/>
+              <a:t>behavior</a:t>
+            </a:r>
+          </a:p>
+          <a:p>
+            <a:pPr marL="788670" lvl="1" indent="-514350">
+              <a:buFont typeface="+mj-lt"/>
+              <a:buAutoNum type="romanLcPeriod"/>
+            </a:pPr>
+            <a:endParaRPr lang="en-US" sz="2400" dirty="0"/>
+          </a:p>
+          <a:p>
+            <a:pPr marL="514350" indent="-514350">
+              <a:buFont typeface="+mj-lt"/>
+              <a:buAutoNum type="arabicPeriod"/>
+            </a:pPr>
+            <a:r>
+              <a:rPr lang="en-US" sz="2800" dirty="0"/>
+              <a:t>Validate the </a:t>
+            </a:r>
+            <a:r>
+              <a:rPr lang="en-US" sz="2800" dirty="0" smtClean="0"/>
+              <a:t>model </a:t>
+            </a:r>
+            <a:r>
+              <a:rPr lang="en-US" sz="2800" dirty="0"/>
+              <a:t>in the context of HMI</a:t>
+            </a:r>
+          </a:p>
+        </p:txBody>
+      </p:sp>
+      <p:sp>
+        <p:nvSpPr>
+          <p:cNvPr id="2" name="Rectangle 1">
+            <a:extLst>
+              <a:ext uri="{FF2B5EF4-FFF2-40B4-BE49-F238E27FC236}">
+                <a16:creationId xmlns="" xmlns:a16="http://schemas.microsoft.com/office/drawing/2014/main" id="{F27C5ECE-A7E9-4F97-8CFC-2D1207980563}"/>
+              </a:ext>
+            </a:extLst>
+          </p:cNvPr>
+          <p:cNvSpPr/>
+          <p:nvPr/>
+        </p:nvSpPr>
+        <p:spPr>
+          <a:xfrm>
+            <a:off x="269776" y="1412776"/>
+            <a:ext cx="8424936" cy="1008112"/>
+          </a:xfrm>
+          <a:prstGeom prst="rect">
+            <a:avLst/>
+          </a:prstGeom>
+          <a:noFill/>
+          <a:ln>
+            <a:solidFill>
+              <a:srgbClr val="FFC000"/>
+            </a:solidFill>
+          </a:ln>
+        </p:spPr>
+        <p:style>
+          <a:lnRef idx="2">
+            <a:schemeClr val="accent1">
+              <a:shade val="50000"/>
+            </a:schemeClr>
+          </a:lnRef>
+          <a:fillRef idx="1">
+            <a:schemeClr val="accent1"/>
+          </a:fillRef>
+          <a:effectRef idx="0">
+            <a:schemeClr val="accent1"/>
+          </a:effectRef>
+          <a:fontRef idx="minor">
+            <a:schemeClr val="lt1"/>
+          </a:fontRef>
+        </p:style>
+        <p:txBody>
+          <a:bodyPr rtlCol="0" anchor="ctr"/>
+          <a:lstStyle/>
+          <a:p>
+            <a:pPr lvl="0">
+              <a:spcBef>
+                <a:spcPct val="20000"/>
+              </a:spcBef>
+              <a:buClr>
+                <a:srgbClr val="4A66AC"/>
+              </a:buClr>
+              <a:buSzPct val="85000"/>
+            </a:pPr>
+            <a:r>
+              <a:rPr lang="en-US" sz="2400" b="1" dirty="0">
+                <a:solidFill>
+                  <a:prstClr val="black"/>
+                </a:solidFill>
+              </a:rPr>
+              <a:t>Goal: Impact of dominance on the negotiation strategies.</a:t>
+            </a:r>
+            <a:endParaRPr lang="fr-FR" sz="1600" dirty="0"/>
+          </a:p>
+        </p:txBody>
+      </p:sp>
+    </p:spTree>
+    <p:extLst>
+      <p:ext uri="{BB962C8B-B14F-4D97-AF65-F5344CB8AC3E}">
+        <p14:creationId xmlns:p14="http://schemas.microsoft.com/office/powerpoint/2010/main" val="141177563"/>
+      </p:ext>
+    </p:extLst>
+  </p:cSld>
+  <p:clrMapOvr>
+    <a:masterClrMapping/>
+  </p:clrMapOvr>
+  <p:timing>
+    <p:tnLst>
+      <p:par>
+        <p:cTn id="1" dur="indefinite" restart="never" nodeType="tmRoot"/>
+      </p:par>
+    </p:tnLst>
+  </p:timing>
+</p:sld>
+</file>
+
+<file path=ppt/slides/slide32.xml><?xml version="1.0" encoding="utf-8"?>
+<p:sld xmlns:a="http://schemas.openxmlformats.org/drawingml/2006/main" xmlns:r="http://schemas.openxmlformats.org/officeDocument/2006/relationships" xmlns:p="http://schemas.openxmlformats.org/presentationml/2006/main">
+  <p:cSld>
+    <p:spTree>
+      <p:nvGrpSpPr>
+        <p:cNvPr id="1" name=""/>
+        <p:cNvGrpSpPr/>
+        <p:nvPr/>
+      </p:nvGrpSpPr>
+      <p:grpSpPr>
+        <a:xfrm>
+          <a:off x="0" y="0"/>
+          <a:ext cx="0" cy="0"/>
+          <a:chOff x="0" y="0"/>
+          <a:chExt cx="0" cy="0"/>
+        </a:xfrm>
+      </p:grpSpPr>
+      <p:sp>
+        <p:nvSpPr>
+          <p:cNvPr id="4" name="Espace réservé du numéro de diapositive 3"/>
+          <p:cNvSpPr>
+            <a:spLocks noGrp="1"/>
+          </p:cNvSpPr>
+          <p:nvPr>
+            <p:ph type="sldNum" sz="quarter" idx="12"/>
+          </p:nvPr>
+        </p:nvSpPr>
+        <p:spPr/>
+        <p:txBody>
+          <a:bodyPr/>
+          <a:lstStyle/>
+          <a:p>
+            <a:fld id="{6936E76E-83C7-4D0C-AE26-C0751568CC47}" type="slidenum">
+              <a:rPr lang="fr-FR" smtClean="0"/>
+              <a:t>32</a:t>
+            </a:fld>
+            <a:endParaRPr lang="fr-FR"/>
+          </a:p>
+        </p:txBody>
+      </p:sp>
+      <p:sp>
+        <p:nvSpPr>
           <p:cNvPr id="5" name="Titre 1"/>
           <p:cNvSpPr>
             <a:spLocks noGrp="1"/>
@@ -20786,7 +21323,7 @@
           <p:cNvPr id="17" name="Picture 2">
             <a:extLst>
               <a:ext uri="{FF2B5EF4-FFF2-40B4-BE49-F238E27FC236}">
-                <a16:creationId xmlns:a16="http://schemas.microsoft.com/office/drawing/2014/main" xmlns="" id="{CFF8B845-5BF8-4A0C-98F6-B619715AAEA2}"/>
+                <a16:creationId xmlns="" xmlns:a16="http://schemas.microsoft.com/office/drawing/2014/main" id="{CFF8B845-5BF8-4A0C-98F6-B619715AAEA2}"/>
               </a:ext>
             </a:extLst>
           </p:cNvPr>
@@ -20848,7 +21385,7 @@
           <p:cNvPr id="18" name="Picture 3">
             <a:extLst>
               <a:ext uri="{FF2B5EF4-FFF2-40B4-BE49-F238E27FC236}">
-                <a16:creationId xmlns:a16="http://schemas.microsoft.com/office/drawing/2014/main" xmlns="" id="{EF2EBBBE-8593-44B1-A72D-A22E9C08FFE7}"/>
+                <a16:creationId xmlns="" xmlns:a16="http://schemas.microsoft.com/office/drawing/2014/main" id="{EF2EBBBE-8593-44B1-A72D-A22E9C08FFE7}"/>
               </a:ext>
             </a:extLst>
           </p:cNvPr>
@@ -20908,7 +21445,7 @@
           <p:cNvPr id="19" name="Rectangle 18">
             <a:extLst>
               <a:ext uri="{FF2B5EF4-FFF2-40B4-BE49-F238E27FC236}">
-                <a16:creationId xmlns:a16="http://schemas.microsoft.com/office/drawing/2014/main" xmlns="" id="{038F1302-F2F7-4CF9-9C4C-50FE7FDCDB4F}"/>
+                <a16:creationId xmlns="" xmlns:a16="http://schemas.microsoft.com/office/drawing/2014/main" id="{038F1302-F2F7-4CF9-9C4C-50FE7FDCDB4F}"/>
               </a:ext>
             </a:extLst>
           </p:cNvPr>
@@ -20967,7 +21504,7 @@
           <p:cNvPr id="20" name="Rectangle 19">
             <a:extLst>
               <a:ext uri="{FF2B5EF4-FFF2-40B4-BE49-F238E27FC236}">
-                <a16:creationId xmlns:a16="http://schemas.microsoft.com/office/drawing/2014/main" xmlns="" id="{3C1AA41B-074B-4F7A-861E-89735F345CF0}"/>
+                <a16:creationId xmlns="" xmlns:a16="http://schemas.microsoft.com/office/drawing/2014/main" id="{3C1AA41B-074B-4F7A-861E-89735F345CF0}"/>
               </a:ext>
             </a:extLst>
           </p:cNvPr>
@@ -21031,7 +21568,7 @@
           <p:cNvPr id="21" name="Rectangle 20">
             <a:extLst>
               <a:ext uri="{FF2B5EF4-FFF2-40B4-BE49-F238E27FC236}">
-                <a16:creationId xmlns:a16="http://schemas.microsoft.com/office/drawing/2014/main" xmlns="" id="{2A756D34-B002-4AB4-AC49-78249344A7BE}"/>
+                <a16:creationId xmlns="" xmlns:a16="http://schemas.microsoft.com/office/drawing/2014/main" id="{2A756D34-B002-4AB4-AC49-78249344A7BE}"/>
               </a:ext>
             </a:extLst>
           </p:cNvPr>
@@ -21090,7 +21627,7 @@
           <p:cNvPr id="22" name="Rectangle 21">
             <a:extLst>
               <a:ext uri="{FF2B5EF4-FFF2-40B4-BE49-F238E27FC236}">
-                <a16:creationId xmlns:a16="http://schemas.microsoft.com/office/drawing/2014/main" xmlns="" id="{9D26596C-72BB-42BF-B369-6121898FA7F5}"/>
+                <a16:creationId xmlns="" xmlns:a16="http://schemas.microsoft.com/office/drawing/2014/main" id="{9D26596C-72BB-42BF-B369-6121898FA7F5}"/>
               </a:ext>
             </a:extLst>
           </p:cNvPr>
@@ -21154,7 +21691,7 @@
           <p:cNvPr id="23" name="Double flèche horizontale 6">
             <a:extLst>
               <a:ext uri="{FF2B5EF4-FFF2-40B4-BE49-F238E27FC236}">
-                <a16:creationId xmlns:a16="http://schemas.microsoft.com/office/drawing/2014/main" xmlns="" id="{AF2A9A22-A058-4C7A-BC4B-F53D47BCE5B2}"/>
+                <a16:creationId xmlns="" xmlns:a16="http://schemas.microsoft.com/office/drawing/2014/main" id="{AF2A9A22-A058-4C7A-BC4B-F53D47BCE5B2}"/>
               </a:ext>
             </a:extLst>
           </p:cNvPr>
@@ -21539,7 +22076,7 @@
           <p:cNvPr id="1026" name="Picture 2" descr="Image associée">
             <a:extLst>
               <a:ext uri="{FF2B5EF4-FFF2-40B4-BE49-F238E27FC236}">
-                <a16:creationId xmlns:a16="http://schemas.microsoft.com/office/drawing/2014/main" xmlns="" id="{856E596A-F57F-4174-BE45-CD01C6C9D5BE}"/>
+                <a16:creationId xmlns="" xmlns:a16="http://schemas.microsoft.com/office/drawing/2014/main" id="{856E596A-F57F-4174-BE45-CD01C6C9D5BE}"/>
               </a:ext>
             </a:extLst>
           </p:cNvPr>
@@ -21586,7 +22123,7 @@
           <p:cNvPr id="11" name="Rectangle 10">
             <a:extLst>
               <a:ext uri="{FF2B5EF4-FFF2-40B4-BE49-F238E27FC236}">
-                <a16:creationId xmlns:a16="http://schemas.microsoft.com/office/drawing/2014/main" xmlns="" id="{C5E605CE-174C-4F70-A314-BBB4436AE533}"/>
+                <a16:creationId xmlns="" xmlns:a16="http://schemas.microsoft.com/office/drawing/2014/main" id="{C5E605CE-174C-4F70-A314-BBB4436AE533}"/>
               </a:ext>
             </a:extLst>
           </p:cNvPr>
@@ -21638,7 +22175,7 @@
           <p:cNvPr id="10" name="ZoneTexte 9">
             <a:extLst>
               <a:ext uri="{FF2B5EF4-FFF2-40B4-BE49-F238E27FC236}">
-                <a16:creationId xmlns:a16="http://schemas.microsoft.com/office/drawing/2014/main" xmlns="" id="{218F05D1-768A-4986-80EB-6525FB3CC5A0}"/>
+                <a16:creationId xmlns="" xmlns:a16="http://schemas.microsoft.com/office/drawing/2014/main" id="{218F05D1-768A-4986-80EB-6525FB3CC5A0}"/>
               </a:ext>
             </a:extLst>
           </p:cNvPr>
@@ -21891,7 +22428,7 @@
           <p:cNvPr id="2050" name="Picture 2" descr="Résultat de recherche d'images pour &quot;Bossy or wimpy: expressing social dominance by combining gaze and linguistic behaviors&quot;">
             <a:extLst>
               <a:ext uri="{FF2B5EF4-FFF2-40B4-BE49-F238E27FC236}">
-                <a16:creationId xmlns:a16="http://schemas.microsoft.com/office/drawing/2014/main" xmlns="" id="{24C18FCD-700E-4908-A15A-C1A7C0543531}"/>
+                <a16:creationId xmlns="" xmlns:a16="http://schemas.microsoft.com/office/drawing/2014/main" id="{24C18FCD-700E-4908-A15A-C1A7C0543531}"/>
               </a:ext>
             </a:extLst>
           </p:cNvPr>
@@ -21938,7 +22475,7 @@
           <p:cNvPr id="7" name="Image 6">
             <a:extLst>
               <a:ext uri="{FF2B5EF4-FFF2-40B4-BE49-F238E27FC236}">
-                <a16:creationId xmlns:a16="http://schemas.microsoft.com/office/drawing/2014/main" xmlns="" id="{FAD6EF74-380B-4967-9F00-E19943025F33}"/>
+                <a16:creationId xmlns="" xmlns:a16="http://schemas.microsoft.com/office/drawing/2014/main" id="{FAD6EF74-380B-4967-9F00-E19943025F33}"/>
               </a:ext>
             </a:extLst>
           </p:cNvPr>
@@ -21968,7 +22505,7 @@
           <p:cNvPr id="8" name="ZoneTexte 7">
             <a:extLst>
               <a:ext uri="{FF2B5EF4-FFF2-40B4-BE49-F238E27FC236}">
-                <a16:creationId xmlns:a16="http://schemas.microsoft.com/office/drawing/2014/main" xmlns="" id="{BF819231-86B9-48FA-88B5-2863AF1A57A7}"/>
+                <a16:creationId xmlns="" xmlns:a16="http://schemas.microsoft.com/office/drawing/2014/main" id="{BF819231-86B9-48FA-88B5-2863AF1A57A7}"/>
               </a:ext>
             </a:extLst>
           </p:cNvPr>
@@ -22028,7 +22565,7 @@
           <p:cNvPr id="9" name="ZoneTexte 8">
             <a:extLst>
               <a:ext uri="{FF2B5EF4-FFF2-40B4-BE49-F238E27FC236}">
-                <a16:creationId xmlns:a16="http://schemas.microsoft.com/office/drawing/2014/main" xmlns="" id="{9D386948-6BD8-4636-95D6-1291621D7625}"/>
+                <a16:creationId xmlns="" xmlns:a16="http://schemas.microsoft.com/office/drawing/2014/main" id="{9D386948-6BD8-4636-95D6-1291621D7625}"/>
               </a:ext>
             </a:extLst>
           </p:cNvPr>

--- a/papers/Presentations/IVA17/IVA17.pptx
+++ b/papers/Presentations/IVA17/IVA17.pptx
@@ -5,7 +5,7 @@
     <p:sldMasterId id="2147483684" r:id="rId1"/>
   </p:sldMasterIdLst>
   <p:notesMasterIdLst>
-    <p:notesMasterId r:id="rId34"/>
+    <p:notesMasterId r:id="rId35"/>
   </p:notesMasterIdLst>
   <p:sldIdLst>
     <p:sldId id="256" r:id="rId2"/>
@@ -29,17 +29,18 @@
     <p:sldId id="324" r:id="rId20"/>
     <p:sldId id="277" r:id="rId21"/>
     <p:sldId id="299" r:id="rId22"/>
-    <p:sldId id="297" r:id="rId23"/>
-    <p:sldId id="298" r:id="rId24"/>
-    <p:sldId id="325" r:id="rId25"/>
-    <p:sldId id="272" r:id="rId26"/>
+    <p:sldId id="327" r:id="rId23"/>
+    <p:sldId id="297" r:id="rId24"/>
+    <p:sldId id="298" r:id="rId25"/>
+    <p:sldId id="325" r:id="rId26"/>
     <p:sldId id="283" r:id="rId27"/>
-    <p:sldId id="301" r:id="rId28"/>
-    <p:sldId id="288" r:id="rId29"/>
-    <p:sldId id="317" r:id="rId30"/>
-    <p:sldId id="286" r:id="rId31"/>
-    <p:sldId id="326" r:id="rId32"/>
-    <p:sldId id="300" r:id="rId33"/>
+    <p:sldId id="272" r:id="rId28"/>
+    <p:sldId id="301" r:id="rId29"/>
+    <p:sldId id="288" r:id="rId30"/>
+    <p:sldId id="317" r:id="rId31"/>
+    <p:sldId id="286" r:id="rId32"/>
+    <p:sldId id="326" r:id="rId33"/>
+    <p:sldId id="300" r:id="rId34"/>
   </p:sldIdLst>
   <p:sldSz cx="9144000" cy="6858000" type="screen4x3"/>
   <p:notesSz cx="6858000" cy="9144000"/>
@@ -140,7 +141,7 @@
   </p:defaultTextStyle>
   <p:extLst>
     <p:ext uri="{EFAFB233-063F-42B5-8137-9DF3F51BA10A}">
-      <p15:sldGuideLst xmlns="" xmlns:p15="http://schemas.microsoft.com/office/powerpoint/2012/main">
+      <p15:sldGuideLst xmlns:p15="http://schemas.microsoft.com/office/powerpoint/2012/main" xmlns="">
         <p15:guide id="1" orient="horz" pos="2160">
           <p15:clr>
             <a:srgbClr val="A4A3A4"/>
@@ -243,7 +244,7 @@
           <a:p>
             <a:fld id="{7CA15D1E-F8CA-4023-9949-2D4C6A51095A}" type="datetimeFigureOut">
               <a:rPr lang="fr-FR" smtClean="0"/>
-              <a:t>26/08/2017</a:t>
+              <a:t>27/08/2017</a:t>
             </a:fld>
             <a:endParaRPr lang="fr-FR"/>
           </a:p>
@@ -556,7 +557,11 @@
           <a:p>
             <a:r>
               <a:rPr lang="fr-FR" dirty="0"/>
-              <a:t>This talk</a:t>
+              <a:t>This </a:t>
+            </a:r>
+            <a:r>
+              <a:rPr lang="fr-FR" b="1" dirty="0"/>
+              <a:t>talk</a:t>
             </a:r>
             <a:r>
               <a:rPr lang="fr-FR" baseline="0" dirty="0"/>
@@ -1363,7 +1368,26 @@
           <a:p>
             <a:r>
               <a:rPr lang="en-US" dirty="0"/>
-              <a:t>Raise of popularity in different fields as companion</a:t>
+              <a:t>Raise of popularity in different fields </a:t>
+            </a:r>
+            <a:endParaRPr lang="en-US" dirty="0" smtClean="0"/>
+          </a:p>
+          <a:p>
+            <a:r>
+              <a:rPr lang="en-US" b="1" dirty="0" smtClean="0"/>
+              <a:t>Playing different roles</a:t>
+            </a:r>
+            <a:r>
+              <a:rPr lang="en-US" b="1" baseline="0" dirty="0" smtClean="0"/>
+              <a:t> </a:t>
+            </a:r>
+            <a:r>
+              <a:rPr lang="en-US" dirty="0" smtClean="0"/>
+              <a:t>as </a:t>
+            </a:r>
+            <a:r>
+              <a:rPr lang="en-US" dirty="0"/>
+              <a:t>companion</a:t>
             </a:r>
             <a:r>
               <a:rPr lang="en-US" baseline="0" dirty="0"/>
@@ -1372,14 +1396,60 @@
           </a:p>
           <a:p>
             <a:r>
+              <a:rPr lang="en-US" baseline="0" dirty="0" smtClean="0"/>
+              <a:t>During </a:t>
+            </a:r>
+            <a:r>
+              <a:rPr lang="en-US" b="1" baseline="0" dirty="0" smtClean="0"/>
+              <a:t>the interaction </a:t>
+            </a:r>
+            <a:r>
+              <a:rPr lang="en-US" baseline="0" dirty="0" smtClean="0"/>
+              <a:t>Agent </a:t>
+            </a:r>
+            <a:r>
               <a:rPr lang="en-US" baseline="0" dirty="0"/>
-              <a:t>Agent able to express and understand social behaviors</a:t>
+              <a:t>able to express and understand </a:t>
+            </a:r>
+            <a:r>
+              <a:rPr lang="en-US" b="1" baseline="0" dirty="0"/>
+              <a:t>social behaviors</a:t>
             </a:r>
           </a:p>
           <a:p>
             <a:r>
               <a:rPr lang="en-US" baseline="0" dirty="0"/>
-              <a:t>An other important aspect o</a:t>
+              <a:t>An other </a:t>
+            </a:r>
+            <a:r>
+              <a:rPr lang="en-US" b="1" baseline="0" dirty="0"/>
+              <a:t>important</a:t>
+            </a:r>
+            <a:r>
+              <a:rPr lang="en-US" baseline="0" dirty="0"/>
+              <a:t> aspect </a:t>
+            </a:r>
+            <a:r>
+              <a:rPr lang="en-US" baseline="0" dirty="0" smtClean="0"/>
+              <a:t>in the </a:t>
+            </a:r>
+            <a:r>
+              <a:rPr lang="en-US" baseline="0" dirty="0" err="1" smtClean="0"/>
+              <a:t>intercation</a:t>
+            </a:r>
+            <a:r>
+              <a:rPr lang="en-US" baseline="0" dirty="0" smtClean="0"/>
+              <a:t> is the </a:t>
+            </a:r>
+            <a:r>
+              <a:rPr lang="en-US" b="1" baseline="0" dirty="0" smtClean="0"/>
+              <a:t>collaboration</a:t>
+            </a:r>
+          </a:p>
+          <a:p>
+            <a:r>
+              <a:rPr lang="en-US" b="1" baseline="0" dirty="0" smtClean="0"/>
+              <a:t>Share goal or task</a:t>
             </a:r>
             <a:endParaRPr lang="fr-FR" dirty="0"/>
           </a:p>
@@ -1483,25 +1553,64 @@
               <a:defRPr/>
             </a:pPr>
             <a:r>
-              <a:rPr lang="fr-FR" dirty="0" err="1"/>
-              <a:t>Present</a:t>
-            </a:r>
-            <a:r>
-              <a:rPr lang="fr-FR" dirty="0"/>
-              <a:t> the</a:t>
-            </a:r>
-            <a:r>
-              <a:rPr lang="fr-FR" baseline="0" dirty="0"/>
-              <a:t> collaborative </a:t>
-            </a:r>
-            <a:r>
-              <a:rPr lang="fr-FR" baseline="0" dirty="0" err="1"/>
-              <a:t>negotiation</a:t>
-            </a:r>
-            <a:r>
-              <a:rPr lang="fr-FR" baseline="0" dirty="0"/>
-              <a:t>. </a:t>
-            </a:r>
+              <a:rPr lang="fr-FR" dirty="0" err="1" smtClean="0"/>
+              <a:t>Resort</a:t>
+            </a:r>
+            <a:r>
+              <a:rPr lang="fr-FR" dirty="0" smtClean="0"/>
+              <a:t> on </a:t>
+            </a:r>
+            <a:r>
+              <a:rPr lang="fr-FR" dirty="0" err="1" smtClean="0"/>
+              <a:t>specific</a:t>
+            </a:r>
+            <a:r>
+              <a:rPr lang="fr-FR" dirty="0" smtClean="0"/>
+              <a:t> </a:t>
+            </a:r>
+            <a:r>
+              <a:rPr lang="fr-FR" dirty="0" err="1" smtClean="0"/>
+              <a:t>expretise</a:t>
+            </a:r>
+            <a:r>
+              <a:rPr lang="fr-FR" dirty="0" smtClean="0"/>
+              <a:t> or </a:t>
+            </a:r>
+            <a:r>
+              <a:rPr lang="fr-FR" dirty="0" err="1" smtClean="0"/>
+              <a:t>preferences</a:t>
+            </a:r>
+            <a:r>
+              <a:rPr lang="fr-FR" dirty="0" smtClean="0"/>
+              <a:t> in </a:t>
+            </a:r>
+            <a:r>
+              <a:rPr lang="fr-FR" dirty="0" err="1" smtClean="0"/>
+              <a:t>achieving</a:t>
+            </a:r>
+            <a:r>
+              <a:rPr lang="fr-FR" dirty="0" smtClean="0"/>
+              <a:t> the goal</a:t>
+            </a:r>
+          </a:p>
+          <a:p>
+            <a:pPr marL="0" marR="0" indent="0" algn="l" defTabSz="914400" rtl="0" eaLnBrk="1" fontAlgn="auto" latinLnBrk="0" hangingPunct="1">
+              <a:lnSpc>
+                <a:spcPct val="100000"/>
+              </a:lnSpc>
+              <a:spcBef>
+                <a:spcPts val="0"/>
+              </a:spcBef>
+              <a:spcAft>
+                <a:spcPts val="0"/>
+              </a:spcAft>
+              <a:buClrTx/>
+              <a:buSzTx/>
+              <a:buFontTx/>
+              <a:buNone/>
+              <a:tabLst/>
+              <a:defRPr/>
+            </a:pPr>
             <a:endParaRPr lang="fr-FR" dirty="0"/>
           </a:p>
         </p:txBody>
@@ -1604,24 +1713,68 @@
               <a:defRPr/>
             </a:pPr>
             <a:r>
-              <a:rPr lang="fr-FR" dirty="0" err="1"/>
-              <a:t>Present</a:t>
-            </a:r>
-            <a:r>
-              <a:rPr lang="fr-FR" dirty="0"/>
-              <a:t> the</a:t>
-            </a:r>
-            <a:r>
-              <a:rPr lang="fr-FR" baseline="0" dirty="0"/>
-              <a:t> collaborative </a:t>
-            </a:r>
-            <a:r>
-              <a:rPr lang="fr-FR" baseline="0" dirty="0" err="1"/>
+              <a:rPr lang="fr-FR" dirty="0" smtClean="0"/>
+              <a:t>In addition, </a:t>
+            </a:r>
+            <a:r>
+              <a:rPr lang="fr-FR" dirty="0" err="1" smtClean="0"/>
+              <a:t>research</a:t>
+            </a:r>
+            <a:r>
+              <a:rPr lang="fr-FR" baseline="0" dirty="0" smtClean="0"/>
+              <a:t> in social </a:t>
+            </a:r>
+            <a:r>
+              <a:rPr lang="fr-FR" baseline="0" dirty="0" err="1" smtClean="0"/>
+              <a:t>psycology</a:t>
+            </a:r>
+            <a:r>
+              <a:rPr lang="fr-FR" baseline="0" dirty="0" smtClean="0"/>
+              <a:t> </a:t>
+            </a:r>
+            <a:r>
+              <a:rPr lang="fr-FR" baseline="0" dirty="0" err="1" smtClean="0"/>
+              <a:t>showed</a:t>
+            </a:r>
+            <a:r>
+              <a:rPr lang="fr-FR" baseline="0" dirty="0" smtClean="0"/>
+              <a:t> the </a:t>
+            </a:r>
+            <a:r>
+              <a:rPr lang="fr-FR" baseline="0" dirty="0" err="1" smtClean="0"/>
+              <a:t>the</a:t>
+            </a:r>
+            <a:r>
+              <a:rPr lang="fr-FR" baseline="0" dirty="0" smtClean="0"/>
+              <a:t> social </a:t>
+            </a:r>
+            <a:r>
+              <a:rPr lang="fr-FR" baseline="0" dirty="0" err="1" smtClean="0"/>
+              <a:t>relationship</a:t>
+            </a:r>
+            <a:r>
+              <a:rPr lang="fr-FR" baseline="0" dirty="0" smtClean="0"/>
+              <a:t> affect the </a:t>
+            </a:r>
+            <a:r>
+              <a:rPr lang="fr-FR" baseline="0" dirty="0" err="1" smtClean="0"/>
+              <a:t>interlocutors</a:t>
+            </a:r>
+            <a:r>
+              <a:rPr lang="fr-FR" baseline="0" dirty="0" smtClean="0"/>
+              <a:t>  </a:t>
+            </a:r>
+            <a:r>
+              <a:rPr lang="fr-FR" baseline="0" dirty="0" err="1" smtClean="0"/>
               <a:t>negotiation</a:t>
             </a:r>
             <a:r>
-              <a:rPr lang="fr-FR" baseline="0" dirty="0"/>
-              <a:t>. </a:t>
+              <a:rPr lang="fr-FR" baseline="0" dirty="0" smtClean="0"/>
+              <a:t> </a:t>
+            </a:r>
+            <a:r>
+              <a:rPr lang="fr-FR" baseline="0" dirty="0" err="1" smtClean="0"/>
+              <a:t>strategy</a:t>
             </a:r>
             <a:endParaRPr lang="fr-FR" dirty="0"/>
           </a:p>
@@ -2576,7 +2729,7 @@
           <a:p>
             <a:fld id="{10CDB08B-0089-4E7F-B400-581C2EE3916C}" type="datetime1">
               <a:rPr lang="fr-FR" smtClean="0"/>
-              <a:t>26/08/2017</a:t>
+              <a:t>27/08/2017</a:t>
             </a:fld>
             <a:endParaRPr lang="fr-FR"/>
           </a:p>
@@ -2776,7 +2929,7 @@
           <a:p>
             <a:fld id="{CEC7C56E-8B56-474B-BD68-A3D364922B40}" type="datetime1">
               <a:rPr lang="fr-FR" smtClean="0"/>
-              <a:t>26/08/2017</a:t>
+              <a:t>27/08/2017</a:t>
             </a:fld>
             <a:endParaRPr lang="fr-FR"/>
           </a:p>
@@ -2951,7 +3104,7 @@
           <a:p>
             <a:fld id="{237C33EB-0831-4CC9-AEB5-C54A8074CF4D}" type="datetime1">
               <a:rPr lang="fr-FR" smtClean="0"/>
-              <a:t>26/08/2017</a:t>
+              <a:t>27/08/2017</a:t>
             </a:fld>
             <a:endParaRPr lang="fr-FR"/>
           </a:p>
@@ -3116,7 +3269,7 @@
           <a:p>
             <a:fld id="{7AC38F4A-7EBB-4BFD-B222-2B382A47E1A5}" type="datetime1">
               <a:rPr lang="fr-FR" smtClean="0"/>
-              <a:t>26/08/2017</a:t>
+              <a:t>27/08/2017</a:t>
             </a:fld>
             <a:endParaRPr lang="fr-FR"/>
           </a:p>
@@ -3364,7 +3517,7 @@
           <a:p>
             <a:fld id="{E2F1485B-12A4-4219-BBD4-409F2A40DFE9}" type="datetime1">
               <a:rPr lang="fr-FR" smtClean="0"/>
-              <a:t>26/08/2017</a:t>
+              <a:t>27/08/2017</a:t>
             </a:fld>
             <a:endParaRPr lang="fr-FR"/>
           </a:p>
@@ -3682,7 +3835,7 @@
           <a:p>
             <a:fld id="{85EC6057-47EF-4892-9044-35CD0C157512}" type="datetime1">
               <a:rPr lang="fr-FR" smtClean="0"/>
-              <a:t>26/08/2017</a:t>
+              <a:t>27/08/2017</a:t>
             </a:fld>
             <a:endParaRPr lang="fr-FR"/>
           </a:p>
@@ -4148,7 +4301,7 @@
           <a:p>
             <a:fld id="{2DC96FE8-86AA-4A30-AD07-990FE096A799}" type="datetime1">
               <a:rPr lang="fr-FR" smtClean="0"/>
-              <a:t>26/08/2017</a:t>
+              <a:t>27/08/2017</a:t>
             </a:fld>
             <a:endParaRPr lang="fr-FR"/>
           </a:p>
@@ -4296,7 +4449,7 @@
           <a:p>
             <a:fld id="{98CB78E2-FFBF-4935-9DE3-E22F83194624}" type="datetime1">
               <a:rPr lang="fr-FR" smtClean="0"/>
-              <a:t>26/08/2017</a:t>
+              <a:t>27/08/2017</a:t>
             </a:fld>
             <a:endParaRPr lang="fr-FR"/>
           </a:p>
@@ -4386,7 +4539,7 @@
           <a:p>
             <a:fld id="{E27929DD-537A-4B7A-9962-124B4A8D5AC9}" type="datetime1">
               <a:rPr lang="fr-FR" smtClean="0"/>
-              <a:t>26/08/2017</a:t>
+              <a:t>27/08/2017</a:t>
             </a:fld>
             <a:endParaRPr lang="fr-FR"/>
           </a:p>
@@ -4660,7 +4813,7 @@
           <a:p>
             <a:fld id="{43A6FCE3-03B5-41B8-9DDB-A993F0F1C558}" type="datetime1">
               <a:rPr lang="fr-FR" smtClean="0"/>
-              <a:t>26/08/2017</a:t>
+              <a:t>27/08/2017</a:t>
             </a:fld>
             <a:endParaRPr lang="fr-FR"/>
           </a:p>
@@ -4965,7 +5118,7 @@
           <a:p>
             <a:fld id="{464FB5C7-6D65-4434-B147-0884C7EDD003}" type="datetime1">
               <a:rPr lang="fr-FR" smtClean="0"/>
-              <a:t>26/08/2017</a:t>
+              <a:t>27/08/2017</a:t>
             </a:fld>
             <a:endParaRPr lang="fr-FR"/>
           </a:p>
@@ -5263,7 +5416,7 @@
           <a:p>
             <a:fld id="{4E27EA50-175F-4B0D-BD80-BE2203C73A9E}" type="datetime1">
               <a:rPr lang="fr-FR" smtClean="0"/>
-              <a:t>26/08/2017</a:t>
+              <a:t>27/08/2017</a:t>
             </a:fld>
             <a:endParaRPr lang="fr-FR"/>
           </a:p>
@@ -5973,7 +6126,7 @@
           <p:cNvPr id="9" name="ZoneTexte 8">
             <a:extLst>
               <a:ext uri="{FF2B5EF4-FFF2-40B4-BE49-F238E27FC236}">
-                <a16:creationId xmlns="" xmlns:a16="http://schemas.microsoft.com/office/drawing/2014/main" id="{E5C60904-3E43-4D00-A403-14829C9BA3A8}"/>
+                <a16:creationId xmlns:a16="http://schemas.microsoft.com/office/drawing/2014/main" xmlns="" id="{E5C60904-3E43-4D00-A403-14829C9BA3A8}"/>
               </a:ext>
             </a:extLst>
           </p:cNvPr>
@@ -6203,7 +6356,7 @@
           <p:cNvPr id="11" name="Rectangle 10">
             <a:extLst>
               <a:ext uri="{FF2B5EF4-FFF2-40B4-BE49-F238E27FC236}">
-                <a16:creationId xmlns="" xmlns:a16="http://schemas.microsoft.com/office/drawing/2014/main" id="{70948E37-83B5-46CC-BF55-AA82E7F50112}"/>
+                <a16:creationId xmlns:a16="http://schemas.microsoft.com/office/drawing/2014/main" xmlns="" id="{70948E37-83B5-46CC-BF55-AA82E7F50112}"/>
               </a:ext>
             </a:extLst>
           </p:cNvPr>
@@ -6247,8 +6400,21 @@
                   <a:prstClr val="black"/>
                 </a:solidFill>
               </a:rPr>
-              <a:t>+ Partial order.</a:t>
-            </a:r>
+              <a:t>+ Partial </a:t>
+            </a:r>
+            <a:r>
+              <a:rPr lang="en-US" dirty="0" smtClean="0">
+                <a:solidFill>
+                  <a:prstClr val="black"/>
+                </a:solidFill>
+              </a:rPr>
+              <a:t>order and transitive.</a:t>
+            </a:r>
+            <a:endParaRPr lang="en-US" dirty="0">
+              <a:solidFill>
+                <a:prstClr val="black"/>
+              </a:solidFill>
+            </a:endParaRPr>
           </a:p>
           <a:p>
             <a:pPr lvl="0"/>
@@ -6284,7 +6450,7 @@
           <p:cNvPr id="14" name="Rectangle 13">
             <a:extLst>
               <a:ext uri="{FF2B5EF4-FFF2-40B4-BE49-F238E27FC236}">
-                <a16:creationId xmlns="" xmlns:a16="http://schemas.microsoft.com/office/drawing/2014/main" id="{8F3400E1-9791-4DCA-9FD2-7107CE873690}"/>
+                <a16:creationId xmlns:a16="http://schemas.microsoft.com/office/drawing/2014/main" xmlns="" id="{8F3400E1-9791-4DCA-9FD2-7107CE873690}"/>
               </a:ext>
             </a:extLst>
           </p:cNvPr>
@@ -6334,7 +6500,7 @@
           <p:cNvPr id="15" name="ZoneTexte 14">
             <a:extLst>
               <a:ext uri="{FF2B5EF4-FFF2-40B4-BE49-F238E27FC236}">
-                <a16:creationId xmlns="" xmlns:a16="http://schemas.microsoft.com/office/drawing/2014/main" id="{0686F85A-85EC-4FF7-80C4-F874B395ECED}"/>
+                <a16:creationId xmlns:a16="http://schemas.microsoft.com/office/drawing/2014/main" xmlns="" id="{0686F85A-85EC-4FF7-80C4-F874B395ECED}"/>
               </a:ext>
             </a:extLst>
           </p:cNvPr>
@@ -6435,7 +6601,7 @@
             <p:cNvPr id="5" name="Image 4">
               <a:extLst>
                 <a:ext uri="{FF2B5EF4-FFF2-40B4-BE49-F238E27FC236}">
-                  <a16:creationId xmlns="" xmlns:a16="http://schemas.microsoft.com/office/drawing/2014/main" id="{88531C78-1FC9-4FB2-8870-3BC7391B208D}"/>
+                  <a16:creationId xmlns:a16="http://schemas.microsoft.com/office/drawing/2014/main" xmlns="" id="{88531C78-1FC9-4FB2-8870-3BC7391B208D}"/>
                 </a:ext>
               </a:extLst>
             </p:cNvPr>
@@ -6469,7 +6635,7 @@
             <p:cNvPr id="24" name="Rectangle 23">
               <a:extLst>
                 <a:ext uri="{FF2B5EF4-FFF2-40B4-BE49-F238E27FC236}">
-                  <a16:creationId xmlns="" xmlns:a16="http://schemas.microsoft.com/office/drawing/2014/main" id="{D1E0FCD0-EEA8-4172-84A6-6BFEA120DCB4}"/>
+                  <a16:creationId xmlns:a16="http://schemas.microsoft.com/office/drawing/2014/main" xmlns="" id="{D1E0FCD0-EEA8-4172-84A6-6BFEA120DCB4}"/>
                 </a:ext>
               </a:extLst>
             </p:cNvPr>
@@ -6531,7 +6697,7 @@
             <p:cNvPr id="10" name="Image 9">
               <a:extLst>
                 <a:ext uri="{FF2B5EF4-FFF2-40B4-BE49-F238E27FC236}">
-                  <a16:creationId xmlns="" xmlns:a16="http://schemas.microsoft.com/office/drawing/2014/main" id="{1B33F8DA-1CDA-4BC2-BB68-60AE08CF161D}"/>
+                  <a16:creationId xmlns:a16="http://schemas.microsoft.com/office/drawing/2014/main" xmlns="" id="{1B33F8DA-1CDA-4BC2-BB68-60AE08CF161D}"/>
                 </a:ext>
               </a:extLst>
             </p:cNvPr>
@@ -6978,7 +7144,7 @@
           <p:cNvPr id="14" name="Rectangle 13">
             <a:extLst>
               <a:ext uri="{FF2B5EF4-FFF2-40B4-BE49-F238E27FC236}">
-                <a16:creationId xmlns="" xmlns:a16="http://schemas.microsoft.com/office/drawing/2014/main" id="{8F3400E1-9791-4DCA-9FD2-7107CE873690}"/>
+                <a16:creationId xmlns:a16="http://schemas.microsoft.com/office/drawing/2014/main" xmlns="" id="{8F3400E1-9791-4DCA-9FD2-7107CE873690}"/>
               </a:ext>
             </a:extLst>
           </p:cNvPr>
@@ -7028,7 +7194,7 @@
           <p:cNvPr id="19" name="Picture 2">
             <a:extLst>
               <a:ext uri="{FF2B5EF4-FFF2-40B4-BE49-F238E27FC236}">
-                <a16:creationId xmlns="" xmlns:a16="http://schemas.microsoft.com/office/drawing/2014/main" id="{1073412C-BD31-4FF8-81F8-7E47107A6CEC}"/>
+                <a16:creationId xmlns:a16="http://schemas.microsoft.com/office/drawing/2014/main" xmlns="" id="{1073412C-BD31-4FF8-81F8-7E47107A6CEC}"/>
               </a:ext>
             </a:extLst>
           </p:cNvPr>
@@ -7085,7 +7251,7 @@
           <p:cNvPr id="21" name="Picture 3">
             <a:extLst>
               <a:ext uri="{FF2B5EF4-FFF2-40B4-BE49-F238E27FC236}">
-                <a16:creationId xmlns="" xmlns:a16="http://schemas.microsoft.com/office/drawing/2014/main" id="{E5154CFA-10DE-4A93-A831-F79680320B89}"/>
+                <a16:creationId xmlns:a16="http://schemas.microsoft.com/office/drawing/2014/main" xmlns="" id="{E5154CFA-10DE-4A93-A831-F79680320B89}"/>
               </a:ext>
             </a:extLst>
           </p:cNvPr>
@@ -7154,7 +7320,7 @@
             <p:cNvPr id="13" name="Connecteur droit avec flèche 12">
               <a:extLst>
                 <a:ext uri="{FF2B5EF4-FFF2-40B4-BE49-F238E27FC236}">
-                  <a16:creationId xmlns="" xmlns:a16="http://schemas.microsoft.com/office/drawing/2014/main" id="{D65FFD6F-5568-45A2-9D5D-1CFEA9221BC5}"/>
+                  <a16:creationId xmlns:a16="http://schemas.microsoft.com/office/drawing/2014/main" xmlns="" id="{D65FFD6F-5568-45A2-9D5D-1CFEA9221BC5}"/>
                 </a:ext>
               </a:extLst>
             </p:cNvPr>
@@ -7201,7 +7367,7 @@
             <p:cNvPr id="18" name="Connecteur droit avec flèche 17">
               <a:extLst>
                 <a:ext uri="{FF2B5EF4-FFF2-40B4-BE49-F238E27FC236}">
-                  <a16:creationId xmlns="" xmlns:a16="http://schemas.microsoft.com/office/drawing/2014/main" id="{C79F3DD1-F6F3-49B9-BA90-7C1733880E4E}"/>
+                  <a16:creationId xmlns:a16="http://schemas.microsoft.com/office/drawing/2014/main" xmlns="" id="{C79F3DD1-F6F3-49B9-BA90-7C1733880E4E}"/>
                 </a:ext>
               </a:extLst>
             </p:cNvPr>
@@ -7249,7 +7415,7 @@
           <p:cNvPr id="27" name="Groupe 26">
             <a:extLst>
               <a:ext uri="{FF2B5EF4-FFF2-40B4-BE49-F238E27FC236}">
-                <a16:creationId xmlns="" xmlns:a16="http://schemas.microsoft.com/office/drawing/2014/main" id="{9FB81528-92BE-44B0-A33B-8DD173C643EF}"/>
+                <a16:creationId xmlns:a16="http://schemas.microsoft.com/office/drawing/2014/main" xmlns="" id="{9FB81528-92BE-44B0-A33B-8DD173C643EF}"/>
               </a:ext>
             </a:extLst>
           </p:cNvPr>
@@ -7269,7 +7435,7 @@
             <p:cNvPr id="25" name="Rectangle 24">
               <a:extLst>
                 <a:ext uri="{FF2B5EF4-FFF2-40B4-BE49-F238E27FC236}">
-                  <a16:creationId xmlns="" xmlns:a16="http://schemas.microsoft.com/office/drawing/2014/main" id="{B5B55A3B-4C34-4F54-AB3C-6C0AEB43B0A6}"/>
+                  <a16:creationId xmlns:a16="http://schemas.microsoft.com/office/drawing/2014/main" xmlns="" id="{B5B55A3B-4C34-4F54-AB3C-6C0AEB43B0A6}"/>
                 </a:ext>
               </a:extLst>
             </p:cNvPr>
@@ -7322,7 +7488,7 @@
             <p:cNvPr id="26" name="Rectangle 25">
               <a:extLst>
                 <a:ext uri="{FF2B5EF4-FFF2-40B4-BE49-F238E27FC236}">
-                  <a16:creationId xmlns="" xmlns:a16="http://schemas.microsoft.com/office/drawing/2014/main" id="{631F6DC2-FA6D-416F-9457-D644F2D3ED7E}"/>
+                  <a16:creationId xmlns:a16="http://schemas.microsoft.com/office/drawing/2014/main" xmlns="" id="{631F6DC2-FA6D-416F-9457-D644F2D3ED7E}"/>
                 </a:ext>
               </a:extLst>
             </p:cNvPr>
@@ -7371,7 +7537,7 @@
             <p:cNvPr id="22" name="Rectangle 21">
               <a:extLst>
                 <a:ext uri="{FF2B5EF4-FFF2-40B4-BE49-F238E27FC236}">
-                  <a16:creationId xmlns="" xmlns:a16="http://schemas.microsoft.com/office/drawing/2014/main" id="{7BCAE013-9CC5-4E12-8D7C-E20C0CA38EC7}"/>
+                  <a16:creationId xmlns:a16="http://schemas.microsoft.com/office/drawing/2014/main" xmlns="" id="{7BCAE013-9CC5-4E12-8D7C-E20C0CA38EC7}"/>
                 </a:ext>
               </a:extLst>
             </p:cNvPr>
@@ -7421,7 +7587,7 @@
             <p:cNvPr id="29" name="Rectangle 28">
               <a:extLst>
                 <a:ext uri="{FF2B5EF4-FFF2-40B4-BE49-F238E27FC236}">
-                  <a16:creationId xmlns="" xmlns:a16="http://schemas.microsoft.com/office/drawing/2014/main" id="{8AF8BB87-58CC-4C6C-AD11-5D8C87FEE763}"/>
+                  <a16:creationId xmlns:a16="http://schemas.microsoft.com/office/drawing/2014/main" xmlns="" id="{8AF8BB87-58CC-4C6C-AD11-5D8C87FEE763}"/>
                 </a:ext>
               </a:extLst>
             </p:cNvPr>
@@ -7754,7 +7920,7 @@
           <p:cNvPr id="14" name="Rectangle 13">
             <a:extLst>
               <a:ext uri="{FF2B5EF4-FFF2-40B4-BE49-F238E27FC236}">
-                <a16:creationId xmlns="" xmlns:a16="http://schemas.microsoft.com/office/drawing/2014/main" id="{8F3400E1-9791-4DCA-9FD2-7107CE873690}"/>
+                <a16:creationId xmlns:a16="http://schemas.microsoft.com/office/drawing/2014/main" xmlns="" id="{8F3400E1-9791-4DCA-9FD2-7107CE873690}"/>
               </a:ext>
             </a:extLst>
           </p:cNvPr>
@@ -7804,7 +7970,7 @@
           <p:cNvPr id="21" name="Picture 3">
             <a:extLst>
               <a:ext uri="{FF2B5EF4-FFF2-40B4-BE49-F238E27FC236}">
-                <a16:creationId xmlns="" xmlns:a16="http://schemas.microsoft.com/office/drawing/2014/main" id="{E5154CFA-10DE-4A93-A831-F79680320B89}"/>
+                <a16:creationId xmlns:a16="http://schemas.microsoft.com/office/drawing/2014/main" xmlns="" id="{E5154CFA-10DE-4A93-A831-F79680320B89}"/>
               </a:ext>
             </a:extLst>
           </p:cNvPr>
@@ -7878,7 +8044,7 @@
             <p:cNvPr id="13" name="Connecteur droit avec flèche 12">
               <a:extLst>
                 <a:ext uri="{FF2B5EF4-FFF2-40B4-BE49-F238E27FC236}">
-                  <a16:creationId xmlns="" xmlns:a16="http://schemas.microsoft.com/office/drawing/2014/main" id="{D65FFD6F-5568-45A2-9D5D-1CFEA9221BC5}"/>
+                  <a16:creationId xmlns:a16="http://schemas.microsoft.com/office/drawing/2014/main" xmlns="" id="{D65FFD6F-5568-45A2-9D5D-1CFEA9221BC5}"/>
                 </a:ext>
               </a:extLst>
             </p:cNvPr>
@@ -7925,7 +8091,7 @@
             <p:cNvPr id="18" name="Connecteur droit avec flèche 17">
               <a:extLst>
                 <a:ext uri="{FF2B5EF4-FFF2-40B4-BE49-F238E27FC236}">
-                  <a16:creationId xmlns="" xmlns:a16="http://schemas.microsoft.com/office/drawing/2014/main" id="{C79F3DD1-F6F3-49B9-BA90-7C1733880E4E}"/>
+                  <a16:creationId xmlns:a16="http://schemas.microsoft.com/office/drawing/2014/main" xmlns="" id="{C79F3DD1-F6F3-49B9-BA90-7C1733880E4E}"/>
                 </a:ext>
               </a:extLst>
             </p:cNvPr>
@@ -8016,7 +8182,7 @@
           <p:cNvPr id="23" name="Groupe 22">
             <a:extLst>
               <a:ext uri="{FF2B5EF4-FFF2-40B4-BE49-F238E27FC236}">
-                <a16:creationId xmlns="" xmlns:a16="http://schemas.microsoft.com/office/drawing/2014/main" id="{61C42AF2-A37B-4024-9CC7-BCA09014BEE4}"/>
+                <a16:creationId xmlns:a16="http://schemas.microsoft.com/office/drawing/2014/main" xmlns="" id="{61C42AF2-A37B-4024-9CC7-BCA09014BEE4}"/>
               </a:ext>
             </a:extLst>
           </p:cNvPr>
@@ -8036,7 +8202,7 @@
             <p:cNvPr id="24" name="Rectangle 23">
               <a:extLst>
                 <a:ext uri="{FF2B5EF4-FFF2-40B4-BE49-F238E27FC236}">
-                  <a16:creationId xmlns="" xmlns:a16="http://schemas.microsoft.com/office/drawing/2014/main" id="{C07CE433-4FF7-4ADB-BF26-D3C838D0ADCB}"/>
+                  <a16:creationId xmlns:a16="http://schemas.microsoft.com/office/drawing/2014/main" xmlns="" id="{C07CE433-4FF7-4ADB-BF26-D3C838D0ADCB}"/>
                 </a:ext>
               </a:extLst>
             </p:cNvPr>
@@ -8091,7 +8257,7 @@
             <p:cNvPr id="28" name="ZoneTexte 27">
               <a:extLst>
                 <a:ext uri="{FF2B5EF4-FFF2-40B4-BE49-F238E27FC236}">
-                  <a16:creationId xmlns="" xmlns:a16="http://schemas.microsoft.com/office/drawing/2014/main" id="{E46FE502-2DAF-4FD4-8D95-8472B9631A90}"/>
+                  <a16:creationId xmlns:a16="http://schemas.microsoft.com/office/drawing/2014/main" xmlns="" id="{E46FE502-2DAF-4FD4-8D95-8472B9631A90}"/>
                 </a:ext>
               </a:extLst>
             </p:cNvPr>
@@ -8189,7 +8355,7 @@
           <p:cNvPr id="30" name="Picture 2" descr="E:\presentation\satother.png">
             <a:extLst>
               <a:ext uri="{FF2B5EF4-FFF2-40B4-BE49-F238E27FC236}">
-                <a16:creationId xmlns="" xmlns:a16="http://schemas.microsoft.com/office/drawing/2014/main" id="{A8B3CF2C-3A89-4C25-B986-383723A4035F}"/>
+                <a16:creationId xmlns:a16="http://schemas.microsoft.com/office/drawing/2014/main" xmlns="" id="{A8B3CF2C-3A89-4C25-B986-383723A4035F}"/>
               </a:ext>
             </a:extLst>
           </p:cNvPr>
@@ -8236,7 +8402,7 @@
           <p:cNvPr id="31" name="ZoneTexte 30">
             <a:extLst>
               <a:ext uri="{FF2B5EF4-FFF2-40B4-BE49-F238E27FC236}">
-                <a16:creationId xmlns="" xmlns:a16="http://schemas.microsoft.com/office/drawing/2014/main" id="{94FA61C2-B84D-4556-BEC7-664B4B1053EB}"/>
+                <a16:creationId xmlns:a16="http://schemas.microsoft.com/office/drawing/2014/main" xmlns="" id="{94FA61C2-B84D-4556-BEC7-664B4B1053EB}"/>
               </a:ext>
             </a:extLst>
           </p:cNvPr>
@@ -8355,7 +8521,7 @@
           <p:cNvPr id="32" name="Rectangle 31">
             <a:extLst>
               <a:ext uri="{FF2B5EF4-FFF2-40B4-BE49-F238E27FC236}">
-                <a16:creationId xmlns="" xmlns:a16="http://schemas.microsoft.com/office/drawing/2014/main" id="{D1E0FCD0-EEA8-4172-84A6-6BFEA120DCB4}"/>
+                <a16:creationId xmlns:a16="http://schemas.microsoft.com/office/drawing/2014/main" xmlns="" id="{D1E0FCD0-EEA8-4172-84A6-6BFEA120DCB4}"/>
               </a:ext>
             </a:extLst>
           </p:cNvPr>
@@ -8547,7 +8713,7 @@
           <p:cNvPr id="25" name="Picture 2">
             <a:extLst>
               <a:ext uri="{FF2B5EF4-FFF2-40B4-BE49-F238E27FC236}">
-                <a16:creationId xmlns="" xmlns:a16="http://schemas.microsoft.com/office/drawing/2014/main" id="{1073412C-BD31-4FF8-81F8-7E47107A6CEC}"/>
+                <a16:creationId xmlns:a16="http://schemas.microsoft.com/office/drawing/2014/main" xmlns="" id="{1073412C-BD31-4FF8-81F8-7E47107A6CEC}"/>
               </a:ext>
             </a:extLst>
           </p:cNvPr>
@@ -8893,7 +9059,7 @@
           <p:cNvPr id="14" name="Rectangle 13">
             <a:extLst>
               <a:ext uri="{FF2B5EF4-FFF2-40B4-BE49-F238E27FC236}">
-                <a16:creationId xmlns="" xmlns:a16="http://schemas.microsoft.com/office/drawing/2014/main" id="{8F3400E1-9791-4DCA-9FD2-7107CE873690}"/>
+                <a16:creationId xmlns:a16="http://schemas.microsoft.com/office/drawing/2014/main" xmlns="" id="{8F3400E1-9791-4DCA-9FD2-7107CE873690}"/>
               </a:ext>
             </a:extLst>
           </p:cNvPr>
@@ -8943,7 +9109,7 @@
           <p:cNvPr id="21" name="Picture 3">
             <a:extLst>
               <a:ext uri="{FF2B5EF4-FFF2-40B4-BE49-F238E27FC236}">
-                <a16:creationId xmlns="" xmlns:a16="http://schemas.microsoft.com/office/drawing/2014/main" id="{E5154CFA-10DE-4A93-A831-F79680320B89}"/>
+                <a16:creationId xmlns:a16="http://schemas.microsoft.com/office/drawing/2014/main" xmlns="" id="{E5154CFA-10DE-4A93-A831-F79680320B89}"/>
               </a:ext>
             </a:extLst>
           </p:cNvPr>
@@ -9017,7 +9183,7 @@
             <p:cNvPr id="13" name="Connecteur droit avec flèche 12">
               <a:extLst>
                 <a:ext uri="{FF2B5EF4-FFF2-40B4-BE49-F238E27FC236}">
-                  <a16:creationId xmlns="" xmlns:a16="http://schemas.microsoft.com/office/drawing/2014/main" id="{D65FFD6F-5568-45A2-9D5D-1CFEA9221BC5}"/>
+                  <a16:creationId xmlns:a16="http://schemas.microsoft.com/office/drawing/2014/main" xmlns="" id="{D65FFD6F-5568-45A2-9D5D-1CFEA9221BC5}"/>
                 </a:ext>
               </a:extLst>
             </p:cNvPr>
@@ -9064,7 +9230,7 @@
             <p:cNvPr id="18" name="Connecteur droit avec flèche 17">
               <a:extLst>
                 <a:ext uri="{FF2B5EF4-FFF2-40B4-BE49-F238E27FC236}">
-                  <a16:creationId xmlns="" xmlns:a16="http://schemas.microsoft.com/office/drawing/2014/main" id="{C79F3DD1-F6F3-49B9-BA90-7C1733880E4E}"/>
+                  <a16:creationId xmlns:a16="http://schemas.microsoft.com/office/drawing/2014/main" xmlns="" id="{C79F3DD1-F6F3-49B9-BA90-7C1733880E4E}"/>
                 </a:ext>
               </a:extLst>
             </p:cNvPr>
@@ -9155,7 +9321,7 @@
           <p:cNvPr id="31" name="ZoneTexte 30">
             <a:extLst>
               <a:ext uri="{FF2B5EF4-FFF2-40B4-BE49-F238E27FC236}">
-                <a16:creationId xmlns="" xmlns:a16="http://schemas.microsoft.com/office/drawing/2014/main" id="{94FA61C2-B84D-4556-BEC7-664B4B1053EB}"/>
+                <a16:creationId xmlns:a16="http://schemas.microsoft.com/office/drawing/2014/main" xmlns="" id="{94FA61C2-B84D-4556-BEC7-664B4B1053EB}"/>
               </a:ext>
             </a:extLst>
           </p:cNvPr>
@@ -9274,7 +9440,7 @@
           <p:cNvPr id="22" name="ZoneTexte 21">
             <a:extLst>
               <a:ext uri="{FF2B5EF4-FFF2-40B4-BE49-F238E27FC236}">
-                <a16:creationId xmlns="" xmlns:a16="http://schemas.microsoft.com/office/drawing/2014/main" id="{94FA61C2-B84D-4556-BEC7-664B4B1053EB}"/>
+                <a16:creationId xmlns:a16="http://schemas.microsoft.com/office/drawing/2014/main" xmlns="" id="{94FA61C2-B84D-4556-BEC7-664B4B1053EB}"/>
               </a:ext>
             </a:extLst>
           </p:cNvPr>
@@ -9393,7 +9559,7 @@
           <p:cNvPr id="25" name="Groupe 24">
             <a:extLst>
               <a:ext uri="{FF2B5EF4-FFF2-40B4-BE49-F238E27FC236}">
-                <a16:creationId xmlns="" xmlns:a16="http://schemas.microsoft.com/office/drawing/2014/main" id="{61C42AF2-A37B-4024-9CC7-BCA09014BEE4}"/>
+                <a16:creationId xmlns:a16="http://schemas.microsoft.com/office/drawing/2014/main" xmlns="" id="{61C42AF2-A37B-4024-9CC7-BCA09014BEE4}"/>
               </a:ext>
             </a:extLst>
           </p:cNvPr>
@@ -9413,7 +9579,7 @@
             <p:cNvPr id="26" name="Rectangle 25">
               <a:extLst>
                 <a:ext uri="{FF2B5EF4-FFF2-40B4-BE49-F238E27FC236}">
-                  <a16:creationId xmlns="" xmlns:a16="http://schemas.microsoft.com/office/drawing/2014/main" id="{C07CE433-4FF7-4ADB-BF26-D3C838D0ADCB}"/>
+                  <a16:creationId xmlns:a16="http://schemas.microsoft.com/office/drawing/2014/main" xmlns="" id="{C07CE433-4FF7-4ADB-BF26-D3C838D0ADCB}"/>
                 </a:ext>
               </a:extLst>
             </p:cNvPr>
@@ -9464,7 +9630,7 @@
             <p:cNvPr id="27" name="ZoneTexte 26">
               <a:extLst>
                 <a:ext uri="{FF2B5EF4-FFF2-40B4-BE49-F238E27FC236}">
-                  <a16:creationId xmlns="" xmlns:a16="http://schemas.microsoft.com/office/drawing/2014/main" id="{E46FE502-2DAF-4FD4-8D95-8472B9631A90}"/>
+                  <a16:creationId xmlns:a16="http://schemas.microsoft.com/office/drawing/2014/main" xmlns="" id="{E46FE502-2DAF-4FD4-8D95-8472B9631A90}"/>
                 </a:ext>
               </a:extLst>
             </p:cNvPr>
@@ -9660,7 +9826,7 @@
           <p:cNvPr id="29" name="ZoneTexte 28">
             <a:extLst>
               <a:ext uri="{FF2B5EF4-FFF2-40B4-BE49-F238E27FC236}">
-                <a16:creationId xmlns="" xmlns:a16="http://schemas.microsoft.com/office/drawing/2014/main" id="{345CBD4C-02A4-49D0-A86D-41CBBF812EEF}"/>
+                <a16:creationId xmlns:a16="http://schemas.microsoft.com/office/drawing/2014/main" xmlns="" id="{345CBD4C-02A4-49D0-A86D-41CBBF812EEF}"/>
               </a:ext>
             </a:extLst>
           </p:cNvPr>
@@ -9727,7 +9893,7 @@
           <p:cNvPr id="33" name="Rectangle 32">
             <a:extLst>
               <a:ext uri="{FF2B5EF4-FFF2-40B4-BE49-F238E27FC236}">
-                <a16:creationId xmlns="" xmlns:a16="http://schemas.microsoft.com/office/drawing/2014/main" id="{09B04511-0B48-468D-8610-00249895752A}"/>
+                <a16:creationId xmlns:a16="http://schemas.microsoft.com/office/drawing/2014/main" xmlns="" id="{09B04511-0B48-468D-8610-00249895752A}"/>
               </a:ext>
             </a:extLst>
           </p:cNvPr>
@@ -9819,7 +9985,7 @@
           <p:cNvPr id="23" name="Picture 2">
             <a:extLst>
               <a:ext uri="{FF2B5EF4-FFF2-40B4-BE49-F238E27FC236}">
-                <a16:creationId xmlns="" xmlns:a16="http://schemas.microsoft.com/office/drawing/2014/main" id="{1073412C-BD31-4FF8-81F8-7E47107A6CEC}"/>
+                <a16:creationId xmlns:a16="http://schemas.microsoft.com/office/drawing/2014/main" xmlns="" id="{1073412C-BD31-4FF8-81F8-7E47107A6CEC}"/>
               </a:ext>
             </a:extLst>
           </p:cNvPr>
@@ -10796,7 +10962,7 @@
           <p:cNvPr id="16" name="Titre 1">
             <a:extLst>
               <a:ext uri="{FF2B5EF4-FFF2-40B4-BE49-F238E27FC236}">
-                <a16:creationId xmlns="" xmlns:a16="http://schemas.microsoft.com/office/drawing/2014/main" id="{6F7FC47C-E66C-4AF5-AA17-09356D3F5226}"/>
+                <a16:creationId xmlns:a16="http://schemas.microsoft.com/office/drawing/2014/main" xmlns="" id="{6F7FC47C-E66C-4AF5-AA17-09356D3F5226}"/>
               </a:ext>
             </a:extLst>
           </p:cNvPr>
@@ -10840,7 +11006,7 @@
           <p:cNvPr id="14" name="Image 13">
             <a:extLst>
               <a:ext uri="{FF2B5EF4-FFF2-40B4-BE49-F238E27FC236}">
-                <a16:creationId xmlns="" xmlns:a16="http://schemas.microsoft.com/office/drawing/2014/main" id="{1556E920-2D39-49D1-BF92-ED760E2E94D4}"/>
+                <a16:creationId xmlns:a16="http://schemas.microsoft.com/office/drawing/2014/main" xmlns="" id="{1556E920-2D39-49D1-BF92-ED760E2E94D4}"/>
               </a:ext>
             </a:extLst>
           </p:cNvPr>
@@ -10876,7 +11042,7 @@
           <p:cNvPr id="20" name="Rectangle 19">
             <a:extLst>
               <a:ext uri="{FF2B5EF4-FFF2-40B4-BE49-F238E27FC236}">
-                <a16:creationId xmlns="" xmlns:a16="http://schemas.microsoft.com/office/drawing/2014/main" id="{4FF44B8E-1846-45A9-B114-3098B6B8CB1C}"/>
+                <a16:creationId xmlns:a16="http://schemas.microsoft.com/office/drawing/2014/main" xmlns="" id="{4FF44B8E-1846-45A9-B114-3098B6B8CB1C}"/>
               </a:ext>
             </a:extLst>
           </p:cNvPr>
@@ -10937,7 +11103,7 @@
             <p:cNvPr id="26" name="Rectangle 25">
               <a:extLst>
                 <a:ext uri="{FF2B5EF4-FFF2-40B4-BE49-F238E27FC236}">
-                  <a16:creationId xmlns="" xmlns:a16="http://schemas.microsoft.com/office/drawing/2014/main" id="{C8E014B8-8F69-45D0-BC88-472428DD5014}"/>
+                  <a16:creationId xmlns:a16="http://schemas.microsoft.com/office/drawing/2014/main" xmlns="" id="{C8E014B8-8F69-45D0-BC88-472428DD5014}"/>
                 </a:ext>
               </a:extLst>
             </p:cNvPr>
@@ -11031,7 +11197,7 @@
             <p:cNvPr id="25" name="Rectangle 24">
               <a:extLst>
                 <a:ext uri="{FF2B5EF4-FFF2-40B4-BE49-F238E27FC236}">
-                  <a16:creationId xmlns="" xmlns:a16="http://schemas.microsoft.com/office/drawing/2014/main" id="{F8C44AB9-A5E4-4160-AE24-DA78158D6810}"/>
+                  <a16:creationId xmlns:a16="http://schemas.microsoft.com/office/drawing/2014/main" xmlns="" id="{F8C44AB9-A5E4-4160-AE24-DA78158D6810}"/>
                 </a:ext>
               </a:extLst>
             </p:cNvPr>
@@ -11085,7 +11251,7 @@
           <p:cNvPr id="4" name="ZoneTexte 3">
             <a:extLst>
               <a:ext uri="{FF2B5EF4-FFF2-40B4-BE49-F238E27FC236}">
-                <a16:creationId xmlns="" xmlns:a16="http://schemas.microsoft.com/office/drawing/2014/main" id="{23EB7785-DF90-40C0-8BD2-FD80B6A592B2}"/>
+                <a16:creationId xmlns:a16="http://schemas.microsoft.com/office/drawing/2014/main" xmlns="" id="{23EB7785-DF90-40C0-8BD2-FD80B6A592B2}"/>
               </a:ext>
             </a:extLst>
           </p:cNvPr>
@@ -11228,7 +11394,7 @@
             <p:cNvPr id="24" name="Rectangle 23">
               <a:extLst>
                 <a:ext uri="{FF2B5EF4-FFF2-40B4-BE49-F238E27FC236}">
-                  <a16:creationId xmlns="" xmlns:a16="http://schemas.microsoft.com/office/drawing/2014/main" id="{34E8D74E-F19B-4494-9DBD-DE8B735FB8C1}"/>
+                  <a16:creationId xmlns:a16="http://schemas.microsoft.com/office/drawing/2014/main" xmlns="" id="{34E8D74E-F19B-4494-9DBD-DE8B735FB8C1}"/>
                 </a:ext>
               </a:extLst>
             </p:cNvPr>
@@ -11278,7 +11444,7 @@
             <p:cNvPr id="19" name="Rectangle 18">
               <a:extLst>
                 <a:ext uri="{FF2B5EF4-FFF2-40B4-BE49-F238E27FC236}">
-                  <a16:creationId xmlns="" xmlns:a16="http://schemas.microsoft.com/office/drawing/2014/main" id="{C8E014B8-8F69-45D0-BC88-472428DD5014}"/>
+                  <a16:creationId xmlns:a16="http://schemas.microsoft.com/office/drawing/2014/main" xmlns="" id="{C8E014B8-8F69-45D0-BC88-472428DD5014}"/>
                 </a:ext>
               </a:extLst>
             </p:cNvPr>
@@ -11329,7 +11495,7 @@
             <p:cNvPr id="27" name="Rectangle 26">
               <a:extLst>
                 <a:ext uri="{FF2B5EF4-FFF2-40B4-BE49-F238E27FC236}">
-                  <a16:creationId xmlns="" xmlns:a16="http://schemas.microsoft.com/office/drawing/2014/main" id="{B5B55A3B-4C34-4F54-AB3C-6C0AEB43B0A6}"/>
+                  <a16:creationId xmlns:a16="http://schemas.microsoft.com/office/drawing/2014/main" xmlns="" id="{B5B55A3B-4C34-4F54-AB3C-6C0AEB43B0A6}"/>
                 </a:ext>
               </a:extLst>
             </p:cNvPr>
@@ -11386,7 +11552,7 @@
             <p:cNvPr id="28" name="Rectangle 27">
               <a:extLst>
                 <a:ext uri="{FF2B5EF4-FFF2-40B4-BE49-F238E27FC236}">
-                  <a16:creationId xmlns="" xmlns:a16="http://schemas.microsoft.com/office/drawing/2014/main" id="{631F6DC2-FA6D-416F-9457-D644F2D3ED7E}"/>
+                  <a16:creationId xmlns:a16="http://schemas.microsoft.com/office/drawing/2014/main" xmlns="" id="{631F6DC2-FA6D-416F-9457-D644F2D3ED7E}"/>
                 </a:ext>
               </a:extLst>
             </p:cNvPr>
@@ -11454,7 +11620,7 @@
             <p:cNvPr id="23" name="Rectangle 22">
               <a:extLst>
                 <a:ext uri="{FF2B5EF4-FFF2-40B4-BE49-F238E27FC236}">
-                  <a16:creationId xmlns="" xmlns:a16="http://schemas.microsoft.com/office/drawing/2014/main" id="{3E646E85-9F24-4829-9A4B-833B474F4994}"/>
+                  <a16:creationId xmlns:a16="http://schemas.microsoft.com/office/drawing/2014/main" xmlns="" id="{3E646E85-9F24-4829-9A4B-833B474F4994}"/>
                 </a:ext>
               </a:extLst>
             </p:cNvPr>
@@ -11547,7 +11713,7 @@
             <p:cNvPr id="31" name="ZoneTexte 30">
               <a:extLst>
                 <a:ext uri="{FF2B5EF4-FFF2-40B4-BE49-F238E27FC236}">
-                  <a16:creationId xmlns="" xmlns:a16="http://schemas.microsoft.com/office/drawing/2014/main" id="{94FA61C2-B84D-4556-BEC7-664B4B1053EB}"/>
+                  <a16:creationId xmlns:a16="http://schemas.microsoft.com/office/drawing/2014/main" xmlns="" id="{94FA61C2-B84D-4556-BEC7-664B4B1053EB}"/>
                 </a:ext>
               </a:extLst>
             </p:cNvPr>
@@ -11666,7 +11832,7 @@
             <p:cNvPr id="32" name="ZoneTexte 31">
               <a:extLst>
                 <a:ext uri="{FF2B5EF4-FFF2-40B4-BE49-F238E27FC236}">
-                  <a16:creationId xmlns="" xmlns:a16="http://schemas.microsoft.com/office/drawing/2014/main" id="{94FA61C2-B84D-4556-BEC7-664B4B1053EB}"/>
+                  <a16:creationId xmlns:a16="http://schemas.microsoft.com/office/drawing/2014/main" xmlns="" id="{94FA61C2-B84D-4556-BEC7-664B4B1053EB}"/>
                 </a:ext>
               </a:extLst>
             </p:cNvPr>
@@ -11785,7 +11951,7 @@
             <p:cNvPr id="33" name="Rectangle 32">
               <a:extLst>
                 <a:ext uri="{FF2B5EF4-FFF2-40B4-BE49-F238E27FC236}">
-                  <a16:creationId xmlns="" xmlns:a16="http://schemas.microsoft.com/office/drawing/2014/main" id="{C8E014B8-8F69-45D0-BC88-472428DD5014}"/>
+                  <a16:creationId xmlns:a16="http://schemas.microsoft.com/office/drawing/2014/main" xmlns="" id="{C8E014B8-8F69-45D0-BC88-472428DD5014}"/>
                 </a:ext>
               </a:extLst>
             </p:cNvPr>
@@ -12019,7 +12185,7 @@
           <p:cNvPr id="14" name="Titre 1">
             <a:extLst>
               <a:ext uri="{FF2B5EF4-FFF2-40B4-BE49-F238E27FC236}">
-                <a16:creationId xmlns="" xmlns:a16="http://schemas.microsoft.com/office/drawing/2014/main" id="{664C0ADC-F01C-469F-B67C-D594A1C8E5EC}"/>
+                <a16:creationId xmlns:a16="http://schemas.microsoft.com/office/drawing/2014/main" xmlns="" id="{664C0ADC-F01C-469F-B67C-D594A1C8E5EC}"/>
               </a:ext>
             </a:extLst>
           </p:cNvPr>
@@ -12104,8 +12270,8 @@
         </p:nvSpPr>
         <p:spPr>
           <a:xfrm>
-            <a:off x="389454" y="5622685"/>
-            <a:ext cx="4270684" cy="1118683"/>
+            <a:off x="277302" y="3390836"/>
+            <a:ext cx="4502649" cy="1262300"/>
           </a:xfrm>
           <a:prstGeom prst="rect">
             <a:avLst/>
@@ -12194,7 +12360,7 @@
               <a:t>⇾ </a:t>
             </a:r>
             <a:r>
-              <a:rPr lang="fr-FR" sz="2000" dirty="0">
+              <a:rPr lang="fr-FR" sz="2000" b="1" dirty="0">
                 <a:solidFill>
                   <a:schemeClr val="tx1"/>
                 </a:solidFill>
@@ -12202,14 +12368,14 @@
               <a:t>self(t</a:t>
             </a:r>
             <a:r>
-              <a:rPr lang="fr-FR" sz="2000" dirty="0" smtClean="0">
+              <a:rPr lang="fr-FR" sz="2000" b="1" dirty="0" smtClean="0">
                 <a:solidFill>
                   <a:schemeClr val="tx1"/>
                 </a:solidFill>
               </a:rPr>
               <a:t>)</a:t>
             </a:r>
-            <a:endParaRPr lang="fr-FR" sz="2000" dirty="0">
+            <a:endParaRPr lang="fr-FR" sz="2000" b="1" dirty="0">
               <a:solidFill>
                 <a:schemeClr val="tx1"/>
               </a:solidFill>
@@ -12399,10 +12565,10 @@
         </p:nvGrpSpPr>
         <p:grpSpPr>
           <a:xfrm>
-            <a:off x="344447" y="3212976"/>
-            <a:ext cx="4597884" cy="2214240"/>
-            <a:chOff x="162891" y="3113650"/>
-            <a:chExt cx="4686513" cy="2214240"/>
+            <a:off x="251520" y="4877573"/>
+            <a:ext cx="4850317" cy="1525501"/>
+            <a:chOff x="162891" y="3183198"/>
+            <a:chExt cx="4711557" cy="1525501"/>
           </a:xfrm>
         </p:grpSpPr>
         <p:sp>
@@ -12414,7 +12580,7 @@
           <p:spPr>
             <a:xfrm>
               <a:off x="162891" y="3183198"/>
-              <a:ext cx="4398880" cy="2144692"/>
+              <a:ext cx="4398880" cy="1525501"/>
             </a:xfrm>
             <a:prstGeom prst="rect">
               <a:avLst/>
@@ -12464,44 +12630,6 @@
             </a:p>
           </p:txBody>
         </p:sp>
-        <p:pic>
-          <p:nvPicPr>
-            <p:cNvPr id="13" name="Image 12"/>
-            <p:cNvPicPr>
-              <a:picLocks noChangeAspect="1"/>
-            </p:cNvPicPr>
-            <p:nvPr/>
-          </p:nvPicPr>
-          <p:blipFill>
-            <a:blip r:embed="rId4">
-              <a:extLst>
-                <a:ext uri="{28A0092B-C50C-407E-A947-70E740481C1C}">
-                  <a14:useLocalDpi xmlns:a14="http://schemas.microsoft.com/office/drawing/2010/main" val="0"/>
-                </a:ext>
-              </a:extLst>
-            </a:blip>
-            <a:stretch>
-              <a:fillRect/>
-            </a:stretch>
-          </p:blipFill>
-          <p:spPr>
-            <a:xfrm>
-              <a:off x="427367" y="4707957"/>
-              <a:ext cx="4050104" cy="397517"/>
-            </a:xfrm>
-            <a:prstGeom prst="rect">
-              <a:avLst/>
-            </a:prstGeom>
-            <a:ln>
-              <a:solidFill>
-                <a:schemeClr val="tx2">
-                  <a:lumMod val="60000"/>
-                  <a:lumOff val="40000"/>
-                </a:schemeClr>
-              </a:solidFill>
-            </a:ln>
-          </p:spPr>
-        </p:pic>
         <p:sp>
           <p:nvSpPr>
             <p:cNvPr id="3" name="ZoneTexte 2"/>
@@ -12510,8 +12638,8 @@
           </p:nvSpPr>
           <p:spPr>
             <a:xfrm>
-              <a:off x="162891" y="3113650"/>
-              <a:ext cx="4686513" cy="1477328"/>
+              <a:off x="187935" y="3244954"/>
+              <a:ext cx="4686513" cy="861774"/>
             </a:xfrm>
             <a:prstGeom prst="rect">
               <a:avLst/>
@@ -12567,53 +12695,57 @@
                 </a:solidFill>
               </a:endParaRPr>
             </a:p>
-            <a:p>
-              <a:pPr lvl="1"/>
-              <a:r>
-                <a:rPr lang="en-US" sz="2000" b="1" dirty="0" smtClean="0">
-                  <a:solidFill>
-                    <a:prstClr val="black"/>
-                  </a:solidFill>
-                </a:rPr>
-                <a:t>Self </a:t>
-              </a:r>
-              <a:r>
-                <a:rPr lang="en-US" sz="2000" b="1" dirty="0">
-                  <a:solidFill>
-                    <a:prstClr val="black"/>
-                  </a:solidFill>
-                </a:rPr>
-                <a:t>: </a:t>
-              </a:r>
-              <a:r>
-                <a:rPr lang="en-US" sz="2000" dirty="0">
-                  <a:solidFill>
-                    <a:prstClr val="black"/>
-                  </a:solidFill>
-                </a:rPr>
-                <a:t>Function representing the value of </a:t>
-              </a:r>
-              <a:r>
-                <a:rPr lang="en-US" sz="2000" b="1" dirty="0">
-                  <a:solidFill>
-                    <a:prstClr val="black"/>
-                  </a:solidFill>
-                </a:rPr>
-                <a:t>pow </a:t>
-              </a:r>
-              <a:r>
-                <a:rPr lang="en-US" sz="2000" dirty="0">
-                  <a:solidFill>
-                    <a:prstClr val="black"/>
-                  </a:solidFill>
-                </a:rPr>
-                <a:t>over time</a:t>
-              </a:r>
-              <a:endParaRPr lang="fr-FR" sz="2000" dirty="0"/>
-            </a:p>
           </p:txBody>
         </p:sp>
       </p:grpSp>
+      <p:pic>
+        <p:nvPicPr>
+          <p:cNvPr id="1026" name="Picture 2" descr="https://scontent-arn2-1.xx.fbcdn.net/v/t34.0-12/21148645_10212444775132138_1956213005_n.png?oh=b31f774ad28a32bd6daca242ea155e25&amp;oe=59A4145B"/>
+          <p:cNvPicPr>
+            <a:picLocks noChangeAspect="1" noChangeArrowheads="1"/>
+          </p:cNvPicPr>
+          <p:nvPr/>
+        </p:nvPicPr>
+        <p:blipFill>
+          <a:blip r:embed="rId4">
+            <a:extLst>
+              <a:ext uri="{28A0092B-C50C-407E-A947-70E740481C1C}">
+                <a14:useLocalDpi xmlns:a14="http://schemas.microsoft.com/office/drawing/2010/main" val="0"/>
+              </a:ext>
+            </a:extLst>
+          </a:blip>
+          <a:srcRect/>
+          <a:stretch>
+            <a:fillRect/>
+          </a:stretch>
+        </p:blipFill>
+        <p:spPr bwMode="auto">
+          <a:xfrm>
+            <a:off x="482126" y="5694721"/>
+            <a:ext cx="3929237" cy="465524"/>
+          </a:xfrm>
+          <a:prstGeom prst="rect">
+            <a:avLst/>
+          </a:prstGeom>
+          <a:noFill/>
+          <a:ln>
+            <a:solidFill>
+              <a:schemeClr val="accent3">
+                <a:lumMod val="75000"/>
+              </a:schemeClr>
+            </a:solidFill>
+          </a:ln>
+          <a:extLst>
+            <a:ext uri="{909E8E84-426E-40DD-AFC4-6F175D3DCCD1}">
+              <a14:hiddenFill xmlns:a14="http://schemas.microsoft.com/office/drawing/2010/main">
+                <a:solidFill>
+                  <a:srgbClr val="FFFFFF"/>
+                </a:solidFill>
+              </a14:hiddenFill>
+            </a:ext>
+          </a:extLst>
+        </p:spPr>
+      </p:pic>
     </p:spTree>
     <p:extLst>
       <p:ext uri="{BB962C8B-B14F-4D97-AF65-F5344CB8AC3E}">
@@ -12765,7 +12897,7 @@
           <p:cNvPr id="14" name="Titre 1">
             <a:extLst>
               <a:ext uri="{FF2B5EF4-FFF2-40B4-BE49-F238E27FC236}">
-                <a16:creationId xmlns="" xmlns:a16="http://schemas.microsoft.com/office/drawing/2014/main" id="{664C0ADC-F01C-469F-B67C-D594A1C8E5EC}"/>
+                <a16:creationId xmlns:a16="http://schemas.microsoft.com/office/drawing/2014/main" xmlns="" id="{664C0ADC-F01C-469F-B67C-D594A1C8E5EC}"/>
               </a:ext>
             </a:extLst>
           </p:cNvPr>
@@ -13000,7 +13132,7 @@
       </p:sp>
       <p:pic>
         <p:nvPicPr>
-          <p:cNvPr id="8" name="Image 7"/>
+          <p:cNvPr id="2" name="Image 1"/>
           <p:cNvPicPr>
             <a:picLocks noChangeAspect="1"/>
           </p:cNvPicPr>
@@ -13020,17 +13152,16 @@
         </p:blipFill>
         <p:spPr>
           <a:xfrm>
-            <a:off x="467544" y="5183286"/>
-            <a:ext cx="8362530" cy="621978"/>
+            <a:off x="971599" y="5058344"/>
+            <a:ext cx="7421625" cy="1024812"/>
           </a:xfrm>
           <a:prstGeom prst="rect">
             <a:avLst/>
           </a:prstGeom>
           <a:ln>
             <a:solidFill>
-              <a:schemeClr val="tx2">
-                <a:lumMod val="60000"/>
-                <a:lumOff val="40000"/>
+              <a:schemeClr val="accent3">
+                <a:lumMod val="75000"/>
               </a:schemeClr>
             </a:solidFill>
           </a:ln>
@@ -13183,7 +13314,7 @@
           <p:cNvPr id="14" name="Titre 1">
             <a:extLst>
               <a:ext uri="{FF2B5EF4-FFF2-40B4-BE49-F238E27FC236}">
-                <a16:creationId xmlns="" xmlns:a16="http://schemas.microsoft.com/office/drawing/2014/main" id="{664C0ADC-F01C-469F-B67C-D594A1C8E5EC}"/>
+                <a16:creationId xmlns:a16="http://schemas.microsoft.com/office/drawing/2014/main" xmlns="" id="{664C0ADC-F01C-469F-B67C-D594A1C8E5EC}"/>
               </a:ext>
             </a:extLst>
           </p:cNvPr>
@@ -13567,11 +13698,6 @@
               </a:rPr>
               <a:t>)</a:t>
             </a:r>
-            <a:endParaRPr lang="en-US" sz="1900" dirty="0">
-              <a:solidFill>
-                <a:prstClr val="black"/>
-              </a:solidFill>
-            </a:endParaRPr>
           </a:p>
         </p:txBody>
       </p:sp>
@@ -13965,7 +14091,7 @@
           <p:cNvPr id="5" name="ZoneTexte 4">
             <a:extLst>
               <a:ext uri="{FF2B5EF4-FFF2-40B4-BE49-F238E27FC236}">
-                <a16:creationId xmlns="" xmlns:a16="http://schemas.microsoft.com/office/drawing/2014/main" id="{BFFBD950-ABAB-4227-8571-72DBFF533E40}"/>
+                <a16:creationId xmlns:a16="http://schemas.microsoft.com/office/drawing/2014/main" xmlns="" id="{BFFBD950-ABAB-4227-8571-72DBFF533E40}"/>
               </a:ext>
             </a:extLst>
           </p:cNvPr>
@@ -14187,7 +14313,7 @@
           <p:cNvPr id="8" name="Rectangle 7">
             <a:extLst>
               <a:ext uri="{FF2B5EF4-FFF2-40B4-BE49-F238E27FC236}">
-                <a16:creationId xmlns="" xmlns:a16="http://schemas.microsoft.com/office/drawing/2014/main" id="{1ABAD7AF-155F-4D00-992B-CFFD4B852FF8}"/>
+                <a16:creationId xmlns:a16="http://schemas.microsoft.com/office/drawing/2014/main" xmlns="" id="{1ABAD7AF-155F-4D00-992B-CFFD4B852FF8}"/>
               </a:ext>
             </a:extLst>
           </p:cNvPr>
@@ -14496,7 +14622,7 @@
           <p:cNvPr id="5" name="ZoneTexte 4">
             <a:extLst>
               <a:ext uri="{FF2B5EF4-FFF2-40B4-BE49-F238E27FC236}">
-                <a16:creationId xmlns="" xmlns:a16="http://schemas.microsoft.com/office/drawing/2014/main" id="{BFFBD950-ABAB-4227-8571-72DBFF533E40}"/>
+                <a16:creationId xmlns:a16="http://schemas.microsoft.com/office/drawing/2014/main" xmlns="" id="{BFFBD950-ABAB-4227-8571-72DBFF533E40}"/>
               </a:ext>
             </a:extLst>
           </p:cNvPr>
@@ -14664,7 +14790,7 @@
           <p:cNvPr id="6" name="Rectangle 5">
             <a:extLst>
               <a:ext uri="{FF2B5EF4-FFF2-40B4-BE49-F238E27FC236}">
-                <a16:creationId xmlns="" xmlns:a16="http://schemas.microsoft.com/office/drawing/2014/main" id="{1ABAD7AF-155F-4D00-992B-CFFD4B852FF8}"/>
+                <a16:creationId xmlns:a16="http://schemas.microsoft.com/office/drawing/2014/main" xmlns="" id="{1ABAD7AF-155F-4D00-992B-CFFD4B852FF8}"/>
               </a:ext>
             </a:extLst>
           </p:cNvPr>
@@ -14747,7 +14873,7 @@
           <p:cNvPr id="10" name="ZoneTexte 9">
             <a:extLst>
               <a:ext uri="{FF2B5EF4-FFF2-40B4-BE49-F238E27FC236}">
-                <a16:creationId xmlns="" xmlns:a16="http://schemas.microsoft.com/office/drawing/2014/main" id="{4DA97B8E-52E8-4E09-951C-B73407A35AAD}"/>
+                <a16:creationId xmlns:a16="http://schemas.microsoft.com/office/drawing/2014/main" xmlns="" id="{4DA97B8E-52E8-4E09-951C-B73407A35AAD}"/>
               </a:ext>
             </a:extLst>
           </p:cNvPr>
@@ -14794,7 +14920,7 @@
           <p:cNvPr id="11" name="Titre 1">
             <a:extLst>
               <a:ext uri="{FF2B5EF4-FFF2-40B4-BE49-F238E27FC236}">
-                <a16:creationId xmlns="" xmlns:a16="http://schemas.microsoft.com/office/drawing/2014/main" id="{E2BCD793-A108-4B0C-AFD6-572492896B53}"/>
+                <a16:creationId xmlns:a16="http://schemas.microsoft.com/office/drawing/2014/main" xmlns="" id="{E2BCD793-A108-4B0C-AFD6-572492896B53}"/>
               </a:ext>
             </a:extLst>
           </p:cNvPr>
@@ -14947,7 +15073,27 @@
             </a:pPr>
             <a:r>
               <a:rPr lang="en-US" sz="1600" dirty="0"/>
-              <a:t>A: "Let's go to a Chinese restaurant."</a:t>
+              <a:t>A: "Let's go to a </a:t>
+            </a:r>
+            <a:r>
+              <a:rPr lang="en-US" sz="1600" b="1" dirty="0">
+                <a:solidFill>
+                  <a:srgbClr val="0070C0"/>
+                </a:solidFill>
+              </a:rPr>
+              <a:t>Chinese</a:t>
+            </a:r>
+            <a:r>
+              <a:rPr lang="en-US" sz="1600" dirty="0">
+                <a:solidFill>
+                  <a:srgbClr val="0070C0"/>
+                </a:solidFill>
+              </a:rPr>
+              <a:t> </a:t>
+            </a:r>
+            <a:r>
+              <a:rPr lang="en-US" sz="1600" dirty="0"/>
+              <a:t>restaurant."</a:t>
             </a:r>
             <a:br>
               <a:rPr lang="en-US" sz="1600" dirty="0"/>
@@ -14961,7 +15107,19 @@
             </a:br>
             <a:r>
               <a:rPr lang="en-US" sz="1600" dirty="0"/>
-              <a:t>    B: "I don't like Chinese restaurants, let's choose something else."</a:t>
+              <a:t>    B: "</a:t>
+            </a:r>
+            <a:r>
+              <a:rPr lang="en-US" sz="1600" b="1" dirty="0">
+                <a:solidFill>
+                  <a:srgbClr val="0070C0"/>
+                </a:solidFill>
+              </a:rPr>
+              <a:t>I don't like Chinese </a:t>
+            </a:r>
+            <a:r>
+              <a:rPr lang="en-US" sz="1600" dirty="0"/>
+              <a:t>restaurants, let's choose something else."</a:t>
             </a:r>
             <a:br>
               <a:rPr lang="en-US" sz="1600" dirty="0"/>
@@ -14974,22 +15132,58 @@
               <a:rPr lang="en-US" sz="1600" dirty="0"/>
             </a:br>
             <a:r>
-              <a:rPr lang="en-US" sz="1600" dirty="0"/>
+              <a:rPr lang="en-US" sz="1600" b="1" dirty="0">
+                <a:solidFill>
+                  <a:srgbClr val="0070C0"/>
+                </a:solidFill>
+              </a:rPr>
               <a:t>A: "Let's go to the Shanghai. It's a quiet, cheap Chinese restaurant on the south side."</a:t>
             </a:r>
+            <a:r>
+              <a:rPr lang="en-US" sz="1600" b="1" dirty="0">
+                <a:solidFill>
+                  <a:srgbClr val="19A95A"/>
+                </a:solidFill>
+              </a:rPr>
+              <a:t/>
+            </a:r>
             <a:br>
-              <a:rPr lang="en-US" sz="1600" dirty="0"/>
+              <a:rPr lang="en-US" sz="1600" b="1" dirty="0">
+                <a:solidFill>
+                  <a:srgbClr val="19A95A"/>
+                </a:solidFill>
+              </a:rPr>
             </a:br>
             <a:r>
-              <a:rPr lang="en-US" sz="1600" dirty="0"/>
+              <a:rPr lang="en-US" sz="1600" b="1" dirty="0">
+                <a:solidFill>
+                  <a:srgbClr val="19A95A"/>
+                </a:solidFill>
+              </a:rPr>
               <a:t/>
             </a:r>
             <a:br>
-              <a:rPr lang="en-US" sz="1600" dirty="0"/>
+              <a:rPr lang="en-US" sz="1600" b="1" dirty="0">
+                <a:solidFill>
+                  <a:srgbClr val="19A95A"/>
+                </a:solidFill>
+              </a:rPr>
             </a:br>
             <a:r>
-              <a:rPr lang="en-US" sz="1600" dirty="0"/>
-              <a:t>    B: "Do you like Italian restaurants?"</a:t>
+              <a:rPr lang="en-US" sz="1600" b="1" dirty="0">
+                <a:solidFill>
+                  <a:srgbClr val="19A95A"/>
+                </a:solidFill>
+              </a:rPr>
+              <a:t>    </a:t>
+            </a:r>
+            <a:r>
+              <a:rPr lang="en-US" sz="1600" b="1" dirty="0"/>
+              <a:t>B: "Do you like Italian restaurants?"</a:t>
+            </a:r>
+            <a:r>
+              <a:rPr lang="en-US" sz="1600" dirty="0"/>
+              <a:t/>
             </a:r>
             <a:br>
               <a:rPr lang="en-US" sz="1600" dirty="0"/>
@@ -15030,13 +15224,33 @@
               <a:rPr lang="en-US" sz="1600" dirty="0"/>
             </a:br>
             <a:r>
-              <a:rPr lang="en-US" sz="1600" dirty="0"/>
+              <a:rPr lang="en-US" sz="1600" b="1" dirty="0">
+                <a:solidFill>
+                  <a:srgbClr val="0070C0"/>
+                </a:solidFill>
+              </a:rPr>
               <a:t>A: "Let's go to the Shanghai. It's a quiet, cheap Chinese restaurant on the south side."</a:t>
             </a:r>
+            <a:r>
+              <a:rPr lang="en-US" sz="1600" dirty="0">
+                <a:solidFill>
+                  <a:srgbClr val="19A95A"/>
+                </a:solidFill>
+              </a:rPr>
+              <a:t/>
+            </a:r>
             <a:br>
-              <a:rPr lang="en-US" sz="1600" dirty="0"/>
+              <a:rPr lang="en-US" sz="1600" dirty="0">
+                <a:solidFill>
+                  <a:srgbClr val="19A95A"/>
+                </a:solidFill>
+              </a:rPr>
             </a:br>
-            <a:endParaRPr lang="en-US" sz="1600" dirty="0"/>
+            <a:endParaRPr lang="en-US" sz="1600" dirty="0">
+              <a:solidFill>
+                <a:srgbClr val="19A95A"/>
+              </a:solidFill>
+            </a:endParaRPr>
           </a:p>
           <a:p>
             <a:pPr marL="0" indent="0">
@@ -15085,7 +15299,7 @@
           <p:cNvPr id="5" name="ZoneTexte 4">
             <a:extLst>
               <a:ext uri="{FF2B5EF4-FFF2-40B4-BE49-F238E27FC236}">
-                <a16:creationId xmlns="" xmlns:a16="http://schemas.microsoft.com/office/drawing/2014/main" id="{BFFBD950-ABAB-4227-8571-72DBFF533E40}"/>
+                <a16:creationId xmlns:a16="http://schemas.microsoft.com/office/drawing/2014/main" xmlns="" id="{BFFBD950-ABAB-4227-8571-72DBFF533E40}"/>
               </a:ext>
             </a:extLst>
           </p:cNvPr>
@@ -15094,8 +15308,8 @@
         </p:nvSpPr>
         <p:spPr>
           <a:xfrm>
-            <a:off x="4427984" y="2001029"/>
-            <a:ext cx="4608512" cy="4770537"/>
+            <a:off x="4427984" y="1916832"/>
+            <a:ext cx="4608512" cy="5016758"/>
           </a:xfrm>
           <a:prstGeom prst="rect">
             <a:avLst/>
@@ -15152,11 +15366,27 @@
               <a:rPr lang="en-US" sz="1600" dirty="0"/>
             </a:br>
             <a:r>
-              <a:rPr lang="en-US" sz="1600" dirty="0"/>
+              <a:rPr lang="en-US" sz="1600" b="1" dirty="0">
+                <a:solidFill>
+                  <a:srgbClr val="0070C0"/>
+                </a:solidFill>
+              </a:rPr>
               <a:t>A: "Let's go to a cheap restaurant."</a:t>
             </a:r>
+            <a:r>
+              <a:rPr lang="en-US" sz="1600" dirty="0">
+                <a:solidFill>
+                  <a:srgbClr val="19A95A"/>
+                </a:solidFill>
+              </a:rPr>
+              <a:t/>
+            </a:r>
             <a:br>
-              <a:rPr lang="en-US" sz="1600" dirty="0"/>
+              <a:rPr lang="en-US" sz="1600" dirty="0">
+                <a:solidFill>
+                  <a:srgbClr val="19A95A"/>
+                </a:solidFill>
+              </a:rPr>
             </a:br>
             <a:r>
               <a:rPr lang="en-US" sz="1600" dirty="0"/>
@@ -15180,11 +15410,27 @@
               <a:rPr lang="en-US" sz="1600" dirty="0"/>
             </a:br>
             <a:r>
-              <a:rPr lang="en-US" sz="1600" dirty="0"/>
+              <a:rPr lang="en-US" sz="1600" b="1" dirty="0">
+                <a:solidFill>
+                  <a:srgbClr val="0070C0"/>
+                </a:solidFill>
+              </a:rPr>
               <a:t>A: "Let's go to a restaurant on the south side."</a:t>
             </a:r>
+            <a:r>
+              <a:rPr lang="en-US" sz="1600" dirty="0">
+                <a:solidFill>
+                  <a:srgbClr val="19A95A"/>
+                </a:solidFill>
+              </a:rPr>
+              <a:t/>
+            </a:r>
             <a:br>
-              <a:rPr lang="en-US" sz="1600" dirty="0"/>
+              <a:rPr lang="en-US" sz="1600" dirty="0">
+                <a:solidFill>
+                  <a:srgbClr val="19A95A"/>
+                </a:solidFill>
+              </a:rPr>
             </a:br>
             <a:r>
               <a:rPr lang="en-US" sz="1600" dirty="0"/>
@@ -15208,394 +15454,64 @@
               <a:rPr lang="en-US" sz="1600" dirty="0"/>
             </a:br>
             <a:r>
-              <a:rPr lang="en-US" sz="1600" dirty="0"/>
+              <a:rPr lang="en-US" sz="1600" b="1" dirty="0">
+                <a:solidFill>
+                  <a:srgbClr val="0070C0"/>
+                </a:solidFill>
+              </a:rPr>
               <a:t>A: "Let's go to the Shanghai. It's a quiet, cheap Chinese restaurant on the south side."</a:t>
             </a:r>
             <a:br>
-              <a:rPr lang="en-US" sz="1600" dirty="0"/>
+              <a:rPr lang="en-US" sz="1600" b="1" dirty="0">
+                <a:solidFill>
+                  <a:srgbClr val="0070C0"/>
+                </a:solidFill>
+              </a:rPr>
             </a:br>
             <a:r>
-              <a:rPr lang="en-US" sz="1600" dirty="0"/>
+              <a:rPr lang="en-US" sz="1600" b="1" dirty="0">
+                <a:solidFill>
+                  <a:srgbClr val="0070C0"/>
+                </a:solidFill>
+              </a:rPr>
               <a:t/>
             </a:r>
             <a:br>
-              <a:rPr lang="en-US" sz="1600" dirty="0"/>
+              <a:rPr lang="en-US" sz="1600" b="1" dirty="0">
+                <a:solidFill>
+                  <a:srgbClr val="0070C0"/>
+                </a:solidFill>
+              </a:rPr>
             </a:br>
             <a:r>
-              <a:rPr lang="en-US" sz="1600" dirty="0"/>
-              <a:t>    B: "Okay, let's go to the Shanghai restaurant.“</a:t>
-            </a:r>
-          </a:p>
-        </p:txBody>
-      </p:sp>
-      <p:sp>
-        <p:nvSpPr>
-          <p:cNvPr id="8" name="Rectangle 7"/>
-          <p:cNvSpPr/>
-          <p:nvPr/>
-        </p:nvSpPr>
-        <p:spPr>
-          <a:xfrm>
-            <a:off x="244027" y="2019316"/>
-            <a:ext cx="3456384" cy="528386"/>
-          </a:xfrm>
-          <a:prstGeom prst="rect">
-            <a:avLst/>
-          </a:prstGeom>
-          <a:noFill/>
-          <a:ln>
-            <a:solidFill>
-              <a:srgbClr val="FFC000"/>
-            </a:solidFill>
-          </a:ln>
-        </p:spPr>
-        <p:style>
-          <a:lnRef idx="2">
-            <a:schemeClr val="accent1">
-              <a:shade val="50000"/>
-            </a:schemeClr>
-          </a:lnRef>
-          <a:fillRef idx="1">
-            <a:schemeClr val="accent1"/>
-          </a:fillRef>
-          <a:effectRef idx="0">
-            <a:schemeClr val="accent1"/>
-          </a:effectRef>
-          <a:fontRef idx="minor">
-            <a:schemeClr val="lt1"/>
-          </a:fontRef>
-        </p:style>
-        <p:txBody>
-          <a:bodyPr rtlCol="0" anchor="ctr"/>
-          <a:lstStyle/>
-          <a:p>
-            <a:pPr algn="ctr"/>
-            <a:endParaRPr lang="fr-FR"/>
-          </a:p>
-        </p:txBody>
-      </p:sp>
-      <p:sp>
-        <p:nvSpPr>
-          <p:cNvPr id="9" name="Rectangle 8"/>
-          <p:cNvSpPr/>
-          <p:nvPr/>
-        </p:nvSpPr>
-        <p:spPr>
-          <a:xfrm>
-            <a:off x="251520" y="3140968"/>
-            <a:ext cx="3940402" cy="864096"/>
-          </a:xfrm>
-          <a:prstGeom prst="rect">
-            <a:avLst/>
-          </a:prstGeom>
-          <a:noFill/>
-          <a:ln>
-            <a:solidFill>
-              <a:srgbClr val="FFC000"/>
-            </a:solidFill>
-          </a:ln>
-        </p:spPr>
-        <p:style>
-          <a:lnRef idx="2">
-            <a:schemeClr val="accent1">
-              <a:shade val="50000"/>
-            </a:schemeClr>
-          </a:lnRef>
-          <a:fillRef idx="1">
-            <a:schemeClr val="accent1"/>
-          </a:fillRef>
-          <a:effectRef idx="0">
-            <a:schemeClr val="accent1"/>
-          </a:effectRef>
-          <a:fontRef idx="minor">
-            <a:schemeClr val="lt1"/>
-          </a:fontRef>
-        </p:style>
-        <p:txBody>
-          <a:bodyPr rtlCol="0" anchor="ctr"/>
-          <a:lstStyle/>
-          <a:p>
-            <a:pPr algn="ctr"/>
-            <a:endParaRPr lang="fr-FR"/>
-          </a:p>
-        </p:txBody>
-      </p:sp>
-      <p:sp>
-        <p:nvSpPr>
-          <p:cNvPr id="10" name="Rectangle 9"/>
-          <p:cNvSpPr/>
-          <p:nvPr/>
-        </p:nvSpPr>
-        <p:spPr>
-          <a:xfrm>
-            <a:off x="242717" y="5752034"/>
-            <a:ext cx="3940402" cy="701302"/>
-          </a:xfrm>
-          <a:prstGeom prst="rect">
-            <a:avLst/>
-          </a:prstGeom>
-          <a:noFill/>
-          <a:ln>
-            <a:solidFill>
-              <a:srgbClr val="FFC000"/>
-            </a:solidFill>
-          </a:ln>
-        </p:spPr>
-        <p:style>
-          <a:lnRef idx="2">
-            <a:schemeClr val="accent1">
-              <a:shade val="50000"/>
-            </a:schemeClr>
-          </a:lnRef>
-          <a:fillRef idx="1">
-            <a:schemeClr val="accent1"/>
-          </a:fillRef>
-          <a:effectRef idx="0">
-            <a:schemeClr val="accent1"/>
-          </a:effectRef>
-          <a:fontRef idx="minor">
-            <a:schemeClr val="lt1"/>
-          </a:fontRef>
-        </p:style>
-        <p:txBody>
-          <a:bodyPr rtlCol="0" anchor="ctr"/>
-          <a:lstStyle/>
-          <a:p>
-            <a:pPr algn="ctr"/>
-            <a:endParaRPr lang="fr-FR"/>
-          </a:p>
-        </p:txBody>
-      </p:sp>
-      <p:sp>
-        <p:nvSpPr>
-          <p:cNvPr id="11" name="Rectangle 10"/>
-          <p:cNvSpPr/>
-          <p:nvPr/>
-        </p:nvSpPr>
-        <p:spPr>
-          <a:xfrm>
-            <a:off x="4427984" y="3375770"/>
-            <a:ext cx="3248031" cy="557286"/>
-          </a:xfrm>
-          <a:prstGeom prst="rect">
-            <a:avLst/>
-          </a:prstGeom>
-          <a:noFill/>
-          <a:ln>
-            <a:solidFill>
-              <a:srgbClr val="FFC000"/>
-            </a:solidFill>
-          </a:ln>
-        </p:spPr>
-        <p:style>
-          <a:lnRef idx="2">
-            <a:schemeClr val="accent1">
-              <a:shade val="50000"/>
-            </a:schemeClr>
-          </a:lnRef>
-          <a:fillRef idx="1">
-            <a:schemeClr val="accent1"/>
-          </a:fillRef>
-          <a:effectRef idx="0">
-            <a:schemeClr val="accent1"/>
-          </a:effectRef>
-          <a:fontRef idx="minor">
-            <a:schemeClr val="lt1"/>
-          </a:fontRef>
-        </p:style>
-        <p:txBody>
-          <a:bodyPr rtlCol="0" anchor="ctr"/>
-          <a:lstStyle/>
-          <a:p>
-            <a:pPr algn="ctr"/>
-            <a:endParaRPr lang="fr-FR"/>
-          </a:p>
-        </p:txBody>
-      </p:sp>
-      <p:sp>
-        <p:nvSpPr>
-          <p:cNvPr id="12" name="Rectangle 11"/>
-          <p:cNvSpPr/>
-          <p:nvPr/>
-        </p:nvSpPr>
-        <p:spPr>
-          <a:xfrm>
-            <a:off x="4448022" y="4383882"/>
-            <a:ext cx="4238778" cy="557286"/>
-          </a:xfrm>
-          <a:prstGeom prst="rect">
-            <a:avLst/>
-          </a:prstGeom>
-          <a:noFill/>
-          <a:ln>
-            <a:solidFill>
-              <a:srgbClr val="FFC000"/>
-            </a:solidFill>
-          </a:ln>
-        </p:spPr>
-        <p:style>
-          <a:lnRef idx="2">
-            <a:schemeClr val="accent1">
-              <a:shade val="50000"/>
-            </a:schemeClr>
-          </a:lnRef>
-          <a:fillRef idx="1">
-            <a:schemeClr val="accent1"/>
-          </a:fillRef>
-          <a:effectRef idx="0">
-            <a:schemeClr val="accent1"/>
-          </a:effectRef>
-          <a:fontRef idx="minor">
-            <a:schemeClr val="lt1"/>
-          </a:fontRef>
-        </p:style>
-        <p:txBody>
-          <a:bodyPr rtlCol="0" anchor="ctr"/>
-          <a:lstStyle/>
-          <a:p>
-            <a:pPr algn="ctr"/>
-            <a:endParaRPr lang="fr-FR"/>
-          </a:p>
-        </p:txBody>
-      </p:sp>
-      <p:sp>
-        <p:nvSpPr>
-          <p:cNvPr id="13" name="Rectangle 12"/>
-          <p:cNvSpPr/>
-          <p:nvPr/>
-        </p:nvSpPr>
-        <p:spPr>
-          <a:xfrm>
-            <a:off x="4448022" y="5605492"/>
-            <a:ext cx="4377322" cy="701302"/>
-          </a:xfrm>
-          <a:prstGeom prst="rect">
-            <a:avLst/>
-          </a:prstGeom>
-          <a:noFill/>
-          <a:ln>
-            <a:solidFill>
-              <a:srgbClr val="FFC000"/>
-            </a:solidFill>
-          </a:ln>
-        </p:spPr>
-        <p:style>
-          <a:lnRef idx="2">
-            <a:schemeClr val="accent1">
-              <a:shade val="50000"/>
-            </a:schemeClr>
-          </a:lnRef>
-          <a:fillRef idx="1">
-            <a:schemeClr val="accent1"/>
-          </a:fillRef>
-          <a:effectRef idx="0">
-            <a:schemeClr val="accent1"/>
-          </a:effectRef>
-          <a:fontRef idx="minor">
-            <a:schemeClr val="lt1"/>
-          </a:fontRef>
-        </p:style>
-        <p:txBody>
-          <a:bodyPr rtlCol="0" anchor="ctr"/>
-          <a:lstStyle/>
-          <a:p>
-            <a:pPr algn="ctr"/>
-            <a:endParaRPr lang="fr-FR"/>
-          </a:p>
-        </p:txBody>
-      </p:sp>
-      <p:sp>
-        <p:nvSpPr>
-          <p:cNvPr id="18" name="ZoneTexte 17">
+              <a:rPr lang="en-US" sz="1600" b="1" dirty="0">
+                <a:solidFill>
+                  <a:srgbClr val="19A95A"/>
+                </a:solidFill>
+              </a:rPr>
+              <a:t>  </a:t>
+            </a:r>
+            <a:r>
+              <a:rPr lang="en-US" sz="1600" dirty="0">
+                <a:solidFill>
+                  <a:srgbClr val="19A95A"/>
+                </a:solidFill>
+              </a:rPr>
+              <a:t> </a:t>
+            </a:r>
+            <a:r>
+              <a:rPr lang="en-US" sz="1600" dirty="0"/>
+              <a:t> B: "Okay, let's go to the Shanghai restaurant.”</a:t>
+            </a:r>
+          </a:p>
+        </p:txBody>
+      </p:sp>
+      <p:sp>
+        <p:nvSpPr>
+          <p:cNvPr id="6" name="Rectangle 5">
             <a:extLst>
               <a:ext uri="{FF2B5EF4-FFF2-40B4-BE49-F238E27FC236}">
-                <a16:creationId xmlns="" xmlns:a16="http://schemas.microsoft.com/office/drawing/2014/main" id="{C3B3ABE3-9EC2-469E-873C-A5C62C684DF1}"/>
-              </a:ext>
-            </a:extLst>
-          </p:cNvPr>
-          <p:cNvSpPr txBox="1"/>
-          <p:nvPr/>
-        </p:nvSpPr>
-        <p:spPr>
-          <a:xfrm>
-            <a:off x="91386" y="0"/>
-            <a:ext cx="2194832" cy="400110"/>
-          </a:xfrm>
-          <a:prstGeom prst="rect">
-            <a:avLst/>
-          </a:prstGeom>
-          <a:noFill/>
-        </p:spPr>
-        <p:txBody>
-          <a:bodyPr wrap="none" rtlCol="0">
-            <a:spAutoFit/>
-          </a:bodyPr>
-          <a:lstStyle/>
-          <a:p>
-            <a:r>
-              <a:rPr lang="fr-FR" sz="2000" b="1" dirty="0" err="1">
-                <a:solidFill>
-                  <a:schemeClr val="bg1"/>
-                </a:solidFill>
-              </a:rPr>
-              <a:t>Proposed</a:t>
-            </a:r>
-            <a:r>
-              <a:rPr lang="fr-FR" sz="2000" b="1" dirty="0">
-                <a:solidFill>
-                  <a:schemeClr val="bg1"/>
-                </a:solidFill>
-              </a:rPr>
-              <a:t> model</a:t>
-            </a:r>
-          </a:p>
-        </p:txBody>
-      </p:sp>
-      <p:sp>
-        <p:nvSpPr>
-          <p:cNvPr id="19" name="Titre 1">
-            <a:extLst>
-              <a:ext uri="{FF2B5EF4-FFF2-40B4-BE49-F238E27FC236}">
-                <a16:creationId xmlns="" xmlns:a16="http://schemas.microsoft.com/office/drawing/2014/main" id="{12BDFC3C-1C01-4160-B20B-AB98DD070716}"/>
-              </a:ext>
-            </a:extLst>
-          </p:cNvPr>
-          <p:cNvSpPr>
-            <a:spLocks noGrp="1"/>
-          </p:cNvSpPr>
-          <p:nvPr>
-            <p:ph type="title"/>
-          </p:nvPr>
-        </p:nvSpPr>
-        <p:spPr>
-          <a:xfrm>
-            <a:off x="0" y="369238"/>
-            <a:ext cx="8964488" cy="1143000"/>
-          </a:xfrm>
-        </p:spPr>
-        <p:txBody>
-          <a:bodyPr>
-            <a:noAutofit/>
-          </a:bodyPr>
-          <a:lstStyle/>
-          <a:p>
-            <a:r>
-              <a:rPr lang="fr-FR" sz="3600" dirty="0">
-                <a:solidFill>
-                  <a:srgbClr val="FFC000"/>
-                </a:solidFill>
-              </a:rPr>
-              <a:t>Example of dialogue</a:t>
-            </a:r>
-          </a:p>
-        </p:txBody>
-      </p:sp>
-      <p:sp>
-        <p:nvSpPr>
-          <p:cNvPr id="14" name="Rectangle 13">
-            <a:extLst>
-              <a:ext uri="{FF2B5EF4-FFF2-40B4-BE49-F238E27FC236}">
-                <a16:creationId xmlns="" xmlns:a16="http://schemas.microsoft.com/office/drawing/2014/main" id="{1ABAD7AF-155F-4D00-992B-CFFD4B852FF8}"/>
+                <a16:creationId xmlns:a16="http://schemas.microsoft.com/office/drawing/2014/main" xmlns="" id="{1ABAD7AF-155F-4D00-992B-CFFD4B852FF8}"/>
               </a:ext>
             </a:extLst>
           </p:cNvPr>
@@ -15675,20 +15591,106 @@
       </p:sp>
       <p:sp>
         <p:nvSpPr>
-          <p:cNvPr id="15" name="Rectangle 14"/>
+          <p:cNvPr id="10" name="ZoneTexte 9">
+            <a:extLst>
+              <a:ext uri="{FF2B5EF4-FFF2-40B4-BE49-F238E27FC236}">
+                <a16:creationId xmlns:a16="http://schemas.microsoft.com/office/drawing/2014/main" xmlns="" id="{4DA97B8E-52E8-4E09-951C-B73407A35AAD}"/>
+              </a:ext>
+            </a:extLst>
+          </p:cNvPr>
+          <p:cNvSpPr txBox="1"/>
+          <p:nvPr/>
+        </p:nvSpPr>
+        <p:spPr>
+          <a:xfrm>
+            <a:off x="91386" y="0"/>
+            <a:ext cx="2194832" cy="400110"/>
+          </a:xfrm>
+          <a:prstGeom prst="rect">
+            <a:avLst/>
+          </a:prstGeom>
+          <a:noFill/>
+        </p:spPr>
+        <p:txBody>
+          <a:bodyPr wrap="none" rtlCol="0">
+            <a:spAutoFit/>
+          </a:bodyPr>
+          <a:lstStyle/>
+          <a:p>
+            <a:r>
+              <a:rPr lang="fr-FR" sz="2000" b="1" dirty="0" err="1">
+                <a:solidFill>
+                  <a:schemeClr val="bg1"/>
+                </a:solidFill>
+              </a:rPr>
+              <a:t>Proposed</a:t>
+            </a:r>
+            <a:r>
+              <a:rPr lang="fr-FR" sz="2000" b="1" dirty="0">
+                <a:solidFill>
+                  <a:schemeClr val="bg1"/>
+                </a:solidFill>
+              </a:rPr>
+              <a:t> model</a:t>
+            </a:r>
+          </a:p>
+        </p:txBody>
+      </p:sp>
+      <p:sp>
+        <p:nvSpPr>
+          <p:cNvPr id="11" name="Titre 1">
+            <a:extLst>
+              <a:ext uri="{FF2B5EF4-FFF2-40B4-BE49-F238E27FC236}">
+                <a16:creationId xmlns:a16="http://schemas.microsoft.com/office/drawing/2014/main" xmlns="" id="{E2BCD793-A108-4B0C-AFD6-572492896B53}"/>
+              </a:ext>
+            </a:extLst>
+          </p:cNvPr>
+          <p:cNvSpPr>
+            <a:spLocks noGrp="1"/>
+          </p:cNvSpPr>
+          <p:nvPr>
+            <p:ph type="title"/>
+          </p:nvPr>
+        </p:nvSpPr>
+        <p:spPr>
+          <a:xfrm>
+            <a:off x="0" y="369278"/>
+            <a:ext cx="8964488" cy="1143000"/>
+          </a:xfrm>
+        </p:spPr>
+        <p:txBody>
+          <a:bodyPr>
+            <a:noAutofit/>
+          </a:bodyPr>
+          <a:lstStyle/>
+          <a:p>
+            <a:r>
+              <a:rPr lang="fr-FR" sz="3600" dirty="0">
+                <a:solidFill>
+                  <a:srgbClr val="FFC000"/>
+                </a:solidFill>
+              </a:rPr>
+              <a:t>Example of dialogue</a:t>
+            </a:r>
+          </a:p>
+        </p:txBody>
+      </p:sp>
+      <p:sp>
+        <p:nvSpPr>
+          <p:cNvPr id="2" name="Rectangle 1"/>
           <p:cNvSpPr/>
           <p:nvPr/>
         </p:nvSpPr>
         <p:spPr>
           <a:xfrm>
-            <a:off x="5940152" y="1268760"/>
-            <a:ext cx="2984497" cy="576064"/>
+            <a:off x="5364088" y="1268760"/>
+            <a:ext cx="3672408" cy="576064"/>
           </a:xfrm>
           <a:prstGeom prst="rect">
             <a:avLst/>
           </a:prstGeom>
           <a:solidFill>
-            <a:srgbClr val="FFC000"/>
+            <a:srgbClr val="0070C0"/>
           </a:solidFill>
           <a:ln>
             <a:noFill/>
@@ -15717,14 +15719,11 @@
             <a:pPr algn="ctr"/>
             <a:r>
               <a:rPr lang="en-US" sz="2000" dirty="0" smtClean="0"/>
-              <a:t>Principle 3: </a:t>
-            </a:r>
-          </a:p>
-          <a:p>
-            <a:pPr algn="ctr"/>
+              <a:t>Principle </a:t>
+            </a:r>
             <a:r>
               <a:rPr lang="en-US" sz="2000" dirty="0" smtClean="0"/>
-              <a:t>Lead of the dialogue</a:t>
+              <a:t>2: self-centeredness</a:t>
             </a:r>
             <a:endParaRPr lang="en-US" sz="2000" dirty="0"/>
           </a:p>
@@ -15733,7 +15732,7 @@
     </p:spTree>
     <p:extLst>
       <p:ext uri="{BB962C8B-B14F-4D97-AF65-F5344CB8AC3E}">
-        <p14:creationId xmlns:p14="http://schemas.microsoft.com/office/powerpoint/2010/main" val="177975731"/>
+        <p14:creationId xmlns:p14="http://schemas.microsoft.com/office/powerpoint/2010/main" val="681883919"/>
       </p:ext>
     </p:extLst>
   </p:cSld>
@@ -15937,7 +15936,7 @@
           <p:cNvPr id="5" name="ZoneTexte 4">
             <a:extLst>
               <a:ext uri="{FF2B5EF4-FFF2-40B4-BE49-F238E27FC236}">
-                <a16:creationId xmlns="" xmlns:a16="http://schemas.microsoft.com/office/drawing/2014/main" id="{BFFBD950-ABAB-4227-8571-72DBFF533E40}"/>
+                <a16:creationId xmlns:a16="http://schemas.microsoft.com/office/drawing/2014/main" xmlns="" id="{BFFBD950-ABAB-4227-8571-72DBFF533E40}"/>
               </a:ext>
             </a:extLst>
           </p:cNvPr>
@@ -16088,8 +16087,8 @@
         </p:nvSpPr>
         <p:spPr>
           <a:xfrm>
-            <a:off x="395536" y="4054759"/>
-            <a:ext cx="3456384" cy="576064"/>
+            <a:off x="244027" y="2019316"/>
+            <a:ext cx="3456384" cy="528386"/>
           </a:xfrm>
           <a:prstGeom prst="rect">
             <a:avLst/>
@@ -16097,7 +16096,7 @@
           <a:noFill/>
           <a:ln>
             <a:solidFill>
-              <a:srgbClr val="7030A0"/>
+              <a:srgbClr val="FFC000"/>
             </a:solidFill>
           </a:ln>
         </p:spPr>
@@ -16134,8 +16133,8 @@
         </p:nvSpPr>
         <p:spPr>
           <a:xfrm>
-            <a:off x="390600" y="4990863"/>
-            <a:ext cx="3456384" cy="576064"/>
+            <a:off x="251520" y="3140968"/>
+            <a:ext cx="3940402" cy="864096"/>
           </a:xfrm>
           <a:prstGeom prst="rect">
             <a:avLst/>
@@ -16143,7 +16142,7 @@
           <a:noFill/>
           <a:ln>
             <a:solidFill>
-              <a:srgbClr val="7030A0"/>
+              <a:srgbClr val="FFC000"/>
             </a:solidFill>
           </a:ln>
         </p:spPr>
@@ -16174,14 +16173,14 @@
       </p:sp>
       <p:sp>
         <p:nvSpPr>
-          <p:cNvPr id="11" name="Rectangle 10"/>
+          <p:cNvPr id="10" name="Rectangle 9"/>
           <p:cNvSpPr/>
           <p:nvPr/>
         </p:nvSpPr>
         <p:spPr>
           <a:xfrm>
-            <a:off x="4572000" y="2902631"/>
-            <a:ext cx="3456384" cy="576064"/>
+            <a:off x="242717" y="5752034"/>
+            <a:ext cx="3940402" cy="701302"/>
           </a:xfrm>
           <a:prstGeom prst="rect">
             <a:avLst/>
@@ -16189,7 +16188,7 @@
           <a:noFill/>
           <a:ln>
             <a:solidFill>
-              <a:srgbClr val="7030A0"/>
+              <a:srgbClr val="FFC000"/>
             </a:solidFill>
           </a:ln>
         </p:spPr>
@@ -16220,14 +16219,14 @@
       </p:sp>
       <p:sp>
         <p:nvSpPr>
-          <p:cNvPr id="12" name="Rectangle 11"/>
+          <p:cNvPr id="11" name="Rectangle 10"/>
           <p:cNvSpPr/>
           <p:nvPr/>
         </p:nvSpPr>
         <p:spPr>
           <a:xfrm>
-            <a:off x="4427984" y="1987206"/>
-            <a:ext cx="3456384" cy="576064"/>
+            <a:off x="4427984" y="3375770"/>
+            <a:ext cx="3248031" cy="557286"/>
           </a:xfrm>
           <a:prstGeom prst="rect">
             <a:avLst/>
@@ -16235,7 +16234,7 @@
           <a:noFill/>
           <a:ln>
             <a:solidFill>
-              <a:srgbClr val="7030A0"/>
+              <a:srgbClr val="FFC000"/>
             </a:solidFill>
           </a:ln>
         </p:spPr>
@@ -16266,10 +16265,102 @@
       </p:sp>
       <p:sp>
         <p:nvSpPr>
-          <p:cNvPr id="15" name="ZoneTexte 14">
+          <p:cNvPr id="12" name="Rectangle 11"/>
+          <p:cNvSpPr/>
+          <p:nvPr/>
+        </p:nvSpPr>
+        <p:spPr>
+          <a:xfrm>
+            <a:off x="4448022" y="4383882"/>
+            <a:ext cx="4238778" cy="557286"/>
+          </a:xfrm>
+          <a:prstGeom prst="rect">
+            <a:avLst/>
+          </a:prstGeom>
+          <a:noFill/>
+          <a:ln>
+            <a:solidFill>
+              <a:srgbClr val="FFC000"/>
+            </a:solidFill>
+          </a:ln>
+        </p:spPr>
+        <p:style>
+          <a:lnRef idx="2">
+            <a:schemeClr val="accent1">
+              <a:shade val="50000"/>
+            </a:schemeClr>
+          </a:lnRef>
+          <a:fillRef idx="1">
+            <a:schemeClr val="accent1"/>
+          </a:fillRef>
+          <a:effectRef idx="0">
+            <a:schemeClr val="accent1"/>
+          </a:effectRef>
+          <a:fontRef idx="minor">
+            <a:schemeClr val="lt1"/>
+          </a:fontRef>
+        </p:style>
+        <p:txBody>
+          <a:bodyPr rtlCol="0" anchor="ctr"/>
+          <a:lstStyle/>
+          <a:p>
+            <a:pPr algn="ctr"/>
+            <a:endParaRPr lang="fr-FR"/>
+          </a:p>
+        </p:txBody>
+      </p:sp>
+      <p:sp>
+        <p:nvSpPr>
+          <p:cNvPr id="13" name="Rectangle 12"/>
+          <p:cNvSpPr/>
+          <p:nvPr/>
+        </p:nvSpPr>
+        <p:spPr>
+          <a:xfrm>
+            <a:off x="4448022" y="5605492"/>
+            <a:ext cx="4377322" cy="701302"/>
+          </a:xfrm>
+          <a:prstGeom prst="rect">
+            <a:avLst/>
+          </a:prstGeom>
+          <a:noFill/>
+          <a:ln>
+            <a:solidFill>
+              <a:srgbClr val="FFC000"/>
+            </a:solidFill>
+          </a:ln>
+        </p:spPr>
+        <p:style>
+          <a:lnRef idx="2">
+            <a:schemeClr val="accent1">
+              <a:shade val="50000"/>
+            </a:schemeClr>
+          </a:lnRef>
+          <a:fillRef idx="1">
+            <a:schemeClr val="accent1"/>
+          </a:fillRef>
+          <a:effectRef idx="0">
+            <a:schemeClr val="accent1"/>
+          </a:effectRef>
+          <a:fontRef idx="minor">
+            <a:schemeClr val="lt1"/>
+          </a:fontRef>
+        </p:style>
+        <p:txBody>
+          <a:bodyPr rtlCol="0" anchor="ctr"/>
+          <a:lstStyle/>
+          <a:p>
+            <a:pPr algn="ctr"/>
+            <a:endParaRPr lang="fr-FR"/>
+          </a:p>
+        </p:txBody>
+      </p:sp>
+      <p:sp>
+        <p:nvSpPr>
+          <p:cNvPr id="18" name="ZoneTexte 17">
             <a:extLst>
               <a:ext uri="{FF2B5EF4-FFF2-40B4-BE49-F238E27FC236}">
-                <a16:creationId xmlns="" xmlns:a16="http://schemas.microsoft.com/office/drawing/2014/main" id="{2A3FAC5F-7CCF-4FA4-911D-8A5574188D63}"/>
+                <a16:creationId xmlns:a16="http://schemas.microsoft.com/office/drawing/2014/main" xmlns="" id="{C3B3ABE3-9EC2-469E-873C-A5C62C684DF1}"/>
               </a:ext>
             </a:extLst>
           </p:cNvPr>
@@ -16313,10 +16404,10 @@
       </p:sp>
       <p:sp>
         <p:nvSpPr>
-          <p:cNvPr id="17" name="Titre 1">
+          <p:cNvPr id="19" name="Titre 1">
             <a:extLst>
               <a:ext uri="{FF2B5EF4-FFF2-40B4-BE49-F238E27FC236}">
-                <a16:creationId xmlns="" xmlns:a16="http://schemas.microsoft.com/office/drawing/2014/main" id="{74C4F468-574E-4102-B88C-E9B4EBDA6580}"/>
+                <a16:creationId xmlns:a16="http://schemas.microsoft.com/office/drawing/2014/main" xmlns="" id="{12BDFC3C-1C01-4160-B20B-AB98DD070716}"/>
               </a:ext>
             </a:extLst>
           </p:cNvPr>
@@ -16329,7 +16420,7 @@
         </p:nvSpPr>
         <p:spPr>
           <a:xfrm>
-            <a:off x="0" y="369278"/>
+            <a:off x="0" y="369238"/>
             <a:ext cx="8964488" cy="1143000"/>
           </a:xfrm>
         </p:spPr>
@@ -16355,7 +16446,7 @@
           <p:cNvPr id="14" name="Rectangle 13">
             <a:extLst>
               <a:ext uri="{FF2B5EF4-FFF2-40B4-BE49-F238E27FC236}">
-                <a16:creationId xmlns="" xmlns:a16="http://schemas.microsoft.com/office/drawing/2014/main" id="{1ABAD7AF-155F-4D00-992B-CFFD4B852FF8}"/>
+                <a16:creationId xmlns:a16="http://schemas.microsoft.com/office/drawing/2014/main" xmlns="" id="{1ABAD7AF-155F-4D00-992B-CFFD4B852FF8}"/>
               </a:ext>
             </a:extLst>
           </p:cNvPr>
@@ -16435,7 +16526,7 @@
       </p:sp>
       <p:sp>
         <p:nvSpPr>
-          <p:cNvPr id="16" name="Rectangle 15"/>
+          <p:cNvPr id="15" name="Rectangle 14"/>
           <p:cNvSpPr/>
           <p:nvPr/>
         </p:nvSpPr>
@@ -16448,7 +16539,7 @@
             <a:avLst/>
           </a:prstGeom>
           <a:solidFill>
-            <a:srgbClr val="7030A0"/>
+            <a:srgbClr val="FFC000"/>
           </a:solidFill>
           <a:ln>
             <a:noFill/>
@@ -16493,7 +16584,7 @@
     </p:spTree>
     <p:extLst>
       <p:ext uri="{BB962C8B-B14F-4D97-AF65-F5344CB8AC3E}">
-        <p14:creationId xmlns:p14="http://schemas.microsoft.com/office/powerpoint/2010/main" val="3268557770"/>
+        <p14:creationId xmlns:p14="http://schemas.microsoft.com/office/powerpoint/2010/main" val="177975731"/>
       </p:ext>
     </p:extLst>
   </p:cSld>
@@ -16529,32 +16620,6 @@
       </p:grpSpPr>
       <p:sp>
         <p:nvSpPr>
-          <p:cNvPr id="2" name="Titre 1"/>
-          <p:cNvSpPr>
-            <a:spLocks noGrp="1"/>
-          </p:cNvSpPr>
-          <p:nvPr>
-            <p:ph type="title"/>
-          </p:nvPr>
-        </p:nvSpPr>
-        <p:spPr/>
-        <p:txBody>
-          <a:bodyPr/>
-          <a:lstStyle/>
-          <a:p>
-            <a:r>
-              <a:rPr lang="fr-FR" dirty="0">
-                <a:solidFill>
-                  <a:srgbClr val="FFC000"/>
-                </a:solidFill>
-              </a:rPr>
-              <a:t>Plan</a:t>
-            </a:r>
-          </a:p>
-        </p:txBody>
-      </p:sp>
-      <p:sp>
-        <p:nvSpPr>
           <p:cNvPr id="3" name="Espace réservé du contenu 2"/>
           <p:cNvSpPr>
             <a:spLocks noGrp="1"/>
@@ -16563,172 +16628,135 @@
             <p:ph idx="1"/>
           </p:nvPr>
         </p:nvSpPr>
-        <p:spPr/>
-        <p:txBody>
-          <a:bodyPr/>
-          <a:lstStyle/>
-          <a:p>
-            <a:pPr marL="457200" indent="-457200">
-              <a:buClr>
-                <a:schemeClr val="bg1">
-                  <a:lumMod val="50000"/>
-                </a:schemeClr>
-              </a:buClr>
-              <a:buFont typeface="+mj-lt"/>
-              <a:buAutoNum type="arabicPeriod"/>
+        <p:spPr>
+          <a:xfrm>
+            <a:off x="209957" y="2001028"/>
+            <a:ext cx="4104456" cy="4668331"/>
+          </a:xfrm>
+          <a:ln>
+            <a:solidFill>
+              <a:schemeClr val="accent1"/>
+            </a:solidFill>
+          </a:ln>
+        </p:spPr>
+        <p:txBody>
+          <a:bodyPr>
+            <a:noAutofit/>
+          </a:bodyPr>
+          <a:lstStyle/>
+          <a:p>
+            <a:pPr marL="0" indent="0">
+              <a:buNone/>
             </a:pPr>
             <a:r>
-              <a:rPr lang="en-US" dirty="0">
-                <a:solidFill>
-                  <a:schemeClr val="accent6">
-                    <a:lumMod val="75000"/>
-                  </a:schemeClr>
-                </a:solidFill>
-              </a:rPr>
-              <a:t>Context &amp; related work</a:t>
-            </a:r>
-          </a:p>
-          <a:p>
-            <a:pPr marL="457200" indent="-457200">
-              <a:buClr>
-                <a:schemeClr val="bg1">
-                  <a:lumMod val="50000"/>
-                </a:schemeClr>
-              </a:buClr>
-              <a:buFont typeface="+mj-lt"/>
-              <a:buAutoNum type="arabicPeriod"/>
+              <a:rPr lang="en-US" sz="1600" dirty="0"/>
+              <a:t>A: "Let's go to a Chinese restaurant."</a:t>
+            </a:r>
+            <a:br>
+              <a:rPr lang="en-US" sz="1600" dirty="0"/>
+            </a:br>
+            <a:r>
+              <a:rPr lang="en-US" sz="1600" dirty="0"/>
+              <a:t/>
+            </a:r>
+            <a:br>
+              <a:rPr lang="en-US" sz="1600" dirty="0"/>
+            </a:br>
+            <a:r>
+              <a:rPr lang="en-US" sz="1600" dirty="0"/>
+              <a:t>    B: "I don't like Chinese restaurants, let's choose something else."</a:t>
+            </a:r>
+            <a:br>
+              <a:rPr lang="en-US" sz="1600" dirty="0"/>
+            </a:br>
+            <a:r>
+              <a:rPr lang="en-US" sz="1600" dirty="0"/>
+              <a:t/>
+            </a:r>
+            <a:br>
+              <a:rPr lang="en-US" sz="1600" dirty="0"/>
+            </a:br>
+            <a:r>
+              <a:rPr lang="en-US" sz="1600" dirty="0"/>
+              <a:t>A: "Let's go to the Shanghai. It's a quiet, cheap Chinese restaurant on the south side."</a:t>
+            </a:r>
+            <a:br>
+              <a:rPr lang="en-US" sz="1600" dirty="0"/>
+            </a:br>
+            <a:r>
+              <a:rPr lang="en-US" sz="1600" dirty="0"/>
+              <a:t/>
+            </a:r>
+            <a:br>
+              <a:rPr lang="en-US" sz="1600" dirty="0"/>
+            </a:br>
+            <a:r>
+              <a:rPr lang="en-US" sz="1600" dirty="0"/>
+              <a:t>    B: "Do you like Italian restaurants?"</a:t>
+            </a:r>
+            <a:br>
+              <a:rPr lang="en-US" sz="1600" dirty="0"/>
+            </a:br>
+            <a:r>
+              <a:rPr lang="en-US" sz="1600" dirty="0"/>
+              <a:t/>
+            </a:r>
+            <a:br>
+              <a:rPr lang="en-US" sz="1600" dirty="0"/>
+            </a:br>
+            <a:r>
+              <a:rPr lang="en-US" sz="1600" dirty="0"/>
+              <a:t>A: "I don't like Italian restaurants."</a:t>
+            </a:r>
+            <a:br>
+              <a:rPr lang="en-US" sz="1600" dirty="0"/>
+            </a:br>
+            <a:r>
+              <a:rPr lang="en-US" sz="1600" dirty="0"/>
+              <a:t/>
+            </a:r>
+            <a:br>
+              <a:rPr lang="en-US" sz="1600" dirty="0"/>
+            </a:br>
+            <a:r>
+              <a:rPr lang="en-US" sz="1600" dirty="0"/>
+              <a:t>    B: "Do you like French restaurants?"</a:t>
+            </a:r>
+            <a:br>
+              <a:rPr lang="en-US" sz="1600" dirty="0"/>
+            </a:br>
+            <a:r>
+              <a:rPr lang="en-US" sz="1600" dirty="0"/>
+              <a:t/>
+            </a:r>
+            <a:br>
+              <a:rPr lang="en-US" sz="1600" dirty="0"/>
+            </a:br>
+            <a:r>
+              <a:rPr lang="en-US" sz="1600" dirty="0"/>
+              <a:t>A: "Let's go to the Shanghai. It's a quiet, cheap Chinese restaurant on the south side."</a:t>
+            </a:r>
+            <a:br>
+              <a:rPr lang="en-US" sz="1600" dirty="0"/>
+            </a:br>
+            <a:endParaRPr lang="en-US" sz="1600" dirty="0"/>
+          </a:p>
+          <a:p>
+            <a:pPr marL="0" indent="0">
+              <a:buNone/>
             </a:pPr>
-            <a:endParaRPr lang="en-US" dirty="0">
-              <a:solidFill>
-                <a:schemeClr val="accent6">
-                  <a:lumMod val="75000"/>
-                </a:schemeClr>
-              </a:solidFill>
-            </a:endParaRPr>
-          </a:p>
-          <a:p>
-            <a:pPr marL="457200" indent="-457200">
-              <a:buClr>
-                <a:schemeClr val="bg1">
-                  <a:lumMod val="50000"/>
-                </a:schemeClr>
-              </a:buClr>
-              <a:buFont typeface="+mj-lt"/>
-              <a:buAutoNum type="arabicPeriod"/>
-            </a:pPr>
-            <a:r>
-              <a:rPr lang="en-US" dirty="0">
-                <a:solidFill>
-                  <a:schemeClr val="accent6">
-                    <a:lumMod val="75000"/>
-                  </a:schemeClr>
-                </a:solidFill>
-              </a:rPr>
-              <a:t>Computational model of collaborative negotiation</a:t>
-            </a:r>
-          </a:p>
-          <a:p>
-            <a:pPr marL="457200" indent="-457200">
-              <a:buClr>
-                <a:schemeClr val="bg1">
-                  <a:lumMod val="50000"/>
-                </a:schemeClr>
-              </a:buClr>
-              <a:buFont typeface="+mj-lt"/>
-              <a:buAutoNum type="arabicPeriod"/>
-            </a:pPr>
-            <a:endParaRPr lang="en-US" dirty="0">
-              <a:solidFill>
-                <a:schemeClr val="accent6">
-                  <a:lumMod val="75000"/>
-                </a:schemeClr>
-              </a:solidFill>
-            </a:endParaRPr>
-          </a:p>
-          <a:p>
-            <a:pPr marL="457200" indent="-457200">
-              <a:buClr>
-                <a:schemeClr val="bg1">
-                  <a:lumMod val="50000"/>
-                </a:schemeClr>
-              </a:buClr>
-              <a:buFont typeface="+mj-lt"/>
-              <a:buAutoNum type="arabicPeriod"/>
-            </a:pPr>
-            <a:r>
-              <a:rPr lang="en-US" dirty="0">
-                <a:solidFill>
-                  <a:schemeClr val="accent6">
-                    <a:lumMod val="75000"/>
-                  </a:schemeClr>
-                </a:solidFill>
-              </a:rPr>
-              <a:t>Negotiation based on power</a:t>
-            </a:r>
-          </a:p>
-          <a:p>
-            <a:pPr marL="457200" indent="-457200">
-              <a:buClr>
-                <a:schemeClr val="bg1">
-                  <a:lumMod val="50000"/>
-                </a:schemeClr>
-              </a:buClr>
-              <a:buFont typeface="+mj-lt"/>
-              <a:buAutoNum type="arabicPeriod"/>
-            </a:pPr>
-            <a:endParaRPr lang="en-US" dirty="0">
-              <a:solidFill>
-                <a:schemeClr val="accent6">
-                  <a:lumMod val="75000"/>
-                </a:schemeClr>
-              </a:solidFill>
-            </a:endParaRPr>
-          </a:p>
-          <a:p>
-            <a:pPr marL="457200" indent="-457200">
-              <a:buFont typeface="+mj-lt"/>
-              <a:buAutoNum type="arabicPeriod"/>
-            </a:pPr>
-            <a:r>
-              <a:rPr lang="en-US" dirty="0"/>
-              <a:t>Evaluation</a:t>
-            </a:r>
-          </a:p>
-          <a:p>
-            <a:pPr marL="457200" indent="-457200">
-              <a:buClr>
-                <a:schemeClr val="bg1">
-                  <a:lumMod val="50000"/>
-                </a:schemeClr>
-              </a:buClr>
-              <a:buFont typeface="+mj-lt"/>
-              <a:buAutoNum type="arabicPeriod"/>
-            </a:pPr>
-            <a:endParaRPr lang="en-US" dirty="0"/>
-          </a:p>
-          <a:p>
-            <a:pPr marL="457200" indent="-457200">
-              <a:buClr>
-                <a:schemeClr val="bg1">
-                  <a:lumMod val="50000"/>
-                </a:schemeClr>
-              </a:buClr>
-              <a:buFont typeface="+mj-lt"/>
-              <a:buAutoNum type="arabicPeriod"/>
-            </a:pPr>
-            <a:r>
-              <a:rPr lang="en-US" dirty="0">
-                <a:solidFill>
-                  <a:schemeClr val="accent6">
-                    <a:lumMod val="75000"/>
-                  </a:schemeClr>
-                </a:solidFill>
-              </a:rPr>
-              <a:t>Conclusion and future work</a:t>
-            </a:r>
-          </a:p>
-          <a:p>
-            <a:endParaRPr lang="en-US" dirty="0"/>
+            <a:r>
+              <a:rPr lang="en-US" sz="1600" dirty="0"/>
+              <a:t/>
+            </a:r>
+            <a:br>
+              <a:rPr lang="en-US" sz="1600" dirty="0"/>
+            </a:br>
+            <a:r>
+              <a:rPr lang="en-US" sz="1600" dirty="0"/>
+              <a:t>  </a:t>
+            </a:r>
+            <a:endParaRPr lang="fr-FR" sz="1600" dirty="0"/>
           </a:p>
         </p:txBody>
       </p:sp>
@@ -16755,10 +16783,568 @@
           </a:p>
         </p:txBody>
       </p:sp>
+      <p:sp>
+        <p:nvSpPr>
+          <p:cNvPr id="5" name="ZoneTexte 4">
+            <a:extLst>
+              <a:ext uri="{FF2B5EF4-FFF2-40B4-BE49-F238E27FC236}">
+                <a16:creationId xmlns:a16="http://schemas.microsoft.com/office/drawing/2014/main" xmlns="" id="{BFFBD950-ABAB-4227-8571-72DBFF533E40}"/>
+              </a:ext>
+            </a:extLst>
+          </p:cNvPr>
+          <p:cNvSpPr txBox="1"/>
+          <p:nvPr/>
+        </p:nvSpPr>
+        <p:spPr>
+          <a:xfrm>
+            <a:off x="4427984" y="2001029"/>
+            <a:ext cx="4608512" cy="4770537"/>
+          </a:xfrm>
+          <a:prstGeom prst="rect">
+            <a:avLst/>
+          </a:prstGeom>
+          <a:noFill/>
+          <a:ln>
+            <a:solidFill>
+              <a:schemeClr val="accent1"/>
+            </a:solidFill>
+          </a:ln>
+        </p:spPr>
+        <p:txBody>
+          <a:bodyPr wrap="square" rtlCol="0">
+            <a:spAutoFit/>
+          </a:bodyPr>
+          <a:lstStyle/>
+          <a:p>
+            <a:r>
+              <a:rPr lang="en-US" sz="1600" dirty="0"/>
+              <a:t>B: "Do you like French restaurants?"</a:t>
+            </a:r>
+            <a:endParaRPr lang="fr-FR" sz="1600" dirty="0"/>
+          </a:p>
+          <a:p>
+            <a:endParaRPr lang="en-US" sz="1600" dirty="0"/>
+          </a:p>
+          <a:p>
+            <a:r>
+              <a:rPr lang="en-US" sz="1600" dirty="0"/>
+              <a:t>A: "I don't like French restaurants."</a:t>
+            </a:r>
+            <a:br>
+              <a:rPr lang="en-US" sz="1600" dirty="0"/>
+            </a:br>
+            <a:r>
+              <a:rPr lang="en-US" sz="1600" dirty="0"/>
+              <a:t/>
+            </a:r>
+            <a:br>
+              <a:rPr lang="en-US" sz="1600" dirty="0"/>
+            </a:br>
+            <a:r>
+              <a:rPr lang="en-US" sz="1600" dirty="0"/>
+              <a:t>    B: "Do you like Korean restaurants?"</a:t>
+            </a:r>
+            <a:br>
+              <a:rPr lang="en-US" sz="1600" dirty="0"/>
+            </a:br>
+            <a:r>
+              <a:rPr lang="en-US" sz="1600" dirty="0"/>
+              <a:t/>
+            </a:r>
+            <a:br>
+              <a:rPr lang="en-US" sz="1600" dirty="0"/>
+            </a:br>
+            <a:r>
+              <a:rPr lang="en-US" sz="1600" dirty="0"/>
+              <a:t>A: "Let's go to a cheap restaurant."</a:t>
+            </a:r>
+            <a:br>
+              <a:rPr lang="en-US" sz="1600" dirty="0"/>
+            </a:br>
+            <a:r>
+              <a:rPr lang="en-US" sz="1600" dirty="0"/>
+              <a:t/>
+            </a:r>
+            <a:br>
+              <a:rPr lang="en-US" sz="1600" dirty="0"/>
+            </a:br>
+            <a:r>
+              <a:rPr lang="en-US" sz="1600" dirty="0"/>
+              <a:t>    B: "Okay, let's go to a cheap restaurant."</a:t>
+            </a:r>
+            <a:br>
+              <a:rPr lang="en-US" sz="1600" dirty="0"/>
+            </a:br>
+            <a:r>
+              <a:rPr lang="en-US" sz="1600" dirty="0"/>
+              <a:t/>
+            </a:r>
+            <a:br>
+              <a:rPr lang="en-US" sz="1600" dirty="0"/>
+            </a:br>
+            <a:r>
+              <a:rPr lang="en-US" sz="1600" dirty="0"/>
+              <a:t>A: "Let's go to a restaurant on the south side."</a:t>
+            </a:r>
+            <a:br>
+              <a:rPr lang="en-US" sz="1600" dirty="0"/>
+            </a:br>
+            <a:r>
+              <a:rPr lang="en-US" sz="1600" dirty="0"/>
+              <a:t/>
+            </a:r>
+            <a:br>
+              <a:rPr lang="en-US" sz="1600" dirty="0"/>
+            </a:br>
+            <a:r>
+              <a:rPr lang="en-US" sz="1600" dirty="0"/>
+              <a:t>    B: "Okay, let's go to a restaurant on the south side."</a:t>
+            </a:r>
+            <a:br>
+              <a:rPr lang="en-US" sz="1600" dirty="0"/>
+            </a:br>
+            <a:r>
+              <a:rPr lang="en-US" sz="1600" dirty="0"/>
+              <a:t/>
+            </a:r>
+            <a:br>
+              <a:rPr lang="en-US" sz="1600" dirty="0"/>
+            </a:br>
+            <a:r>
+              <a:rPr lang="en-US" sz="1600" dirty="0"/>
+              <a:t>A: "Let's go to the Shanghai. It's a quiet, cheap Chinese restaurant on the south side."</a:t>
+            </a:r>
+            <a:br>
+              <a:rPr lang="en-US" sz="1600" dirty="0"/>
+            </a:br>
+            <a:r>
+              <a:rPr lang="en-US" sz="1600" dirty="0"/>
+              <a:t/>
+            </a:r>
+            <a:br>
+              <a:rPr lang="en-US" sz="1600" dirty="0"/>
+            </a:br>
+            <a:r>
+              <a:rPr lang="en-US" sz="1600" dirty="0"/>
+              <a:t>    B: "Okay, let's go to the Shanghai restaurant.“</a:t>
+            </a:r>
+          </a:p>
+        </p:txBody>
+      </p:sp>
+      <p:sp>
+        <p:nvSpPr>
+          <p:cNvPr id="8" name="Rectangle 7"/>
+          <p:cNvSpPr/>
+          <p:nvPr/>
+        </p:nvSpPr>
+        <p:spPr>
+          <a:xfrm>
+            <a:off x="395536" y="4054759"/>
+            <a:ext cx="3456384" cy="576064"/>
+          </a:xfrm>
+          <a:prstGeom prst="rect">
+            <a:avLst/>
+          </a:prstGeom>
+          <a:noFill/>
+          <a:ln>
+            <a:solidFill>
+              <a:srgbClr val="7030A0"/>
+            </a:solidFill>
+          </a:ln>
+        </p:spPr>
+        <p:style>
+          <a:lnRef idx="2">
+            <a:schemeClr val="accent1">
+              <a:shade val="50000"/>
+            </a:schemeClr>
+          </a:lnRef>
+          <a:fillRef idx="1">
+            <a:schemeClr val="accent1"/>
+          </a:fillRef>
+          <a:effectRef idx="0">
+            <a:schemeClr val="accent1"/>
+          </a:effectRef>
+          <a:fontRef idx="minor">
+            <a:schemeClr val="lt1"/>
+          </a:fontRef>
+        </p:style>
+        <p:txBody>
+          <a:bodyPr rtlCol="0" anchor="ctr"/>
+          <a:lstStyle/>
+          <a:p>
+            <a:pPr algn="ctr"/>
+            <a:endParaRPr lang="fr-FR"/>
+          </a:p>
+        </p:txBody>
+      </p:sp>
+      <p:sp>
+        <p:nvSpPr>
+          <p:cNvPr id="9" name="Rectangle 8"/>
+          <p:cNvSpPr/>
+          <p:nvPr/>
+        </p:nvSpPr>
+        <p:spPr>
+          <a:xfrm>
+            <a:off x="390600" y="4990863"/>
+            <a:ext cx="3456384" cy="576064"/>
+          </a:xfrm>
+          <a:prstGeom prst="rect">
+            <a:avLst/>
+          </a:prstGeom>
+          <a:noFill/>
+          <a:ln>
+            <a:solidFill>
+              <a:srgbClr val="7030A0"/>
+            </a:solidFill>
+          </a:ln>
+        </p:spPr>
+        <p:style>
+          <a:lnRef idx="2">
+            <a:schemeClr val="accent1">
+              <a:shade val="50000"/>
+            </a:schemeClr>
+          </a:lnRef>
+          <a:fillRef idx="1">
+            <a:schemeClr val="accent1"/>
+          </a:fillRef>
+          <a:effectRef idx="0">
+            <a:schemeClr val="accent1"/>
+          </a:effectRef>
+          <a:fontRef idx="minor">
+            <a:schemeClr val="lt1"/>
+          </a:fontRef>
+        </p:style>
+        <p:txBody>
+          <a:bodyPr rtlCol="0" anchor="ctr"/>
+          <a:lstStyle/>
+          <a:p>
+            <a:pPr algn="ctr"/>
+            <a:endParaRPr lang="fr-FR"/>
+          </a:p>
+        </p:txBody>
+      </p:sp>
+      <p:sp>
+        <p:nvSpPr>
+          <p:cNvPr id="11" name="Rectangle 10"/>
+          <p:cNvSpPr/>
+          <p:nvPr/>
+        </p:nvSpPr>
+        <p:spPr>
+          <a:xfrm>
+            <a:off x="4572000" y="2902631"/>
+            <a:ext cx="3456384" cy="576064"/>
+          </a:xfrm>
+          <a:prstGeom prst="rect">
+            <a:avLst/>
+          </a:prstGeom>
+          <a:noFill/>
+          <a:ln>
+            <a:solidFill>
+              <a:srgbClr val="7030A0"/>
+            </a:solidFill>
+          </a:ln>
+        </p:spPr>
+        <p:style>
+          <a:lnRef idx="2">
+            <a:schemeClr val="accent1">
+              <a:shade val="50000"/>
+            </a:schemeClr>
+          </a:lnRef>
+          <a:fillRef idx="1">
+            <a:schemeClr val="accent1"/>
+          </a:fillRef>
+          <a:effectRef idx="0">
+            <a:schemeClr val="accent1"/>
+          </a:effectRef>
+          <a:fontRef idx="minor">
+            <a:schemeClr val="lt1"/>
+          </a:fontRef>
+        </p:style>
+        <p:txBody>
+          <a:bodyPr rtlCol="0" anchor="ctr"/>
+          <a:lstStyle/>
+          <a:p>
+            <a:pPr algn="ctr"/>
+            <a:endParaRPr lang="fr-FR"/>
+          </a:p>
+        </p:txBody>
+      </p:sp>
+      <p:sp>
+        <p:nvSpPr>
+          <p:cNvPr id="12" name="Rectangle 11"/>
+          <p:cNvSpPr/>
+          <p:nvPr/>
+        </p:nvSpPr>
+        <p:spPr>
+          <a:xfrm>
+            <a:off x="4427984" y="1987206"/>
+            <a:ext cx="3456384" cy="576064"/>
+          </a:xfrm>
+          <a:prstGeom prst="rect">
+            <a:avLst/>
+          </a:prstGeom>
+          <a:noFill/>
+          <a:ln>
+            <a:solidFill>
+              <a:srgbClr val="7030A0"/>
+            </a:solidFill>
+          </a:ln>
+        </p:spPr>
+        <p:style>
+          <a:lnRef idx="2">
+            <a:schemeClr val="accent1">
+              <a:shade val="50000"/>
+            </a:schemeClr>
+          </a:lnRef>
+          <a:fillRef idx="1">
+            <a:schemeClr val="accent1"/>
+          </a:fillRef>
+          <a:effectRef idx="0">
+            <a:schemeClr val="accent1"/>
+          </a:effectRef>
+          <a:fontRef idx="minor">
+            <a:schemeClr val="lt1"/>
+          </a:fontRef>
+        </p:style>
+        <p:txBody>
+          <a:bodyPr rtlCol="0" anchor="ctr"/>
+          <a:lstStyle/>
+          <a:p>
+            <a:pPr algn="ctr"/>
+            <a:endParaRPr lang="fr-FR"/>
+          </a:p>
+        </p:txBody>
+      </p:sp>
+      <p:sp>
+        <p:nvSpPr>
+          <p:cNvPr id="15" name="ZoneTexte 14">
+            <a:extLst>
+              <a:ext uri="{FF2B5EF4-FFF2-40B4-BE49-F238E27FC236}">
+                <a16:creationId xmlns:a16="http://schemas.microsoft.com/office/drawing/2014/main" xmlns="" id="{2A3FAC5F-7CCF-4FA4-911D-8A5574188D63}"/>
+              </a:ext>
+            </a:extLst>
+          </p:cNvPr>
+          <p:cNvSpPr txBox="1"/>
+          <p:nvPr/>
+        </p:nvSpPr>
+        <p:spPr>
+          <a:xfrm>
+            <a:off x="91386" y="0"/>
+            <a:ext cx="2194832" cy="400110"/>
+          </a:xfrm>
+          <a:prstGeom prst="rect">
+            <a:avLst/>
+          </a:prstGeom>
+          <a:noFill/>
+        </p:spPr>
+        <p:txBody>
+          <a:bodyPr wrap="none" rtlCol="0">
+            <a:spAutoFit/>
+          </a:bodyPr>
+          <a:lstStyle/>
+          <a:p>
+            <a:r>
+              <a:rPr lang="fr-FR" sz="2000" b="1" dirty="0" err="1">
+                <a:solidFill>
+                  <a:schemeClr val="bg1"/>
+                </a:solidFill>
+              </a:rPr>
+              <a:t>Proposed</a:t>
+            </a:r>
+            <a:r>
+              <a:rPr lang="fr-FR" sz="2000" b="1" dirty="0">
+                <a:solidFill>
+                  <a:schemeClr val="bg1"/>
+                </a:solidFill>
+              </a:rPr>
+              <a:t> model</a:t>
+            </a:r>
+          </a:p>
+        </p:txBody>
+      </p:sp>
+      <p:sp>
+        <p:nvSpPr>
+          <p:cNvPr id="17" name="Titre 1">
+            <a:extLst>
+              <a:ext uri="{FF2B5EF4-FFF2-40B4-BE49-F238E27FC236}">
+                <a16:creationId xmlns:a16="http://schemas.microsoft.com/office/drawing/2014/main" xmlns="" id="{74C4F468-574E-4102-B88C-E9B4EBDA6580}"/>
+              </a:ext>
+            </a:extLst>
+          </p:cNvPr>
+          <p:cNvSpPr>
+            <a:spLocks noGrp="1"/>
+          </p:cNvSpPr>
+          <p:nvPr>
+            <p:ph type="title"/>
+          </p:nvPr>
+        </p:nvSpPr>
+        <p:spPr>
+          <a:xfrm>
+            <a:off x="0" y="369278"/>
+            <a:ext cx="8964488" cy="1143000"/>
+          </a:xfrm>
+        </p:spPr>
+        <p:txBody>
+          <a:bodyPr>
+            <a:noAutofit/>
+          </a:bodyPr>
+          <a:lstStyle/>
+          <a:p>
+            <a:r>
+              <a:rPr lang="fr-FR" sz="3600" dirty="0">
+                <a:solidFill>
+                  <a:srgbClr val="FFC000"/>
+                </a:solidFill>
+              </a:rPr>
+              <a:t>Example of dialogue</a:t>
+            </a:r>
+          </a:p>
+        </p:txBody>
+      </p:sp>
+      <p:sp>
+        <p:nvSpPr>
+          <p:cNvPr id="14" name="Rectangle 13">
+            <a:extLst>
+              <a:ext uri="{FF2B5EF4-FFF2-40B4-BE49-F238E27FC236}">
+                <a16:creationId xmlns:a16="http://schemas.microsoft.com/office/drawing/2014/main" xmlns="" id="{1ABAD7AF-155F-4D00-992B-CFFD4B852FF8}"/>
+              </a:ext>
+            </a:extLst>
+          </p:cNvPr>
+          <p:cNvSpPr/>
+          <p:nvPr/>
+        </p:nvSpPr>
+        <p:spPr>
+          <a:xfrm>
+            <a:off x="251520" y="1340768"/>
+            <a:ext cx="4464496" cy="504056"/>
+          </a:xfrm>
+          <a:prstGeom prst="rect">
+            <a:avLst/>
+          </a:prstGeom>
+          <a:noFill/>
+          <a:ln w="9525">
+            <a:solidFill>
+              <a:schemeClr val="accent1"/>
+            </a:solidFill>
+          </a:ln>
+        </p:spPr>
+        <p:style>
+          <a:lnRef idx="2">
+            <a:schemeClr val="accent1">
+              <a:shade val="50000"/>
+            </a:schemeClr>
+          </a:lnRef>
+          <a:fillRef idx="1">
+            <a:schemeClr val="accent1"/>
+          </a:fillRef>
+          <a:effectRef idx="0">
+            <a:schemeClr val="accent1"/>
+          </a:effectRef>
+          <a:fontRef idx="minor">
+            <a:schemeClr val="lt1"/>
+          </a:fontRef>
+        </p:style>
+        <p:txBody>
+          <a:bodyPr rtlCol="0" anchor="ctr"/>
+          <a:lstStyle/>
+          <a:p>
+            <a:pPr algn="ctr"/>
+            <a:r>
+              <a:rPr lang="fr-FR" sz="2000" b="1" dirty="0" err="1">
+                <a:solidFill>
+                  <a:schemeClr val="tx1"/>
+                </a:solidFill>
+              </a:rPr>
+              <a:t>Pow</a:t>
+            </a:r>
+            <a:r>
+              <a:rPr lang="fr-FR" sz="2000" b="1" dirty="0">
+                <a:solidFill>
+                  <a:schemeClr val="tx1"/>
+                </a:solidFill>
+              </a:rPr>
+              <a:t>(A) = 0.9,  </a:t>
+            </a:r>
+            <a:r>
+              <a:rPr lang="fr-FR" sz="2000" b="1" dirty="0" err="1">
+                <a:solidFill>
+                  <a:schemeClr val="tx1"/>
+                </a:solidFill>
+              </a:rPr>
+              <a:t>Pow</a:t>
+            </a:r>
+            <a:r>
+              <a:rPr lang="fr-FR" sz="2000" b="1" dirty="0">
+                <a:solidFill>
+                  <a:schemeClr val="tx1"/>
+                </a:solidFill>
+              </a:rPr>
+              <a:t>(B) = 0.4</a:t>
+            </a:r>
+          </a:p>
+        </p:txBody>
+      </p:sp>
+      <p:sp>
+        <p:nvSpPr>
+          <p:cNvPr id="16" name="Rectangle 15"/>
+          <p:cNvSpPr/>
+          <p:nvPr/>
+        </p:nvSpPr>
+        <p:spPr>
+          <a:xfrm>
+            <a:off x="5940152" y="1268760"/>
+            <a:ext cx="2984497" cy="576064"/>
+          </a:xfrm>
+          <a:prstGeom prst="rect">
+            <a:avLst/>
+          </a:prstGeom>
+          <a:solidFill>
+            <a:srgbClr val="7030A0"/>
+          </a:solidFill>
+          <a:ln>
+            <a:noFill/>
+          </a:ln>
+        </p:spPr>
+        <p:style>
+          <a:lnRef idx="2">
+            <a:schemeClr val="accent1">
+              <a:shade val="50000"/>
+            </a:schemeClr>
+          </a:lnRef>
+          <a:fillRef idx="1">
+            <a:schemeClr val="accent1"/>
+          </a:fillRef>
+          <a:effectRef idx="0">
+            <a:schemeClr val="accent1"/>
+          </a:effectRef>
+          <a:fontRef idx="minor">
+            <a:schemeClr val="lt1"/>
+          </a:fontRef>
+        </p:style>
+        <p:txBody>
+          <a:bodyPr rtlCol="0" anchor="ctr"/>
+          <a:lstStyle/>
+          <a:p>
+            <a:pPr algn="ctr"/>
+            <a:r>
+              <a:rPr lang="en-US" sz="2000" dirty="0" smtClean="0"/>
+              <a:t>Principle 3: </a:t>
+            </a:r>
+          </a:p>
+          <a:p>
+            <a:pPr algn="ctr"/>
+            <a:r>
+              <a:rPr lang="en-US" sz="2000" dirty="0" smtClean="0"/>
+              <a:t>Lead of the dialogue</a:t>
+            </a:r>
+            <a:endParaRPr lang="en-US" sz="2000" dirty="0"/>
+          </a:p>
+        </p:txBody>
+      </p:sp>
     </p:spTree>
     <p:extLst>
       <p:ext uri="{BB962C8B-B14F-4D97-AF65-F5344CB8AC3E}">
-        <p14:creationId xmlns:p14="http://schemas.microsoft.com/office/powerpoint/2010/main" val="3178610501"/>
+        <p14:creationId xmlns:p14="http://schemas.microsoft.com/office/powerpoint/2010/main" val="3268557770"/>
       </p:ext>
     </p:extLst>
   </p:cSld>
@@ -16794,6 +17380,32 @@
       </p:grpSpPr>
       <p:sp>
         <p:nvSpPr>
+          <p:cNvPr id="2" name="Titre 1"/>
+          <p:cNvSpPr>
+            <a:spLocks noGrp="1"/>
+          </p:cNvSpPr>
+          <p:nvPr>
+            <p:ph type="title"/>
+          </p:nvPr>
+        </p:nvSpPr>
+        <p:spPr/>
+        <p:txBody>
+          <a:bodyPr/>
+          <a:lstStyle/>
+          <a:p>
+            <a:r>
+              <a:rPr lang="fr-FR" dirty="0">
+                <a:solidFill>
+                  <a:srgbClr val="FFC000"/>
+                </a:solidFill>
+              </a:rPr>
+              <a:t>Plan</a:t>
+            </a:r>
+          </a:p>
+        </p:txBody>
+      </p:sp>
+      <p:sp>
+        <p:nvSpPr>
           <p:cNvPr id="3" name="Espace réservé du contenu 2"/>
           <p:cNvSpPr>
             <a:spLocks noGrp="1"/>
@@ -16802,33 +17414,283 @@
             <p:ph idx="1"/>
           </p:nvPr>
         </p:nvSpPr>
+        <p:spPr/>
+        <p:txBody>
+          <a:bodyPr/>
+          <a:lstStyle/>
+          <a:p>
+            <a:pPr marL="457200" indent="-457200">
+              <a:buClr>
+                <a:schemeClr val="bg1">
+                  <a:lumMod val="50000"/>
+                </a:schemeClr>
+              </a:buClr>
+              <a:buFont typeface="+mj-lt"/>
+              <a:buAutoNum type="arabicPeriod"/>
+            </a:pPr>
+            <a:r>
+              <a:rPr lang="en-US" dirty="0">
+                <a:solidFill>
+                  <a:schemeClr val="accent6">
+                    <a:lumMod val="75000"/>
+                  </a:schemeClr>
+                </a:solidFill>
+              </a:rPr>
+              <a:t>Context &amp; related work</a:t>
+            </a:r>
+          </a:p>
+          <a:p>
+            <a:pPr marL="457200" indent="-457200">
+              <a:buClr>
+                <a:schemeClr val="bg1">
+                  <a:lumMod val="50000"/>
+                </a:schemeClr>
+              </a:buClr>
+              <a:buFont typeface="+mj-lt"/>
+              <a:buAutoNum type="arabicPeriod"/>
+            </a:pPr>
+            <a:endParaRPr lang="en-US" dirty="0">
+              <a:solidFill>
+                <a:schemeClr val="accent6">
+                  <a:lumMod val="75000"/>
+                </a:schemeClr>
+              </a:solidFill>
+            </a:endParaRPr>
+          </a:p>
+          <a:p>
+            <a:pPr marL="457200" indent="-457200">
+              <a:buClr>
+                <a:schemeClr val="bg1">
+                  <a:lumMod val="50000"/>
+                </a:schemeClr>
+              </a:buClr>
+              <a:buFont typeface="+mj-lt"/>
+              <a:buAutoNum type="arabicPeriod"/>
+            </a:pPr>
+            <a:r>
+              <a:rPr lang="en-US" dirty="0">
+                <a:solidFill>
+                  <a:schemeClr val="accent6">
+                    <a:lumMod val="75000"/>
+                  </a:schemeClr>
+                </a:solidFill>
+              </a:rPr>
+              <a:t>Computational model of collaborative negotiation</a:t>
+            </a:r>
+          </a:p>
+          <a:p>
+            <a:pPr marL="457200" indent="-457200">
+              <a:buClr>
+                <a:schemeClr val="bg1">
+                  <a:lumMod val="50000"/>
+                </a:schemeClr>
+              </a:buClr>
+              <a:buFont typeface="+mj-lt"/>
+              <a:buAutoNum type="arabicPeriod"/>
+            </a:pPr>
+            <a:endParaRPr lang="en-US" dirty="0">
+              <a:solidFill>
+                <a:schemeClr val="accent6">
+                  <a:lumMod val="75000"/>
+                </a:schemeClr>
+              </a:solidFill>
+            </a:endParaRPr>
+          </a:p>
+          <a:p>
+            <a:pPr marL="457200" indent="-457200">
+              <a:buClr>
+                <a:schemeClr val="bg1">
+                  <a:lumMod val="50000"/>
+                </a:schemeClr>
+              </a:buClr>
+              <a:buFont typeface="+mj-lt"/>
+              <a:buAutoNum type="arabicPeriod"/>
+            </a:pPr>
+            <a:r>
+              <a:rPr lang="en-US" dirty="0">
+                <a:solidFill>
+                  <a:schemeClr val="accent6">
+                    <a:lumMod val="75000"/>
+                  </a:schemeClr>
+                </a:solidFill>
+              </a:rPr>
+              <a:t>Negotiation based on power</a:t>
+            </a:r>
+          </a:p>
+          <a:p>
+            <a:pPr marL="457200" indent="-457200">
+              <a:buClr>
+                <a:schemeClr val="bg1">
+                  <a:lumMod val="50000"/>
+                </a:schemeClr>
+              </a:buClr>
+              <a:buFont typeface="+mj-lt"/>
+              <a:buAutoNum type="arabicPeriod"/>
+            </a:pPr>
+            <a:endParaRPr lang="en-US" dirty="0">
+              <a:solidFill>
+                <a:schemeClr val="accent6">
+                  <a:lumMod val="75000"/>
+                </a:schemeClr>
+              </a:solidFill>
+            </a:endParaRPr>
+          </a:p>
+          <a:p>
+            <a:pPr marL="457200" indent="-457200">
+              <a:buFont typeface="+mj-lt"/>
+              <a:buAutoNum type="arabicPeriod"/>
+            </a:pPr>
+            <a:r>
+              <a:rPr lang="en-US" dirty="0"/>
+              <a:t>Evaluation</a:t>
+            </a:r>
+          </a:p>
+          <a:p>
+            <a:pPr marL="457200" indent="-457200">
+              <a:buClr>
+                <a:schemeClr val="bg1">
+                  <a:lumMod val="50000"/>
+                </a:schemeClr>
+              </a:buClr>
+              <a:buFont typeface="+mj-lt"/>
+              <a:buAutoNum type="arabicPeriod"/>
+            </a:pPr>
+            <a:endParaRPr lang="en-US" dirty="0"/>
+          </a:p>
+          <a:p>
+            <a:pPr marL="457200" indent="-457200">
+              <a:buClr>
+                <a:schemeClr val="bg1">
+                  <a:lumMod val="50000"/>
+                </a:schemeClr>
+              </a:buClr>
+              <a:buFont typeface="+mj-lt"/>
+              <a:buAutoNum type="arabicPeriod"/>
+            </a:pPr>
+            <a:r>
+              <a:rPr lang="en-US" dirty="0">
+                <a:solidFill>
+                  <a:schemeClr val="accent6">
+                    <a:lumMod val="75000"/>
+                  </a:schemeClr>
+                </a:solidFill>
+              </a:rPr>
+              <a:t>Conclusion and future work</a:t>
+            </a:r>
+          </a:p>
+          <a:p>
+            <a:endParaRPr lang="en-US" dirty="0"/>
+          </a:p>
+        </p:txBody>
+      </p:sp>
+      <p:sp>
+        <p:nvSpPr>
+          <p:cNvPr id="4" name="Espace réservé du numéro de diapositive 3"/>
+          <p:cNvSpPr>
+            <a:spLocks noGrp="1"/>
+          </p:cNvSpPr>
+          <p:nvPr>
+            <p:ph type="sldNum" sz="quarter" idx="12"/>
+          </p:nvPr>
+        </p:nvSpPr>
+        <p:spPr/>
+        <p:txBody>
+          <a:bodyPr/>
+          <a:lstStyle/>
+          <a:p>
+            <a:fld id="{6936E76E-83C7-4D0C-AE26-C0751568CC47}" type="slidenum">
+              <a:rPr lang="fr-FR" smtClean="0"/>
+              <a:t>25</a:t>
+            </a:fld>
+            <a:endParaRPr lang="fr-FR"/>
+          </a:p>
+        </p:txBody>
+      </p:sp>
+    </p:spTree>
+    <p:extLst>
+      <p:ext uri="{BB962C8B-B14F-4D97-AF65-F5344CB8AC3E}">
+        <p14:creationId xmlns:p14="http://schemas.microsoft.com/office/powerpoint/2010/main" val="3178610501"/>
+      </p:ext>
+    </p:extLst>
+  </p:cSld>
+  <p:clrMapOvr>
+    <a:masterClrMapping/>
+  </p:clrMapOvr>
+  <p:timing>
+    <p:tnLst>
+      <p:par>
+        <p:cTn id="1" dur="indefinite" restart="never" nodeType="tmRoot"/>
+      </p:par>
+    </p:tnLst>
+  </p:timing>
+</p:sld>
+</file>
+
+<file path=ppt/slides/slide26.xml><?xml version="1.0" encoding="utf-8"?>
+<p:sld xmlns:a="http://schemas.openxmlformats.org/drawingml/2006/main" xmlns:r="http://schemas.openxmlformats.org/officeDocument/2006/relationships" xmlns:p="http://schemas.openxmlformats.org/presentationml/2006/main">
+  <p:cSld>
+    <p:spTree>
+      <p:nvGrpSpPr>
+        <p:cNvPr id="1" name=""/>
+        <p:cNvGrpSpPr/>
+        <p:nvPr/>
+      </p:nvGrpSpPr>
+      <p:grpSpPr>
+        <a:xfrm>
+          <a:off x="0" y="0"/>
+          <a:ext cx="0" cy="0"/>
+          <a:chOff x="0" y="0"/>
+          <a:chExt cx="0" cy="0"/>
+        </a:xfrm>
+      </p:grpSpPr>
+      <p:sp>
+        <p:nvSpPr>
+          <p:cNvPr id="3" name="Espace réservé du contenu 2"/>
+          <p:cNvSpPr>
+            <a:spLocks noGrp="1"/>
+          </p:cNvSpPr>
+          <p:nvPr>
+            <p:ph idx="1"/>
+          </p:nvPr>
+        </p:nvSpPr>
         <p:spPr>
           <a:xfrm>
-            <a:off x="155575" y="1512278"/>
-            <a:ext cx="8988425" cy="4876800"/>
+            <a:off x="395536" y="2276872"/>
+            <a:ext cx="8229600" cy="3940696"/>
           </a:xfrm>
         </p:spPr>
         <p:txBody>
           <a:bodyPr>
-            <a:normAutofit/>
+            <a:noAutofit/>
           </a:bodyPr>
           <a:lstStyle/>
           <a:p>
-            <a:pPr marL="0" indent="0">
-              <a:buNone/>
-            </a:pPr>
+            <a:r>
+              <a:rPr lang="en-US" dirty="0">
+                <a:solidFill>
+                  <a:schemeClr val="accent1"/>
+                </a:solidFill>
+              </a:rPr>
+              <a:t>Hypotheses</a:t>
+            </a:r>
+          </a:p>
+          <a:p>
+            <a:pPr lvl="1"/>
+            <a:r>
+              <a:rPr lang="en-US" dirty="0">
+                <a:solidFill>
+                  <a:schemeClr val="accent1"/>
+                </a:solidFill>
+              </a:rPr>
+              <a:t>H1</a:t>
+            </a:r>
             <a:r>
               <a:rPr lang="en-US" dirty="0"/>
-              <a:t> </a:t>
-            </a:r>
-            <a:r>
-              <a:rPr lang="en-US" dirty="0" smtClean="0"/>
-              <a:t> Evaluate </a:t>
-            </a:r>
-            <a:r>
-              <a:rPr lang="en-US" dirty="0"/>
-              <a:t>the perception of behaviors related of power.</a:t>
-            </a:r>
+              <a:t> The higher-power agent will more strongly be perceived as self-centered than the lower-power agent</a:t>
+            </a:r>
+          </a:p>
+          <a:p>
+            <a:pPr lvl="1"/>
             <a:endParaRPr lang="en-US" dirty="0">
               <a:solidFill>
                 <a:srgbClr val="19A95A"/>
@@ -16836,21 +17698,333 @@
             </a:endParaRPr>
           </a:p>
           <a:p>
-            <a:pPr>
-              <a:buClr>
+            <a:pPr lvl="1"/>
+            <a:r>
+              <a:rPr lang="en-US" dirty="0">
+                <a:solidFill>
+                  <a:schemeClr val="accent1"/>
+                </a:solidFill>
+              </a:rPr>
+              <a:t>H2</a:t>
+            </a:r>
+            <a:r>
+              <a:rPr lang="en-US" dirty="0">
+                <a:solidFill>
+                  <a:srgbClr val="19A95A"/>
+                </a:solidFill>
+              </a:rPr>
+              <a:t> </a:t>
+            </a:r>
+            <a:r>
+              <a:rPr lang="en-US" dirty="0"/>
+              <a:t>The lower-power agent will be more strongly perceived as making larger concessions than the higher-power agent</a:t>
+            </a:r>
+          </a:p>
+          <a:p>
+            <a:pPr lvl="1"/>
+            <a:endParaRPr lang="en-US" dirty="0">
+              <a:solidFill>
+                <a:srgbClr val="19A95A"/>
+              </a:solidFill>
+            </a:endParaRPr>
+          </a:p>
+          <a:p>
+            <a:pPr lvl="1"/>
+            <a:r>
+              <a:rPr lang="en-US" dirty="0">
+                <a:solidFill>
+                  <a:schemeClr val="accent1"/>
+                </a:solidFill>
+              </a:rPr>
+              <a:t>H3</a:t>
+            </a:r>
+            <a:r>
+              <a:rPr lang="en-US" dirty="0">
+                <a:solidFill>
+                  <a:srgbClr val="19A95A"/>
+                </a:solidFill>
+              </a:rPr>
+              <a:t> </a:t>
+            </a:r>
+            <a:r>
+              <a:rPr lang="en-US" dirty="0"/>
+              <a:t>The higher-power agent will more strongly be perceived as demanding than the lower-power agent</a:t>
+            </a:r>
+          </a:p>
+          <a:p>
+            <a:pPr marL="274320" lvl="1" indent="0">
+              <a:buNone/>
+            </a:pPr>
+            <a:endParaRPr lang="en-US" dirty="0">
+              <a:solidFill>
+                <a:srgbClr val="19A95A"/>
+              </a:solidFill>
+            </a:endParaRPr>
+          </a:p>
+          <a:p>
+            <a:pPr lvl="1"/>
+            <a:r>
+              <a:rPr lang="en-US" dirty="0">
+                <a:solidFill>
+                  <a:schemeClr val="accent1"/>
+                </a:solidFill>
+              </a:rPr>
+              <a:t>H4</a:t>
+            </a:r>
+            <a:r>
+              <a:rPr lang="en-US" dirty="0">
+                <a:solidFill>
+                  <a:srgbClr val="19A95A"/>
+                </a:solidFill>
+              </a:rPr>
+              <a:t> </a:t>
+            </a:r>
+            <a:r>
+              <a:rPr lang="en-US" dirty="0" smtClean="0"/>
+              <a:t>The </a:t>
+            </a:r>
+            <a:r>
+              <a:rPr lang="en-US" dirty="0"/>
+              <a:t>higher-power agent will more strongly be perceived as taking the lead in the negotiation than the lower-power agent</a:t>
+            </a:r>
+            <a:endParaRPr lang="en-US" dirty="0">
+              <a:solidFill>
+                <a:srgbClr val="19A95A"/>
+              </a:solidFill>
+            </a:endParaRPr>
+          </a:p>
+        </p:txBody>
+      </p:sp>
+      <p:sp>
+        <p:nvSpPr>
+          <p:cNvPr id="4" name="Espace réservé du numéro de diapositive 3"/>
+          <p:cNvSpPr>
+            <a:spLocks noGrp="1"/>
+          </p:cNvSpPr>
+          <p:nvPr>
+            <p:ph type="sldNum" sz="quarter" idx="12"/>
+          </p:nvPr>
+        </p:nvSpPr>
+        <p:spPr/>
+        <p:txBody>
+          <a:bodyPr/>
+          <a:lstStyle/>
+          <a:p>
+            <a:fld id="{6936E76E-83C7-4D0C-AE26-C0751568CC47}" type="slidenum">
+              <a:rPr lang="fr-FR" smtClean="0"/>
+              <a:t>26</a:t>
+            </a:fld>
+            <a:endParaRPr lang="fr-FR"/>
+          </a:p>
+        </p:txBody>
+      </p:sp>
+      <p:sp>
+        <p:nvSpPr>
+          <p:cNvPr id="9" name="ZoneTexte 8">
+            <a:extLst>
+              <a:ext uri="{FF2B5EF4-FFF2-40B4-BE49-F238E27FC236}">
+                <a16:creationId xmlns:a16="http://schemas.microsoft.com/office/drawing/2014/main" xmlns="" id="{1AB175FA-037C-4BE2-A9EF-E9F07923A9FF}"/>
+              </a:ext>
+            </a:extLst>
+          </p:cNvPr>
+          <p:cNvSpPr txBox="1"/>
+          <p:nvPr/>
+        </p:nvSpPr>
+        <p:spPr>
+          <a:xfrm>
+            <a:off x="91386" y="0"/>
+            <a:ext cx="1481496" cy="400110"/>
+          </a:xfrm>
+          <a:prstGeom prst="rect">
+            <a:avLst/>
+          </a:prstGeom>
+          <a:noFill/>
+        </p:spPr>
+        <p:txBody>
+          <a:bodyPr wrap="none" rtlCol="0">
+            <a:spAutoFit/>
+          </a:bodyPr>
+          <a:lstStyle/>
+          <a:p>
+            <a:r>
+              <a:rPr lang="fr-FR" sz="2000" b="1" dirty="0">
+                <a:solidFill>
+                  <a:schemeClr val="bg1"/>
+                </a:solidFill>
+              </a:rPr>
+              <a:t>Evaluation</a:t>
+            </a:r>
+          </a:p>
+        </p:txBody>
+      </p:sp>
+      <p:sp>
+        <p:nvSpPr>
+          <p:cNvPr id="10" name="Titre 1">
+            <a:extLst>
+              <a:ext uri="{FF2B5EF4-FFF2-40B4-BE49-F238E27FC236}">
+                <a16:creationId xmlns:a16="http://schemas.microsoft.com/office/drawing/2014/main" xmlns="" id="{1DF4CD20-F84B-4D07-BAE8-6A1045430AD7}"/>
+              </a:ext>
+            </a:extLst>
+          </p:cNvPr>
+          <p:cNvSpPr>
+            <a:spLocks noGrp="1"/>
+          </p:cNvSpPr>
+          <p:nvPr>
+            <p:ph type="title"/>
+          </p:nvPr>
+        </p:nvSpPr>
+        <p:spPr>
+          <a:xfrm>
+            <a:off x="0" y="369278"/>
+            <a:ext cx="8964488" cy="1143000"/>
+          </a:xfrm>
+        </p:spPr>
+        <p:txBody>
+          <a:bodyPr>
+            <a:noAutofit/>
+          </a:bodyPr>
+          <a:lstStyle/>
+          <a:p>
+            <a:r>
+              <a:rPr lang="en-US" sz="3600" dirty="0">
+                <a:solidFill>
+                  <a:srgbClr val="FFC000"/>
+                </a:solidFill>
+              </a:rPr>
+              <a:t>Evaluation of the model</a:t>
+            </a:r>
+          </a:p>
+        </p:txBody>
+      </p:sp>
+      <p:sp>
+        <p:nvSpPr>
+          <p:cNvPr id="2" name="Rectangle 1"/>
+          <p:cNvSpPr/>
+          <p:nvPr/>
+        </p:nvSpPr>
+        <p:spPr>
+          <a:xfrm>
+            <a:off x="467544" y="1498554"/>
+            <a:ext cx="8280920" cy="648072"/>
+          </a:xfrm>
+          <a:prstGeom prst="rect">
+            <a:avLst/>
+          </a:prstGeom>
+          <a:noFill/>
+          <a:ln>
+            <a:solidFill>
+              <a:srgbClr val="FFC000"/>
+            </a:solidFill>
+          </a:ln>
+        </p:spPr>
+        <p:style>
+          <a:lnRef idx="2">
+            <a:schemeClr val="accent1">
+              <a:shade val="50000"/>
+            </a:schemeClr>
+          </a:lnRef>
+          <a:fillRef idx="1">
+            <a:schemeClr val="accent1"/>
+          </a:fillRef>
+          <a:effectRef idx="0">
+            <a:schemeClr val="accent1"/>
+          </a:effectRef>
+          <a:fontRef idx="minor">
+            <a:schemeClr val="lt1"/>
+          </a:fontRef>
+        </p:style>
+        <p:txBody>
+          <a:bodyPr rtlCol="0" anchor="ctr"/>
+          <a:lstStyle/>
+          <a:p>
+            <a:pPr algn="ctr"/>
+            <a:r>
+              <a:rPr lang="en-US" sz="2600" dirty="0">
+                <a:solidFill>
+                  <a:prstClr val="black"/>
+                </a:solidFill>
+              </a:rPr>
+              <a:t> Evaluate the perception of behaviors related of power.</a:t>
+            </a:r>
+            <a:endParaRPr lang="fr-FR" sz="2600" dirty="0"/>
+          </a:p>
+        </p:txBody>
+      </p:sp>
+    </p:spTree>
+    <p:extLst>
+      <p:ext uri="{BB962C8B-B14F-4D97-AF65-F5344CB8AC3E}">
+        <p14:creationId xmlns:p14="http://schemas.microsoft.com/office/powerpoint/2010/main" val="1475768906"/>
+      </p:ext>
+    </p:extLst>
+  </p:cSld>
+  <p:clrMapOvr>
+    <a:masterClrMapping/>
+  </p:clrMapOvr>
+  <p:timing>
+    <p:tnLst>
+      <p:par>
+        <p:cTn id="1" dur="indefinite" restart="never" nodeType="tmRoot"/>
+      </p:par>
+    </p:tnLst>
+  </p:timing>
+</p:sld>
+</file>
+
+<file path=ppt/slides/slide27.xml><?xml version="1.0" encoding="utf-8"?>
+<p:sld xmlns:a="http://schemas.openxmlformats.org/drawingml/2006/main" xmlns:r="http://schemas.openxmlformats.org/officeDocument/2006/relationships" xmlns:p="http://schemas.openxmlformats.org/presentationml/2006/main">
+  <p:cSld>
+    <p:spTree>
+      <p:nvGrpSpPr>
+        <p:cNvPr id="1" name=""/>
+        <p:cNvGrpSpPr/>
+        <p:nvPr/>
+      </p:nvGrpSpPr>
+      <p:grpSpPr>
+        <a:xfrm>
+          <a:off x="0" y="0"/>
+          <a:ext cx="0" cy="0"/>
+          <a:chOff x="0" y="0"/>
+          <a:chExt cx="0" cy="0"/>
+        </a:xfrm>
+      </p:grpSpPr>
+      <p:sp>
+        <p:nvSpPr>
+          <p:cNvPr id="3" name="Espace réservé du contenu 2"/>
+          <p:cNvSpPr>
+            <a:spLocks noGrp="1"/>
+          </p:cNvSpPr>
+          <p:nvPr>
+            <p:ph idx="1"/>
+          </p:nvPr>
+        </p:nvSpPr>
+        <p:spPr>
+          <a:xfrm>
+            <a:off x="155575" y="1512278"/>
+            <a:ext cx="8988425" cy="4876800"/>
+          </a:xfrm>
+        </p:spPr>
+        <p:txBody>
+          <a:bodyPr>
+            <a:normAutofit fontScale="92500" lnSpcReduction="10000"/>
+          </a:bodyPr>
+          <a:lstStyle/>
+          <a:p>
+            <a:pPr marL="0" indent="0">
+              <a:buNone/>
+            </a:pPr>
+            <a:r>
+              <a:rPr lang="en-US" sz="2800" dirty="0" smtClean="0">
+                <a:solidFill>
+                  <a:srgbClr val="FFC000"/>
+                </a:solidFill>
+              </a:rPr>
+              <a:t>Conditions</a:t>
+            </a:r>
+            <a:endParaRPr lang="en-US" sz="2800" dirty="0">
+              <a:solidFill>
                 <a:srgbClr val="FFC000"/>
-              </a:buClr>
-              <a:buFont typeface="Wingdings" panose="05000000000000000000" pitchFamily="2" charset="2"/>
-              <a:buChar char="Ø"/>
-            </a:pPr>
-            <a:r>
-              <a:rPr lang="en-US" sz="2800" dirty="0">
-                <a:solidFill>
-                  <a:srgbClr val="FFC000"/>
-                </a:solidFill>
-              </a:rPr>
-              <a:t> Conditions</a:t>
-            </a:r>
+              </a:solidFill>
+            </a:endParaRPr>
           </a:p>
           <a:p>
             <a:pPr>
@@ -16902,8 +18076,22 @@
               <a:buFont typeface="Wingdings" panose="05000000000000000000" pitchFamily="2" charset="2"/>
               <a:buChar char="Ø"/>
             </a:pPr>
-            <a:r>
-              <a:rPr lang="en-US" sz="2800" dirty="0">
+            <a:endParaRPr lang="en-US" sz="2800" dirty="0" smtClean="0">
+              <a:solidFill>
+                <a:srgbClr val="FFC000"/>
+              </a:solidFill>
+            </a:endParaRPr>
+          </a:p>
+          <a:p>
+            <a:pPr>
+              <a:buClr>
+                <a:srgbClr val="FFC000"/>
+              </a:buClr>
+              <a:buFont typeface="Wingdings" panose="05000000000000000000" pitchFamily="2" charset="2"/>
+              <a:buChar char="Ø"/>
+            </a:pPr>
+            <a:r>
+              <a:rPr lang="en-US" sz="2800" dirty="0" smtClean="0">
                 <a:solidFill>
                   <a:srgbClr val="FFC000"/>
                 </a:solidFill>
@@ -16925,11 +18113,11 @@
               <a:buChar char="Ø"/>
             </a:pPr>
             <a:r>
-              <a:rPr lang="en-US" sz="2000" dirty="0"/>
+              <a:rPr lang="en-US" dirty="0"/>
               <a:t>External judges evaluate both agent behaviors during their negotiation</a:t>
             </a:r>
             <a:r>
-              <a:rPr lang="en-US" dirty="0"/>
+              <a:rPr lang="en-US" sz="2800" dirty="0"/>
               <a:t>.</a:t>
             </a:r>
           </a:p>
@@ -16942,15 +18130,15 @@
               <a:buChar char="Ø"/>
             </a:pPr>
             <a:r>
-              <a:rPr lang="en-US" sz="2000" dirty="0"/>
+              <a:rPr lang="en-US" dirty="0"/>
               <a:t>A between-subject study on the online site </a:t>
             </a:r>
             <a:r>
-              <a:rPr lang="en-US" sz="2000" i="1" u="sng" dirty="0"/>
+              <a:rPr lang="en-US" i="1" u="sng" dirty="0"/>
               <a:t>CrowdFlower.com</a:t>
             </a:r>
             <a:r>
-              <a:rPr lang="en-US" sz="2000" dirty="0"/>
+              <a:rPr lang="en-US" dirty="0"/>
               <a:t>.</a:t>
             </a:r>
           </a:p>
@@ -16963,7 +18151,7 @@
               <a:buChar char="Ø"/>
             </a:pPr>
             <a:r>
-              <a:rPr lang="en-US" sz="2000" dirty="0"/>
+              <a:rPr lang="en-US" dirty="0"/>
               <a:t>Agents described as two friends negotiating about restaurant where to have dinner.</a:t>
             </a:r>
           </a:p>
@@ -16976,7 +18164,7 @@
               <a:buChar char="Ø"/>
             </a:pPr>
             <a:r>
-              <a:rPr lang="en-US" sz="2000" dirty="0"/>
+              <a:rPr lang="en-US" dirty="0"/>
               <a:t>Total participants: 120</a:t>
             </a:r>
           </a:p>
@@ -17047,7 +18235,7 @@
           <a:p>
             <a:fld id="{6936E76E-83C7-4D0C-AE26-C0751568CC47}" type="slidenum">
               <a:rPr lang="fr-FR" smtClean="0"/>
-              <a:t>25</a:t>
+              <a:t>27</a:t>
             </a:fld>
             <a:endParaRPr lang="fr-FR"/>
           </a:p>
@@ -17166,7 +18354,7 @@
         </p:nvGrpSpPr>
         <p:grpSpPr>
           <a:xfrm>
-            <a:off x="7209377" y="2348880"/>
+            <a:off x="7285120" y="1843540"/>
             <a:ext cx="1755111" cy="2088231"/>
             <a:chOff x="6505417" y="2352364"/>
             <a:chExt cx="2470312" cy="3291174"/>
@@ -17259,7 +18447,7 @@
             <p:cNvPr id="13" name="Picture 2">
               <a:extLst>
                 <a:ext uri="{FF2B5EF4-FFF2-40B4-BE49-F238E27FC236}">
-                  <a16:creationId xmlns="" xmlns:a16="http://schemas.microsoft.com/office/drawing/2014/main" id="{1073412C-BD31-4FF8-81F8-7E47107A6CEC}"/>
+                  <a16:creationId xmlns:a16="http://schemas.microsoft.com/office/drawing/2014/main" xmlns="" id="{1073412C-BD31-4FF8-81F8-7E47107A6CEC}"/>
                 </a:ext>
               </a:extLst>
             </p:cNvPr>
@@ -17314,7 +18502,7 @@
             <p:cNvPr id="14" name="Picture 2">
               <a:extLst>
                 <a:ext uri="{FF2B5EF4-FFF2-40B4-BE49-F238E27FC236}">
-                  <a16:creationId xmlns="" xmlns:a16="http://schemas.microsoft.com/office/drawing/2014/main" id="{1073412C-BD31-4FF8-81F8-7E47107A6CEC}"/>
+                  <a16:creationId xmlns:a16="http://schemas.microsoft.com/office/drawing/2014/main" xmlns="" id="{1073412C-BD31-4FF8-81F8-7E47107A6CEC}"/>
                 </a:ext>
               </a:extLst>
             </p:cNvPr>
@@ -17442,8 +18630,8 @@
         </p:nvSpPr>
         <p:spPr>
           <a:xfrm>
-            <a:off x="307975" y="2617266"/>
-            <a:ext cx="3518912" cy="1231106"/>
+            <a:off x="307975" y="2132856"/>
+            <a:ext cx="3833101" cy="1384995"/>
           </a:xfrm>
           <a:prstGeom prst="rect">
             <a:avLst/>
@@ -17464,11 +18652,11 @@
               <a:buChar char="Ø"/>
             </a:pPr>
             <a:r>
-              <a:rPr lang="en-US" sz="2000" dirty="0" err="1"/>
+              <a:rPr lang="en-US" sz="2400" dirty="0" err="1"/>
               <a:t>Init</a:t>
             </a:r>
             <a:r>
-              <a:rPr lang="en-US" sz="2000" dirty="0"/>
+              <a:rPr lang="en-US" sz="2400" dirty="0"/>
               <a:t> of power</a:t>
             </a:r>
           </a:p>
@@ -17479,7 +18667,7 @@
               </a:buClr>
             </a:pPr>
             <a:r>
-              <a:rPr lang="en-US" dirty="0"/>
+              <a:rPr lang="en-US" sz="2000" dirty="0"/>
               <a:t>Pow(A) = 0.9,  Pow(B) = 0.4</a:t>
             </a:r>
           </a:p>
@@ -17490,7 +18678,7 @@
               </a:buClr>
             </a:pPr>
             <a:r>
-              <a:rPr lang="en-US" dirty="0"/>
+              <a:rPr lang="en-US" sz="2000" dirty="0"/>
               <a:t>Pow(A) = 0.7,  Pow(B) = 0.4</a:t>
             </a:r>
           </a:p>
@@ -17501,14 +18689,14 @@
               </a:buClr>
             </a:pPr>
             <a:r>
-              <a:rPr lang="en-US" dirty="0"/>
+              <a:rPr lang="en-US" sz="2000" dirty="0"/>
               <a:t>Pow(A) = 0.7,  Pow(B) = </a:t>
             </a:r>
             <a:r>
-              <a:rPr lang="en-US" dirty="0" smtClean="0"/>
+              <a:rPr lang="en-US" sz="2000" dirty="0" smtClean="0"/>
               <a:t>0.2</a:t>
             </a:r>
-            <a:endParaRPr lang="en-US" dirty="0"/>
+            <a:endParaRPr lang="en-US" sz="2000" dirty="0"/>
           </a:p>
         </p:txBody>
       </p:sp>
@@ -17520,8 +18708,8 @@
         </p:nvSpPr>
         <p:spPr>
           <a:xfrm>
-            <a:off x="4067944" y="2626648"/>
-            <a:ext cx="2877711" cy="1231106"/>
+            <a:off x="4067944" y="2142238"/>
+            <a:ext cx="3122971" cy="1384995"/>
           </a:xfrm>
           <a:prstGeom prst="rect">
             <a:avLst/>
@@ -17542,7 +18730,7 @@
               <a:buChar char="Ø"/>
             </a:pPr>
             <a:r>
-              <a:rPr lang="en-US" sz="2000" dirty="0"/>
+              <a:rPr lang="en-US" sz="2400" dirty="0"/>
               <a:t>Agent preferences.</a:t>
             </a:r>
           </a:p>
@@ -17556,11 +18744,11 @@
               </a:buClr>
             </a:pPr>
             <a:r>
-              <a:rPr lang="en-US" b="1" dirty="0"/>
+              <a:rPr lang="en-US" sz="2000" b="1" dirty="0"/>
               <a:t>Similar</a:t>
             </a:r>
             <a:r>
-              <a:rPr lang="en-US" dirty="0"/>
+              <a:rPr lang="en-US" sz="2000" dirty="0"/>
               <a:t> preferences</a:t>
             </a:r>
           </a:p>
@@ -17574,14 +18762,14 @@
               </a:buClr>
             </a:pPr>
             <a:r>
-              <a:rPr lang="en-US" b="1" dirty="0"/>
+              <a:rPr lang="en-US" sz="2000" b="1" dirty="0"/>
               <a:t>Different</a:t>
             </a:r>
             <a:r>
-              <a:rPr lang="en-US" dirty="0"/>
+              <a:rPr lang="en-US" sz="2000" dirty="0"/>
               <a:t> preferences</a:t>
             </a:r>
-            <a:endParaRPr lang="fr-FR" dirty="0"/>
+            <a:endParaRPr lang="fr-FR" sz="2000" dirty="0"/>
           </a:p>
         </p:txBody>
       </p:sp>
@@ -17589,639 +18777,6 @@
     <p:extLst>
       <p:ext uri="{BB962C8B-B14F-4D97-AF65-F5344CB8AC3E}">
         <p14:creationId xmlns:p14="http://schemas.microsoft.com/office/powerpoint/2010/main" val="266486446"/>
-      </p:ext>
-    </p:extLst>
-  </p:cSld>
-  <p:clrMapOvr>
-    <a:masterClrMapping/>
-  </p:clrMapOvr>
-  <p:timing>
-    <p:tnLst>
-      <p:par>
-        <p:cTn id="1" dur="indefinite" restart="never" nodeType="tmRoot"/>
-      </p:par>
-    </p:tnLst>
-  </p:timing>
-</p:sld>
-</file>
-
-<file path=ppt/slides/slide26.xml><?xml version="1.0" encoding="utf-8"?>
-<p:sld xmlns:a="http://schemas.openxmlformats.org/drawingml/2006/main" xmlns:r="http://schemas.openxmlformats.org/officeDocument/2006/relationships" xmlns:p="http://schemas.openxmlformats.org/presentationml/2006/main">
-  <p:cSld>
-    <p:spTree>
-      <p:nvGrpSpPr>
-        <p:cNvPr id="1" name=""/>
-        <p:cNvGrpSpPr/>
-        <p:nvPr/>
-      </p:nvGrpSpPr>
-      <p:grpSpPr>
-        <a:xfrm>
-          <a:off x="0" y="0"/>
-          <a:ext cx="0" cy="0"/>
-          <a:chOff x="0" y="0"/>
-          <a:chExt cx="0" cy="0"/>
-        </a:xfrm>
-      </p:grpSpPr>
-      <p:sp>
-        <p:nvSpPr>
-          <p:cNvPr id="3" name="Espace réservé du contenu 2"/>
-          <p:cNvSpPr>
-            <a:spLocks noGrp="1"/>
-          </p:cNvSpPr>
-          <p:nvPr>
-            <p:ph idx="1"/>
-          </p:nvPr>
-        </p:nvSpPr>
-        <p:spPr>
-          <a:xfrm>
-            <a:off x="457200" y="1556792"/>
-            <a:ext cx="8229600" cy="4876800"/>
-          </a:xfrm>
-        </p:spPr>
-        <p:txBody>
-          <a:bodyPr>
-            <a:noAutofit/>
-          </a:bodyPr>
-          <a:lstStyle/>
-          <a:p>
-            <a:r>
-              <a:rPr lang="en-US" sz="2800" dirty="0">
-                <a:solidFill>
-                  <a:schemeClr val="accent1"/>
-                </a:solidFill>
-              </a:rPr>
-              <a:t>Hypotheses</a:t>
-            </a:r>
-          </a:p>
-          <a:p>
-            <a:pPr lvl="1"/>
-            <a:r>
-              <a:rPr lang="en-US" sz="2200" dirty="0">
-                <a:solidFill>
-                  <a:schemeClr val="accent1"/>
-                </a:solidFill>
-              </a:rPr>
-              <a:t>H1</a:t>
-            </a:r>
-            <a:r>
-              <a:rPr lang="en-US" sz="2200" dirty="0"/>
-              <a:t> The higher-power agent will more strongly be perceived as self-centered than the lower-power agent</a:t>
-            </a:r>
-          </a:p>
-          <a:p>
-            <a:pPr lvl="1"/>
-            <a:endParaRPr lang="en-US" sz="2200" dirty="0">
-              <a:solidFill>
-                <a:srgbClr val="19A95A"/>
-              </a:solidFill>
-            </a:endParaRPr>
-          </a:p>
-          <a:p>
-            <a:pPr lvl="1"/>
-            <a:r>
-              <a:rPr lang="en-US" sz="2200" dirty="0">
-                <a:solidFill>
-                  <a:schemeClr val="accent1"/>
-                </a:solidFill>
-              </a:rPr>
-              <a:t>H2</a:t>
-            </a:r>
-            <a:r>
-              <a:rPr lang="en-US" sz="2200" dirty="0">
-                <a:solidFill>
-                  <a:srgbClr val="19A95A"/>
-                </a:solidFill>
-              </a:rPr>
-              <a:t> </a:t>
-            </a:r>
-            <a:r>
-              <a:rPr lang="en-US" sz="2200" dirty="0"/>
-              <a:t>The lower-power agent will be more strongly perceived as making larger concessions than the higher-power agent</a:t>
-            </a:r>
-          </a:p>
-          <a:p>
-            <a:pPr lvl="1"/>
-            <a:endParaRPr lang="en-US" sz="2200" dirty="0">
-              <a:solidFill>
-                <a:srgbClr val="19A95A"/>
-              </a:solidFill>
-            </a:endParaRPr>
-          </a:p>
-          <a:p>
-            <a:pPr lvl="1"/>
-            <a:r>
-              <a:rPr lang="en-US" sz="2200" dirty="0">
-                <a:solidFill>
-                  <a:schemeClr val="accent1"/>
-                </a:solidFill>
-              </a:rPr>
-              <a:t>H3</a:t>
-            </a:r>
-            <a:r>
-              <a:rPr lang="en-US" sz="2200" dirty="0">
-                <a:solidFill>
-                  <a:srgbClr val="19A95A"/>
-                </a:solidFill>
-              </a:rPr>
-              <a:t> </a:t>
-            </a:r>
-            <a:r>
-              <a:rPr lang="en-US" sz="2200" dirty="0"/>
-              <a:t>The higher-power agent will more strongly be perceived as demanding than the lower-power agent</a:t>
-            </a:r>
-          </a:p>
-          <a:p>
-            <a:pPr marL="274320" lvl="1" indent="0">
-              <a:buNone/>
-            </a:pPr>
-            <a:endParaRPr lang="en-US" sz="2200" dirty="0">
-              <a:solidFill>
-                <a:srgbClr val="19A95A"/>
-              </a:solidFill>
-            </a:endParaRPr>
-          </a:p>
-          <a:p>
-            <a:pPr lvl="1"/>
-            <a:r>
-              <a:rPr lang="en-US" sz="2200" dirty="0">
-                <a:solidFill>
-                  <a:schemeClr val="accent1"/>
-                </a:solidFill>
-              </a:rPr>
-              <a:t>H4</a:t>
-            </a:r>
-            <a:r>
-              <a:rPr lang="en-US" sz="2200" dirty="0">
-                <a:solidFill>
-                  <a:srgbClr val="19A95A"/>
-                </a:solidFill>
-              </a:rPr>
-              <a:t> </a:t>
-            </a:r>
-            <a:r>
-              <a:rPr lang="en-US" sz="2200" dirty="0" smtClean="0"/>
-              <a:t>The </a:t>
-            </a:r>
-            <a:r>
-              <a:rPr lang="en-US" sz="2200" dirty="0"/>
-              <a:t>higher-power agent will more strongly be perceived as taking the lead in the negotiation than the lower-power agent</a:t>
-            </a:r>
-            <a:endParaRPr lang="en-US" sz="2400" dirty="0">
-              <a:solidFill>
-                <a:srgbClr val="19A95A"/>
-              </a:solidFill>
-            </a:endParaRPr>
-          </a:p>
-        </p:txBody>
-      </p:sp>
-      <p:sp>
-        <p:nvSpPr>
-          <p:cNvPr id="4" name="Espace réservé du numéro de diapositive 3"/>
-          <p:cNvSpPr>
-            <a:spLocks noGrp="1"/>
-          </p:cNvSpPr>
-          <p:nvPr>
-            <p:ph type="sldNum" sz="quarter" idx="12"/>
-          </p:nvPr>
-        </p:nvSpPr>
-        <p:spPr/>
-        <p:txBody>
-          <a:bodyPr/>
-          <a:lstStyle/>
-          <a:p>
-            <a:fld id="{6936E76E-83C7-4D0C-AE26-C0751568CC47}" type="slidenum">
-              <a:rPr lang="fr-FR" smtClean="0"/>
-              <a:t>26</a:t>
-            </a:fld>
-            <a:endParaRPr lang="fr-FR"/>
-          </a:p>
-        </p:txBody>
-      </p:sp>
-      <p:sp>
-        <p:nvSpPr>
-          <p:cNvPr id="9" name="ZoneTexte 8">
-            <a:extLst>
-              <a:ext uri="{FF2B5EF4-FFF2-40B4-BE49-F238E27FC236}">
-                <a16:creationId xmlns="" xmlns:a16="http://schemas.microsoft.com/office/drawing/2014/main" id="{1AB175FA-037C-4BE2-A9EF-E9F07923A9FF}"/>
-              </a:ext>
-            </a:extLst>
-          </p:cNvPr>
-          <p:cNvSpPr txBox="1"/>
-          <p:nvPr/>
-        </p:nvSpPr>
-        <p:spPr>
-          <a:xfrm>
-            <a:off x="91386" y="0"/>
-            <a:ext cx="1481496" cy="400110"/>
-          </a:xfrm>
-          <a:prstGeom prst="rect">
-            <a:avLst/>
-          </a:prstGeom>
-          <a:noFill/>
-        </p:spPr>
-        <p:txBody>
-          <a:bodyPr wrap="none" rtlCol="0">
-            <a:spAutoFit/>
-          </a:bodyPr>
-          <a:lstStyle/>
-          <a:p>
-            <a:r>
-              <a:rPr lang="fr-FR" sz="2000" b="1" dirty="0">
-                <a:solidFill>
-                  <a:schemeClr val="bg1"/>
-                </a:solidFill>
-              </a:rPr>
-              <a:t>Evaluation</a:t>
-            </a:r>
-          </a:p>
-        </p:txBody>
-      </p:sp>
-      <p:sp>
-        <p:nvSpPr>
-          <p:cNvPr id="10" name="Titre 1">
-            <a:extLst>
-              <a:ext uri="{FF2B5EF4-FFF2-40B4-BE49-F238E27FC236}">
-                <a16:creationId xmlns="" xmlns:a16="http://schemas.microsoft.com/office/drawing/2014/main" id="{1DF4CD20-F84B-4D07-BAE8-6A1045430AD7}"/>
-              </a:ext>
-            </a:extLst>
-          </p:cNvPr>
-          <p:cNvSpPr>
-            <a:spLocks noGrp="1"/>
-          </p:cNvSpPr>
-          <p:nvPr>
-            <p:ph type="title"/>
-          </p:nvPr>
-        </p:nvSpPr>
-        <p:spPr>
-          <a:xfrm>
-            <a:off x="0" y="369278"/>
-            <a:ext cx="8964488" cy="1143000"/>
-          </a:xfrm>
-        </p:spPr>
-        <p:txBody>
-          <a:bodyPr>
-            <a:noAutofit/>
-          </a:bodyPr>
-          <a:lstStyle/>
-          <a:p>
-            <a:r>
-              <a:rPr lang="en-US" sz="3600" dirty="0">
-                <a:solidFill>
-                  <a:srgbClr val="FFC000"/>
-                </a:solidFill>
-              </a:rPr>
-              <a:t>Evaluation of the model</a:t>
-            </a:r>
-          </a:p>
-        </p:txBody>
-      </p:sp>
-    </p:spTree>
-    <p:extLst>
-      <p:ext uri="{BB962C8B-B14F-4D97-AF65-F5344CB8AC3E}">
-        <p14:creationId xmlns:p14="http://schemas.microsoft.com/office/powerpoint/2010/main" val="1475768906"/>
-      </p:ext>
-    </p:extLst>
-  </p:cSld>
-  <p:clrMapOvr>
-    <a:masterClrMapping/>
-  </p:clrMapOvr>
-  <p:timing>
-    <p:tnLst>
-      <p:par>
-        <p:cTn id="1" dur="indefinite" restart="never" nodeType="tmRoot"/>
-      </p:par>
-    </p:tnLst>
-  </p:timing>
-</p:sld>
-</file>
-
-<file path=ppt/slides/slide27.xml><?xml version="1.0" encoding="utf-8"?>
-<p:sld xmlns:a="http://schemas.openxmlformats.org/drawingml/2006/main" xmlns:r="http://schemas.openxmlformats.org/officeDocument/2006/relationships" xmlns:p="http://schemas.openxmlformats.org/presentationml/2006/main">
-  <p:cSld>
-    <p:spTree>
-      <p:nvGrpSpPr>
-        <p:cNvPr id="1" name=""/>
-        <p:cNvGrpSpPr/>
-        <p:nvPr/>
-      </p:nvGrpSpPr>
-      <p:grpSpPr>
-        <a:xfrm>
-          <a:off x="0" y="0"/>
-          <a:ext cx="0" cy="0"/>
-          <a:chOff x="0" y="0"/>
-          <a:chExt cx="0" cy="0"/>
-        </a:xfrm>
-      </p:grpSpPr>
-      <p:sp>
-        <p:nvSpPr>
-          <p:cNvPr id="4" name="Espace réservé du numéro de diapositive 3"/>
-          <p:cNvSpPr>
-            <a:spLocks noGrp="1"/>
-          </p:cNvSpPr>
-          <p:nvPr>
-            <p:ph type="sldNum" sz="quarter" idx="12"/>
-          </p:nvPr>
-        </p:nvSpPr>
-        <p:spPr/>
-        <p:txBody>
-          <a:bodyPr/>
-          <a:lstStyle/>
-          <a:p>
-            <a:fld id="{6936E76E-83C7-4D0C-AE26-C0751568CC47}" type="slidenum">
-              <a:rPr lang="fr-FR" smtClean="0"/>
-              <a:t>27</a:t>
-            </a:fld>
-            <a:endParaRPr lang="fr-FR"/>
-          </a:p>
-        </p:txBody>
-      </p:sp>
-      <p:sp>
-        <p:nvSpPr>
-          <p:cNvPr id="6" name="ZoneTexte 5"/>
-          <p:cNvSpPr txBox="1"/>
-          <p:nvPr/>
-        </p:nvSpPr>
-        <p:spPr>
-          <a:xfrm>
-            <a:off x="361786" y="1351372"/>
-            <a:ext cx="3943708" cy="523220"/>
-          </a:xfrm>
-          <a:prstGeom prst="rect">
-            <a:avLst/>
-          </a:prstGeom>
-          <a:noFill/>
-        </p:spPr>
-        <p:txBody>
-          <a:bodyPr wrap="none" rtlCol="0">
-            <a:spAutoFit/>
-          </a:bodyPr>
-          <a:lstStyle/>
-          <a:p>
-            <a:r>
-              <a:rPr lang="en-US" sz="2800" b="1" dirty="0"/>
-              <a:t>H1: Self centeredness</a:t>
-            </a:r>
-          </a:p>
-        </p:txBody>
-      </p:sp>
-      <p:sp>
-        <p:nvSpPr>
-          <p:cNvPr id="9" name="ZoneTexte 8"/>
-          <p:cNvSpPr txBox="1"/>
-          <p:nvPr/>
-        </p:nvSpPr>
-        <p:spPr>
-          <a:xfrm>
-            <a:off x="4860032" y="1371765"/>
-            <a:ext cx="3203121" cy="523220"/>
-          </a:xfrm>
-          <a:prstGeom prst="rect">
-            <a:avLst/>
-          </a:prstGeom>
-          <a:noFill/>
-        </p:spPr>
-        <p:txBody>
-          <a:bodyPr wrap="none" rtlCol="0">
-            <a:spAutoFit/>
-          </a:bodyPr>
-          <a:lstStyle/>
-          <a:p>
-            <a:r>
-              <a:rPr lang="fr-FR" sz="2800" b="1" dirty="0"/>
-              <a:t>H2: Concessions </a:t>
-            </a:r>
-          </a:p>
-        </p:txBody>
-      </p:sp>
-      <p:sp>
-        <p:nvSpPr>
-          <p:cNvPr id="5" name="ZoneTexte 4"/>
-          <p:cNvSpPr txBox="1"/>
-          <p:nvPr/>
-        </p:nvSpPr>
-        <p:spPr>
-          <a:xfrm>
-            <a:off x="233772" y="5373216"/>
-            <a:ext cx="8496944" cy="1107996"/>
-          </a:xfrm>
-          <a:prstGeom prst="rect">
-            <a:avLst/>
-          </a:prstGeom>
-          <a:noFill/>
-        </p:spPr>
-        <p:txBody>
-          <a:bodyPr wrap="square" rtlCol="0">
-            <a:spAutoFit/>
-          </a:bodyPr>
-          <a:lstStyle/>
-          <a:p>
-            <a:pPr marL="285750" indent="-285750">
-              <a:buFont typeface="Arial" panose="020B0604020202020204" pitchFamily="34" charset="0"/>
-              <a:buChar char="•"/>
-            </a:pPr>
-            <a:r>
-              <a:rPr lang="en-US" sz="2200" dirty="0"/>
-              <a:t>Agent A is more self-centered and makes less concessions.</a:t>
-            </a:r>
-          </a:p>
-          <a:p>
-            <a:pPr marL="285750" indent="-285750">
-              <a:buFont typeface="Arial" panose="020B0604020202020204" pitchFamily="34" charset="0"/>
-              <a:buChar char="•"/>
-            </a:pPr>
-            <a:r>
-              <a:rPr lang="en-US" sz="2200" dirty="0"/>
-              <a:t>Agent B tries to find the best trade-off for both parties, and is able to make larger concessions.</a:t>
-            </a:r>
-          </a:p>
-        </p:txBody>
-      </p:sp>
-      <p:sp>
-        <p:nvSpPr>
-          <p:cNvPr id="12" name="ZoneTexte 11"/>
-          <p:cNvSpPr txBox="1"/>
-          <p:nvPr/>
-        </p:nvSpPr>
-        <p:spPr>
-          <a:xfrm>
-            <a:off x="91386" y="0"/>
-            <a:ext cx="1481496" cy="400110"/>
-          </a:xfrm>
-          <a:prstGeom prst="rect">
-            <a:avLst/>
-          </a:prstGeom>
-          <a:noFill/>
-        </p:spPr>
-        <p:txBody>
-          <a:bodyPr wrap="none" rtlCol="0">
-            <a:spAutoFit/>
-          </a:bodyPr>
-          <a:lstStyle/>
-          <a:p>
-            <a:r>
-              <a:rPr lang="fr-FR" sz="2000" b="1" dirty="0">
-                <a:solidFill>
-                  <a:schemeClr val="bg1"/>
-                </a:solidFill>
-              </a:rPr>
-              <a:t>Evaluation</a:t>
-            </a:r>
-          </a:p>
-        </p:txBody>
-      </p:sp>
-      <p:sp>
-        <p:nvSpPr>
-          <p:cNvPr id="21" name="Titre 1">
-            <a:extLst>
-              <a:ext uri="{FF2B5EF4-FFF2-40B4-BE49-F238E27FC236}">
-                <a16:creationId xmlns="" xmlns:a16="http://schemas.microsoft.com/office/drawing/2014/main" id="{E55D5E34-0B49-4B7D-9777-837B855953CF}"/>
-              </a:ext>
-            </a:extLst>
-          </p:cNvPr>
-          <p:cNvSpPr>
-            <a:spLocks noGrp="1"/>
-          </p:cNvSpPr>
-          <p:nvPr>
-            <p:ph type="title"/>
-          </p:nvPr>
-        </p:nvSpPr>
-        <p:spPr>
-          <a:xfrm>
-            <a:off x="0" y="369278"/>
-            <a:ext cx="8964488" cy="1143000"/>
-          </a:xfrm>
-        </p:spPr>
-        <p:txBody>
-          <a:bodyPr>
-            <a:noAutofit/>
-          </a:bodyPr>
-          <a:lstStyle/>
-          <a:p>
-            <a:r>
-              <a:rPr lang="en-US" sz="3600" dirty="0">
-                <a:solidFill>
-                  <a:srgbClr val="FFC000"/>
-                </a:solidFill>
-              </a:rPr>
-              <a:t>Evaluation of the model</a:t>
-            </a:r>
-          </a:p>
-        </p:txBody>
-      </p:sp>
-      <p:sp>
-        <p:nvSpPr>
-          <p:cNvPr id="7" name="ZoneTexte 6"/>
-          <p:cNvSpPr txBox="1"/>
-          <p:nvPr/>
-        </p:nvSpPr>
-        <p:spPr>
-          <a:xfrm>
-            <a:off x="683568" y="4577346"/>
-            <a:ext cx="504056" cy="369332"/>
-          </a:xfrm>
-          <a:prstGeom prst="rect">
-            <a:avLst/>
-          </a:prstGeom>
-          <a:solidFill>
-            <a:schemeClr val="bg1"/>
-          </a:solidFill>
-        </p:spPr>
-        <p:txBody>
-          <a:bodyPr wrap="square" rtlCol="0">
-            <a:spAutoFit/>
-          </a:bodyPr>
-          <a:lstStyle/>
-          <a:p>
-            <a:endParaRPr lang="fr-FR" dirty="0"/>
-          </a:p>
-        </p:txBody>
-      </p:sp>
-      <p:pic>
-        <p:nvPicPr>
-          <p:cNvPr id="23" name="Image 22">
-            <a:extLst>
-              <a:ext uri="{FF2B5EF4-FFF2-40B4-BE49-F238E27FC236}">
-                <a16:creationId xmlns="" xmlns:a16="http://schemas.microsoft.com/office/drawing/2014/main" id="{D53D89F2-AE8A-477A-A2F9-C334D7FE89CE}"/>
-              </a:ext>
-            </a:extLst>
-          </p:cNvPr>
-          <p:cNvPicPr>
-            <a:picLocks noChangeAspect="1"/>
-          </p:cNvPicPr>
-          <p:nvPr/>
-        </p:nvPicPr>
-        <p:blipFill>
-          <a:blip r:embed="rId2">
-            <a:extLst>
-              <a:ext uri="{28A0092B-C50C-407E-A947-70E740481C1C}">
-                <a14:useLocalDpi xmlns:a14="http://schemas.microsoft.com/office/drawing/2010/main" val="0"/>
-              </a:ext>
-            </a:extLst>
-          </a:blip>
-          <a:stretch>
-            <a:fillRect/>
-          </a:stretch>
-        </p:blipFill>
-        <p:spPr>
-          <a:xfrm>
-            <a:off x="361786" y="1894985"/>
-            <a:ext cx="4210214" cy="3215686"/>
-          </a:xfrm>
-          <a:prstGeom prst="rect">
-            <a:avLst/>
-          </a:prstGeom>
-          <a:ln>
-            <a:solidFill>
-              <a:schemeClr val="tx1"/>
-            </a:solidFill>
-          </a:ln>
-        </p:spPr>
-      </p:pic>
-      <p:pic>
-        <p:nvPicPr>
-          <p:cNvPr id="25" name="Image 24">
-            <a:extLst>
-              <a:ext uri="{FF2B5EF4-FFF2-40B4-BE49-F238E27FC236}">
-                <a16:creationId xmlns="" xmlns:a16="http://schemas.microsoft.com/office/drawing/2014/main" id="{28731151-DA40-43DD-B470-598CF86726A8}"/>
-              </a:ext>
-            </a:extLst>
-          </p:cNvPr>
-          <p:cNvPicPr>
-            <a:picLocks noChangeAspect="1"/>
-          </p:cNvPicPr>
-          <p:nvPr/>
-        </p:nvPicPr>
-        <p:blipFill>
-          <a:blip r:embed="rId3">
-            <a:extLst>
-              <a:ext uri="{28A0092B-C50C-407E-A947-70E740481C1C}">
-                <a14:useLocalDpi xmlns:a14="http://schemas.microsoft.com/office/drawing/2010/main" val="0"/>
-              </a:ext>
-            </a:extLst>
-          </a:blip>
-          <a:stretch>
-            <a:fillRect/>
-          </a:stretch>
-        </p:blipFill>
-        <p:spPr>
-          <a:xfrm>
-            <a:off x="4788024" y="1894985"/>
-            <a:ext cx="4137060" cy="3234331"/>
-          </a:xfrm>
-          <a:prstGeom prst="rect">
-            <a:avLst/>
-          </a:prstGeom>
-          <a:ln>
-            <a:solidFill>
-              <a:schemeClr val="tx1"/>
-            </a:solidFill>
-          </a:ln>
-        </p:spPr>
-      </p:pic>
-    </p:spTree>
-    <p:extLst>
-      <p:ext uri="{BB962C8B-B14F-4D97-AF65-F5344CB8AC3E}">
-        <p14:creationId xmlns:p14="http://schemas.microsoft.com/office/powerpoint/2010/main" val="3913531033"/>
       </p:ext>
     </p:extLst>
   </p:cSld>
@@ -18265,12 +18820,7 @@
             <p:ph type="sldNum" sz="quarter" idx="12"/>
           </p:nvPr>
         </p:nvSpPr>
-        <p:spPr>
-          <a:xfrm>
-            <a:off x="7620000" y="18288"/>
-            <a:ext cx="1066800" cy="329184"/>
-          </a:xfrm>
-        </p:spPr>
+        <p:spPr/>
         <p:txBody>
           <a:bodyPr/>
           <a:lstStyle/>
@@ -18285,14 +18835,14 @@
       </p:sp>
       <p:sp>
         <p:nvSpPr>
-          <p:cNvPr id="10" name="ZoneTexte 9"/>
+          <p:cNvPr id="6" name="ZoneTexte 5"/>
           <p:cNvSpPr txBox="1"/>
           <p:nvPr/>
         </p:nvSpPr>
         <p:spPr>
           <a:xfrm>
-            <a:off x="251520" y="5229200"/>
-            <a:ext cx="8117882" cy="1107996"/>
+            <a:off x="361786" y="1351372"/>
+            <a:ext cx="3943708" cy="523220"/>
           </a:xfrm>
           <a:prstGeom prst="rect">
             <a:avLst/>
@@ -18300,52 +18850,28 @@
           <a:noFill/>
         </p:spPr>
         <p:txBody>
-          <a:bodyPr wrap="square" rtlCol="0">
+          <a:bodyPr wrap="none" rtlCol="0">
             <a:spAutoFit/>
           </a:bodyPr>
           <a:lstStyle/>
           <a:p>
-            <a:pPr marL="285750" indent="-285750">
-              <a:lnSpc>
-                <a:spcPct val="150000"/>
-              </a:lnSpc>
-              <a:buFont typeface="Arial" panose="020B0604020202020204" pitchFamily="34" charset="0"/>
-              <a:buChar char="•"/>
-            </a:pPr>
-            <a:r>
-              <a:rPr lang="en-US" sz="2200" dirty="0"/>
-              <a:t>Agent A is more demanding than agent B.</a:t>
-            </a:r>
-          </a:p>
-          <a:p>
-            <a:pPr marL="285750" indent="-285750">
-              <a:lnSpc>
-                <a:spcPct val="150000"/>
-              </a:lnSpc>
-              <a:buFont typeface="Arial" panose="020B0604020202020204" pitchFamily="34" charset="0"/>
-              <a:buChar char="•"/>
-            </a:pPr>
-            <a:r>
-              <a:rPr lang="en-US" sz="2200"/>
-              <a:t>Agent A </a:t>
-            </a:r>
-            <a:r>
-              <a:rPr lang="en-US" sz="2200" dirty="0"/>
-              <a:t>is the one who leads the dialogue.</a:t>
-            </a:r>
-          </a:p>
-        </p:txBody>
-      </p:sp>
-      <p:sp>
-        <p:nvSpPr>
-          <p:cNvPr id="19" name="ZoneTexte 18"/>
+            <a:r>
+              <a:rPr lang="en-US" sz="2800" b="1" dirty="0"/>
+              <a:t>H1: Self centeredness</a:t>
+            </a:r>
+          </a:p>
+        </p:txBody>
+      </p:sp>
+      <p:sp>
+        <p:nvSpPr>
+          <p:cNvPr id="9" name="ZoneTexte 8"/>
           <p:cNvSpPr txBox="1"/>
           <p:nvPr/>
         </p:nvSpPr>
         <p:spPr>
           <a:xfrm>
-            <a:off x="91386" y="0"/>
-            <a:ext cx="1481496" cy="400110"/>
+            <a:off x="4860032" y="1371765"/>
+            <a:ext cx="3203121" cy="523220"/>
           </a:xfrm>
           <a:prstGeom prst="rect">
             <a:avLst/>
@@ -18353,11 +18879,83 @@
           <a:noFill/>
         </p:spPr>
         <p:txBody>
+          <a:bodyPr wrap="none" rtlCol="0">
+            <a:spAutoFit/>
+          </a:bodyPr>
+          <a:lstStyle/>
+          <a:p>
+            <a:r>
+              <a:rPr lang="fr-FR" sz="2800" b="1" dirty="0"/>
+              <a:t>H2: Concessions </a:t>
+            </a:r>
+          </a:p>
+        </p:txBody>
+      </p:sp>
+      <p:sp>
+        <p:nvSpPr>
+          <p:cNvPr id="5" name="ZoneTexte 4"/>
+          <p:cNvSpPr txBox="1"/>
+          <p:nvPr/>
+        </p:nvSpPr>
+        <p:spPr>
+          <a:xfrm>
+            <a:off x="233772" y="5373216"/>
+            <a:ext cx="8496944" cy="1107996"/>
+          </a:xfrm>
+          <a:prstGeom prst="rect">
+            <a:avLst/>
+          </a:prstGeom>
+          <a:noFill/>
+        </p:spPr>
+        <p:txBody>
           <a:bodyPr wrap="square" rtlCol="0">
             <a:spAutoFit/>
           </a:bodyPr>
           <a:lstStyle/>
           <a:p>
+            <a:pPr marL="285750" indent="-285750">
+              <a:buFont typeface="Arial" panose="020B0604020202020204" pitchFamily="34" charset="0"/>
+              <a:buChar char="•"/>
+            </a:pPr>
+            <a:r>
+              <a:rPr lang="en-US" sz="2200" dirty="0"/>
+              <a:t>Agent A is more self-centered and makes less concessions.</a:t>
+            </a:r>
+          </a:p>
+          <a:p>
+            <a:pPr marL="285750" indent="-285750">
+              <a:buFont typeface="Arial" panose="020B0604020202020204" pitchFamily="34" charset="0"/>
+              <a:buChar char="•"/>
+            </a:pPr>
+            <a:r>
+              <a:rPr lang="en-US" sz="2200" dirty="0"/>
+              <a:t>Agent B tries to find the best trade-off for both parties, and is able to make larger concessions.</a:t>
+            </a:r>
+          </a:p>
+        </p:txBody>
+      </p:sp>
+      <p:sp>
+        <p:nvSpPr>
+          <p:cNvPr id="12" name="ZoneTexte 11"/>
+          <p:cNvSpPr txBox="1"/>
+          <p:nvPr/>
+        </p:nvSpPr>
+        <p:spPr>
+          <a:xfrm>
+            <a:off x="91386" y="0"/>
+            <a:ext cx="1481496" cy="400110"/>
+          </a:xfrm>
+          <a:prstGeom prst="rect">
+            <a:avLst/>
+          </a:prstGeom>
+          <a:noFill/>
+        </p:spPr>
+        <p:txBody>
+          <a:bodyPr wrap="none" rtlCol="0">
+            <a:spAutoFit/>
+          </a:bodyPr>
+          <a:lstStyle/>
+          <a:p>
             <a:r>
               <a:rPr lang="fr-FR" sz="2000" b="1" dirty="0">
                 <a:solidFill>
@@ -18371,7 +18969,13 @@
       </p:sp>
       <p:sp>
         <p:nvSpPr>
-          <p:cNvPr id="20" name="Titre 1"/>
+          <p:cNvPr id="21" name="Titre 1">
+            <a:extLst>
+              <a:ext uri="{FF2B5EF4-FFF2-40B4-BE49-F238E27FC236}">
+                <a16:creationId xmlns:a16="http://schemas.microsoft.com/office/drawing/2014/main" xmlns="" id="{E55D5E34-0B49-4B7D-9777-837B855953CF}"/>
+              </a:ext>
+            </a:extLst>
+          </p:cNvPr>
           <p:cNvSpPr>
             <a:spLocks noGrp="1"/>
           </p:cNvSpPr>
@@ -18392,7 +18996,7 @@
           <a:lstStyle/>
           <a:p>
             <a:r>
-              <a:rPr lang="fr-FR" sz="3600" dirty="0">
+              <a:rPr lang="en-US" sz="3600" dirty="0">
                 <a:solidFill>
                   <a:srgbClr val="FFC000"/>
                 </a:solidFill>
@@ -18404,80 +19008,38 @@
       </p:sp>
       <p:sp>
         <p:nvSpPr>
-          <p:cNvPr id="24" name="ZoneTexte 23">
-            <a:extLst>
-              <a:ext uri="{FF2B5EF4-FFF2-40B4-BE49-F238E27FC236}">
-                <a16:creationId xmlns="" xmlns:a16="http://schemas.microsoft.com/office/drawing/2014/main" id="{96C63FE5-CD8F-440F-B2CB-101C2D901C66}"/>
-              </a:ext>
-            </a:extLst>
-          </p:cNvPr>
+          <p:cNvPr id="7" name="ZoneTexte 6"/>
           <p:cNvSpPr txBox="1"/>
           <p:nvPr/>
         </p:nvSpPr>
         <p:spPr>
           <a:xfrm>
-            <a:off x="381991" y="1340768"/>
-            <a:ext cx="3701654" cy="523220"/>
+            <a:off x="683568" y="4577346"/>
+            <a:ext cx="504056" cy="369332"/>
           </a:xfrm>
           <a:prstGeom prst="rect">
             <a:avLst/>
           </a:prstGeom>
-          <a:noFill/>
+          <a:solidFill>
+            <a:schemeClr val="bg1"/>
+          </a:solidFill>
         </p:spPr>
         <p:txBody>
-          <a:bodyPr wrap="none" rtlCol="0">
+          <a:bodyPr wrap="square" rtlCol="0">
             <a:spAutoFit/>
           </a:bodyPr>
           <a:lstStyle/>
           <a:p>
-            <a:r>
-              <a:rPr lang="en-US" sz="2800" b="1" dirty="0"/>
-              <a:t>H3: Level of demand</a:t>
-            </a:r>
-          </a:p>
-        </p:txBody>
-      </p:sp>
-      <p:sp>
-        <p:nvSpPr>
-          <p:cNvPr id="25" name="ZoneTexte 24">
+            <a:endParaRPr lang="fr-FR" dirty="0"/>
+          </a:p>
+        </p:txBody>
+      </p:sp>
+      <p:pic>
+        <p:nvPicPr>
+          <p:cNvPr id="23" name="Image 22">
             <a:extLst>
               <a:ext uri="{FF2B5EF4-FFF2-40B4-BE49-F238E27FC236}">
-                <a16:creationId xmlns="" xmlns:a16="http://schemas.microsoft.com/office/drawing/2014/main" id="{AAE40979-FF86-497A-AF1B-F1BBA2073296}"/>
-              </a:ext>
-            </a:extLst>
-          </p:cNvPr>
-          <p:cNvSpPr txBox="1"/>
-          <p:nvPr/>
-        </p:nvSpPr>
-        <p:spPr>
-          <a:xfrm>
-            <a:off x="4664213" y="1361161"/>
-            <a:ext cx="4360489" cy="523220"/>
-          </a:xfrm>
-          <a:prstGeom prst="rect">
-            <a:avLst/>
-          </a:prstGeom>
-          <a:noFill/>
-        </p:spPr>
-        <p:txBody>
-          <a:bodyPr wrap="none" rtlCol="0">
-            <a:spAutoFit/>
-          </a:bodyPr>
-          <a:lstStyle/>
-          <a:p>
-            <a:r>
-              <a:rPr lang="fr-FR" sz="2800" b="1" dirty="0"/>
-              <a:t>H4: Lead of the dialogue</a:t>
-            </a:r>
-          </a:p>
-        </p:txBody>
-      </p:sp>
-      <p:pic>
-        <p:nvPicPr>
-          <p:cNvPr id="32" name="Image 31">
-            <a:extLst>
-              <a:ext uri="{FF2B5EF4-FFF2-40B4-BE49-F238E27FC236}">
-                <a16:creationId xmlns="" xmlns:a16="http://schemas.microsoft.com/office/drawing/2014/main" id="{B8A974C1-7045-429E-9D7C-82B146B3CF72}"/>
+                <a16:creationId xmlns:a16="http://schemas.microsoft.com/office/drawing/2014/main" xmlns="" id="{D53D89F2-AE8A-477A-A2F9-C334D7FE89CE}"/>
               </a:ext>
             </a:extLst>
           </p:cNvPr>
@@ -18500,8 +19062,8 @@
         </p:blipFill>
         <p:spPr>
           <a:xfrm>
-            <a:off x="4664213" y="1975928"/>
-            <a:ext cx="4090138" cy="3074141"/>
+            <a:off x="361786" y="1894985"/>
+            <a:ext cx="4210214" cy="3215686"/>
           </a:xfrm>
           <a:prstGeom prst="rect">
             <a:avLst/>
@@ -18515,10 +19077,10 @@
       </p:pic>
       <p:pic>
         <p:nvPicPr>
-          <p:cNvPr id="34" name="Image 33">
+          <p:cNvPr id="25" name="Image 24">
             <a:extLst>
               <a:ext uri="{FF2B5EF4-FFF2-40B4-BE49-F238E27FC236}">
-                <a16:creationId xmlns="" xmlns:a16="http://schemas.microsoft.com/office/drawing/2014/main" id="{24B0011C-3FE1-48A9-8B0A-9BDF277EDAB6}"/>
+                <a16:creationId xmlns:a16="http://schemas.microsoft.com/office/drawing/2014/main" xmlns="" id="{28731151-DA40-43DD-B470-598CF86726A8}"/>
               </a:ext>
             </a:extLst>
           </p:cNvPr>
@@ -18541,6 +19103,342 @@
         </p:blipFill>
         <p:spPr>
           <a:xfrm>
+            <a:off x="4788024" y="1894985"/>
+            <a:ext cx="4137060" cy="3234331"/>
+          </a:xfrm>
+          <a:prstGeom prst="rect">
+            <a:avLst/>
+          </a:prstGeom>
+          <a:ln>
+            <a:solidFill>
+              <a:schemeClr val="tx1"/>
+            </a:solidFill>
+          </a:ln>
+        </p:spPr>
+      </p:pic>
+    </p:spTree>
+    <p:extLst>
+      <p:ext uri="{BB962C8B-B14F-4D97-AF65-F5344CB8AC3E}">
+        <p14:creationId xmlns:p14="http://schemas.microsoft.com/office/powerpoint/2010/main" val="3913531033"/>
+      </p:ext>
+    </p:extLst>
+  </p:cSld>
+  <p:clrMapOvr>
+    <a:masterClrMapping/>
+  </p:clrMapOvr>
+  <p:timing>
+    <p:tnLst>
+      <p:par>
+        <p:cTn id="1" dur="indefinite" restart="never" nodeType="tmRoot"/>
+      </p:par>
+    </p:tnLst>
+  </p:timing>
+</p:sld>
+</file>
+
+<file path=ppt/slides/slide29.xml><?xml version="1.0" encoding="utf-8"?>
+<p:sld xmlns:a="http://schemas.openxmlformats.org/drawingml/2006/main" xmlns:r="http://schemas.openxmlformats.org/officeDocument/2006/relationships" xmlns:p="http://schemas.openxmlformats.org/presentationml/2006/main">
+  <p:cSld>
+    <p:spTree>
+      <p:nvGrpSpPr>
+        <p:cNvPr id="1" name=""/>
+        <p:cNvGrpSpPr/>
+        <p:nvPr/>
+      </p:nvGrpSpPr>
+      <p:grpSpPr>
+        <a:xfrm>
+          <a:off x="0" y="0"/>
+          <a:ext cx="0" cy="0"/>
+          <a:chOff x="0" y="0"/>
+          <a:chExt cx="0" cy="0"/>
+        </a:xfrm>
+      </p:grpSpPr>
+      <p:sp>
+        <p:nvSpPr>
+          <p:cNvPr id="4" name="Espace réservé du numéro de diapositive 3"/>
+          <p:cNvSpPr>
+            <a:spLocks noGrp="1"/>
+          </p:cNvSpPr>
+          <p:nvPr>
+            <p:ph type="sldNum" sz="quarter" idx="12"/>
+          </p:nvPr>
+        </p:nvSpPr>
+        <p:spPr>
+          <a:xfrm>
+            <a:off x="7620000" y="18288"/>
+            <a:ext cx="1066800" cy="329184"/>
+          </a:xfrm>
+        </p:spPr>
+        <p:txBody>
+          <a:bodyPr/>
+          <a:lstStyle/>
+          <a:p>
+            <a:fld id="{6936E76E-83C7-4D0C-AE26-C0751568CC47}" type="slidenum">
+              <a:rPr lang="fr-FR" smtClean="0"/>
+              <a:t>29</a:t>
+            </a:fld>
+            <a:endParaRPr lang="fr-FR"/>
+          </a:p>
+        </p:txBody>
+      </p:sp>
+      <p:sp>
+        <p:nvSpPr>
+          <p:cNvPr id="10" name="ZoneTexte 9"/>
+          <p:cNvSpPr txBox="1"/>
+          <p:nvPr/>
+        </p:nvSpPr>
+        <p:spPr>
+          <a:xfrm>
+            <a:off x="251520" y="5229200"/>
+            <a:ext cx="8117882" cy="1107996"/>
+          </a:xfrm>
+          <a:prstGeom prst="rect">
+            <a:avLst/>
+          </a:prstGeom>
+          <a:noFill/>
+        </p:spPr>
+        <p:txBody>
+          <a:bodyPr wrap="square" rtlCol="0">
+            <a:spAutoFit/>
+          </a:bodyPr>
+          <a:lstStyle/>
+          <a:p>
+            <a:pPr marL="285750" indent="-285750">
+              <a:lnSpc>
+                <a:spcPct val="150000"/>
+              </a:lnSpc>
+              <a:buFont typeface="Arial" panose="020B0604020202020204" pitchFamily="34" charset="0"/>
+              <a:buChar char="•"/>
+            </a:pPr>
+            <a:r>
+              <a:rPr lang="en-US" sz="2200" dirty="0"/>
+              <a:t>Agent A is more demanding than agent B.</a:t>
+            </a:r>
+          </a:p>
+          <a:p>
+            <a:pPr marL="285750" indent="-285750">
+              <a:lnSpc>
+                <a:spcPct val="150000"/>
+              </a:lnSpc>
+              <a:buFont typeface="Arial" panose="020B0604020202020204" pitchFamily="34" charset="0"/>
+              <a:buChar char="•"/>
+            </a:pPr>
+            <a:r>
+              <a:rPr lang="en-US" sz="2200"/>
+              <a:t>Agent A </a:t>
+            </a:r>
+            <a:r>
+              <a:rPr lang="en-US" sz="2200" dirty="0"/>
+              <a:t>is the one who leads the dialogue.</a:t>
+            </a:r>
+          </a:p>
+        </p:txBody>
+      </p:sp>
+      <p:sp>
+        <p:nvSpPr>
+          <p:cNvPr id="19" name="ZoneTexte 18"/>
+          <p:cNvSpPr txBox="1"/>
+          <p:nvPr/>
+        </p:nvSpPr>
+        <p:spPr>
+          <a:xfrm>
+            <a:off x="91386" y="0"/>
+            <a:ext cx="1481496" cy="400110"/>
+          </a:xfrm>
+          <a:prstGeom prst="rect">
+            <a:avLst/>
+          </a:prstGeom>
+          <a:noFill/>
+        </p:spPr>
+        <p:txBody>
+          <a:bodyPr wrap="square" rtlCol="0">
+            <a:spAutoFit/>
+          </a:bodyPr>
+          <a:lstStyle/>
+          <a:p>
+            <a:r>
+              <a:rPr lang="fr-FR" sz="2000" b="1" dirty="0">
+                <a:solidFill>
+                  <a:schemeClr val="bg1"/>
+                </a:solidFill>
+              </a:rPr>
+              <a:t>Evaluation</a:t>
+            </a:r>
+          </a:p>
+        </p:txBody>
+      </p:sp>
+      <p:sp>
+        <p:nvSpPr>
+          <p:cNvPr id="20" name="Titre 1"/>
+          <p:cNvSpPr>
+            <a:spLocks noGrp="1"/>
+          </p:cNvSpPr>
+          <p:nvPr>
+            <p:ph type="title"/>
+          </p:nvPr>
+        </p:nvSpPr>
+        <p:spPr>
+          <a:xfrm>
+            <a:off x="0" y="369278"/>
+            <a:ext cx="8964488" cy="1143000"/>
+          </a:xfrm>
+        </p:spPr>
+        <p:txBody>
+          <a:bodyPr>
+            <a:noAutofit/>
+          </a:bodyPr>
+          <a:lstStyle/>
+          <a:p>
+            <a:r>
+              <a:rPr lang="fr-FR" sz="3600" dirty="0">
+                <a:solidFill>
+                  <a:srgbClr val="FFC000"/>
+                </a:solidFill>
+              </a:rPr>
+              <a:t>Evaluation of the model</a:t>
+            </a:r>
+          </a:p>
+        </p:txBody>
+      </p:sp>
+      <p:sp>
+        <p:nvSpPr>
+          <p:cNvPr id="24" name="ZoneTexte 23">
+            <a:extLst>
+              <a:ext uri="{FF2B5EF4-FFF2-40B4-BE49-F238E27FC236}">
+                <a16:creationId xmlns:a16="http://schemas.microsoft.com/office/drawing/2014/main" xmlns="" id="{96C63FE5-CD8F-440F-B2CB-101C2D901C66}"/>
+              </a:ext>
+            </a:extLst>
+          </p:cNvPr>
+          <p:cNvSpPr txBox="1"/>
+          <p:nvPr/>
+        </p:nvSpPr>
+        <p:spPr>
+          <a:xfrm>
+            <a:off x="381991" y="1340768"/>
+            <a:ext cx="3701654" cy="523220"/>
+          </a:xfrm>
+          <a:prstGeom prst="rect">
+            <a:avLst/>
+          </a:prstGeom>
+          <a:noFill/>
+        </p:spPr>
+        <p:txBody>
+          <a:bodyPr wrap="none" rtlCol="0">
+            <a:spAutoFit/>
+          </a:bodyPr>
+          <a:lstStyle/>
+          <a:p>
+            <a:r>
+              <a:rPr lang="en-US" sz="2800" b="1" dirty="0"/>
+              <a:t>H3: Level of demand</a:t>
+            </a:r>
+          </a:p>
+        </p:txBody>
+      </p:sp>
+      <p:sp>
+        <p:nvSpPr>
+          <p:cNvPr id="25" name="ZoneTexte 24">
+            <a:extLst>
+              <a:ext uri="{FF2B5EF4-FFF2-40B4-BE49-F238E27FC236}">
+                <a16:creationId xmlns:a16="http://schemas.microsoft.com/office/drawing/2014/main" xmlns="" id="{AAE40979-FF86-497A-AF1B-F1BBA2073296}"/>
+              </a:ext>
+            </a:extLst>
+          </p:cNvPr>
+          <p:cNvSpPr txBox="1"/>
+          <p:nvPr/>
+        </p:nvSpPr>
+        <p:spPr>
+          <a:xfrm>
+            <a:off x="4664213" y="1361161"/>
+            <a:ext cx="4360489" cy="523220"/>
+          </a:xfrm>
+          <a:prstGeom prst="rect">
+            <a:avLst/>
+          </a:prstGeom>
+          <a:noFill/>
+        </p:spPr>
+        <p:txBody>
+          <a:bodyPr wrap="none" rtlCol="0">
+            <a:spAutoFit/>
+          </a:bodyPr>
+          <a:lstStyle/>
+          <a:p>
+            <a:r>
+              <a:rPr lang="fr-FR" sz="2800" b="1" dirty="0"/>
+              <a:t>H4: Lead of the dialogue</a:t>
+            </a:r>
+          </a:p>
+        </p:txBody>
+      </p:sp>
+      <p:pic>
+        <p:nvPicPr>
+          <p:cNvPr id="32" name="Image 31">
+            <a:extLst>
+              <a:ext uri="{FF2B5EF4-FFF2-40B4-BE49-F238E27FC236}">
+                <a16:creationId xmlns:a16="http://schemas.microsoft.com/office/drawing/2014/main" xmlns="" id="{B8A974C1-7045-429E-9D7C-82B146B3CF72}"/>
+              </a:ext>
+            </a:extLst>
+          </p:cNvPr>
+          <p:cNvPicPr>
+            <a:picLocks noChangeAspect="1"/>
+          </p:cNvPicPr>
+          <p:nvPr/>
+        </p:nvPicPr>
+        <p:blipFill>
+          <a:blip r:embed="rId2">
+            <a:extLst>
+              <a:ext uri="{28A0092B-C50C-407E-A947-70E740481C1C}">
+                <a14:useLocalDpi xmlns:a14="http://schemas.microsoft.com/office/drawing/2010/main" val="0"/>
+              </a:ext>
+            </a:extLst>
+          </a:blip>
+          <a:stretch>
+            <a:fillRect/>
+          </a:stretch>
+        </p:blipFill>
+        <p:spPr>
+          <a:xfrm>
+            <a:off x="4664213" y="1975928"/>
+            <a:ext cx="4090138" cy="3074141"/>
+          </a:xfrm>
+          <a:prstGeom prst="rect">
+            <a:avLst/>
+          </a:prstGeom>
+          <a:ln>
+            <a:solidFill>
+              <a:schemeClr val="tx1"/>
+            </a:solidFill>
+          </a:ln>
+        </p:spPr>
+      </p:pic>
+      <p:pic>
+        <p:nvPicPr>
+          <p:cNvPr id="34" name="Image 33">
+            <a:extLst>
+              <a:ext uri="{FF2B5EF4-FFF2-40B4-BE49-F238E27FC236}">
+                <a16:creationId xmlns:a16="http://schemas.microsoft.com/office/drawing/2014/main" xmlns="" id="{24B0011C-3FE1-48A9-8B0A-9BDF277EDAB6}"/>
+              </a:ext>
+            </a:extLst>
+          </p:cNvPr>
+          <p:cNvPicPr>
+            <a:picLocks noChangeAspect="1"/>
+          </p:cNvPicPr>
+          <p:nvPr/>
+        </p:nvPicPr>
+        <p:blipFill>
+          <a:blip r:embed="rId3">
+            <a:extLst>
+              <a:ext uri="{28A0092B-C50C-407E-A947-70E740481C1C}">
+                <a14:useLocalDpi xmlns:a14="http://schemas.microsoft.com/office/drawing/2010/main" val="0"/>
+              </a:ext>
+            </a:extLst>
+          </a:blip>
+          <a:stretch>
+            <a:fillRect/>
+          </a:stretch>
+        </p:blipFill>
+        <p:spPr>
+          <a:xfrm>
             <a:off x="323528" y="1975928"/>
             <a:ext cx="4090138" cy="3074141"/>
           </a:xfrm>
@@ -18564,137 +19462,6 @@
   <p:clrMapOvr>
     <a:masterClrMapping/>
   </p:clrMapOvr>
-  <p:timing>
-    <p:tnLst>
-      <p:par>
-        <p:cTn id="1" dur="indefinite" restart="never" nodeType="tmRoot"/>
-      </p:par>
-    </p:tnLst>
-  </p:timing>
-</p:sld>
-</file>
-
-<file path=ppt/slides/slide29.xml><?xml version="1.0" encoding="utf-8"?>
-<p:sld xmlns:a="http://schemas.openxmlformats.org/drawingml/2006/main" xmlns:r="http://schemas.openxmlformats.org/officeDocument/2006/relationships" xmlns:p="http://schemas.openxmlformats.org/presentationml/2006/main" show="0">
-  <p:cSld>
-    <p:spTree>
-      <p:nvGrpSpPr>
-        <p:cNvPr id="1" name=""/>
-        <p:cNvGrpSpPr/>
-        <p:nvPr/>
-      </p:nvGrpSpPr>
-      <p:grpSpPr>
-        <a:xfrm>
-          <a:off x="0" y="0"/>
-          <a:ext cx="0" cy="0"/>
-          <a:chOff x="0" y="0"/>
-          <a:chExt cx="0" cy="0"/>
-        </a:xfrm>
-      </p:grpSpPr>
-      <p:sp>
-        <p:nvSpPr>
-          <p:cNvPr id="2" name="Titre 1"/>
-          <p:cNvSpPr>
-            <a:spLocks noGrp="1"/>
-          </p:cNvSpPr>
-          <p:nvPr>
-            <p:ph type="title"/>
-          </p:nvPr>
-        </p:nvSpPr>
-        <p:spPr/>
-        <p:txBody>
-          <a:bodyPr/>
-          <a:lstStyle/>
-          <a:p>
-            <a:r>
-              <a:rPr lang="fr-FR" dirty="0" err="1"/>
-              <a:t>Synthese</a:t>
-            </a:r>
-            <a:r>
-              <a:rPr lang="fr-FR" dirty="0"/>
-              <a:t> des </a:t>
-            </a:r>
-            <a:r>
-              <a:rPr lang="fr-FR" dirty="0" err="1"/>
-              <a:t>resultats</a:t>
-            </a:r>
-            <a:endParaRPr lang="fr-FR" dirty="0"/>
-          </a:p>
-        </p:txBody>
-      </p:sp>
-      <p:sp>
-        <p:nvSpPr>
-          <p:cNvPr id="3" name="Espace réservé du contenu 2"/>
-          <p:cNvSpPr>
-            <a:spLocks noGrp="1"/>
-          </p:cNvSpPr>
-          <p:nvPr>
-            <p:ph idx="1"/>
-          </p:nvPr>
-        </p:nvSpPr>
-        <p:spPr/>
-        <p:txBody>
-          <a:bodyPr/>
-          <a:lstStyle/>
-          <a:p>
-            <a:r>
-              <a:rPr lang="fr-FR" dirty="0"/>
-              <a:t>Objectifs</a:t>
-            </a:r>
-          </a:p>
-          <a:p>
-            <a:r>
-              <a:rPr lang="fr-FR" dirty="0" err="1"/>
-              <a:t>Resultats</a:t>
-            </a:r>
-            <a:r>
-              <a:rPr lang="fr-FR" dirty="0"/>
-              <a:t> de ces objectifs</a:t>
-            </a:r>
-          </a:p>
-        </p:txBody>
-      </p:sp>
-      <p:sp>
-        <p:nvSpPr>
-          <p:cNvPr id="4" name="Espace réservé du numéro de diapositive 3"/>
-          <p:cNvSpPr>
-            <a:spLocks noGrp="1"/>
-          </p:cNvSpPr>
-          <p:nvPr>
-            <p:ph type="sldNum" sz="quarter" idx="12"/>
-          </p:nvPr>
-        </p:nvSpPr>
-        <p:spPr/>
-        <p:txBody>
-          <a:bodyPr/>
-          <a:lstStyle/>
-          <a:p>
-            <a:fld id="{6936E76E-83C7-4D0C-AE26-C0751568CC47}" type="slidenum">
-              <a:rPr lang="fr-FR" smtClean="0"/>
-              <a:t>29</a:t>
-            </a:fld>
-            <a:endParaRPr lang="fr-FR"/>
-          </a:p>
-        </p:txBody>
-      </p:sp>
-    </p:spTree>
-    <p:extLst>
-      <p:ext uri="{BB962C8B-B14F-4D97-AF65-F5344CB8AC3E}">
-        <p14:creationId xmlns:p14="http://schemas.microsoft.com/office/powerpoint/2010/main" val="1346110840"/>
-      </p:ext>
-    </p:extLst>
-  </p:cSld>
-  <p:clrMapOvr>
-    <a:masterClrMapping/>
-  </p:clrMapOvr>
-  <mc:AlternateContent xmlns:mc="http://schemas.openxmlformats.org/markup-compatibility/2006" xmlns:p14="http://schemas.microsoft.com/office/powerpoint/2010/main">
-    <mc:Choice Requires="p14">
-      <p:transition spd="slow" p14:dur="2000"/>
-    </mc:Choice>
-    <mc:Fallback xmlns="">
-      <p:transition spd="slow"/>
-    </mc:Fallback>
-  </mc:AlternateContent>
   <p:timing>
     <p:tnLst>
       <p:par>
@@ -19468,7 +20235,7 @@
           <p:cNvPr id="28" name="Image 27">
             <a:extLst>
               <a:ext uri="{FF2B5EF4-FFF2-40B4-BE49-F238E27FC236}">
-                <a16:creationId xmlns="" xmlns:a16="http://schemas.microsoft.com/office/drawing/2014/main" id="{99BDECA0-3950-4C91-975C-5B29FE64CC39}"/>
+                <a16:creationId xmlns:a16="http://schemas.microsoft.com/office/drawing/2014/main" xmlns="" id="{99BDECA0-3950-4C91-975C-5B29FE64CC39}"/>
               </a:ext>
             </a:extLst>
           </p:cNvPr>
@@ -19651,7 +20418,7 @@
 </file>
 
 <file path=ppt/slides/slide30.xml><?xml version="1.0" encoding="utf-8"?>
-<p:sld xmlns:a="http://schemas.openxmlformats.org/drawingml/2006/main" xmlns:r="http://schemas.openxmlformats.org/officeDocument/2006/relationships" xmlns:p="http://schemas.openxmlformats.org/presentationml/2006/main">
+<p:sld xmlns:a="http://schemas.openxmlformats.org/drawingml/2006/main" xmlns:r="http://schemas.openxmlformats.org/officeDocument/2006/relationships" xmlns:p="http://schemas.openxmlformats.org/presentationml/2006/main" show="0">
   <p:cSld>
     <p:spTree>
       <p:nvGrpSpPr>
@@ -19669,6 +20436,69 @@
       </p:grpSpPr>
       <p:sp>
         <p:nvSpPr>
+          <p:cNvPr id="2" name="Titre 1"/>
+          <p:cNvSpPr>
+            <a:spLocks noGrp="1"/>
+          </p:cNvSpPr>
+          <p:nvPr>
+            <p:ph type="title"/>
+          </p:nvPr>
+        </p:nvSpPr>
+        <p:spPr/>
+        <p:txBody>
+          <a:bodyPr/>
+          <a:lstStyle/>
+          <a:p>
+            <a:r>
+              <a:rPr lang="fr-FR" dirty="0" err="1"/>
+              <a:t>Synthese</a:t>
+            </a:r>
+            <a:r>
+              <a:rPr lang="fr-FR" dirty="0"/>
+              <a:t> des </a:t>
+            </a:r>
+            <a:r>
+              <a:rPr lang="fr-FR" dirty="0" err="1"/>
+              <a:t>resultats</a:t>
+            </a:r>
+            <a:endParaRPr lang="fr-FR" dirty="0"/>
+          </a:p>
+        </p:txBody>
+      </p:sp>
+      <p:sp>
+        <p:nvSpPr>
+          <p:cNvPr id="3" name="Espace réservé du contenu 2"/>
+          <p:cNvSpPr>
+            <a:spLocks noGrp="1"/>
+          </p:cNvSpPr>
+          <p:nvPr>
+            <p:ph idx="1"/>
+          </p:nvPr>
+        </p:nvSpPr>
+        <p:spPr/>
+        <p:txBody>
+          <a:bodyPr/>
+          <a:lstStyle/>
+          <a:p>
+            <a:r>
+              <a:rPr lang="fr-FR" dirty="0"/>
+              <a:t>Objectifs</a:t>
+            </a:r>
+          </a:p>
+          <a:p>
+            <a:r>
+              <a:rPr lang="fr-FR" dirty="0" err="1"/>
+              <a:t>Resultats</a:t>
+            </a:r>
+            <a:r>
+              <a:rPr lang="fr-FR" dirty="0"/>
+              <a:t> de ces objectifs</a:t>
+            </a:r>
+          </a:p>
+        </p:txBody>
+      </p:sp>
+      <p:sp>
+        <p:nvSpPr>
           <p:cNvPr id="4" name="Espace réservé du numéro de diapositive 3"/>
           <p:cNvSpPr>
             <a:spLocks noGrp="1"/>
@@ -19690,263 +20520,24 @@
           </a:p>
         </p:txBody>
       </p:sp>
-      <p:sp>
-        <p:nvSpPr>
-          <p:cNvPr id="7" name="ZoneTexte 6"/>
-          <p:cNvSpPr txBox="1"/>
-          <p:nvPr/>
-        </p:nvSpPr>
-        <p:spPr>
-          <a:xfrm>
-            <a:off x="91386" y="0"/>
-            <a:ext cx="3304110" cy="400110"/>
-          </a:xfrm>
-          <a:prstGeom prst="rect">
-            <a:avLst/>
-          </a:prstGeom>
-          <a:noFill/>
-        </p:spPr>
-        <p:txBody>
-          <a:bodyPr wrap="none" rtlCol="0">
-            <a:spAutoFit/>
-          </a:bodyPr>
-          <a:lstStyle/>
-          <a:p>
-            <a:r>
-              <a:rPr lang="en-US" sz="2000" b="1" dirty="0">
-                <a:solidFill>
-                  <a:schemeClr val="bg1"/>
-                </a:solidFill>
-              </a:rPr>
-              <a:t>Conclusion &amp; future work</a:t>
-            </a:r>
-          </a:p>
-        </p:txBody>
-      </p:sp>
-      <p:sp>
-        <p:nvSpPr>
-          <p:cNvPr id="8" name="Titre 1"/>
-          <p:cNvSpPr>
-            <a:spLocks noGrp="1"/>
-          </p:cNvSpPr>
-          <p:nvPr>
-            <p:ph type="title"/>
-          </p:nvPr>
-        </p:nvSpPr>
-        <p:spPr>
-          <a:xfrm>
-            <a:off x="269776" y="369278"/>
-            <a:ext cx="8694712" cy="1143000"/>
-          </a:xfrm>
-        </p:spPr>
-        <p:txBody>
-          <a:bodyPr>
-            <a:noAutofit/>
-          </a:bodyPr>
-          <a:lstStyle/>
-          <a:p>
-            <a:r>
-              <a:rPr lang="fr-FR" sz="3600" dirty="0">
-                <a:solidFill>
-                  <a:srgbClr val="FFC000"/>
-                </a:solidFill>
-              </a:rPr>
-              <a:t>Conclusion </a:t>
-            </a:r>
-          </a:p>
-        </p:txBody>
-      </p:sp>
-      <p:sp>
-        <p:nvSpPr>
-          <p:cNvPr id="9" name="Espace réservé du contenu 8"/>
-          <p:cNvSpPr>
-            <a:spLocks noGrp="1"/>
-          </p:cNvSpPr>
-          <p:nvPr>
-            <p:ph idx="1"/>
-          </p:nvPr>
-        </p:nvSpPr>
-        <p:spPr>
-          <a:xfrm>
-            <a:off x="269776" y="2708920"/>
-            <a:ext cx="8507288" cy="3849216"/>
-          </a:xfrm>
-        </p:spPr>
-        <p:txBody>
-          <a:bodyPr>
-            <a:normAutofit lnSpcReduction="10000"/>
-          </a:bodyPr>
-          <a:lstStyle/>
-          <a:p>
-            <a:pPr marL="514350" indent="-514350">
-              <a:buFont typeface="+mj-lt"/>
-              <a:buAutoNum type="arabicPeriod"/>
-            </a:pPr>
-            <a:r>
-              <a:rPr lang="en-US" sz="2800" dirty="0"/>
-              <a:t>Identify 3 principles of behaviors related to </a:t>
-            </a:r>
-            <a:r>
-              <a:rPr lang="en-US" sz="2800" dirty="0" smtClean="0"/>
-              <a:t>power</a:t>
-            </a:r>
-          </a:p>
-          <a:p>
-            <a:pPr marL="514350" indent="-514350">
-              <a:buFont typeface="+mj-lt"/>
-              <a:buAutoNum type="arabicPeriod"/>
-            </a:pPr>
-            <a:endParaRPr lang="en-US" sz="2800" dirty="0"/>
-          </a:p>
-          <a:p>
-            <a:pPr marL="514350" indent="-514350">
-              <a:buFont typeface="+mj-lt"/>
-              <a:buAutoNum type="arabicPeriod"/>
-            </a:pPr>
-            <a:r>
-              <a:rPr lang="en-US" sz="2800" dirty="0" smtClean="0"/>
-              <a:t>Computational </a:t>
-            </a:r>
-            <a:r>
-              <a:rPr lang="en-US" sz="2800" dirty="0"/>
-              <a:t>model of collaborative </a:t>
-            </a:r>
-            <a:r>
-              <a:rPr lang="en-US" sz="2800" dirty="0" smtClean="0"/>
-              <a:t>negotiation</a:t>
-            </a:r>
-          </a:p>
-          <a:p>
-            <a:pPr marL="514350" indent="-514350">
-              <a:buFont typeface="+mj-lt"/>
-              <a:buAutoNum type="arabicPeriod"/>
-            </a:pPr>
-            <a:endParaRPr lang="en-US" sz="2800" dirty="0"/>
-          </a:p>
-          <a:p>
-            <a:pPr marL="514350" indent="-514350">
-              <a:buFont typeface="+mj-lt"/>
-              <a:buAutoNum type="arabicPeriod"/>
-            </a:pPr>
-            <a:r>
-              <a:rPr lang="en-US" sz="2800" dirty="0" smtClean="0"/>
-              <a:t>Decision </a:t>
-            </a:r>
-            <a:r>
-              <a:rPr lang="en-US" sz="2800" dirty="0"/>
-              <a:t>model based on </a:t>
-            </a:r>
-            <a:r>
-              <a:rPr lang="en-US" sz="2800" dirty="0" smtClean="0"/>
-              <a:t>power</a:t>
-            </a:r>
-          </a:p>
-          <a:p>
-            <a:pPr marL="514350" indent="-514350">
-              <a:buFont typeface="+mj-lt"/>
-              <a:buAutoNum type="arabicPeriod"/>
-            </a:pPr>
-            <a:endParaRPr lang="en-US" sz="2800" dirty="0"/>
-          </a:p>
-          <a:p>
-            <a:pPr marL="514350" indent="-514350">
-              <a:buFont typeface="+mj-lt"/>
-              <a:buAutoNum type="arabicPeriod"/>
-            </a:pPr>
-            <a:r>
-              <a:rPr lang="en-US" sz="2800" dirty="0" smtClean="0"/>
-              <a:t>Validation </a:t>
-            </a:r>
-            <a:r>
-              <a:rPr lang="en-US" sz="2800" dirty="0"/>
-              <a:t>of behaviors of power by external </a:t>
-            </a:r>
-            <a:r>
-              <a:rPr lang="en-US" sz="2800" dirty="0" smtClean="0"/>
-              <a:t>judges</a:t>
-            </a:r>
-            <a:endParaRPr lang="en-US" sz="2800" dirty="0"/>
-          </a:p>
-        </p:txBody>
-      </p:sp>
-      <p:sp>
-        <p:nvSpPr>
-          <p:cNvPr id="2" name="Rectangle 1">
-            <a:extLst>
-              <a:ext uri="{FF2B5EF4-FFF2-40B4-BE49-F238E27FC236}">
-                <a16:creationId xmlns="" xmlns:a16="http://schemas.microsoft.com/office/drawing/2014/main" id="{F27C5ECE-A7E9-4F97-8CFC-2D1207980563}"/>
-              </a:ext>
-            </a:extLst>
-          </p:cNvPr>
-          <p:cNvSpPr/>
-          <p:nvPr/>
-        </p:nvSpPr>
-        <p:spPr>
-          <a:xfrm>
-            <a:off x="269776" y="1412776"/>
-            <a:ext cx="8424936" cy="1008112"/>
-          </a:xfrm>
-          <a:prstGeom prst="rect">
-            <a:avLst/>
-          </a:prstGeom>
-          <a:noFill/>
-          <a:ln>
-            <a:solidFill>
-              <a:srgbClr val="FFC000"/>
-            </a:solidFill>
-          </a:ln>
-        </p:spPr>
-        <p:style>
-          <a:lnRef idx="2">
-            <a:schemeClr val="accent1">
-              <a:shade val="50000"/>
-            </a:schemeClr>
-          </a:lnRef>
-          <a:fillRef idx="1">
-            <a:schemeClr val="accent1"/>
-          </a:fillRef>
-          <a:effectRef idx="0">
-            <a:schemeClr val="accent1"/>
-          </a:effectRef>
-          <a:fontRef idx="minor">
-            <a:schemeClr val="lt1"/>
-          </a:fontRef>
-        </p:style>
-        <p:txBody>
-          <a:bodyPr rtlCol="0" anchor="ctr"/>
-          <a:lstStyle/>
-          <a:p>
-            <a:pPr lvl="0">
-              <a:spcBef>
-                <a:spcPct val="20000"/>
-              </a:spcBef>
-              <a:buClr>
-                <a:srgbClr val="4A66AC"/>
-              </a:buClr>
-              <a:buSzPct val="85000"/>
-            </a:pPr>
-            <a:r>
-              <a:rPr lang="en-US" sz="2400" b="1" dirty="0">
-                <a:solidFill>
-                  <a:prstClr val="black"/>
-                </a:solidFill>
-              </a:rPr>
-              <a:t>Goal: Impact of dominance on the negotiation strategies.</a:t>
-            </a:r>
-            <a:endParaRPr lang="fr-FR" sz="1600" dirty="0"/>
-          </a:p>
-        </p:txBody>
-      </p:sp>
     </p:spTree>
     <p:extLst>
       <p:ext uri="{BB962C8B-B14F-4D97-AF65-F5344CB8AC3E}">
-        <p14:creationId xmlns:p14="http://schemas.microsoft.com/office/powerpoint/2010/main" val="1656687883"/>
+        <p14:creationId xmlns:p14="http://schemas.microsoft.com/office/powerpoint/2010/main" val="1346110840"/>
       </p:ext>
     </p:extLst>
   </p:cSld>
   <p:clrMapOvr>
     <a:masterClrMapping/>
   </p:clrMapOvr>
+  <mc:AlternateContent xmlns:mc="http://schemas.openxmlformats.org/markup-compatibility/2006" xmlns:p14="http://schemas.microsoft.com/office/powerpoint/2010/main">
+    <mc:Choice Requires="p14">
+      <p:transition spd="slow" p14:dur="2000"/>
+    </mc:Choice>
+    <mc:Fallback xmlns="">
+      <p:transition spd="slow"/>
+    </mc:Fallback>
+  </mc:AlternateContent>
   <p:timing>
     <p:tnLst>
       <p:par>
@@ -20053,26 +20644,13 @@
           <a:lstStyle/>
           <a:p>
             <a:r>
-              <a:rPr lang="fr-FR" sz="3600" dirty="0" smtClean="0">
+              <a:rPr lang="fr-FR" sz="3600" dirty="0">
                 <a:solidFill>
                   <a:srgbClr val="FFC000"/>
                 </a:solidFill>
               </a:rPr>
-              <a:t>Future </a:t>
-            </a:r>
-            <a:r>
-              <a:rPr lang="fr-FR" sz="3600" dirty="0" err="1" smtClean="0">
-                <a:solidFill>
-                  <a:srgbClr val="FFC000"/>
-                </a:solidFill>
-              </a:rPr>
-              <a:t>work</a:t>
-            </a:r>
-            <a:endParaRPr lang="fr-FR" sz="3600" dirty="0">
-              <a:solidFill>
-                <a:srgbClr val="FFC000"/>
-              </a:solidFill>
-            </a:endParaRPr>
+              <a:t>Conclusion </a:t>
+            </a:r>
           </a:p>
         </p:txBody>
       </p:sp>
@@ -20088,13 +20666,13 @@
         </p:nvSpPr>
         <p:spPr>
           <a:xfrm>
-            <a:off x="269776" y="2636912"/>
-            <a:ext cx="8507288" cy="3912096"/>
+            <a:off x="269776" y="2708920"/>
+            <a:ext cx="8507288" cy="3849216"/>
           </a:xfrm>
         </p:spPr>
         <p:txBody>
           <a:bodyPr>
-            <a:normAutofit/>
+            <a:normAutofit lnSpcReduction="10000"/>
           </a:bodyPr>
           <a:lstStyle/>
           <a:p>
@@ -20103,16 +20681,12 @@
               <a:buAutoNum type="arabicPeriod"/>
             </a:pPr>
             <a:r>
+              <a:rPr lang="en-US" sz="2800" dirty="0"/>
+              <a:t>Identify 3 principles of behaviors related to </a:t>
+            </a:r>
+            <a:r>
               <a:rPr lang="en-US" sz="2800" dirty="0" smtClean="0"/>
-              <a:t>Validation </a:t>
-            </a:r>
-            <a:r>
-              <a:rPr lang="en-US" sz="2800" dirty="0"/>
-              <a:t>of the model in </a:t>
-            </a:r>
-            <a:r>
-              <a:rPr lang="en-US" sz="2800" dirty="0" smtClean="0"/>
-              <a:t>HMI</a:t>
+              <a:t>power</a:t>
             </a:r>
           </a:p>
           <a:p>
@@ -20120,7 +20694,7 @@
               <a:buFont typeface="+mj-lt"/>
               <a:buAutoNum type="arabicPeriod"/>
             </a:pPr>
-            <a:endParaRPr lang="en-US" sz="2800" dirty="0" smtClean="0"/>
+            <a:endParaRPr lang="en-US" sz="2800" dirty="0"/>
           </a:p>
           <a:p>
             <a:pPr marL="514350" indent="-514350">
@@ -20129,51 +20703,67 @@
             </a:pPr>
             <a:r>
               <a:rPr lang="en-US" sz="2800" dirty="0" smtClean="0"/>
-              <a:t>Build </a:t>
+              <a:t>Computational </a:t>
             </a:r>
             <a:r>
               <a:rPr lang="en-US" sz="2800" dirty="0"/>
-              <a:t>the relation of dominance during the negotiation</a:t>
-            </a:r>
-          </a:p>
-          <a:p>
-            <a:pPr marL="788670" lvl="1" indent="-514350">
-              <a:buFont typeface="+mj-lt"/>
-              <a:buAutoNum type="romanLcPeriod"/>
-            </a:pPr>
-            <a:r>
-              <a:rPr lang="en-US" sz="2400" dirty="0"/>
-              <a:t>Adapt the agent to the user </a:t>
-            </a:r>
-            <a:r>
-              <a:rPr lang="en-US" sz="2400" dirty="0" smtClean="0"/>
-              <a:t>behavior</a:t>
-            </a:r>
-          </a:p>
-          <a:p>
-            <a:pPr marL="788670" lvl="1" indent="-514350">
-              <a:buFont typeface="+mj-lt"/>
-              <a:buAutoNum type="romanLcPeriod"/>
-            </a:pPr>
-            <a:endParaRPr lang="en-US" sz="2400" dirty="0"/>
+              <a:t>model of collaborative </a:t>
+            </a:r>
+            <a:r>
+              <a:rPr lang="en-US" sz="2800" dirty="0" smtClean="0"/>
+              <a:t>negotiation</a:t>
+            </a:r>
           </a:p>
           <a:p>
             <a:pPr marL="514350" indent="-514350">
               <a:buFont typeface="+mj-lt"/>
               <a:buAutoNum type="arabicPeriod"/>
             </a:pPr>
+            <a:endParaRPr lang="en-US" sz="2800" dirty="0"/>
+          </a:p>
+          <a:p>
+            <a:pPr marL="514350" indent="-514350">
+              <a:buFont typeface="+mj-lt"/>
+              <a:buAutoNum type="arabicPeriod"/>
+            </a:pPr>
+            <a:r>
+              <a:rPr lang="en-US" sz="2800" dirty="0" smtClean="0"/>
+              <a:t>Decision </a:t>
+            </a:r>
             <a:r>
               <a:rPr lang="en-US" sz="2800" dirty="0"/>
-              <a:t>Validate the </a:t>
+              <a:t>model based on </a:t>
             </a:r>
             <a:r>
               <a:rPr lang="en-US" sz="2800" dirty="0" smtClean="0"/>
-              <a:t>model </a:t>
+              <a:t>power</a:t>
+            </a:r>
+          </a:p>
+          <a:p>
+            <a:pPr marL="514350" indent="-514350">
+              <a:buFont typeface="+mj-lt"/>
+              <a:buAutoNum type="arabicPeriod"/>
+            </a:pPr>
+            <a:endParaRPr lang="en-US" sz="2800" dirty="0"/>
+          </a:p>
+          <a:p>
+            <a:pPr marL="514350" indent="-514350">
+              <a:buFont typeface="+mj-lt"/>
+              <a:buAutoNum type="arabicPeriod"/>
+            </a:pPr>
+            <a:r>
+              <a:rPr lang="en-US" sz="2800" dirty="0" smtClean="0"/>
+              <a:t>Validation </a:t>
             </a:r>
             <a:r>
               <a:rPr lang="en-US" sz="2800" dirty="0"/>
-              <a:t>in the context of HMI</a:t>
-            </a:r>
+              <a:t>of behaviors of power by external </a:t>
+            </a:r>
+            <a:r>
+              <a:rPr lang="en-US" sz="2800" dirty="0" smtClean="0"/>
+              <a:t>judges</a:t>
+            </a:r>
+            <a:endParaRPr lang="en-US" sz="2800" dirty="0"/>
           </a:p>
         </p:txBody>
       </p:sp>
@@ -20182,7 +20772,7 @@
           <p:cNvPr id="2" name="Rectangle 1">
             <a:extLst>
               <a:ext uri="{FF2B5EF4-FFF2-40B4-BE49-F238E27FC236}">
-                <a16:creationId xmlns="" xmlns:a16="http://schemas.microsoft.com/office/drawing/2014/main" id="{F27C5ECE-A7E9-4F97-8CFC-2D1207980563}"/>
+                <a16:creationId xmlns:a16="http://schemas.microsoft.com/office/drawing/2014/main" xmlns="" id="{F27C5ECE-A7E9-4F97-8CFC-2D1207980563}"/>
               </a:ext>
             </a:extLst>
           </p:cNvPr>
@@ -20248,7 +20838,7 @@
     </p:spTree>
     <p:extLst>
       <p:ext uri="{BB962C8B-B14F-4D97-AF65-F5344CB8AC3E}">
-        <p14:creationId xmlns:p14="http://schemas.microsoft.com/office/powerpoint/2010/main" val="141177563"/>
+        <p14:creationId xmlns:p14="http://schemas.microsoft.com/office/powerpoint/2010/main" val="1656687883"/>
       </p:ext>
     </p:extLst>
   </p:cSld>
@@ -20300,6 +20890,314 @@
             <a:fld id="{6936E76E-83C7-4D0C-AE26-C0751568CC47}" type="slidenum">
               <a:rPr lang="fr-FR" smtClean="0"/>
               <a:t>32</a:t>
+            </a:fld>
+            <a:endParaRPr lang="fr-FR"/>
+          </a:p>
+        </p:txBody>
+      </p:sp>
+      <p:sp>
+        <p:nvSpPr>
+          <p:cNvPr id="7" name="ZoneTexte 6"/>
+          <p:cNvSpPr txBox="1"/>
+          <p:nvPr/>
+        </p:nvSpPr>
+        <p:spPr>
+          <a:xfrm>
+            <a:off x="91386" y="0"/>
+            <a:ext cx="3304110" cy="400110"/>
+          </a:xfrm>
+          <a:prstGeom prst="rect">
+            <a:avLst/>
+          </a:prstGeom>
+          <a:noFill/>
+        </p:spPr>
+        <p:txBody>
+          <a:bodyPr wrap="none" rtlCol="0">
+            <a:spAutoFit/>
+          </a:bodyPr>
+          <a:lstStyle/>
+          <a:p>
+            <a:r>
+              <a:rPr lang="en-US" sz="2000" b="1" dirty="0">
+                <a:solidFill>
+                  <a:schemeClr val="bg1"/>
+                </a:solidFill>
+              </a:rPr>
+              <a:t>Conclusion &amp; future work</a:t>
+            </a:r>
+          </a:p>
+        </p:txBody>
+      </p:sp>
+      <p:sp>
+        <p:nvSpPr>
+          <p:cNvPr id="8" name="Titre 1"/>
+          <p:cNvSpPr>
+            <a:spLocks noGrp="1"/>
+          </p:cNvSpPr>
+          <p:nvPr>
+            <p:ph type="title"/>
+          </p:nvPr>
+        </p:nvSpPr>
+        <p:spPr>
+          <a:xfrm>
+            <a:off x="269776" y="369278"/>
+            <a:ext cx="8694712" cy="1143000"/>
+          </a:xfrm>
+        </p:spPr>
+        <p:txBody>
+          <a:bodyPr>
+            <a:noAutofit/>
+          </a:bodyPr>
+          <a:lstStyle/>
+          <a:p>
+            <a:r>
+              <a:rPr lang="fr-FR" sz="3600" dirty="0" smtClean="0">
+                <a:solidFill>
+                  <a:srgbClr val="FFC000"/>
+                </a:solidFill>
+              </a:rPr>
+              <a:t>Future </a:t>
+            </a:r>
+            <a:r>
+              <a:rPr lang="fr-FR" sz="3600" dirty="0" err="1" smtClean="0">
+                <a:solidFill>
+                  <a:srgbClr val="FFC000"/>
+                </a:solidFill>
+              </a:rPr>
+              <a:t>work</a:t>
+            </a:r>
+            <a:endParaRPr lang="fr-FR" sz="3600" dirty="0">
+              <a:solidFill>
+                <a:srgbClr val="FFC000"/>
+              </a:solidFill>
+            </a:endParaRPr>
+          </a:p>
+        </p:txBody>
+      </p:sp>
+      <p:sp>
+        <p:nvSpPr>
+          <p:cNvPr id="9" name="Espace réservé du contenu 8"/>
+          <p:cNvSpPr>
+            <a:spLocks noGrp="1"/>
+          </p:cNvSpPr>
+          <p:nvPr>
+            <p:ph idx="1"/>
+          </p:nvPr>
+        </p:nvSpPr>
+        <p:spPr>
+          <a:xfrm>
+            <a:off x="269776" y="2636912"/>
+            <a:ext cx="8507288" cy="3912096"/>
+          </a:xfrm>
+        </p:spPr>
+        <p:txBody>
+          <a:bodyPr>
+            <a:normAutofit/>
+          </a:bodyPr>
+          <a:lstStyle/>
+          <a:p>
+            <a:pPr marL="514350" indent="-514350">
+              <a:buFont typeface="+mj-lt"/>
+              <a:buAutoNum type="arabicPeriod"/>
+            </a:pPr>
+            <a:r>
+              <a:rPr lang="en-US" sz="2800" dirty="0" smtClean="0"/>
+              <a:t>Validation </a:t>
+            </a:r>
+            <a:r>
+              <a:rPr lang="en-US" sz="2800" dirty="0"/>
+              <a:t>of the model in </a:t>
+            </a:r>
+            <a:r>
+              <a:rPr lang="en-US" sz="2800" dirty="0" smtClean="0"/>
+              <a:t>HMI</a:t>
+            </a:r>
+          </a:p>
+          <a:p>
+            <a:pPr marL="514350" indent="-514350">
+              <a:buFont typeface="+mj-lt"/>
+              <a:buAutoNum type="arabicPeriod"/>
+            </a:pPr>
+            <a:endParaRPr lang="en-US" sz="2800" dirty="0" smtClean="0"/>
+          </a:p>
+          <a:p>
+            <a:pPr marL="514350" indent="-514350">
+              <a:buFont typeface="+mj-lt"/>
+              <a:buAutoNum type="arabicPeriod"/>
+            </a:pPr>
+            <a:r>
+              <a:rPr lang="en-US" sz="2800" dirty="0" smtClean="0"/>
+              <a:t>Build </a:t>
+            </a:r>
+            <a:r>
+              <a:rPr lang="en-US" sz="2800" dirty="0"/>
+              <a:t>the relation of dominance during the negotiation</a:t>
+            </a:r>
+          </a:p>
+          <a:p>
+            <a:pPr marL="788670" lvl="1" indent="-514350">
+              <a:buFont typeface="+mj-lt"/>
+              <a:buAutoNum type="romanLcPeriod"/>
+            </a:pPr>
+            <a:r>
+              <a:rPr lang="en-US" sz="2400" dirty="0"/>
+              <a:t>Adapt the agent to the user </a:t>
+            </a:r>
+            <a:r>
+              <a:rPr lang="en-US" sz="2400" dirty="0" smtClean="0"/>
+              <a:t>behavior</a:t>
+            </a:r>
+          </a:p>
+          <a:p>
+            <a:pPr marL="788670" lvl="1" indent="-514350">
+              <a:buFont typeface="+mj-lt"/>
+              <a:buAutoNum type="romanLcPeriod"/>
+            </a:pPr>
+            <a:endParaRPr lang="en-US" sz="2400" dirty="0"/>
+          </a:p>
+          <a:p>
+            <a:pPr marL="514350" indent="-514350">
+              <a:buFont typeface="+mj-lt"/>
+              <a:buAutoNum type="arabicPeriod"/>
+            </a:pPr>
+            <a:r>
+              <a:rPr lang="en-US" sz="2800" dirty="0"/>
+              <a:t>Validate the </a:t>
+            </a:r>
+            <a:r>
+              <a:rPr lang="en-US" sz="2800" dirty="0" smtClean="0"/>
+              <a:t>model </a:t>
+            </a:r>
+            <a:r>
+              <a:rPr lang="en-US" sz="2800" dirty="0"/>
+              <a:t>in the context of HMI</a:t>
+            </a:r>
+          </a:p>
+        </p:txBody>
+      </p:sp>
+      <p:sp>
+        <p:nvSpPr>
+          <p:cNvPr id="2" name="Rectangle 1">
+            <a:extLst>
+              <a:ext uri="{FF2B5EF4-FFF2-40B4-BE49-F238E27FC236}">
+                <a16:creationId xmlns:a16="http://schemas.microsoft.com/office/drawing/2014/main" xmlns="" id="{F27C5ECE-A7E9-4F97-8CFC-2D1207980563}"/>
+              </a:ext>
+            </a:extLst>
+          </p:cNvPr>
+          <p:cNvSpPr/>
+          <p:nvPr/>
+        </p:nvSpPr>
+        <p:spPr>
+          <a:xfrm>
+            <a:off x="269776" y="1412776"/>
+            <a:ext cx="8424936" cy="1008112"/>
+          </a:xfrm>
+          <a:prstGeom prst="rect">
+            <a:avLst/>
+          </a:prstGeom>
+          <a:noFill/>
+          <a:ln>
+            <a:solidFill>
+              <a:srgbClr val="FFC000"/>
+            </a:solidFill>
+          </a:ln>
+        </p:spPr>
+        <p:style>
+          <a:lnRef idx="2">
+            <a:schemeClr val="accent1">
+              <a:shade val="50000"/>
+            </a:schemeClr>
+          </a:lnRef>
+          <a:fillRef idx="1">
+            <a:schemeClr val="accent1"/>
+          </a:fillRef>
+          <a:effectRef idx="0">
+            <a:schemeClr val="accent1"/>
+          </a:effectRef>
+          <a:fontRef idx="minor">
+            <a:schemeClr val="lt1"/>
+          </a:fontRef>
+        </p:style>
+        <p:txBody>
+          <a:bodyPr rtlCol="0" anchor="ctr"/>
+          <a:lstStyle/>
+          <a:p>
+            <a:pPr lvl="0">
+              <a:spcBef>
+                <a:spcPct val="20000"/>
+              </a:spcBef>
+              <a:buClr>
+                <a:srgbClr val="4A66AC"/>
+              </a:buClr>
+              <a:buSzPct val="85000"/>
+            </a:pPr>
+            <a:r>
+              <a:rPr lang="en-US" sz="2400" b="1" dirty="0">
+                <a:solidFill>
+                  <a:prstClr val="black"/>
+                </a:solidFill>
+              </a:rPr>
+              <a:t>Goal: Impact of dominance on the negotiation strategies.</a:t>
+            </a:r>
+            <a:endParaRPr lang="fr-FR" sz="1600" dirty="0"/>
+          </a:p>
+        </p:txBody>
+      </p:sp>
+    </p:spTree>
+    <p:extLst>
+      <p:ext uri="{BB962C8B-B14F-4D97-AF65-F5344CB8AC3E}">
+        <p14:creationId xmlns:p14="http://schemas.microsoft.com/office/powerpoint/2010/main" val="141177563"/>
+      </p:ext>
+    </p:extLst>
+  </p:cSld>
+  <p:clrMapOvr>
+    <a:masterClrMapping/>
+  </p:clrMapOvr>
+  <p:timing>
+    <p:tnLst>
+      <p:par>
+        <p:cTn id="1" dur="indefinite" restart="never" nodeType="tmRoot"/>
+      </p:par>
+    </p:tnLst>
+  </p:timing>
+</p:sld>
+</file>
+
+<file path=ppt/slides/slide33.xml><?xml version="1.0" encoding="utf-8"?>
+<p:sld xmlns:a="http://schemas.openxmlformats.org/drawingml/2006/main" xmlns:r="http://schemas.openxmlformats.org/officeDocument/2006/relationships" xmlns:p="http://schemas.openxmlformats.org/presentationml/2006/main">
+  <p:cSld>
+    <p:spTree>
+      <p:nvGrpSpPr>
+        <p:cNvPr id="1" name=""/>
+        <p:cNvGrpSpPr/>
+        <p:nvPr/>
+      </p:nvGrpSpPr>
+      <p:grpSpPr>
+        <a:xfrm>
+          <a:off x="0" y="0"/>
+          <a:ext cx="0" cy="0"/>
+          <a:chOff x="0" y="0"/>
+          <a:chExt cx="0" cy="0"/>
+        </a:xfrm>
+      </p:grpSpPr>
+      <p:sp>
+        <p:nvSpPr>
+          <p:cNvPr id="4" name="Espace réservé du numéro de diapositive 3"/>
+          <p:cNvSpPr>
+            <a:spLocks noGrp="1"/>
+          </p:cNvSpPr>
+          <p:nvPr>
+            <p:ph type="sldNum" sz="quarter" idx="12"/>
+          </p:nvPr>
+        </p:nvSpPr>
+        <p:spPr/>
+        <p:txBody>
+          <a:bodyPr/>
+          <a:lstStyle/>
+          <a:p>
+            <a:fld id="{6936E76E-83C7-4D0C-AE26-C0751568CC47}" type="slidenum">
+              <a:rPr lang="fr-FR" smtClean="0"/>
+              <a:t>33</a:t>
             </a:fld>
             <a:endParaRPr lang="fr-FR"/>
           </a:p>
@@ -21323,7 +22221,7 @@
           <p:cNvPr id="17" name="Picture 2">
             <a:extLst>
               <a:ext uri="{FF2B5EF4-FFF2-40B4-BE49-F238E27FC236}">
-                <a16:creationId xmlns="" xmlns:a16="http://schemas.microsoft.com/office/drawing/2014/main" id="{CFF8B845-5BF8-4A0C-98F6-B619715AAEA2}"/>
+                <a16:creationId xmlns:a16="http://schemas.microsoft.com/office/drawing/2014/main" xmlns="" id="{CFF8B845-5BF8-4A0C-98F6-B619715AAEA2}"/>
               </a:ext>
             </a:extLst>
           </p:cNvPr>
@@ -21385,7 +22283,7 @@
           <p:cNvPr id="18" name="Picture 3">
             <a:extLst>
               <a:ext uri="{FF2B5EF4-FFF2-40B4-BE49-F238E27FC236}">
-                <a16:creationId xmlns="" xmlns:a16="http://schemas.microsoft.com/office/drawing/2014/main" id="{EF2EBBBE-8593-44B1-A72D-A22E9C08FFE7}"/>
+                <a16:creationId xmlns:a16="http://schemas.microsoft.com/office/drawing/2014/main" xmlns="" id="{EF2EBBBE-8593-44B1-A72D-A22E9C08FFE7}"/>
               </a:ext>
             </a:extLst>
           </p:cNvPr>
@@ -21445,7 +22343,7 @@
           <p:cNvPr id="19" name="Rectangle 18">
             <a:extLst>
               <a:ext uri="{FF2B5EF4-FFF2-40B4-BE49-F238E27FC236}">
-                <a16:creationId xmlns="" xmlns:a16="http://schemas.microsoft.com/office/drawing/2014/main" id="{038F1302-F2F7-4CF9-9C4C-50FE7FDCDB4F}"/>
+                <a16:creationId xmlns:a16="http://schemas.microsoft.com/office/drawing/2014/main" xmlns="" id="{038F1302-F2F7-4CF9-9C4C-50FE7FDCDB4F}"/>
               </a:ext>
             </a:extLst>
           </p:cNvPr>
@@ -21504,7 +22402,7 @@
           <p:cNvPr id="20" name="Rectangle 19">
             <a:extLst>
               <a:ext uri="{FF2B5EF4-FFF2-40B4-BE49-F238E27FC236}">
-                <a16:creationId xmlns="" xmlns:a16="http://schemas.microsoft.com/office/drawing/2014/main" id="{3C1AA41B-074B-4F7A-861E-89735F345CF0}"/>
+                <a16:creationId xmlns:a16="http://schemas.microsoft.com/office/drawing/2014/main" xmlns="" id="{3C1AA41B-074B-4F7A-861E-89735F345CF0}"/>
               </a:ext>
             </a:extLst>
           </p:cNvPr>
@@ -21568,7 +22466,7 @@
           <p:cNvPr id="21" name="Rectangle 20">
             <a:extLst>
               <a:ext uri="{FF2B5EF4-FFF2-40B4-BE49-F238E27FC236}">
-                <a16:creationId xmlns="" xmlns:a16="http://schemas.microsoft.com/office/drawing/2014/main" id="{2A756D34-B002-4AB4-AC49-78249344A7BE}"/>
+                <a16:creationId xmlns:a16="http://schemas.microsoft.com/office/drawing/2014/main" xmlns="" id="{2A756D34-B002-4AB4-AC49-78249344A7BE}"/>
               </a:ext>
             </a:extLst>
           </p:cNvPr>
@@ -21627,7 +22525,7 @@
           <p:cNvPr id="22" name="Rectangle 21">
             <a:extLst>
               <a:ext uri="{FF2B5EF4-FFF2-40B4-BE49-F238E27FC236}">
-                <a16:creationId xmlns="" xmlns:a16="http://schemas.microsoft.com/office/drawing/2014/main" id="{9D26596C-72BB-42BF-B369-6121898FA7F5}"/>
+                <a16:creationId xmlns:a16="http://schemas.microsoft.com/office/drawing/2014/main" xmlns="" id="{9D26596C-72BB-42BF-B369-6121898FA7F5}"/>
               </a:ext>
             </a:extLst>
           </p:cNvPr>
@@ -21691,7 +22589,7 @@
           <p:cNvPr id="23" name="Double flèche horizontale 6">
             <a:extLst>
               <a:ext uri="{FF2B5EF4-FFF2-40B4-BE49-F238E27FC236}">
-                <a16:creationId xmlns="" xmlns:a16="http://schemas.microsoft.com/office/drawing/2014/main" id="{AF2A9A22-A058-4C7A-BC4B-F53D47BCE5B2}"/>
+                <a16:creationId xmlns:a16="http://schemas.microsoft.com/office/drawing/2014/main" xmlns="" id="{AF2A9A22-A058-4C7A-BC4B-F53D47BCE5B2}"/>
               </a:ext>
             </a:extLst>
           </p:cNvPr>
@@ -22076,7 +22974,7 @@
           <p:cNvPr id="1026" name="Picture 2" descr="Image associée">
             <a:extLst>
               <a:ext uri="{FF2B5EF4-FFF2-40B4-BE49-F238E27FC236}">
-                <a16:creationId xmlns="" xmlns:a16="http://schemas.microsoft.com/office/drawing/2014/main" id="{856E596A-F57F-4174-BE45-CD01C6C9D5BE}"/>
+                <a16:creationId xmlns:a16="http://schemas.microsoft.com/office/drawing/2014/main" xmlns="" id="{856E596A-F57F-4174-BE45-CD01C6C9D5BE}"/>
               </a:ext>
             </a:extLst>
           </p:cNvPr>
@@ -22123,7 +23021,7 @@
           <p:cNvPr id="11" name="Rectangle 10">
             <a:extLst>
               <a:ext uri="{FF2B5EF4-FFF2-40B4-BE49-F238E27FC236}">
-                <a16:creationId xmlns="" xmlns:a16="http://schemas.microsoft.com/office/drawing/2014/main" id="{C5E605CE-174C-4F70-A314-BBB4436AE533}"/>
+                <a16:creationId xmlns:a16="http://schemas.microsoft.com/office/drawing/2014/main" xmlns="" id="{C5E605CE-174C-4F70-A314-BBB4436AE533}"/>
               </a:ext>
             </a:extLst>
           </p:cNvPr>
@@ -22175,7 +23073,7 @@
           <p:cNvPr id="10" name="ZoneTexte 9">
             <a:extLst>
               <a:ext uri="{FF2B5EF4-FFF2-40B4-BE49-F238E27FC236}">
-                <a16:creationId xmlns="" xmlns:a16="http://schemas.microsoft.com/office/drawing/2014/main" id="{218F05D1-768A-4986-80EB-6525FB3CC5A0}"/>
+                <a16:creationId xmlns:a16="http://schemas.microsoft.com/office/drawing/2014/main" xmlns="" id="{218F05D1-768A-4986-80EB-6525FB3CC5A0}"/>
               </a:ext>
             </a:extLst>
           </p:cNvPr>
@@ -22428,7 +23326,7 @@
           <p:cNvPr id="2050" name="Picture 2" descr="Résultat de recherche d'images pour &quot;Bossy or wimpy: expressing social dominance by combining gaze and linguistic behaviors&quot;">
             <a:extLst>
               <a:ext uri="{FF2B5EF4-FFF2-40B4-BE49-F238E27FC236}">
-                <a16:creationId xmlns="" xmlns:a16="http://schemas.microsoft.com/office/drawing/2014/main" id="{24C18FCD-700E-4908-A15A-C1A7C0543531}"/>
+                <a16:creationId xmlns:a16="http://schemas.microsoft.com/office/drawing/2014/main" xmlns="" id="{24C18FCD-700E-4908-A15A-C1A7C0543531}"/>
               </a:ext>
             </a:extLst>
           </p:cNvPr>
@@ -22475,7 +23373,7 @@
           <p:cNvPr id="7" name="Image 6">
             <a:extLst>
               <a:ext uri="{FF2B5EF4-FFF2-40B4-BE49-F238E27FC236}">
-                <a16:creationId xmlns="" xmlns:a16="http://schemas.microsoft.com/office/drawing/2014/main" id="{FAD6EF74-380B-4967-9F00-E19943025F33}"/>
+                <a16:creationId xmlns:a16="http://schemas.microsoft.com/office/drawing/2014/main" xmlns="" id="{FAD6EF74-380B-4967-9F00-E19943025F33}"/>
               </a:ext>
             </a:extLst>
           </p:cNvPr>
@@ -22505,7 +23403,7 @@
           <p:cNvPr id="8" name="ZoneTexte 7">
             <a:extLst>
               <a:ext uri="{FF2B5EF4-FFF2-40B4-BE49-F238E27FC236}">
-                <a16:creationId xmlns="" xmlns:a16="http://schemas.microsoft.com/office/drawing/2014/main" id="{BF819231-86B9-48FA-88B5-2863AF1A57A7}"/>
+                <a16:creationId xmlns:a16="http://schemas.microsoft.com/office/drawing/2014/main" xmlns="" id="{BF819231-86B9-48FA-88B5-2863AF1A57A7}"/>
               </a:ext>
             </a:extLst>
           </p:cNvPr>
@@ -22565,7 +23463,7 @@
           <p:cNvPr id="9" name="ZoneTexte 8">
             <a:extLst>
               <a:ext uri="{FF2B5EF4-FFF2-40B4-BE49-F238E27FC236}">
-                <a16:creationId xmlns="" xmlns:a16="http://schemas.microsoft.com/office/drawing/2014/main" id="{9D386948-6BD8-4636-95D6-1291621D7625}"/>
+                <a16:creationId xmlns:a16="http://schemas.microsoft.com/office/drawing/2014/main" xmlns="" id="{9D386948-6BD8-4636-95D6-1291621D7625}"/>
               </a:ext>
             </a:extLst>
           </p:cNvPr>

--- a/papers/Presentations/IVA17/IVA17.pptx
+++ b/papers/Presentations/IVA17/IVA17.pptx
@@ -141,7 +141,7 @@
   </p:defaultTextStyle>
   <p:extLst>
     <p:ext uri="{EFAFB233-063F-42B5-8137-9DF3F51BA10A}">
-      <p15:sldGuideLst xmlns:p15="http://schemas.microsoft.com/office/powerpoint/2012/main" xmlns="">
+      <p15:sldGuideLst xmlns="" xmlns:p15="http://schemas.microsoft.com/office/powerpoint/2012/main">
         <p15:guide id="1" orient="horz" pos="2160">
           <p15:clr>
             <a:srgbClr val="A4A3A4"/>
@@ -1262,27 +1262,7 @@
           <a:bodyPr/>
           <a:lstStyle/>
           <a:p>
-            <a:r>
-              <a:rPr lang="fr-FR" dirty="0"/>
-              <a:t>Une</a:t>
-            </a:r>
-            <a:r>
-              <a:rPr lang="fr-FR" baseline="0" dirty="0"/>
-              <a:t> option est défini comme le produit </a:t>
-            </a:r>
-            <a:r>
-              <a:rPr lang="fr-FR" baseline="0" dirty="0" err="1"/>
-              <a:t>cartesien</a:t>
-            </a:r>
-            <a:r>
-              <a:rPr lang="fr-FR" baseline="0" dirty="0"/>
-              <a:t> d’un ensemble de </a:t>
-            </a:r>
-            <a:r>
-              <a:rPr lang="fr-FR" baseline="0"/>
-              <a:t>criteres</a:t>
-            </a:r>
-            <a:endParaRPr lang="fr-FR"/>
+            <a:endParaRPr lang="fr-FR" dirty="0"/>
           </a:p>
         </p:txBody>
       </p:sp>
@@ -1313,6 +1293,170 @@
     <p:extLst>
       <p:ext uri="{BB962C8B-B14F-4D97-AF65-F5344CB8AC3E}">
         <p14:creationId xmlns:p14="http://schemas.microsoft.com/office/powerpoint/2010/main" val="2349789133"/>
+      </p:ext>
+    </p:extLst>
+  </p:cSld>
+  <p:clrMapOvr>
+    <a:masterClrMapping/>
+  </p:clrMapOvr>
+</p:notes>
+</file>
+
+<file path=ppt/notesSlides/notesSlide16.xml><?xml version="1.0" encoding="utf-8"?>
+<p:notes xmlns:a="http://schemas.openxmlformats.org/drawingml/2006/main" xmlns:r="http://schemas.openxmlformats.org/officeDocument/2006/relationships" xmlns:p="http://schemas.openxmlformats.org/presentationml/2006/main">
+  <p:cSld>
+    <p:spTree>
+      <p:nvGrpSpPr>
+        <p:cNvPr id="1" name=""/>
+        <p:cNvGrpSpPr/>
+        <p:nvPr/>
+      </p:nvGrpSpPr>
+      <p:grpSpPr>
+        <a:xfrm>
+          <a:off x="0" y="0"/>
+          <a:ext cx="0" cy="0"/>
+          <a:chOff x="0" y="0"/>
+          <a:chExt cx="0" cy="0"/>
+        </a:xfrm>
+      </p:grpSpPr>
+      <p:sp>
+        <p:nvSpPr>
+          <p:cNvPr id="2" name="Espace réservé de l'image des diapositives 1"/>
+          <p:cNvSpPr>
+            <a:spLocks noGrp="1" noRot="1" noChangeAspect="1"/>
+          </p:cNvSpPr>
+          <p:nvPr>
+            <p:ph type="sldImg"/>
+          </p:nvPr>
+        </p:nvSpPr>
+        <p:spPr/>
+      </p:sp>
+      <p:sp>
+        <p:nvSpPr>
+          <p:cNvPr id="3" name="Espace réservé des commentaires 2"/>
+          <p:cNvSpPr>
+            <a:spLocks noGrp="1"/>
+          </p:cNvSpPr>
+          <p:nvPr>
+            <p:ph type="body" idx="1"/>
+          </p:nvPr>
+        </p:nvSpPr>
+        <p:spPr/>
+        <p:txBody>
+          <a:bodyPr/>
+          <a:lstStyle/>
+          <a:p>
+            <a:r>
+              <a:rPr lang="fr-FR" dirty="0" smtClean="0"/>
+              <a:t>Our </a:t>
+            </a:r>
+            <a:r>
+              <a:rPr lang="fr-FR" dirty="0" err="1" smtClean="0"/>
+              <a:t>evaluation</a:t>
+            </a:r>
+            <a:r>
+              <a:rPr lang="fr-FR" dirty="0" smtClean="0"/>
+              <a:t> </a:t>
+            </a:r>
+            <a:r>
+              <a:rPr lang="fr-FR" dirty="0" err="1" smtClean="0"/>
+              <a:t>aims</a:t>
+            </a:r>
+            <a:r>
+              <a:rPr lang="fr-FR" dirty="0" smtClean="0"/>
+              <a:t> at </a:t>
+            </a:r>
+            <a:r>
+              <a:rPr lang="fr-FR" dirty="0" err="1" smtClean="0"/>
+              <a:t>proving</a:t>
+            </a:r>
+            <a:r>
+              <a:rPr lang="fr-FR" baseline="0" dirty="0" smtClean="0"/>
+              <a:t> </a:t>
+            </a:r>
+            <a:r>
+              <a:rPr lang="fr-FR" baseline="0" dirty="0" err="1" smtClean="0"/>
+              <a:t>that</a:t>
+            </a:r>
+            <a:r>
+              <a:rPr lang="fr-FR" baseline="0" dirty="0" smtClean="0"/>
+              <a:t> the dialogues </a:t>
+            </a:r>
+            <a:r>
+              <a:rPr lang="fr-FR" baseline="0" dirty="0" err="1" smtClean="0"/>
+              <a:t>produced</a:t>
+            </a:r>
+            <a:r>
+              <a:rPr lang="fr-FR" baseline="0" dirty="0" smtClean="0"/>
+              <a:t> by the model </a:t>
+            </a:r>
+            <a:r>
+              <a:rPr lang="fr-FR" baseline="0" dirty="0" err="1" smtClean="0"/>
+              <a:t>correclty</a:t>
+            </a:r>
+            <a:r>
+              <a:rPr lang="fr-FR" baseline="0" dirty="0" smtClean="0"/>
+              <a:t> </a:t>
+            </a:r>
+            <a:r>
+              <a:rPr lang="fr-FR" baseline="0" dirty="0" err="1" smtClean="0"/>
+              <a:t>exibit</a:t>
+            </a:r>
+            <a:r>
+              <a:rPr lang="fr-FR" baseline="0" dirty="0" smtClean="0"/>
+              <a:t> the </a:t>
+            </a:r>
+            <a:r>
+              <a:rPr lang="fr-FR" baseline="0" dirty="0" err="1" smtClean="0"/>
+              <a:t>behaviors</a:t>
+            </a:r>
+            <a:r>
+              <a:rPr lang="fr-FR" baseline="0" dirty="0" smtClean="0"/>
+              <a:t> of power, as </a:t>
+            </a:r>
+            <a:r>
+              <a:rPr lang="fr-FR" baseline="0" dirty="0" err="1" smtClean="0"/>
+              <a:t>described</a:t>
+            </a:r>
+            <a:r>
+              <a:rPr lang="fr-FR" baseline="0" dirty="0" smtClean="0"/>
+              <a:t> by the </a:t>
+            </a:r>
+            <a:r>
+              <a:rPr lang="fr-FR" baseline="0" dirty="0" err="1" smtClean="0"/>
+              <a:t>principles</a:t>
+            </a:r>
+            <a:endParaRPr lang="fr-FR" dirty="0"/>
+          </a:p>
+        </p:txBody>
+      </p:sp>
+      <p:sp>
+        <p:nvSpPr>
+          <p:cNvPr id="4" name="Espace réservé du numéro de diapositive 3"/>
+          <p:cNvSpPr>
+            <a:spLocks noGrp="1"/>
+          </p:cNvSpPr>
+          <p:nvPr>
+            <p:ph type="sldNum" sz="quarter" idx="10"/>
+          </p:nvPr>
+        </p:nvSpPr>
+        <p:spPr/>
+        <p:txBody>
+          <a:bodyPr/>
+          <a:lstStyle/>
+          <a:p>
+            <a:fld id="{7C5EE35D-106A-4573-A36A-3B01A1873740}" type="slidenum">
+              <a:rPr lang="fr-FR" smtClean="0"/>
+              <a:t>25</a:t>
+            </a:fld>
+            <a:endParaRPr lang="fr-FR"/>
+          </a:p>
+        </p:txBody>
+      </p:sp>
+    </p:spTree>
+    <p:extLst>
+      <p:ext uri="{BB962C8B-B14F-4D97-AF65-F5344CB8AC3E}">
+        <p14:creationId xmlns:p14="http://schemas.microsoft.com/office/powerpoint/2010/main" val="1322395765"/>
       </p:ext>
     </p:extLst>
   </p:cSld>
@@ -1413,8 +1557,13 @@
             </a:r>
             <a:r>
               <a:rPr lang="en-US" b="1" baseline="0" dirty="0"/>
-              <a:t>social behaviors</a:t>
-            </a:r>
+              <a:t>social </a:t>
+            </a:r>
+            <a:r>
+              <a:rPr lang="en-US" b="1" baseline="0" dirty="0" smtClean="0"/>
+              <a:t>behaviors</a:t>
+            </a:r>
+            <a:endParaRPr lang="en-US" b="1" baseline="0" dirty="0"/>
           </a:p>
           <a:p>
             <a:r>
@@ -1445,6 +1594,27 @@
               <a:rPr lang="en-US" b="1" baseline="0" dirty="0" smtClean="0"/>
               <a:t>collaboration</a:t>
             </a:r>
+          </a:p>
+          <a:p>
+            <a:r>
+              <a:rPr lang="en-US" b="1" baseline="0" dirty="0" smtClean="0"/>
+              <a:t>Our goal to enhance the social abilities the  context of collaboration </a:t>
+            </a:r>
+          </a:p>
+          <a:p>
+            <a:r>
+              <a:rPr lang="en-US" b="1" baseline="0" dirty="0" smtClean="0"/>
+              <a:t>We focus on the verbal behaviors and more </a:t>
+            </a:r>
+            <a:r>
+              <a:rPr lang="en-US" b="1" baseline="0" dirty="0" err="1" smtClean="0"/>
+              <a:t>precisly</a:t>
+            </a:r>
+            <a:r>
+              <a:rPr lang="en-US" b="1" baseline="0" dirty="0" smtClean="0"/>
+              <a:t> on the dialogue strategy</a:t>
+            </a:r>
+            <a:endParaRPr lang="en-US" b="1" baseline="0" dirty="0" smtClean="0"/>
           </a:p>
           <a:p>
             <a:r>
@@ -6126,7 +6296,7 @@
           <p:cNvPr id="9" name="ZoneTexte 8">
             <a:extLst>
               <a:ext uri="{FF2B5EF4-FFF2-40B4-BE49-F238E27FC236}">
-                <a16:creationId xmlns:a16="http://schemas.microsoft.com/office/drawing/2014/main" xmlns="" id="{E5C60904-3E43-4D00-A403-14829C9BA3A8}"/>
+                <a16:creationId xmlns="" xmlns:a16="http://schemas.microsoft.com/office/drawing/2014/main" id="{E5C60904-3E43-4D00-A403-14829C9BA3A8}"/>
               </a:ext>
             </a:extLst>
           </p:cNvPr>
@@ -6356,7 +6526,7 @@
           <p:cNvPr id="11" name="Rectangle 10">
             <a:extLst>
               <a:ext uri="{FF2B5EF4-FFF2-40B4-BE49-F238E27FC236}">
-                <a16:creationId xmlns:a16="http://schemas.microsoft.com/office/drawing/2014/main" xmlns="" id="{70948E37-83B5-46CC-BF55-AA82E7F50112}"/>
+                <a16:creationId xmlns="" xmlns:a16="http://schemas.microsoft.com/office/drawing/2014/main" id="{70948E37-83B5-46CC-BF55-AA82E7F50112}"/>
               </a:ext>
             </a:extLst>
           </p:cNvPr>
@@ -6450,7 +6620,7 @@
           <p:cNvPr id="14" name="Rectangle 13">
             <a:extLst>
               <a:ext uri="{FF2B5EF4-FFF2-40B4-BE49-F238E27FC236}">
-                <a16:creationId xmlns:a16="http://schemas.microsoft.com/office/drawing/2014/main" xmlns="" id="{8F3400E1-9791-4DCA-9FD2-7107CE873690}"/>
+                <a16:creationId xmlns="" xmlns:a16="http://schemas.microsoft.com/office/drawing/2014/main" id="{8F3400E1-9791-4DCA-9FD2-7107CE873690}"/>
               </a:ext>
             </a:extLst>
           </p:cNvPr>
@@ -6500,7 +6670,7 @@
           <p:cNvPr id="15" name="ZoneTexte 14">
             <a:extLst>
               <a:ext uri="{FF2B5EF4-FFF2-40B4-BE49-F238E27FC236}">
-                <a16:creationId xmlns:a16="http://schemas.microsoft.com/office/drawing/2014/main" xmlns="" id="{0686F85A-85EC-4FF7-80C4-F874B395ECED}"/>
+                <a16:creationId xmlns="" xmlns:a16="http://schemas.microsoft.com/office/drawing/2014/main" id="{0686F85A-85EC-4FF7-80C4-F874B395ECED}"/>
               </a:ext>
             </a:extLst>
           </p:cNvPr>
@@ -6601,7 +6771,7 @@
             <p:cNvPr id="5" name="Image 4">
               <a:extLst>
                 <a:ext uri="{FF2B5EF4-FFF2-40B4-BE49-F238E27FC236}">
-                  <a16:creationId xmlns:a16="http://schemas.microsoft.com/office/drawing/2014/main" xmlns="" id="{88531C78-1FC9-4FB2-8870-3BC7391B208D}"/>
+                  <a16:creationId xmlns="" xmlns:a16="http://schemas.microsoft.com/office/drawing/2014/main" id="{88531C78-1FC9-4FB2-8870-3BC7391B208D}"/>
                 </a:ext>
               </a:extLst>
             </p:cNvPr>
@@ -6635,7 +6805,7 @@
             <p:cNvPr id="24" name="Rectangle 23">
               <a:extLst>
                 <a:ext uri="{FF2B5EF4-FFF2-40B4-BE49-F238E27FC236}">
-                  <a16:creationId xmlns:a16="http://schemas.microsoft.com/office/drawing/2014/main" xmlns="" id="{D1E0FCD0-EEA8-4172-84A6-6BFEA120DCB4}"/>
+                  <a16:creationId xmlns="" xmlns:a16="http://schemas.microsoft.com/office/drawing/2014/main" id="{D1E0FCD0-EEA8-4172-84A6-6BFEA120DCB4}"/>
                 </a:ext>
               </a:extLst>
             </p:cNvPr>
@@ -6697,7 +6867,7 @@
             <p:cNvPr id="10" name="Image 9">
               <a:extLst>
                 <a:ext uri="{FF2B5EF4-FFF2-40B4-BE49-F238E27FC236}">
-                  <a16:creationId xmlns:a16="http://schemas.microsoft.com/office/drawing/2014/main" xmlns="" id="{1B33F8DA-1CDA-4BC2-BB68-60AE08CF161D}"/>
+                  <a16:creationId xmlns="" xmlns:a16="http://schemas.microsoft.com/office/drawing/2014/main" id="{1B33F8DA-1CDA-4BC2-BB68-60AE08CF161D}"/>
                 </a:ext>
               </a:extLst>
             </p:cNvPr>
@@ -7144,7 +7314,7 @@
           <p:cNvPr id="14" name="Rectangle 13">
             <a:extLst>
               <a:ext uri="{FF2B5EF4-FFF2-40B4-BE49-F238E27FC236}">
-                <a16:creationId xmlns:a16="http://schemas.microsoft.com/office/drawing/2014/main" xmlns="" id="{8F3400E1-9791-4DCA-9FD2-7107CE873690}"/>
+                <a16:creationId xmlns="" xmlns:a16="http://schemas.microsoft.com/office/drawing/2014/main" id="{8F3400E1-9791-4DCA-9FD2-7107CE873690}"/>
               </a:ext>
             </a:extLst>
           </p:cNvPr>
@@ -7194,7 +7364,7 @@
           <p:cNvPr id="19" name="Picture 2">
             <a:extLst>
               <a:ext uri="{FF2B5EF4-FFF2-40B4-BE49-F238E27FC236}">
-                <a16:creationId xmlns:a16="http://schemas.microsoft.com/office/drawing/2014/main" xmlns="" id="{1073412C-BD31-4FF8-81F8-7E47107A6CEC}"/>
+                <a16:creationId xmlns="" xmlns:a16="http://schemas.microsoft.com/office/drawing/2014/main" id="{1073412C-BD31-4FF8-81F8-7E47107A6CEC}"/>
               </a:ext>
             </a:extLst>
           </p:cNvPr>
@@ -7251,7 +7421,7 @@
           <p:cNvPr id="21" name="Picture 3">
             <a:extLst>
               <a:ext uri="{FF2B5EF4-FFF2-40B4-BE49-F238E27FC236}">
-                <a16:creationId xmlns:a16="http://schemas.microsoft.com/office/drawing/2014/main" xmlns="" id="{E5154CFA-10DE-4A93-A831-F79680320B89}"/>
+                <a16:creationId xmlns="" xmlns:a16="http://schemas.microsoft.com/office/drawing/2014/main" id="{E5154CFA-10DE-4A93-A831-F79680320B89}"/>
               </a:ext>
             </a:extLst>
           </p:cNvPr>
@@ -7320,7 +7490,7 @@
             <p:cNvPr id="13" name="Connecteur droit avec flèche 12">
               <a:extLst>
                 <a:ext uri="{FF2B5EF4-FFF2-40B4-BE49-F238E27FC236}">
-                  <a16:creationId xmlns:a16="http://schemas.microsoft.com/office/drawing/2014/main" xmlns="" id="{D65FFD6F-5568-45A2-9D5D-1CFEA9221BC5}"/>
+                  <a16:creationId xmlns="" xmlns:a16="http://schemas.microsoft.com/office/drawing/2014/main" id="{D65FFD6F-5568-45A2-9D5D-1CFEA9221BC5}"/>
                 </a:ext>
               </a:extLst>
             </p:cNvPr>
@@ -7367,7 +7537,7 @@
             <p:cNvPr id="18" name="Connecteur droit avec flèche 17">
               <a:extLst>
                 <a:ext uri="{FF2B5EF4-FFF2-40B4-BE49-F238E27FC236}">
-                  <a16:creationId xmlns:a16="http://schemas.microsoft.com/office/drawing/2014/main" xmlns="" id="{C79F3DD1-F6F3-49B9-BA90-7C1733880E4E}"/>
+                  <a16:creationId xmlns="" xmlns:a16="http://schemas.microsoft.com/office/drawing/2014/main" id="{C79F3DD1-F6F3-49B9-BA90-7C1733880E4E}"/>
                 </a:ext>
               </a:extLst>
             </p:cNvPr>
@@ -7415,7 +7585,7 @@
           <p:cNvPr id="27" name="Groupe 26">
             <a:extLst>
               <a:ext uri="{FF2B5EF4-FFF2-40B4-BE49-F238E27FC236}">
-                <a16:creationId xmlns:a16="http://schemas.microsoft.com/office/drawing/2014/main" xmlns="" id="{9FB81528-92BE-44B0-A33B-8DD173C643EF}"/>
+                <a16:creationId xmlns="" xmlns:a16="http://schemas.microsoft.com/office/drawing/2014/main" id="{9FB81528-92BE-44B0-A33B-8DD173C643EF}"/>
               </a:ext>
             </a:extLst>
           </p:cNvPr>
@@ -7435,7 +7605,7 @@
             <p:cNvPr id="25" name="Rectangle 24">
               <a:extLst>
                 <a:ext uri="{FF2B5EF4-FFF2-40B4-BE49-F238E27FC236}">
-                  <a16:creationId xmlns:a16="http://schemas.microsoft.com/office/drawing/2014/main" xmlns="" id="{B5B55A3B-4C34-4F54-AB3C-6C0AEB43B0A6}"/>
+                  <a16:creationId xmlns="" xmlns:a16="http://schemas.microsoft.com/office/drawing/2014/main" id="{B5B55A3B-4C34-4F54-AB3C-6C0AEB43B0A6}"/>
                 </a:ext>
               </a:extLst>
             </p:cNvPr>
@@ -7488,7 +7658,7 @@
             <p:cNvPr id="26" name="Rectangle 25">
               <a:extLst>
                 <a:ext uri="{FF2B5EF4-FFF2-40B4-BE49-F238E27FC236}">
-                  <a16:creationId xmlns:a16="http://schemas.microsoft.com/office/drawing/2014/main" xmlns="" id="{631F6DC2-FA6D-416F-9457-D644F2D3ED7E}"/>
+                  <a16:creationId xmlns="" xmlns:a16="http://schemas.microsoft.com/office/drawing/2014/main" id="{631F6DC2-FA6D-416F-9457-D644F2D3ED7E}"/>
                 </a:ext>
               </a:extLst>
             </p:cNvPr>
@@ -7537,7 +7707,7 @@
             <p:cNvPr id="22" name="Rectangle 21">
               <a:extLst>
                 <a:ext uri="{FF2B5EF4-FFF2-40B4-BE49-F238E27FC236}">
-                  <a16:creationId xmlns:a16="http://schemas.microsoft.com/office/drawing/2014/main" xmlns="" id="{7BCAE013-9CC5-4E12-8D7C-E20C0CA38EC7}"/>
+                  <a16:creationId xmlns="" xmlns:a16="http://schemas.microsoft.com/office/drawing/2014/main" id="{7BCAE013-9CC5-4E12-8D7C-E20C0CA38EC7}"/>
                 </a:ext>
               </a:extLst>
             </p:cNvPr>
@@ -7587,7 +7757,7 @@
             <p:cNvPr id="29" name="Rectangle 28">
               <a:extLst>
                 <a:ext uri="{FF2B5EF4-FFF2-40B4-BE49-F238E27FC236}">
-                  <a16:creationId xmlns:a16="http://schemas.microsoft.com/office/drawing/2014/main" xmlns="" id="{8AF8BB87-58CC-4C6C-AD11-5D8C87FEE763}"/>
+                  <a16:creationId xmlns="" xmlns:a16="http://schemas.microsoft.com/office/drawing/2014/main" id="{8AF8BB87-58CC-4C6C-AD11-5D8C87FEE763}"/>
                 </a:ext>
               </a:extLst>
             </p:cNvPr>
@@ -7920,7 +8090,7 @@
           <p:cNvPr id="14" name="Rectangle 13">
             <a:extLst>
               <a:ext uri="{FF2B5EF4-FFF2-40B4-BE49-F238E27FC236}">
-                <a16:creationId xmlns:a16="http://schemas.microsoft.com/office/drawing/2014/main" xmlns="" id="{8F3400E1-9791-4DCA-9FD2-7107CE873690}"/>
+                <a16:creationId xmlns="" xmlns:a16="http://schemas.microsoft.com/office/drawing/2014/main" id="{8F3400E1-9791-4DCA-9FD2-7107CE873690}"/>
               </a:ext>
             </a:extLst>
           </p:cNvPr>
@@ -7970,7 +8140,7 @@
           <p:cNvPr id="21" name="Picture 3">
             <a:extLst>
               <a:ext uri="{FF2B5EF4-FFF2-40B4-BE49-F238E27FC236}">
-                <a16:creationId xmlns:a16="http://schemas.microsoft.com/office/drawing/2014/main" xmlns="" id="{E5154CFA-10DE-4A93-A831-F79680320B89}"/>
+                <a16:creationId xmlns="" xmlns:a16="http://schemas.microsoft.com/office/drawing/2014/main" id="{E5154CFA-10DE-4A93-A831-F79680320B89}"/>
               </a:ext>
             </a:extLst>
           </p:cNvPr>
@@ -8044,7 +8214,7 @@
             <p:cNvPr id="13" name="Connecteur droit avec flèche 12">
               <a:extLst>
                 <a:ext uri="{FF2B5EF4-FFF2-40B4-BE49-F238E27FC236}">
-                  <a16:creationId xmlns:a16="http://schemas.microsoft.com/office/drawing/2014/main" xmlns="" id="{D65FFD6F-5568-45A2-9D5D-1CFEA9221BC5}"/>
+                  <a16:creationId xmlns="" xmlns:a16="http://schemas.microsoft.com/office/drawing/2014/main" id="{D65FFD6F-5568-45A2-9D5D-1CFEA9221BC5}"/>
                 </a:ext>
               </a:extLst>
             </p:cNvPr>
@@ -8091,7 +8261,7 @@
             <p:cNvPr id="18" name="Connecteur droit avec flèche 17">
               <a:extLst>
                 <a:ext uri="{FF2B5EF4-FFF2-40B4-BE49-F238E27FC236}">
-                  <a16:creationId xmlns:a16="http://schemas.microsoft.com/office/drawing/2014/main" xmlns="" id="{C79F3DD1-F6F3-49B9-BA90-7C1733880E4E}"/>
+                  <a16:creationId xmlns="" xmlns:a16="http://schemas.microsoft.com/office/drawing/2014/main" id="{C79F3DD1-F6F3-49B9-BA90-7C1733880E4E}"/>
                 </a:ext>
               </a:extLst>
             </p:cNvPr>
@@ -8182,7 +8352,7 @@
           <p:cNvPr id="23" name="Groupe 22">
             <a:extLst>
               <a:ext uri="{FF2B5EF4-FFF2-40B4-BE49-F238E27FC236}">
-                <a16:creationId xmlns:a16="http://schemas.microsoft.com/office/drawing/2014/main" xmlns="" id="{61C42AF2-A37B-4024-9CC7-BCA09014BEE4}"/>
+                <a16:creationId xmlns="" xmlns:a16="http://schemas.microsoft.com/office/drawing/2014/main" id="{61C42AF2-A37B-4024-9CC7-BCA09014BEE4}"/>
               </a:ext>
             </a:extLst>
           </p:cNvPr>
@@ -8202,7 +8372,7 @@
             <p:cNvPr id="24" name="Rectangle 23">
               <a:extLst>
                 <a:ext uri="{FF2B5EF4-FFF2-40B4-BE49-F238E27FC236}">
-                  <a16:creationId xmlns:a16="http://schemas.microsoft.com/office/drawing/2014/main" xmlns="" id="{C07CE433-4FF7-4ADB-BF26-D3C838D0ADCB}"/>
+                  <a16:creationId xmlns="" xmlns:a16="http://schemas.microsoft.com/office/drawing/2014/main" id="{C07CE433-4FF7-4ADB-BF26-D3C838D0ADCB}"/>
                 </a:ext>
               </a:extLst>
             </p:cNvPr>
@@ -8257,7 +8427,7 @@
             <p:cNvPr id="28" name="ZoneTexte 27">
               <a:extLst>
                 <a:ext uri="{FF2B5EF4-FFF2-40B4-BE49-F238E27FC236}">
-                  <a16:creationId xmlns:a16="http://schemas.microsoft.com/office/drawing/2014/main" xmlns="" id="{E46FE502-2DAF-4FD4-8D95-8472B9631A90}"/>
+                  <a16:creationId xmlns="" xmlns:a16="http://schemas.microsoft.com/office/drawing/2014/main" id="{E46FE502-2DAF-4FD4-8D95-8472B9631A90}"/>
                 </a:ext>
               </a:extLst>
             </p:cNvPr>
@@ -8355,7 +8525,7 @@
           <p:cNvPr id="30" name="Picture 2" descr="E:\presentation\satother.png">
             <a:extLst>
               <a:ext uri="{FF2B5EF4-FFF2-40B4-BE49-F238E27FC236}">
-                <a16:creationId xmlns:a16="http://schemas.microsoft.com/office/drawing/2014/main" xmlns="" id="{A8B3CF2C-3A89-4C25-B986-383723A4035F}"/>
+                <a16:creationId xmlns="" xmlns:a16="http://schemas.microsoft.com/office/drawing/2014/main" id="{A8B3CF2C-3A89-4C25-B986-383723A4035F}"/>
               </a:ext>
             </a:extLst>
           </p:cNvPr>
@@ -8402,7 +8572,7 @@
           <p:cNvPr id="31" name="ZoneTexte 30">
             <a:extLst>
               <a:ext uri="{FF2B5EF4-FFF2-40B4-BE49-F238E27FC236}">
-                <a16:creationId xmlns:a16="http://schemas.microsoft.com/office/drawing/2014/main" xmlns="" id="{94FA61C2-B84D-4556-BEC7-664B4B1053EB}"/>
+                <a16:creationId xmlns="" xmlns:a16="http://schemas.microsoft.com/office/drawing/2014/main" id="{94FA61C2-B84D-4556-BEC7-664B4B1053EB}"/>
               </a:ext>
             </a:extLst>
           </p:cNvPr>
@@ -8521,7 +8691,7 @@
           <p:cNvPr id="32" name="Rectangle 31">
             <a:extLst>
               <a:ext uri="{FF2B5EF4-FFF2-40B4-BE49-F238E27FC236}">
-                <a16:creationId xmlns:a16="http://schemas.microsoft.com/office/drawing/2014/main" xmlns="" id="{D1E0FCD0-EEA8-4172-84A6-6BFEA120DCB4}"/>
+                <a16:creationId xmlns="" xmlns:a16="http://schemas.microsoft.com/office/drawing/2014/main" id="{D1E0FCD0-EEA8-4172-84A6-6BFEA120DCB4}"/>
               </a:ext>
             </a:extLst>
           </p:cNvPr>
@@ -8713,7 +8883,7 @@
           <p:cNvPr id="25" name="Picture 2">
             <a:extLst>
               <a:ext uri="{FF2B5EF4-FFF2-40B4-BE49-F238E27FC236}">
-                <a16:creationId xmlns:a16="http://schemas.microsoft.com/office/drawing/2014/main" xmlns="" id="{1073412C-BD31-4FF8-81F8-7E47107A6CEC}"/>
+                <a16:creationId xmlns="" xmlns:a16="http://schemas.microsoft.com/office/drawing/2014/main" id="{1073412C-BD31-4FF8-81F8-7E47107A6CEC}"/>
               </a:ext>
             </a:extLst>
           </p:cNvPr>
@@ -9059,7 +9229,7 @@
           <p:cNvPr id="14" name="Rectangle 13">
             <a:extLst>
               <a:ext uri="{FF2B5EF4-FFF2-40B4-BE49-F238E27FC236}">
-                <a16:creationId xmlns:a16="http://schemas.microsoft.com/office/drawing/2014/main" xmlns="" id="{8F3400E1-9791-4DCA-9FD2-7107CE873690}"/>
+                <a16:creationId xmlns="" xmlns:a16="http://schemas.microsoft.com/office/drawing/2014/main" id="{8F3400E1-9791-4DCA-9FD2-7107CE873690}"/>
               </a:ext>
             </a:extLst>
           </p:cNvPr>
@@ -9109,7 +9279,7 @@
           <p:cNvPr id="21" name="Picture 3">
             <a:extLst>
               <a:ext uri="{FF2B5EF4-FFF2-40B4-BE49-F238E27FC236}">
-                <a16:creationId xmlns:a16="http://schemas.microsoft.com/office/drawing/2014/main" xmlns="" id="{E5154CFA-10DE-4A93-A831-F79680320B89}"/>
+                <a16:creationId xmlns="" xmlns:a16="http://schemas.microsoft.com/office/drawing/2014/main" id="{E5154CFA-10DE-4A93-A831-F79680320B89}"/>
               </a:ext>
             </a:extLst>
           </p:cNvPr>
@@ -9183,7 +9353,7 @@
             <p:cNvPr id="13" name="Connecteur droit avec flèche 12">
               <a:extLst>
                 <a:ext uri="{FF2B5EF4-FFF2-40B4-BE49-F238E27FC236}">
-                  <a16:creationId xmlns:a16="http://schemas.microsoft.com/office/drawing/2014/main" xmlns="" id="{D65FFD6F-5568-45A2-9D5D-1CFEA9221BC5}"/>
+                  <a16:creationId xmlns="" xmlns:a16="http://schemas.microsoft.com/office/drawing/2014/main" id="{D65FFD6F-5568-45A2-9D5D-1CFEA9221BC5}"/>
                 </a:ext>
               </a:extLst>
             </p:cNvPr>
@@ -9230,7 +9400,7 @@
             <p:cNvPr id="18" name="Connecteur droit avec flèche 17">
               <a:extLst>
                 <a:ext uri="{FF2B5EF4-FFF2-40B4-BE49-F238E27FC236}">
-                  <a16:creationId xmlns:a16="http://schemas.microsoft.com/office/drawing/2014/main" xmlns="" id="{C79F3DD1-F6F3-49B9-BA90-7C1733880E4E}"/>
+                  <a16:creationId xmlns="" xmlns:a16="http://schemas.microsoft.com/office/drawing/2014/main" id="{C79F3DD1-F6F3-49B9-BA90-7C1733880E4E}"/>
                 </a:ext>
               </a:extLst>
             </p:cNvPr>
@@ -9321,7 +9491,7 @@
           <p:cNvPr id="31" name="ZoneTexte 30">
             <a:extLst>
               <a:ext uri="{FF2B5EF4-FFF2-40B4-BE49-F238E27FC236}">
-                <a16:creationId xmlns:a16="http://schemas.microsoft.com/office/drawing/2014/main" xmlns="" id="{94FA61C2-B84D-4556-BEC7-664B4B1053EB}"/>
+                <a16:creationId xmlns="" xmlns:a16="http://schemas.microsoft.com/office/drawing/2014/main" id="{94FA61C2-B84D-4556-BEC7-664B4B1053EB}"/>
               </a:ext>
             </a:extLst>
           </p:cNvPr>
@@ -9440,7 +9610,7 @@
           <p:cNvPr id="22" name="ZoneTexte 21">
             <a:extLst>
               <a:ext uri="{FF2B5EF4-FFF2-40B4-BE49-F238E27FC236}">
-                <a16:creationId xmlns:a16="http://schemas.microsoft.com/office/drawing/2014/main" xmlns="" id="{94FA61C2-B84D-4556-BEC7-664B4B1053EB}"/>
+                <a16:creationId xmlns="" xmlns:a16="http://schemas.microsoft.com/office/drawing/2014/main" id="{94FA61C2-B84D-4556-BEC7-664B4B1053EB}"/>
               </a:ext>
             </a:extLst>
           </p:cNvPr>
@@ -9559,7 +9729,7 @@
           <p:cNvPr id="25" name="Groupe 24">
             <a:extLst>
               <a:ext uri="{FF2B5EF4-FFF2-40B4-BE49-F238E27FC236}">
-                <a16:creationId xmlns:a16="http://schemas.microsoft.com/office/drawing/2014/main" xmlns="" id="{61C42AF2-A37B-4024-9CC7-BCA09014BEE4}"/>
+                <a16:creationId xmlns="" xmlns:a16="http://schemas.microsoft.com/office/drawing/2014/main" id="{61C42AF2-A37B-4024-9CC7-BCA09014BEE4}"/>
               </a:ext>
             </a:extLst>
           </p:cNvPr>
@@ -9579,7 +9749,7 @@
             <p:cNvPr id="26" name="Rectangle 25">
               <a:extLst>
                 <a:ext uri="{FF2B5EF4-FFF2-40B4-BE49-F238E27FC236}">
-                  <a16:creationId xmlns:a16="http://schemas.microsoft.com/office/drawing/2014/main" xmlns="" id="{C07CE433-4FF7-4ADB-BF26-D3C838D0ADCB}"/>
+                  <a16:creationId xmlns="" xmlns:a16="http://schemas.microsoft.com/office/drawing/2014/main" id="{C07CE433-4FF7-4ADB-BF26-D3C838D0ADCB}"/>
                 </a:ext>
               </a:extLst>
             </p:cNvPr>
@@ -9630,7 +9800,7 @@
             <p:cNvPr id="27" name="ZoneTexte 26">
               <a:extLst>
                 <a:ext uri="{FF2B5EF4-FFF2-40B4-BE49-F238E27FC236}">
-                  <a16:creationId xmlns:a16="http://schemas.microsoft.com/office/drawing/2014/main" xmlns="" id="{E46FE502-2DAF-4FD4-8D95-8472B9631A90}"/>
+                  <a16:creationId xmlns="" xmlns:a16="http://schemas.microsoft.com/office/drawing/2014/main" id="{E46FE502-2DAF-4FD4-8D95-8472B9631A90}"/>
                 </a:ext>
               </a:extLst>
             </p:cNvPr>
@@ -9826,7 +9996,7 @@
           <p:cNvPr id="29" name="ZoneTexte 28">
             <a:extLst>
               <a:ext uri="{FF2B5EF4-FFF2-40B4-BE49-F238E27FC236}">
-                <a16:creationId xmlns:a16="http://schemas.microsoft.com/office/drawing/2014/main" xmlns="" id="{345CBD4C-02A4-49D0-A86D-41CBBF812EEF}"/>
+                <a16:creationId xmlns="" xmlns:a16="http://schemas.microsoft.com/office/drawing/2014/main" id="{345CBD4C-02A4-49D0-A86D-41CBBF812EEF}"/>
               </a:ext>
             </a:extLst>
           </p:cNvPr>
@@ -9893,7 +10063,7 @@
           <p:cNvPr id="33" name="Rectangle 32">
             <a:extLst>
               <a:ext uri="{FF2B5EF4-FFF2-40B4-BE49-F238E27FC236}">
-                <a16:creationId xmlns:a16="http://schemas.microsoft.com/office/drawing/2014/main" xmlns="" id="{09B04511-0B48-468D-8610-00249895752A}"/>
+                <a16:creationId xmlns="" xmlns:a16="http://schemas.microsoft.com/office/drawing/2014/main" id="{09B04511-0B48-468D-8610-00249895752A}"/>
               </a:ext>
             </a:extLst>
           </p:cNvPr>
@@ -9985,7 +10155,7 @@
           <p:cNvPr id="23" name="Picture 2">
             <a:extLst>
               <a:ext uri="{FF2B5EF4-FFF2-40B4-BE49-F238E27FC236}">
-                <a16:creationId xmlns:a16="http://schemas.microsoft.com/office/drawing/2014/main" xmlns="" id="{1073412C-BD31-4FF8-81F8-7E47107A6CEC}"/>
+                <a16:creationId xmlns="" xmlns:a16="http://schemas.microsoft.com/office/drawing/2014/main" id="{1073412C-BD31-4FF8-81F8-7E47107A6CEC}"/>
               </a:ext>
             </a:extLst>
           </p:cNvPr>
@@ -10962,7 +11132,7 @@
           <p:cNvPr id="16" name="Titre 1">
             <a:extLst>
               <a:ext uri="{FF2B5EF4-FFF2-40B4-BE49-F238E27FC236}">
-                <a16:creationId xmlns:a16="http://schemas.microsoft.com/office/drawing/2014/main" xmlns="" id="{6F7FC47C-E66C-4AF5-AA17-09356D3F5226}"/>
+                <a16:creationId xmlns="" xmlns:a16="http://schemas.microsoft.com/office/drawing/2014/main" id="{6F7FC47C-E66C-4AF5-AA17-09356D3F5226}"/>
               </a:ext>
             </a:extLst>
           </p:cNvPr>
@@ -11006,7 +11176,7 @@
           <p:cNvPr id="14" name="Image 13">
             <a:extLst>
               <a:ext uri="{FF2B5EF4-FFF2-40B4-BE49-F238E27FC236}">
-                <a16:creationId xmlns:a16="http://schemas.microsoft.com/office/drawing/2014/main" xmlns="" id="{1556E920-2D39-49D1-BF92-ED760E2E94D4}"/>
+                <a16:creationId xmlns="" xmlns:a16="http://schemas.microsoft.com/office/drawing/2014/main" id="{1556E920-2D39-49D1-BF92-ED760E2E94D4}"/>
               </a:ext>
             </a:extLst>
           </p:cNvPr>
@@ -11042,7 +11212,7 @@
           <p:cNvPr id="20" name="Rectangle 19">
             <a:extLst>
               <a:ext uri="{FF2B5EF4-FFF2-40B4-BE49-F238E27FC236}">
-                <a16:creationId xmlns:a16="http://schemas.microsoft.com/office/drawing/2014/main" xmlns="" id="{4FF44B8E-1846-45A9-B114-3098B6B8CB1C}"/>
+                <a16:creationId xmlns="" xmlns:a16="http://schemas.microsoft.com/office/drawing/2014/main" id="{4FF44B8E-1846-45A9-B114-3098B6B8CB1C}"/>
               </a:ext>
             </a:extLst>
           </p:cNvPr>
@@ -11103,7 +11273,7 @@
             <p:cNvPr id="26" name="Rectangle 25">
               <a:extLst>
                 <a:ext uri="{FF2B5EF4-FFF2-40B4-BE49-F238E27FC236}">
-                  <a16:creationId xmlns:a16="http://schemas.microsoft.com/office/drawing/2014/main" xmlns="" id="{C8E014B8-8F69-45D0-BC88-472428DD5014}"/>
+                  <a16:creationId xmlns="" xmlns:a16="http://schemas.microsoft.com/office/drawing/2014/main" id="{C8E014B8-8F69-45D0-BC88-472428DD5014}"/>
                 </a:ext>
               </a:extLst>
             </p:cNvPr>
@@ -11197,7 +11367,7 @@
             <p:cNvPr id="25" name="Rectangle 24">
               <a:extLst>
                 <a:ext uri="{FF2B5EF4-FFF2-40B4-BE49-F238E27FC236}">
-                  <a16:creationId xmlns:a16="http://schemas.microsoft.com/office/drawing/2014/main" xmlns="" id="{F8C44AB9-A5E4-4160-AE24-DA78158D6810}"/>
+                  <a16:creationId xmlns="" xmlns:a16="http://schemas.microsoft.com/office/drawing/2014/main" id="{F8C44AB9-A5E4-4160-AE24-DA78158D6810}"/>
                 </a:ext>
               </a:extLst>
             </p:cNvPr>
@@ -11251,7 +11421,7 @@
           <p:cNvPr id="4" name="ZoneTexte 3">
             <a:extLst>
               <a:ext uri="{FF2B5EF4-FFF2-40B4-BE49-F238E27FC236}">
-                <a16:creationId xmlns:a16="http://schemas.microsoft.com/office/drawing/2014/main" xmlns="" id="{23EB7785-DF90-40C0-8BD2-FD80B6A592B2}"/>
+                <a16:creationId xmlns="" xmlns:a16="http://schemas.microsoft.com/office/drawing/2014/main" id="{23EB7785-DF90-40C0-8BD2-FD80B6A592B2}"/>
               </a:ext>
             </a:extLst>
           </p:cNvPr>
@@ -11394,7 +11564,7 @@
             <p:cNvPr id="24" name="Rectangle 23">
               <a:extLst>
                 <a:ext uri="{FF2B5EF4-FFF2-40B4-BE49-F238E27FC236}">
-                  <a16:creationId xmlns:a16="http://schemas.microsoft.com/office/drawing/2014/main" xmlns="" id="{34E8D74E-F19B-4494-9DBD-DE8B735FB8C1}"/>
+                  <a16:creationId xmlns="" xmlns:a16="http://schemas.microsoft.com/office/drawing/2014/main" id="{34E8D74E-F19B-4494-9DBD-DE8B735FB8C1}"/>
                 </a:ext>
               </a:extLst>
             </p:cNvPr>
@@ -11444,7 +11614,7 @@
             <p:cNvPr id="19" name="Rectangle 18">
               <a:extLst>
                 <a:ext uri="{FF2B5EF4-FFF2-40B4-BE49-F238E27FC236}">
-                  <a16:creationId xmlns:a16="http://schemas.microsoft.com/office/drawing/2014/main" xmlns="" id="{C8E014B8-8F69-45D0-BC88-472428DD5014}"/>
+                  <a16:creationId xmlns="" xmlns:a16="http://schemas.microsoft.com/office/drawing/2014/main" id="{C8E014B8-8F69-45D0-BC88-472428DD5014}"/>
                 </a:ext>
               </a:extLst>
             </p:cNvPr>
@@ -11495,7 +11665,7 @@
             <p:cNvPr id="27" name="Rectangle 26">
               <a:extLst>
                 <a:ext uri="{FF2B5EF4-FFF2-40B4-BE49-F238E27FC236}">
-                  <a16:creationId xmlns:a16="http://schemas.microsoft.com/office/drawing/2014/main" xmlns="" id="{B5B55A3B-4C34-4F54-AB3C-6C0AEB43B0A6}"/>
+                  <a16:creationId xmlns="" xmlns:a16="http://schemas.microsoft.com/office/drawing/2014/main" id="{B5B55A3B-4C34-4F54-AB3C-6C0AEB43B0A6}"/>
                 </a:ext>
               </a:extLst>
             </p:cNvPr>
@@ -11552,7 +11722,7 @@
             <p:cNvPr id="28" name="Rectangle 27">
               <a:extLst>
                 <a:ext uri="{FF2B5EF4-FFF2-40B4-BE49-F238E27FC236}">
-                  <a16:creationId xmlns:a16="http://schemas.microsoft.com/office/drawing/2014/main" xmlns="" id="{631F6DC2-FA6D-416F-9457-D644F2D3ED7E}"/>
+                  <a16:creationId xmlns="" xmlns:a16="http://schemas.microsoft.com/office/drawing/2014/main" id="{631F6DC2-FA6D-416F-9457-D644F2D3ED7E}"/>
                 </a:ext>
               </a:extLst>
             </p:cNvPr>
@@ -11620,7 +11790,7 @@
             <p:cNvPr id="23" name="Rectangle 22">
               <a:extLst>
                 <a:ext uri="{FF2B5EF4-FFF2-40B4-BE49-F238E27FC236}">
-                  <a16:creationId xmlns:a16="http://schemas.microsoft.com/office/drawing/2014/main" xmlns="" id="{3E646E85-9F24-4829-9A4B-833B474F4994}"/>
+                  <a16:creationId xmlns="" xmlns:a16="http://schemas.microsoft.com/office/drawing/2014/main" id="{3E646E85-9F24-4829-9A4B-833B474F4994}"/>
                 </a:ext>
               </a:extLst>
             </p:cNvPr>
@@ -11713,7 +11883,7 @@
             <p:cNvPr id="31" name="ZoneTexte 30">
               <a:extLst>
                 <a:ext uri="{FF2B5EF4-FFF2-40B4-BE49-F238E27FC236}">
-                  <a16:creationId xmlns:a16="http://schemas.microsoft.com/office/drawing/2014/main" xmlns="" id="{94FA61C2-B84D-4556-BEC7-664B4B1053EB}"/>
+                  <a16:creationId xmlns="" xmlns:a16="http://schemas.microsoft.com/office/drawing/2014/main" id="{94FA61C2-B84D-4556-BEC7-664B4B1053EB}"/>
                 </a:ext>
               </a:extLst>
             </p:cNvPr>
@@ -11832,7 +12002,7 @@
             <p:cNvPr id="32" name="ZoneTexte 31">
               <a:extLst>
                 <a:ext uri="{FF2B5EF4-FFF2-40B4-BE49-F238E27FC236}">
-                  <a16:creationId xmlns:a16="http://schemas.microsoft.com/office/drawing/2014/main" xmlns="" id="{94FA61C2-B84D-4556-BEC7-664B4B1053EB}"/>
+                  <a16:creationId xmlns="" xmlns:a16="http://schemas.microsoft.com/office/drawing/2014/main" id="{94FA61C2-B84D-4556-BEC7-664B4B1053EB}"/>
                 </a:ext>
               </a:extLst>
             </p:cNvPr>
@@ -11951,7 +12121,7 @@
             <p:cNvPr id="33" name="Rectangle 32">
               <a:extLst>
                 <a:ext uri="{FF2B5EF4-FFF2-40B4-BE49-F238E27FC236}">
-                  <a16:creationId xmlns:a16="http://schemas.microsoft.com/office/drawing/2014/main" xmlns="" id="{C8E014B8-8F69-45D0-BC88-472428DD5014}"/>
+                  <a16:creationId xmlns="" xmlns:a16="http://schemas.microsoft.com/office/drawing/2014/main" id="{C8E014B8-8F69-45D0-BC88-472428DD5014}"/>
                 </a:ext>
               </a:extLst>
             </p:cNvPr>
@@ -12185,7 +12355,7 @@
           <p:cNvPr id="14" name="Titre 1">
             <a:extLst>
               <a:ext uri="{FF2B5EF4-FFF2-40B4-BE49-F238E27FC236}">
-                <a16:creationId xmlns:a16="http://schemas.microsoft.com/office/drawing/2014/main" xmlns="" id="{664C0ADC-F01C-469F-B67C-D594A1C8E5EC}"/>
+                <a16:creationId xmlns="" xmlns:a16="http://schemas.microsoft.com/office/drawing/2014/main" id="{664C0ADC-F01C-469F-B67C-D594A1C8E5EC}"/>
               </a:ext>
             </a:extLst>
           </p:cNvPr>
@@ -12897,7 +13067,7 @@
           <p:cNvPr id="14" name="Titre 1">
             <a:extLst>
               <a:ext uri="{FF2B5EF4-FFF2-40B4-BE49-F238E27FC236}">
-                <a16:creationId xmlns:a16="http://schemas.microsoft.com/office/drawing/2014/main" xmlns="" id="{664C0ADC-F01C-469F-B67C-D594A1C8E5EC}"/>
+                <a16:creationId xmlns="" xmlns:a16="http://schemas.microsoft.com/office/drawing/2014/main" id="{664C0ADC-F01C-469F-B67C-D594A1C8E5EC}"/>
               </a:ext>
             </a:extLst>
           </p:cNvPr>
@@ -13314,7 +13484,7 @@
           <p:cNvPr id="14" name="Titre 1">
             <a:extLst>
               <a:ext uri="{FF2B5EF4-FFF2-40B4-BE49-F238E27FC236}">
-                <a16:creationId xmlns:a16="http://schemas.microsoft.com/office/drawing/2014/main" xmlns="" id="{664C0ADC-F01C-469F-B67C-D594A1C8E5EC}"/>
+                <a16:creationId xmlns="" xmlns:a16="http://schemas.microsoft.com/office/drawing/2014/main" id="{664C0ADC-F01C-469F-B67C-D594A1C8E5EC}"/>
               </a:ext>
             </a:extLst>
           </p:cNvPr>
@@ -13603,15 +13773,23 @@
                   <a:prstClr val="black"/>
                 </a:solidFill>
               </a:rPr>
-              <a:t>(Propose</a:t>
-            </a:r>
-            <a:r>
-              <a:rPr lang="en-US" sz="1900" dirty="0">
+              <a:t>(</a:t>
+            </a:r>
+            <a:r>
+              <a:rPr lang="en-US" sz="1900" dirty="0" smtClean="0">
                 <a:solidFill>
                   <a:prstClr val="black"/>
                 </a:solidFill>
               </a:rPr>
-              <a:t>, Reject, </a:t>
+              <a:t>Propose, </a:t>
+            </a:r>
+            <a:r>
+              <a:rPr lang="en-US" sz="1900" dirty="0" err="1" smtClean="0">
+                <a:solidFill>
+                  <a:prstClr val="black"/>
+                </a:solidFill>
+              </a:rPr>
+              <a:t>CounterPropose</a:t>
             </a:r>
             <a:r>
               <a:rPr lang="en-US" sz="1900" dirty="0" smtClean="0">
@@ -13619,8 +13797,13 @@
                   <a:prstClr val="black"/>
                 </a:solidFill>
               </a:rPr>
-              <a:t>Accept)</a:t>
-            </a:r>
+              <a:t>)</a:t>
+            </a:r>
+            <a:endParaRPr lang="en-US" sz="1900" dirty="0" smtClean="0">
+              <a:solidFill>
+                <a:prstClr val="black"/>
+              </a:solidFill>
+            </a:endParaRPr>
           </a:p>
           <a:p>
             <a:pPr lvl="1">
@@ -13659,36 +13842,28 @@
               <a:t>: </a:t>
             </a:r>
             <a:r>
-              <a:rPr lang="en-US" sz="2400" dirty="0">
+              <a:rPr lang="en-US" sz="2400" dirty="0" smtClean="0">
                 <a:solidFill>
                   <a:prstClr val="black"/>
                 </a:solidFill>
               </a:rPr>
-              <a:t>Statement </a:t>
-            </a:r>
-            <a:r>
-              <a:rPr lang="en-US" sz="2400" dirty="0" smtClean="0">
+              <a:t>Information acts </a:t>
+            </a:r>
+            <a:r>
+              <a:rPr lang="en-US" sz="1900" dirty="0" smtClean="0">
                 <a:solidFill>
                   <a:prstClr val="black"/>
                 </a:solidFill>
               </a:rPr>
-              <a:t>acts </a:t>
-            </a:r>
-            <a:r>
-              <a:rPr lang="en-US" sz="1900" dirty="0">
+              <a:t>(</a:t>
+            </a:r>
+            <a:r>
+              <a:rPr lang="en-US" sz="1900" dirty="0" err="1" smtClean="0">
                 <a:solidFill>
                   <a:prstClr val="black"/>
                 </a:solidFill>
               </a:rPr>
-              <a:t>(</a:t>
-            </a:r>
-            <a:r>
-              <a:rPr lang="en-US" sz="1900" dirty="0" err="1">
-                <a:solidFill>
-                  <a:prstClr val="black"/>
-                </a:solidFill>
-              </a:rPr>
-              <a:t>StatePreference,AskPreference</a:t>
+              <a:t>AskPreference</a:t>
             </a:r>
             <a:r>
               <a:rPr lang="en-US" sz="1900" dirty="0">
@@ -14091,7 +14266,7 @@
           <p:cNvPr id="5" name="ZoneTexte 4">
             <a:extLst>
               <a:ext uri="{FF2B5EF4-FFF2-40B4-BE49-F238E27FC236}">
-                <a16:creationId xmlns:a16="http://schemas.microsoft.com/office/drawing/2014/main" xmlns="" id="{BFFBD950-ABAB-4227-8571-72DBFF533E40}"/>
+                <a16:creationId xmlns="" xmlns:a16="http://schemas.microsoft.com/office/drawing/2014/main" id="{BFFBD950-ABAB-4227-8571-72DBFF533E40}"/>
               </a:ext>
             </a:extLst>
           </p:cNvPr>
@@ -14313,7 +14488,7 @@
           <p:cNvPr id="8" name="Rectangle 7">
             <a:extLst>
               <a:ext uri="{FF2B5EF4-FFF2-40B4-BE49-F238E27FC236}">
-                <a16:creationId xmlns:a16="http://schemas.microsoft.com/office/drawing/2014/main" xmlns="" id="{1ABAD7AF-155F-4D00-992B-CFFD4B852FF8}"/>
+                <a16:creationId xmlns="" xmlns:a16="http://schemas.microsoft.com/office/drawing/2014/main" id="{1ABAD7AF-155F-4D00-992B-CFFD4B852FF8}"/>
               </a:ext>
             </a:extLst>
           </p:cNvPr>
@@ -14622,7 +14797,7 @@
           <p:cNvPr id="5" name="ZoneTexte 4">
             <a:extLst>
               <a:ext uri="{FF2B5EF4-FFF2-40B4-BE49-F238E27FC236}">
-                <a16:creationId xmlns:a16="http://schemas.microsoft.com/office/drawing/2014/main" xmlns="" id="{BFFBD950-ABAB-4227-8571-72DBFF533E40}"/>
+                <a16:creationId xmlns="" xmlns:a16="http://schemas.microsoft.com/office/drawing/2014/main" id="{BFFBD950-ABAB-4227-8571-72DBFF533E40}"/>
               </a:ext>
             </a:extLst>
           </p:cNvPr>
@@ -14790,7 +14965,7 @@
           <p:cNvPr id="6" name="Rectangle 5">
             <a:extLst>
               <a:ext uri="{FF2B5EF4-FFF2-40B4-BE49-F238E27FC236}">
-                <a16:creationId xmlns:a16="http://schemas.microsoft.com/office/drawing/2014/main" xmlns="" id="{1ABAD7AF-155F-4D00-992B-CFFD4B852FF8}"/>
+                <a16:creationId xmlns="" xmlns:a16="http://schemas.microsoft.com/office/drawing/2014/main" id="{1ABAD7AF-155F-4D00-992B-CFFD4B852FF8}"/>
               </a:ext>
             </a:extLst>
           </p:cNvPr>
@@ -14873,7 +15048,7 @@
           <p:cNvPr id="10" name="ZoneTexte 9">
             <a:extLst>
               <a:ext uri="{FF2B5EF4-FFF2-40B4-BE49-F238E27FC236}">
-                <a16:creationId xmlns:a16="http://schemas.microsoft.com/office/drawing/2014/main" xmlns="" id="{4DA97B8E-52E8-4E09-951C-B73407A35AAD}"/>
+                <a16:creationId xmlns="" xmlns:a16="http://schemas.microsoft.com/office/drawing/2014/main" id="{4DA97B8E-52E8-4E09-951C-B73407A35AAD}"/>
               </a:ext>
             </a:extLst>
           </p:cNvPr>
@@ -14920,7 +15095,7 @@
           <p:cNvPr id="11" name="Titre 1">
             <a:extLst>
               <a:ext uri="{FF2B5EF4-FFF2-40B4-BE49-F238E27FC236}">
-                <a16:creationId xmlns:a16="http://schemas.microsoft.com/office/drawing/2014/main" xmlns="" id="{E2BCD793-A108-4B0C-AFD6-572492896B53}"/>
+                <a16:creationId xmlns="" xmlns:a16="http://schemas.microsoft.com/office/drawing/2014/main" id="{E2BCD793-A108-4B0C-AFD6-572492896B53}"/>
               </a:ext>
             </a:extLst>
           </p:cNvPr>
@@ -15299,7 +15474,7 @@
           <p:cNvPr id="5" name="ZoneTexte 4">
             <a:extLst>
               <a:ext uri="{FF2B5EF4-FFF2-40B4-BE49-F238E27FC236}">
-                <a16:creationId xmlns:a16="http://schemas.microsoft.com/office/drawing/2014/main" xmlns="" id="{BFFBD950-ABAB-4227-8571-72DBFF533E40}"/>
+                <a16:creationId xmlns="" xmlns:a16="http://schemas.microsoft.com/office/drawing/2014/main" id="{BFFBD950-ABAB-4227-8571-72DBFF533E40}"/>
               </a:ext>
             </a:extLst>
           </p:cNvPr>
@@ -15511,7 +15686,7 @@
           <p:cNvPr id="6" name="Rectangle 5">
             <a:extLst>
               <a:ext uri="{FF2B5EF4-FFF2-40B4-BE49-F238E27FC236}">
-                <a16:creationId xmlns:a16="http://schemas.microsoft.com/office/drawing/2014/main" xmlns="" id="{1ABAD7AF-155F-4D00-992B-CFFD4B852FF8}"/>
+                <a16:creationId xmlns="" xmlns:a16="http://schemas.microsoft.com/office/drawing/2014/main" id="{1ABAD7AF-155F-4D00-992B-CFFD4B852FF8}"/>
               </a:ext>
             </a:extLst>
           </p:cNvPr>
@@ -15594,7 +15769,7 @@
           <p:cNvPr id="10" name="ZoneTexte 9">
             <a:extLst>
               <a:ext uri="{FF2B5EF4-FFF2-40B4-BE49-F238E27FC236}">
-                <a16:creationId xmlns:a16="http://schemas.microsoft.com/office/drawing/2014/main" xmlns="" id="{4DA97B8E-52E8-4E09-951C-B73407A35AAD}"/>
+                <a16:creationId xmlns="" xmlns:a16="http://schemas.microsoft.com/office/drawing/2014/main" id="{4DA97B8E-52E8-4E09-951C-B73407A35AAD}"/>
               </a:ext>
             </a:extLst>
           </p:cNvPr>
@@ -15641,7 +15816,7 @@
           <p:cNvPr id="11" name="Titre 1">
             <a:extLst>
               <a:ext uri="{FF2B5EF4-FFF2-40B4-BE49-F238E27FC236}">
-                <a16:creationId xmlns:a16="http://schemas.microsoft.com/office/drawing/2014/main" xmlns="" id="{E2BCD793-A108-4B0C-AFD6-572492896B53}"/>
+                <a16:creationId xmlns="" xmlns:a16="http://schemas.microsoft.com/office/drawing/2014/main" id="{E2BCD793-A108-4B0C-AFD6-572492896B53}"/>
               </a:ext>
             </a:extLst>
           </p:cNvPr>
@@ -15719,11 +15894,7 @@
             <a:pPr algn="ctr"/>
             <a:r>
               <a:rPr lang="en-US" sz="2000" dirty="0" smtClean="0"/>
-              <a:t>Principle </a:t>
-            </a:r>
-            <a:r>
-              <a:rPr lang="en-US" sz="2000" dirty="0" smtClean="0"/>
-              <a:t>2: self-centeredness</a:t>
+              <a:t>Principle 2: self-centeredness</a:t>
             </a:r>
             <a:endParaRPr lang="en-US" sz="2000" dirty="0"/>
           </a:p>
@@ -15936,7 +16107,7 @@
           <p:cNvPr id="5" name="ZoneTexte 4">
             <a:extLst>
               <a:ext uri="{FF2B5EF4-FFF2-40B4-BE49-F238E27FC236}">
-                <a16:creationId xmlns:a16="http://schemas.microsoft.com/office/drawing/2014/main" xmlns="" id="{BFFBD950-ABAB-4227-8571-72DBFF533E40}"/>
+                <a16:creationId xmlns="" xmlns:a16="http://schemas.microsoft.com/office/drawing/2014/main" id="{BFFBD950-ABAB-4227-8571-72DBFF533E40}"/>
               </a:ext>
             </a:extLst>
           </p:cNvPr>
@@ -16360,7 +16531,7 @@
           <p:cNvPr id="18" name="ZoneTexte 17">
             <a:extLst>
               <a:ext uri="{FF2B5EF4-FFF2-40B4-BE49-F238E27FC236}">
-                <a16:creationId xmlns:a16="http://schemas.microsoft.com/office/drawing/2014/main" xmlns="" id="{C3B3ABE3-9EC2-469E-873C-A5C62C684DF1}"/>
+                <a16:creationId xmlns="" xmlns:a16="http://schemas.microsoft.com/office/drawing/2014/main" id="{C3B3ABE3-9EC2-469E-873C-A5C62C684DF1}"/>
               </a:ext>
             </a:extLst>
           </p:cNvPr>
@@ -16407,7 +16578,7 @@
           <p:cNvPr id="19" name="Titre 1">
             <a:extLst>
               <a:ext uri="{FF2B5EF4-FFF2-40B4-BE49-F238E27FC236}">
-                <a16:creationId xmlns:a16="http://schemas.microsoft.com/office/drawing/2014/main" xmlns="" id="{12BDFC3C-1C01-4160-B20B-AB98DD070716}"/>
+                <a16:creationId xmlns="" xmlns:a16="http://schemas.microsoft.com/office/drawing/2014/main" id="{12BDFC3C-1C01-4160-B20B-AB98DD070716}"/>
               </a:ext>
             </a:extLst>
           </p:cNvPr>
@@ -16446,7 +16617,7 @@
           <p:cNvPr id="14" name="Rectangle 13">
             <a:extLst>
               <a:ext uri="{FF2B5EF4-FFF2-40B4-BE49-F238E27FC236}">
-                <a16:creationId xmlns:a16="http://schemas.microsoft.com/office/drawing/2014/main" xmlns="" id="{1ABAD7AF-155F-4D00-992B-CFFD4B852FF8}"/>
+                <a16:creationId xmlns="" xmlns:a16="http://schemas.microsoft.com/office/drawing/2014/main" id="{1ABAD7AF-155F-4D00-992B-CFFD4B852FF8}"/>
               </a:ext>
             </a:extLst>
           </p:cNvPr>
@@ -16788,7 +16959,7 @@
           <p:cNvPr id="5" name="ZoneTexte 4">
             <a:extLst>
               <a:ext uri="{FF2B5EF4-FFF2-40B4-BE49-F238E27FC236}">
-                <a16:creationId xmlns:a16="http://schemas.microsoft.com/office/drawing/2014/main" xmlns="" id="{BFFBD950-ABAB-4227-8571-72DBFF533E40}"/>
+                <a16:creationId xmlns="" xmlns:a16="http://schemas.microsoft.com/office/drawing/2014/main" id="{BFFBD950-ABAB-4227-8571-72DBFF533E40}"/>
               </a:ext>
             </a:extLst>
           </p:cNvPr>
@@ -17120,7 +17291,7 @@
           <p:cNvPr id="15" name="ZoneTexte 14">
             <a:extLst>
               <a:ext uri="{FF2B5EF4-FFF2-40B4-BE49-F238E27FC236}">
-                <a16:creationId xmlns:a16="http://schemas.microsoft.com/office/drawing/2014/main" xmlns="" id="{2A3FAC5F-7CCF-4FA4-911D-8A5574188D63}"/>
+                <a16:creationId xmlns="" xmlns:a16="http://schemas.microsoft.com/office/drawing/2014/main" id="{2A3FAC5F-7CCF-4FA4-911D-8A5574188D63}"/>
               </a:ext>
             </a:extLst>
           </p:cNvPr>
@@ -17167,7 +17338,7 @@
           <p:cNvPr id="17" name="Titre 1">
             <a:extLst>
               <a:ext uri="{FF2B5EF4-FFF2-40B4-BE49-F238E27FC236}">
-                <a16:creationId xmlns:a16="http://schemas.microsoft.com/office/drawing/2014/main" xmlns="" id="{74C4F468-574E-4102-B88C-E9B4EBDA6580}"/>
+                <a16:creationId xmlns="" xmlns:a16="http://schemas.microsoft.com/office/drawing/2014/main" id="{74C4F468-574E-4102-B88C-E9B4EBDA6580}"/>
               </a:ext>
             </a:extLst>
           </p:cNvPr>
@@ -17206,7 +17377,7 @@
           <p:cNvPr id="14" name="Rectangle 13">
             <a:extLst>
               <a:ext uri="{FF2B5EF4-FFF2-40B4-BE49-F238E27FC236}">
-                <a16:creationId xmlns:a16="http://schemas.microsoft.com/office/drawing/2014/main" xmlns="" id="{1ABAD7AF-155F-4D00-992B-CFFD4B852FF8}"/>
+                <a16:creationId xmlns="" xmlns:a16="http://schemas.microsoft.com/office/drawing/2014/main" id="{1ABAD7AF-155F-4D00-992B-CFFD4B852FF8}"/>
               </a:ext>
             </a:extLst>
           </p:cNvPr>
@@ -17655,8 +17826,8 @@
         </p:nvSpPr>
         <p:spPr>
           <a:xfrm>
-            <a:off x="395536" y="2276872"/>
-            <a:ext cx="8229600" cy="3940696"/>
+            <a:off x="971600" y="2276872"/>
+            <a:ext cx="7776864" cy="3940696"/>
           </a:xfrm>
         </p:spPr>
         <p:txBody>
@@ -17823,7 +17994,7 @@
           <p:cNvPr id="9" name="ZoneTexte 8">
             <a:extLst>
               <a:ext uri="{FF2B5EF4-FFF2-40B4-BE49-F238E27FC236}">
-                <a16:creationId xmlns:a16="http://schemas.microsoft.com/office/drawing/2014/main" xmlns="" id="{1AB175FA-037C-4BE2-A9EF-E9F07923A9FF}"/>
+                <a16:creationId xmlns="" xmlns:a16="http://schemas.microsoft.com/office/drawing/2014/main" id="{1AB175FA-037C-4BE2-A9EF-E9F07923A9FF}"/>
               </a:ext>
             </a:extLst>
           </p:cNvPr>
@@ -17862,7 +18033,7 @@
           <p:cNvPr id="10" name="Titre 1">
             <a:extLst>
               <a:ext uri="{FF2B5EF4-FFF2-40B4-BE49-F238E27FC236}">
-                <a16:creationId xmlns:a16="http://schemas.microsoft.com/office/drawing/2014/main" xmlns="" id="{1DF4CD20-F84B-4D07-BAE8-6A1045430AD7}"/>
+                <a16:creationId xmlns="" xmlns:a16="http://schemas.microsoft.com/office/drawing/2014/main" id="{1DF4CD20-F84B-4D07-BAE8-6A1045430AD7}"/>
               </a:ext>
             </a:extLst>
           </p:cNvPr>
@@ -17947,6 +18118,190 @@
               <a:t> Evaluate the perception of behaviors related of power.</a:t>
             </a:r>
             <a:endParaRPr lang="fr-FR" sz="2600" dirty="0"/>
+          </a:p>
+        </p:txBody>
+      </p:sp>
+      <p:sp>
+        <p:nvSpPr>
+          <p:cNvPr id="6" name="Flèche droite 5"/>
+          <p:cNvSpPr/>
+          <p:nvPr/>
+        </p:nvSpPr>
+        <p:spPr>
+          <a:xfrm>
+            <a:off x="91386" y="2646149"/>
+            <a:ext cx="1168246" cy="648072"/>
+          </a:xfrm>
+          <a:prstGeom prst="rightArrow">
+            <a:avLst/>
+          </a:prstGeom>
+          <a:ln w="19050"/>
+        </p:spPr>
+        <p:style>
+          <a:lnRef idx="2">
+            <a:schemeClr val="accent2"/>
+          </a:lnRef>
+          <a:fillRef idx="1">
+            <a:schemeClr val="lt1"/>
+          </a:fillRef>
+          <a:effectRef idx="0">
+            <a:schemeClr val="accent2"/>
+          </a:effectRef>
+          <a:fontRef idx="minor">
+            <a:schemeClr val="dk1"/>
+          </a:fontRef>
+        </p:style>
+        <p:txBody>
+          <a:bodyPr rtlCol="0" anchor="ctr"/>
+          <a:lstStyle/>
+          <a:p>
+            <a:pPr algn="ctr"/>
+            <a:r>
+              <a:rPr lang="fr-FR" b="1" dirty="0" err="1" smtClean="0"/>
+              <a:t>Prin</a:t>
+            </a:r>
+            <a:r>
+              <a:rPr lang="fr-FR" b="1" dirty="0" smtClean="0"/>
+              <a:t>. 2</a:t>
+            </a:r>
+            <a:endParaRPr lang="fr-FR" b="1" dirty="0"/>
+          </a:p>
+        </p:txBody>
+      </p:sp>
+      <p:sp>
+        <p:nvSpPr>
+          <p:cNvPr id="11" name="Flèche droite 10"/>
+          <p:cNvSpPr/>
+          <p:nvPr/>
+        </p:nvSpPr>
+        <p:spPr>
+          <a:xfrm>
+            <a:off x="59229" y="5733256"/>
+            <a:ext cx="1168246" cy="648072"/>
+          </a:xfrm>
+          <a:prstGeom prst="rightArrow">
+            <a:avLst/>
+          </a:prstGeom>
+          <a:ln w="19050"/>
+        </p:spPr>
+        <p:style>
+          <a:lnRef idx="2">
+            <a:schemeClr val="accent2"/>
+          </a:lnRef>
+          <a:fillRef idx="1">
+            <a:schemeClr val="lt1"/>
+          </a:fillRef>
+          <a:effectRef idx="0">
+            <a:schemeClr val="accent2"/>
+          </a:effectRef>
+          <a:fontRef idx="minor">
+            <a:schemeClr val="dk1"/>
+          </a:fontRef>
+        </p:style>
+        <p:txBody>
+          <a:bodyPr rtlCol="0" anchor="ctr"/>
+          <a:lstStyle/>
+          <a:p>
+            <a:pPr algn="ctr"/>
+            <a:r>
+              <a:rPr lang="fr-FR" b="1" dirty="0" err="1" smtClean="0"/>
+              <a:t>Prin</a:t>
+            </a:r>
+            <a:r>
+              <a:rPr lang="fr-FR" b="1" dirty="0" smtClean="0"/>
+              <a:t>. 3</a:t>
+            </a:r>
+            <a:endParaRPr lang="fr-FR" b="1" dirty="0"/>
+          </a:p>
+        </p:txBody>
+      </p:sp>
+      <p:sp>
+        <p:nvSpPr>
+          <p:cNvPr id="7" name="Accolade ouvrante 6"/>
+          <p:cNvSpPr/>
+          <p:nvPr/>
+        </p:nvSpPr>
+        <p:spPr>
+          <a:xfrm>
+            <a:off x="1115616" y="3789040"/>
+            <a:ext cx="288032" cy="1512168"/>
+          </a:xfrm>
+          <a:prstGeom prst="leftBrace">
+            <a:avLst/>
+          </a:prstGeom>
+          <a:ln w="19050"/>
+        </p:spPr>
+        <p:style>
+          <a:lnRef idx="2">
+            <a:schemeClr val="accent2"/>
+          </a:lnRef>
+          <a:fillRef idx="1">
+            <a:schemeClr val="lt1"/>
+          </a:fillRef>
+          <a:effectRef idx="0">
+            <a:schemeClr val="accent2"/>
+          </a:effectRef>
+          <a:fontRef idx="minor">
+            <a:schemeClr val="dk1"/>
+          </a:fontRef>
+        </p:style>
+        <p:txBody>
+          <a:bodyPr rtlCol="0" anchor="ctr"/>
+          <a:lstStyle/>
+          <a:p>
+            <a:pPr algn="ctr"/>
+            <a:endParaRPr lang="fr-FR" b="1">
+              <a:solidFill>
+                <a:schemeClr val="dk1"/>
+              </a:solidFill>
+            </a:endParaRPr>
+          </a:p>
+        </p:txBody>
+      </p:sp>
+      <p:sp>
+        <p:nvSpPr>
+          <p:cNvPr id="12" name="Flèche droite 11"/>
+          <p:cNvSpPr/>
+          <p:nvPr/>
+        </p:nvSpPr>
+        <p:spPr>
+          <a:xfrm>
+            <a:off x="91386" y="4221088"/>
+            <a:ext cx="1168246" cy="648072"/>
+          </a:xfrm>
+          <a:prstGeom prst="rightArrow">
+            <a:avLst/>
+          </a:prstGeom>
+          <a:ln w="19050"/>
+        </p:spPr>
+        <p:style>
+          <a:lnRef idx="2">
+            <a:schemeClr val="accent2"/>
+          </a:lnRef>
+          <a:fillRef idx="1">
+            <a:schemeClr val="lt1"/>
+          </a:fillRef>
+          <a:effectRef idx="0">
+            <a:schemeClr val="accent2"/>
+          </a:effectRef>
+          <a:fontRef idx="minor">
+            <a:schemeClr val="dk1"/>
+          </a:fontRef>
+        </p:style>
+        <p:txBody>
+          <a:bodyPr rtlCol="0" anchor="ctr"/>
+          <a:lstStyle/>
+          <a:p>
+            <a:pPr algn="ctr"/>
+            <a:r>
+              <a:rPr lang="fr-FR" b="1" dirty="0" err="1" smtClean="0"/>
+              <a:t>Prin</a:t>
+            </a:r>
+            <a:r>
+              <a:rPr lang="fr-FR" b="1" dirty="0" smtClean="0"/>
+              <a:t>. 1</a:t>
+            </a:r>
+            <a:endParaRPr lang="fr-FR" b="1" dirty="0"/>
           </a:p>
         </p:txBody>
       </p:sp>
@@ -18447,7 +18802,7 @@
             <p:cNvPr id="13" name="Picture 2">
               <a:extLst>
                 <a:ext uri="{FF2B5EF4-FFF2-40B4-BE49-F238E27FC236}">
-                  <a16:creationId xmlns:a16="http://schemas.microsoft.com/office/drawing/2014/main" xmlns="" id="{1073412C-BD31-4FF8-81F8-7E47107A6CEC}"/>
+                  <a16:creationId xmlns="" xmlns:a16="http://schemas.microsoft.com/office/drawing/2014/main" id="{1073412C-BD31-4FF8-81F8-7E47107A6CEC}"/>
                 </a:ext>
               </a:extLst>
             </p:cNvPr>
@@ -18502,7 +18857,7 @@
             <p:cNvPr id="14" name="Picture 2">
               <a:extLst>
                 <a:ext uri="{FF2B5EF4-FFF2-40B4-BE49-F238E27FC236}">
-                  <a16:creationId xmlns:a16="http://schemas.microsoft.com/office/drawing/2014/main" xmlns="" id="{1073412C-BD31-4FF8-81F8-7E47107A6CEC}"/>
+                  <a16:creationId xmlns="" xmlns:a16="http://schemas.microsoft.com/office/drawing/2014/main" id="{1073412C-BD31-4FF8-81F8-7E47107A6CEC}"/>
                 </a:ext>
               </a:extLst>
             </p:cNvPr>
@@ -18972,7 +19327,7 @@
           <p:cNvPr id="21" name="Titre 1">
             <a:extLst>
               <a:ext uri="{FF2B5EF4-FFF2-40B4-BE49-F238E27FC236}">
-                <a16:creationId xmlns:a16="http://schemas.microsoft.com/office/drawing/2014/main" xmlns="" id="{E55D5E34-0B49-4B7D-9777-837B855953CF}"/>
+                <a16:creationId xmlns="" xmlns:a16="http://schemas.microsoft.com/office/drawing/2014/main" id="{E55D5E34-0B49-4B7D-9777-837B855953CF}"/>
               </a:ext>
             </a:extLst>
           </p:cNvPr>
@@ -19039,7 +19394,7 @@
           <p:cNvPr id="23" name="Image 22">
             <a:extLst>
               <a:ext uri="{FF2B5EF4-FFF2-40B4-BE49-F238E27FC236}">
-                <a16:creationId xmlns:a16="http://schemas.microsoft.com/office/drawing/2014/main" xmlns="" id="{D53D89F2-AE8A-477A-A2F9-C334D7FE89CE}"/>
+                <a16:creationId xmlns="" xmlns:a16="http://schemas.microsoft.com/office/drawing/2014/main" id="{D53D89F2-AE8A-477A-A2F9-C334D7FE89CE}"/>
               </a:ext>
             </a:extLst>
           </p:cNvPr>
@@ -19080,7 +19435,7 @@
           <p:cNvPr id="25" name="Image 24">
             <a:extLst>
               <a:ext uri="{FF2B5EF4-FFF2-40B4-BE49-F238E27FC236}">
-                <a16:creationId xmlns:a16="http://schemas.microsoft.com/office/drawing/2014/main" xmlns="" id="{28731151-DA40-43DD-B470-598CF86726A8}"/>
+                <a16:creationId xmlns="" xmlns:a16="http://schemas.microsoft.com/office/drawing/2014/main" id="{28731151-DA40-43DD-B470-598CF86726A8}"/>
               </a:ext>
             </a:extLst>
           </p:cNvPr>
@@ -19189,8 +19544,8 @@
         </p:nvSpPr>
         <p:spPr>
           <a:xfrm>
-            <a:off x="251520" y="5229200"/>
-            <a:ext cx="8117882" cy="1107996"/>
+            <a:off x="1" y="5229200"/>
+            <a:ext cx="9024702" cy="1107996"/>
           </a:xfrm>
           <a:prstGeom prst="rect">
             <a:avLst/>
@@ -19224,13 +19579,18 @@
               <a:buChar char="•"/>
             </a:pPr>
             <a:r>
-              <a:rPr lang="en-US" sz="2200"/>
-              <a:t>Agent A </a:t>
-            </a:r>
-            <a:r>
               <a:rPr lang="en-US" sz="2200" dirty="0"/>
-              <a:t>is the one who leads the dialogue.</a:t>
-            </a:r>
+              <a:t>Agent A is the one who leads the dialogue</a:t>
+            </a:r>
+            <a:r>
+              <a:rPr lang="en-US" sz="2200" dirty="0" smtClean="0"/>
+              <a:t>. </a:t>
+            </a:r>
+            <a:r>
+              <a:rPr lang="en-US" dirty="0" smtClean="0"/>
+              <a:t>(even in the similar condition)</a:t>
+            </a:r>
+            <a:endParaRPr lang="en-US" sz="2200" dirty="0"/>
           </a:p>
         </p:txBody>
       </p:sp>
@@ -19305,7 +19665,7 @@
           <p:cNvPr id="24" name="ZoneTexte 23">
             <a:extLst>
               <a:ext uri="{FF2B5EF4-FFF2-40B4-BE49-F238E27FC236}">
-                <a16:creationId xmlns:a16="http://schemas.microsoft.com/office/drawing/2014/main" xmlns="" id="{96C63FE5-CD8F-440F-B2CB-101C2D901C66}"/>
+                <a16:creationId xmlns="" xmlns:a16="http://schemas.microsoft.com/office/drawing/2014/main" id="{96C63FE5-CD8F-440F-B2CB-101C2D901C66}"/>
               </a:ext>
             </a:extLst>
           </p:cNvPr>
@@ -19340,7 +19700,7 @@
           <p:cNvPr id="25" name="ZoneTexte 24">
             <a:extLst>
               <a:ext uri="{FF2B5EF4-FFF2-40B4-BE49-F238E27FC236}">
-                <a16:creationId xmlns:a16="http://schemas.microsoft.com/office/drawing/2014/main" xmlns="" id="{AAE40979-FF86-497A-AF1B-F1BBA2073296}"/>
+                <a16:creationId xmlns="" xmlns:a16="http://schemas.microsoft.com/office/drawing/2014/main" id="{AAE40979-FF86-497A-AF1B-F1BBA2073296}"/>
               </a:ext>
             </a:extLst>
           </p:cNvPr>
@@ -19375,7 +19735,7 @@
           <p:cNvPr id="32" name="Image 31">
             <a:extLst>
               <a:ext uri="{FF2B5EF4-FFF2-40B4-BE49-F238E27FC236}">
-                <a16:creationId xmlns:a16="http://schemas.microsoft.com/office/drawing/2014/main" xmlns="" id="{B8A974C1-7045-429E-9D7C-82B146B3CF72}"/>
+                <a16:creationId xmlns="" xmlns:a16="http://schemas.microsoft.com/office/drawing/2014/main" id="{B8A974C1-7045-429E-9D7C-82B146B3CF72}"/>
               </a:ext>
             </a:extLst>
           </p:cNvPr>
@@ -19416,7 +19776,7 @@
           <p:cNvPr id="34" name="Image 33">
             <a:extLst>
               <a:ext uri="{FF2B5EF4-FFF2-40B4-BE49-F238E27FC236}">
-                <a16:creationId xmlns:a16="http://schemas.microsoft.com/office/drawing/2014/main" xmlns="" id="{24B0011C-3FE1-48A9-8B0A-9BDF277EDAB6}"/>
+                <a16:creationId xmlns="" xmlns:a16="http://schemas.microsoft.com/office/drawing/2014/main" id="{24B0011C-3FE1-48A9-8B0A-9BDF277EDAB6}"/>
               </a:ext>
             </a:extLst>
           </p:cNvPr>
@@ -20235,7 +20595,7 @@
           <p:cNvPr id="28" name="Image 27">
             <a:extLst>
               <a:ext uri="{FF2B5EF4-FFF2-40B4-BE49-F238E27FC236}">
-                <a16:creationId xmlns:a16="http://schemas.microsoft.com/office/drawing/2014/main" xmlns="" id="{99BDECA0-3950-4C91-975C-5B29FE64CC39}"/>
+                <a16:creationId xmlns="" xmlns:a16="http://schemas.microsoft.com/office/drawing/2014/main" id="{99BDECA0-3950-4C91-975C-5B29FE64CC39}"/>
               </a:ext>
             </a:extLst>
           </p:cNvPr>
@@ -20772,7 +21132,7 @@
           <p:cNvPr id="2" name="Rectangle 1">
             <a:extLst>
               <a:ext uri="{FF2B5EF4-FFF2-40B4-BE49-F238E27FC236}">
-                <a16:creationId xmlns:a16="http://schemas.microsoft.com/office/drawing/2014/main" xmlns="" id="{F27C5ECE-A7E9-4F97-8CFC-2D1207980563}"/>
+                <a16:creationId xmlns="" xmlns:a16="http://schemas.microsoft.com/office/drawing/2014/main" id="{F27C5ECE-A7E9-4F97-8CFC-2D1207980563}"/>
               </a:ext>
             </a:extLst>
           </p:cNvPr>
@@ -21053,16 +21413,13 @@
               <a:buFont typeface="+mj-lt"/>
               <a:buAutoNum type="romanLcPeriod"/>
             </a:pPr>
-            <a:endParaRPr lang="en-US" sz="2400" dirty="0"/>
-          </a:p>
-          <a:p>
-            <a:pPr marL="514350" indent="-514350">
-              <a:buFont typeface="+mj-lt"/>
-              <a:buAutoNum type="arabicPeriod"/>
-            </a:pPr>
+            <a:r>
+              <a:rPr lang="en-US" sz="2800" dirty="0" smtClean="0"/>
+              <a:t>Validate </a:t>
+            </a:r>
             <a:r>
               <a:rPr lang="en-US" sz="2800" dirty="0"/>
-              <a:t>Validate the </a:t>
+              <a:t>the </a:t>
             </a:r>
             <a:r>
               <a:rPr lang="en-US" sz="2800" dirty="0" smtClean="0"/>
@@ -21080,7 +21437,7 @@
           <p:cNvPr id="2" name="Rectangle 1">
             <a:extLst>
               <a:ext uri="{FF2B5EF4-FFF2-40B4-BE49-F238E27FC236}">
-                <a16:creationId xmlns:a16="http://schemas.microsoft.com/office/drawing/2014/main" xmlns="" id="{F27C5ECE-A7E9-4F97-8CFC-2D1207980563}"/>
+                <a16:creationId xmlns="" xmlns:a16="http://schemas.microsoft.com/office/drawing/2014/main" id="{F27C5ECE-A7E9-4F97-8CFC-2D1207980563}"/>
               </a:ext>
             </a:extLst>
           </p:cNvPr>
@@ -22221,7 +22578,7 @@
           <p:cNvPr id="17" name="Picture 2">
             <a:extLst>
               <a:ext uri="{FF2B5EF4-FFF2-40B4-BE49-F238E27FC236}">
-                <a16:creationId xmlns:a16="http://schemas.microsoft.com/office/drawing/2014/main" xmlns="" id="{CFF8B845-5BF8-4A0C-98F6-B619715AAEA2}"/>
+                <a16:creationId xmlns="" xmlns:a16="http://schemas.microsoft.com/office/drawing/2014/main" id="{CFF8B845-5BF8-4A0C-98F6-B619715AAEA2}"/>
               </a:ext>
             </a:extLst>
           </p:cNvPr>
@@ -22283,7 +22640,7 @@
           <p:cNvPr id="18" name="Picture 3">
             <a:extLst>
               <a:ext uri="{FF2B5EF4-FFF2-40B4-BE49-F238E27FC236}">
-                <a16:creationId xmlns:a16="http://schemas.microsoft.com/office/drawing/2014/main" xmlns="" id="{EF2EBBBE-8593-44B1-A72D-A22E9C08FFE7}"/>
+                <a16:creationId xmlns="" xmlns:a16="http://schemas.microsoft.com/office/drawing/2014/main" id="{EF2EBBBE-8593-44B1-A72D-A22E9C08FFE7}"/>
               </a:ext>
             </a:extLst>
           </p:cNvPr>
@@ -22343,7 +22700,7 @@
           <p:cNvPr id="19" name="Rectangle 18">
             <a:extLst>
               <a:ext uri="{FF2B5EF4-FFF2-40B4-BE49-F238E27FC236}">
-                <a16:creationId xmlns:a16="http://schemas.microsoft.com/office/drawing/2014/main" xmlns="" id="{038F1302-F2F7-4CF9-9C4C-50FE7FDCDB4F}"/>
+                <a16:creationId xmlns="" xmlns:a16="http://schemas.microsoft.com/office/drawing/2014/main" id="{038F1302-F2F7-4CF9-9C4C-50FE7FDCDB4F}"/>
               </a:ext>
             </a:extLst>
           </p:cNvPr>
@@ -22402,7 +22759,7 @@
           <p:cNvPr id="20" name="Rectangle 19">
             <a:extLst>
               <a:ext uri="{FF2B5EF4-FFF2-40B4-BE49-F238E27FC236}">
-                <a16:creationId xmlns:a16="http://schemas.microsoft.com/office/drawing/2014/main" xmlns="" id="{3C1AA41B-074B-4F7A-861E-89735F345CF0}"/>
+                <a16:creationId xmlns="" xmlns:a16="http://schemas.microsoft.com/office/drawing/2014/main" id="{3C1AA41B-074B-4F7A-861E-89735F345CF0}"/>
               </a:ext>
             </a:extLst>
           </p:cNvPr>
@@ -22466,7 +22823,7 @@
           <p:cNvPr id="21" name="Rectangle 20">
             <a:extLst>
               <a:ext uri="{FF2B5EF4-FFF2-40B4-BE49-F238E27FC236}">
-                <a16:creationId xmlns:a16="http://schemas.microsoft.com/office/drawing/2014/main" xmlns="" id="{2A756D34-B002-4AB4-AC49-78249344A7BE}"/>
+                <a16:creationId xmlns="" xmlns:a16="http://schemas.microsoft.com/office/drawing/2014/main" id="{2A756D34-B002-4AB4-AC49-78249344A7BE}"/>
               </a:ext>
             </a:extLst>
           </p:cNvPr>
@@ -22525,7 +22882,7 @@
           <p:cNvPr id="22" name="Rectangle 21">
             <a:extLst>
               <a:ext uri="{FF2B5EF4-FFF2-40B4-BE49-F238E27FC236}">
-                <a16:creationId xmlns:a16="http://schemas.microsoft.com/office/drawing/2014/main" xmlns="" id="{9D26596C-72BB-42BF-B369-6121898FA7F5}"/>
+                <a16:creationId xmlns="" xmlns:a16="http://schemas.microsoft.com/office/drawing/2014/main" id="{9D26596C-72BB-42BF-B369-6121898FA7F5}"/>
               </a:ext>
             </a:extLst>
           </p:cNvPr>
@@ -22589,7 +22946,7 @@
           <p:cNvPr id="23" name="Double flèche horizontale 6">
             <a:extLst>
               <a:ext uri="{FF2B5EF4-FFF2-40B4-BE49-F238E27FC236}">
-                <a16:creationId xmlns:a16="http://schemas.microsoft.com/office/drawing/2014/main" xmlns="" id="{AF2A9A22-A058-4C7A-BC4B-F53D47BCE5B2}"/>
+                <a16:creationId xmlns="" xmlns:a16="http://schemas.microsoft.com/office/drawing/2014/main" id="{AF2A9A22-A058-4C7A-BC4B-F53D47BCE5B2}"/>
               </a:ext>
             </a:extLst>
           </p:cNvPr>
@@ -22788,7 +23145,7 @@
         <p:spPr>
           <a:xfrm>
             <a:off x="323528" y="1709928"/>
-            <a:ext cx="5184576" cy="3064848"/>
+            <a:ext cx="5400600" cy="4527384"/>
           </a:xfrm>
           <a:prstGeom prst="rect">
             <a:avLst/>
@@ -22834,7 +23191,7 @@
         <p:spPr>
           <a:xfrm>
             <a:off x="323528" y="1772816"/>
-            <a:ext cx="4924394" cy="3293209"/>
+            <a:ext cx="5400600" cy="4339650"/>
           </a:xfrm>
           <a:prstGeom prst="rect">
             <a:avLst/>
@@ -22848,7 +23205,7 @@
           <a:lstStyle/>
           <a:p>
             <a:r>
-              <a:rPr lang="en-US" sz="2800" b="1" dirty="0">
+              <a:rPr lang="en-US" sz="2800" b="1" dirty="0" smtClean="0">
                 <a:solidFill>
                   <a:srgbClr val="0070C0"/>
                 </a:solidFill>
@@ -22876,18 +23233,84 @@
             </a:r>
             <a:r>
               <a:rPr lang="en-US" i="1" dirty="0"/>
-              <a:t> &amp; Dunbar 98)</a:t>
-            </a:r>
-          </a:p>
-          <a:p>
-            <a:pPr lvl="1"/>
-            <a:endParaRPr lang="en-US" i="1" dirty="0"/>
+              <a:t> &amp; Dunbar </a:t>
+            </a:r>
+            <a:r>
+              <a:rPr lang="en-US" i="1" dirty="0" smtClean="0"/>
+              <a:t>98)</a:t>
+            </a:r>
           </a:p>
           <a:p>
             <a:pPr marL="800100" lvl="1" indent="-342900">
               <a:buFont typeface="Wingdings" panose="05000000000000000000" pitchFamily="2" charset="2"/>
               <a:buChar char="Ø"/>
             </a:pPr>
+            <a:endParaRPr lang="en-US" sz="2400" b="1" i="1" dirty="0">
+              <a:solidFill>
+                <a:schemeClr val="accent3"/>
+              </a:solidFill>
+            </a:endParaRPr>
+          </a:p>
+          <a:p>
+            <a:pPr marL="800100" lvl="1" indent="-342900">
+              <a:buFont typeface="Wingdings" panose="05000000000000000000" pitchFamily="2" charset="2"/>
+              <a:buChar char="Ø"/>
+            </a:pPr>
+            <a:r>
+              <a:rPr lang="en-US" sz="2400" b="1" i="1" dirty="0" smtClean="0">
+                <a:solidFill>
+                  <a:schemeClr val="accent3"/>
+                </a:solidFill>
+              </a:rPr>
+              <a:t>Power</a:t>
+            </a:r>
+            <a:r>
+              <a:rPr lang="en-US" sz="2000" b="1" i="1" dirty="0" smtClean="0">
+                <a:solidFill>
+                  <a:schemeClr val="accent3"/>
+                </a:solidFill>
+              </a:rPr>
+              <a:t> </a:t>
+            </a:r>
+            <a:r>
+              <a:rPr lang="en-US" sz="2400" i="1" dirty="0" smtClean="0"/>
+              <a:t>Ability </a:t>
+            </a:r>
+            <a:r>
+              <a:rPr lang="en-US" sz="2400" i="1" dirty="0"/>
+              <a:t>to influence the behavior of another </a:t>
+            </a:r>
+            <a:r>
+              <a:rPr lang="en-US" sz="2400" i="1" dirty="0" smtClean="0"/>
+              <a:t>person </a:t>
+            </a:r>
+            <a:r>
+              <a:rPr lang="en-US" sz="2000" i="1" dirty="0"/>
+              <a:t>(</a:t>
+            </a:r>
+            <a:r>
+              <a:rPr lang="en-US" sz="2000" i="1" dirty="0" err="1"/>
+              <a:t>Burgoon</a:t>
+            </a:r>
+            <a:r>
+              <a:rPr lang="en-US" sz="2000" i="1" dirty="0"/>
+              <a:t> et al </a:t>
+            </a:r>
+            <a:r>
+              <a:rPr lang="en-US" sz="2000" i="1" dirty="0" smtClean="0"/>
+              <a:t>98)</a:t>
+            </a:r>
+            <a:endParaRPr lang="en-US" sz="2000" i="1" dirty="0"/>
+          </a:p>
+          <a:p>
+            <a:pPr lvl="1"/>
+            <a:endParaRPr lang="en-US" i="1" dirty="0"/>
+          </a:p>
+          <a:p>
+            <a:pPr marL="800100" lvl="1" indent="-342900">
+              <a:buFont typeface="Wingdings" panose="05000000000000000000" pitchFamily="2" charset="2"/>
+              <a:buChar char="Ø"/>
+            </a:pPr>
             <a:r>
               <a:rPr lang="en-US" sz="2400" dirty="0"/>
               <a:t>Control attempts by one individual </a:t>
@@ -22922,12 +23345,21 @@
                   <a:prstClr val="black"/>
                 </a:solidFill>
               </a:rPr>
-              <a:t> &amp; Dunbar 98)</a:t>
-            </a:r>
-          </a:p>
-          <a:p>
-            <a:pPr lvl="1"/>
-            <a:endParaRPr lang="en-US" sz="2400" dirty="0"/>
+              <a:t> &amp; Dunbar 98</a:t>
+            </a:r>
+            <a:r>
+              <a:rPr lang="en-US" i="1" dirty="0" smtClean="0">
+                <a:solidFill>
+                  <a:prstClr val="black"/>
+                </a:solidFill>
+              </a:rPr>
+              <a:t>)</a:t>
+            </a:r>
+            <a:endParaRPr lang="en-US" i="1" dirty="0">
+              <a:solidFill>
+                <a:prstClr val="black"/>
+              </a:solidFill>
+            </a:endParaRPr>
           </a:p>
         </p:txBody>
       </p:sp>
@@ -22974,7 +23406,7 @@
           <p:cNvPr id="1026" name="Picture 2" descr="Image associée">
             <a:extLst>
               <a:ext uri="{FF2B5EF4-FFF2-40B4-BE49-F238E27FC236}">
-                <a16:creationId xmlns:a16="http://schemas.microsoft.com/office/drawing/2014/main" xmlns="" id="{856E596A-F57F-4174-BE45-CD01C6C9D5BE}"/>
+                <a16:creationId xmlns="" xmlns:a16="http://schemas.microsoft.com/office/drawing/2014/main" id="{856E596A-F57F-4174-BE45-CD01C6C9D5BE}"/>
               </a:ext>
             </a:extLst>
           </p:cNvPr>
@@ -22998,8 +23430,8 @@
         </p:blipFill>
         <p:spPr bwMode="auto">
           <a:xfrm>
-            <a:off x="5652120" y="1916832"/>
-            <a:ext cx="3414948" cy="2520280"/>
+            <a:off x="5932095" y="2590168"/>
+            <a:ext cx="3126916" cy="2520280"/>
           </a:xfrm>
           <a:prstGeom prst="rect">
             <a:avLst/>
@@ -23016,130 +23448,6 @@
           </a:extLst>
         </p:spPr>
       </p:pic>
-      <p:sp>
-        <p:nvSpPr>
-          <p:cNvPr id="11" name="Rectangle 10">
-            <a:extLst>
-              <a:ext uri="{FF2B5EF4-FFF2-40B4-BE49-F238E27FC236}">
-                <a16:creationId xmlns:a16="http://schemas.microsoft.com/office/drawing/2014/main" xmlns="" id="{C5E605CE-174C-4F70-A314-BBB4436AE533}"/>
-              </a:ext>
-            </a:extLst>
-          </p:cNvPr>
-          <p:cNvSpPr/>
-          <p:nvPr/>
-        </p:nvSpPr>
-        <p:spPr>
-          <a:xfrm>
-            <a:off x="323528" y="4941168"/>
-            <a:ext cx="8136904" cy="1350648"/>
-          </a:xfrm>
-          <a:prstGeom prst="rect">
-            <a:avLst/>
-          </a:prstGeom>
-          <a:noFill/>
-          <a:ln>
-            <a:solidFill>
-              <a:schemeClr val="accent1"/>
-            </a:solidFill>
-          </a:ln>
-        </p:spPr>
-        <p:style>
-          <a:lnRef idx="2">
-            <a:schemeClr val="accent1">
-              <a:shade val="50000"/>
-            </a:schemeClr>
-          </a:lnRef>
-          <a:fillRef idx="1">
-            <a:schemeClr val="accent1"/>
-          </a:fillRef>
-          <a:effectRef idx="0">
-            <a:schemeClr val="accent1"/>
-          </a:effectRef>
-          <a:fontRef idx="minor">
-            <a:schemeClr val="lt1"/>
-          </a:fontRef>
-        </p:style>
-        <p:txBody>
-          <a:bodyPr rtlCol="0" anchor="ctr"/>
-          <a:lstStyle/>
-          <a:p>
-            <a:pPr algn="ctr"/>
-            <a:endParaRPr lang="fr-FR" dirty="0"/>
-          </a:p>
-        </p:txBody>
-      </p:sp>
-      <p:sp>
-        <p:nvSpPr>
-          <p:cNvPr id="10" name="ZoneTexte 9">
-            <a:extLst>
-              <a:ext uri="{FF2B5EF4-FFF2-40B4-BE49-F238E27FC236}">
-                <a16:creationId xmlns:a16="http://schemas.microsoft.com/office/drawing/2014/main" xmlns="" id="{218F05D1-768A-4986-80EB-6525FB3CC5A0}"/>
-              </a:ext>
-            </a:extLst>
-          </p:cNvPr>
-          <p:cNvSpPr txBox="1"/>
-          <p:nvPr/>
-        </p:nvSpPr>
-        <p:spPr>
-          <a:xfrm>
-            <a:off x="503040" y="4986466"/>
-            <a:ext cx="8640960" cy="1446550"/>
-          </a:xfrm>
-          <a:prstGeom prst="rect">
-            <a:avLst/>
-          </a:prstGeom>
-          <a:noFill/>
-        </p:spPr>
-        <p:txBody>
-          <a:bodyPr wrap="square" rtlCol="0">
-            <a:spAutoFit/>
-          </a:bodyPr>
-          <a:lstStyle/>
-          <a:p>
-            <a:r>
-              <a:rPr lang="en-US" sz="2400" b="1" dirty="0">
-                <a:solidFill>
-                  <a:srgbClr val="0070C0"/>
-                </a:solidFill>
-              </a:rPr>
-              <a:t>Power</a:t>
-            </a:r>
-            <a:endParaRPr lang="en-US" sz="2000" b="1" dirty="0">
-              <a:solidFill>
-                <a:srgbClr val="0070C0"/>
-              </a:solidFill>
-            </a:endParaRPr>
-          </a:p>
-          <a:p>
-            <a:r>
-              <a:rPr lang="en-US" sz="2400" dirty="0"/>
-              <a:t>Ability to influence the behavior of another person</a:t>
-            </a:r>
-          </a:p>
-          <a:p>
-            <a:r>
-              <a:rPr lang="en-US" sz="2000" dirty="0"/>
-              <a:t> </a:t>
-            </a:r>
-            <a:r>
-              <a:rPr lang="en-US" i="1" dirty="0"/>
-              <a:t>(</a:t>
-            </a:r>
-            <a:r>
-              <a:rPr lang="en-US" i="1" dirty="0" err="1"/>
-              <a:t>Burgoon</a:t>
-            </a:r>
-            <a:r>
-              <a:rPr lang="en-US" i="1" dirty="0"/>
-              <a:t> et al 98)</a:t>
-            </a:r>
-            <a:endParaRPr lang="en-US" sz="2000" b="1" dirty="0"/>
-          </a:p>
-          <a:p>
-            <a:endParaRPr lang="fr-FR" sz="2000" dirty="0"/>
-          </a:p>
-        </p:txBody>
-      </p:sp>
     </p:spTree>
     <p:extLst>
       <p:ext uri="{BB962C8B-B14F-4D97-AF65-F5344CB8AC3E}">
@@ -23326,7 +23634,7 @@
           <p:cNvPr id="2050" name="Picture 2" descr="Résultat de recherche d'images pour &quot;Bossy or wimpy: expressing social dominance by combining gaze and linguistic behaviors&quot;">
             <a:extLst>
               <a:ext uri="{FF2B5EF4-FFF2-40B4-BE49-F238E27FC236}">
-                <a16:creationId xmlns:a16="http://schemas.microsoft.com/office/drawing/2014/main" xmlns="" id="{24C18FCD-700E-4908-A15A-C1A7C0543531}"/>
+                <a16:creationId xmlns="" xmlns:a16="http://schemas.microsoft.com/office/drawing/2014/main" id="{24C18FCD-700E-4908-A15A-C1A7C0543531}"/>
               </a:ext>
             </a:extLst>
           </p:cNvPr>
@@ -23373,7 +23681,7 @@
           <p:cNvPr id="7" name="Image 6">
             <a:extLst>
               <a:ext uri="{FF2B5EF4-FFF2-40B4-BE49-F238E27FC236}">
-                <a16:creationId xmlns:a16="http://schemas.microsoft.com/office/drawing/2014/main" xmlns="" id="{FAD6EF74-380B-4967-9F00-E19943025F33}"/>
+                <a16:creationId xmlns="" xmlns:a16="http://schemas.microsoft.com/office/drawing/2014/main" id="{FAD6EF74-380B-4967-9F00-E19943025F33}"/>
               </a:ext>
             </a:extLst>
           </p:cNvPr>
@@ -23403,7 +23711,7 @@
           <p:cNvPr id="8" name="ZoneTexte 7">
             <a:extLst>
               <a:ext uri="{FF2B5EF4-FFF2-40B4-BE49-F238E27FC236}">
-                <a16:creationId xmlns:a16="http://schemas.microsoft.com/office/drawing/2014/main" xmlns="" id="{BF819231-86B9-48FA-88B5-2863AF1A57A7}"/>
+                <a16:creationId xmlns="" xmlns:a16="http://schemas.microsoft.com/office/drawing/2014/main" id="{BF819231-86B9-48FA-88B5-2863AF1A57A7}"/>
               </a:ext>
             </a:extLst>
           </p:cNvPr>
@@ -23463,7 +23771,7 @@
           <p:cNvPr id="9" name="ZoneTexte 8">
             <a:extLst>
               <a:ext uri="{FF2B5EF4-FFF2-40B4-BE49-F238E27FC236}">
-                <a16:creationId xmlns:a16="http://schemas.microsoft.com/office/drawing/2014/main" xmlns="" id="{9D386948-6BD8-4636-95D6-1291621D7625}"/>
+                <a16:creationId xmlns="" xmlns:a16="http://schemas.microsoft.com/office/drawing/2014/main" id="{9D386948-6BD8-4636-95D6-1291621D7625}"/>
               </a:ext>
             </a:extLst>
           </p:cNvPr>
